--- a/Uke 36/Uke 36.pptx
+++ b/Uke 36/Uke 36.pptx
@@ -11,8 +11,14 @@
     <p:sldId id="259" r:id="rId8"/>
     <p:sldId id="260" r:id="rId9"/>
     <p:sldId id="261" r:id="rId10"/>
-    <p:sldId id="262" r:id="rId11"/>
-    <p:sldId id="263" r:id="rId12"/>
+    <p:sldId id="266" r:id="rId11"/>
+    <p:sldId id="267" r:id="rId12"/>
+    <p:sldId id="262" r:id="rId13"/>
+    <p:sldId id="263" r:id="rId14"/>
+    <p:sldId id="264" r:id="rId15"/>
+    <p:sldId id="265" r:id="rId16"/>
+    <p:sldId id="268" r:id="rId17"/>
+    <p:sldId id="269" r:id="rId18"/>
   </p:sldIdLst>
   <p:sldSz cx="12192000" cy="6858000"/>
   <p:notesSz cx="6858000" cy="9144000"/>
@@ -111,7 +117,378 @@
       </a:defRPr>
     </a:lvl9pPr>
   </p:defaultTextStyle>
+  <p:extLst>
+    <p:ext uri="{EFAFB233-063F-42B5-8137-9DF3F51BA10A}">
+      <p15:sldGuideLst xmlns:p15="http://schemas.microsoft.com/office/powerpoint/2012/main"/>
+    </p:ext>
+  </p:extLst>
 </p:presentation>
+</file>
+
+<file path=ppt/revisionInfo.xml><?xml version="1.0" encoding="utf-8"?>
+<p1510:revInfo xmlns:a="http://schemas.openxmlformats.org/drawingml/2006/main" xmlns:r="http://schemas.openxmlformats.org/officeDocument/2006/relationships" xmlns:p1510="http://schemas.microsoft.com/office/powerpoint/2015/10/main">
+  <p1510:revLst>
+    <p1510:client id="{4FF3CF91-C155-4B3F-A995-746046771754}" v="26" dt="2019-08-30T16:19:58.142"/>
+  </p1510:revLst>
+</p1510:revInfo>
+</file>
+
+<file path=ppt/changesInfos/changesInfo1.xml><?xml version="1.0" encoding="utf-8"?>
+<pc:chgInfo xmlns:a="http://schemas.openxmlformats.org/drawingml/2006/main" xmlns:r="http://schemas.openxmlformats.org/officeDocument/2006/relationships" xmlns:ac="http://schemas.microsoft.com/office/drawing/2013/main/command" xmlns:pc="http://schemas.microsoft.com/office/powerpoint/2013/main/command">
+  <pc:docChgLst>
+    <pc:chgData name="Aizan Magomadova" userId="b3d38ecc-02a7-4810-ad44-0e9f513517c5" providerId="ADAL" clId="{4FF3CF91-C155-4B3F-A995-746046771754}"/>
+    <pc:docChg chg="undo custSel mod addSld modSld">
+      <pc:chgData name="Aizan Magomadova" userId="b3d38ecc-02a7-4810-ad44-0e9f513517c5" providerId="ADAL" clId="{4FF3CF91-C155-4B3F-A995-746046771754}" dt="2019-08-30T16:20:11.958" v="767" actId="20577"/>
+      <pc:docMkLst>
+        <pc:docMk/>
+      </pc:docMkLst>
+      <pc:sldChg chg="modSp">
+        <pc:chgData name="Aizan Magomadova" userId="b3d38ecc-02a7-4810-ad44-0e9f513517c5" providerId="ADAL" clId="{4FF3CF91-C155-4B3F-A995-746046771754}" dt="2019-08-30T16:13:13.586" v="735" actId="20577"/>
+        <pc:sldMkLst>
+          <pc:docMk/>
+          <pc:sldMk cId="3319509304" sldId="257"/>
+        </pc:sldMkLst>
+        <pc:spChg chg="mod">
+          <ac:chgData name="Aizan Magomadova" userId="b3d38ecc-02a7-4810-ad44-0e9f513517c5" providerId="ADAL" clId="{4FF3CF91-C155-4B3F-A995-746046771754}" dt="2019-08-30T16:13:13.586" v="735" actId="20577"/>
+          <ac:spMkLst>
+            <pc:docMk/>
+            <pc:sldMk cId="3319509304" sldId="257"/>
+            <ac:spMk id="4" creationId="{727A1D02-3D3D-407C-A14E-E2483E2B2C5E}"/>
+          </ac:spMkLst>
+        </pc:spChg>
+      </pc:sldChg>
+      <pc:sldChg chg="addSp modSp mod setBg">
+        <pc:chgData name="Aizan Magomadova" userId="b3d38ecc-02a7-4810-ad44-0e9f513517c5" providerId="ADAL" clId="{4FF3CF91-C155-4B3F-A995-746046771754}" dt="2019-08-30T15:53:29.452" v="227" actId="5793"/>
+        <pc:sldMkLst>
+          <pc:docMk/>
+          <pc:sldMk cId="1726899102" sldId="261"/>
+        </pc:sldMkLst>
+        <pc:spChg chg="mod">
+          <ac:chgData name="Aizan Magomadova" userId="b3d38ecc-02a7-4810-ad44-0e9f513517c5" providerId="ADAL" clId="{4FF3CF91-C155-4B3F-A995-746046771754}" dt="2019-08-30T15:53:07.580" v="226" actId="26606"/>
+          <ac:spMkLst>
+            <pc:docMk/>
+            <pc:sldMk cId="1726899102" sldId="261"/>
+            <ac:spMk id="2" creationId="{D01A1952-8535-443E-94E0-D6026D5DB9AF}"/>
+          </ac:spMkLst>
+        </pc:spChg>
+        <pc:spChg chg="mod">
+          <ac:chgData name="Aizan Magomadova" userId="b3d38ecc-02a7-4810-ad44-0e9f513517c5" providerId="ADAL" clId="{4FF3CF91-C155-4B3F-A995-746046771754}" dt="2019-08-30T15:53:29.452" v="227" actId="5793"/>
+          <ac:spMkLst>
+            <pc:docMk/>
+            <pc:sldMk cId="1726899102" sldId="261"/>
+            <ac:spMk id="6" creationId="{7E9F9ADD-5DB4-4FB9-84F7-9AF378A3751D}"/>
+          </ac:spMkLst>
+        </pc:spChg>
+        <pc:spChg chg="add">
+          <ac:chgData name="Aizan Magomadova" userId="b3d38ecc-02a7-4810-ad44-0e9f513517c5" providerId="ADAL" clId="{4FF3CF91-C155-4B3F-A995-746046771754}" dt="2019-08-30T15:53:07.580" v="226" actId="26606"/>
+          <ac:spMkLst>
+            <pc:docMk/>
+            <pc:sldMk cId="1726899102" sldId="261"/>
+            <ac:spMk id="11" creationId="{8D70B121-56F4-4848-B38B-182089D909FA}"/>
+          </ac:spMkLst>
+        </pc:spChg>
+        <pc:cxnChg chg="add">
+          <ac:chgData name="Aizan Magomadova" userId="b3d38ecc-02a7-4810-ad44-0e9f513517c5" providerId="ADAL" clId="{4FF3CF91-C155-4B3F-A995-746046771754}" dt="2019-08-30T15:53:07.580" v="226" actId="26606"/>
+          <ac:cxnSpMkLst>
+            <pc:docMk/>
+            <pc:sldMk cId="1726899102" sldId="261"/>
+            <ac:cxnSpMk id="13" creationId="{2D72A2C9-F3CA-4216-8BAD-FA4C970C3C4E}"/>
+          </ac:cxnSpMkLst>
+        </pc:cxnChg>
+      </pc:sldChg>
+      <pc:sldChg chg="addSp delSp modSp add">
+        <pc:chgData name="Aizan Magomadova" userId="b3d38ecc-02a7-4810-ad44-0e9f513517c5" providerId="ADAL" clId="{4FF3CF91-C155-4B3F-A995-746046771754}" dt="2019-08-30T15:09:32.221" v="126" actId="1076"/>
+        <pc:sldMkLst>
+          <pc:docMk/>
+          <pc:sldMk cId="499154109" sldId="264"/>
+        </pc:sldMkLst>
+        <pc:spChg chg="mod">
+          <ac:chgData name="Aizan Magomadova" userId="b3d38ecc-02a7-4810-ad44-0e9f513517c5" providerId="ADAL" clId="{4FF3CF91-C155-4B3F-A995-746046771754}" dt="2019-08-30T15:09:03.792" v="118" actId="14100"/>
+          <ac:spMkLst>
+            <pc:docMk/>
+            <pc:sldMk cId="499154109" sldId="264"/>
+            <ac:spMk id="2" creationId="{076CF970-D7BF-4318-8726-15F8845D2D31}"/>
+          </ac:spMkLst>
+        </pc:spChg>
+        <pc:spChg chg="del">
+          <ac:chgData name="Aizan Magomadova" userId="b3d38ecc-02a7-4810-ad44-0e9f513517c5" providerId="ADAL" clId="{4FF3CF91-C155-4B3F-A995-746046771754}" dt="2019-08-30T14:37:08.264" v="30"/>
+          <ac:spMkLst>
+            <pc:docMk/>
+            <pc:sldMk cId="499154109" sldId="264"/>
+            <ac:spMk id="3" creationId="{7D1C3932-04BE-49A1-BCC8-951C22475E79}"/>
+          </ac:spMkLst>
+        </pc:spChg>
+        <pc:spChg chg="add mod">
+          <ac:chgData name="Aizan Magomadova" userId="b3d38ecc-02a7-4810-ad44-0e9f513517c5" providerId="ADAL" clId="{4FF3CF91-C155-4B3F-A995-746046771754}" dt="2019-08-30T15:09:13.436" v="121" actId="14100"/>
+          <ac:spMkLst>
+            <pc:docMk/>
+            <pc:sldMk cId="499154109" sldId="264"/>
+            <ac:spMk id="4" creationId="{0D2D3FCE-6FDE-40DE-A7D4-EABFCF76C691}"/>
+          </ac:spMkLst>
+        </pc:spChg>
+        <pc:spChg chg="add del mod">
+          <ac:chgData name="Aizan Magomadova" userId="b3d38ecc-02a7-4810-ad44-0e9f513517c5" providerId="ADAL" clId="{4FF3CF91-C155-4B3F-A995-746046771754}" dt="2019-08-30T15:08:47.654" v="116"/>
+          <ac:spMkLst>
+            <pc:docMk/>
+            <pc:sldMk cId="499154109" sldId="264"/>
+            <ac:spMk id="5" creationId="{52068AE9-A0AB-4488-9303-BE7EA235EF3A}"/>
+          </ac:spMkLst>
+        </pc:spChg>
+        <pc:spChg chg="add mod">
+          <ac:chgData name="Aizan Magomadova" userId="b3d38ecc-02a7-4810-ad44-0e9f513517c5" providerId="ADAL" clId="{4FF3CF91-C155-4B3F-A995-746046771754}" dt="2019-08-30T15:09:20.784" v="123" actId="14100"/>
+          <ac:spMkLst>
+            <pc:docMk/>
+            <pc:sldMk cId="499154109" sldId="264"/>
+            <ac:spMk id="6" creationId="{4DAD9C98-6848-48F2-A383-B40318F17F25}"/>
+          </ac:spMkLst>
+        </pc:spChg>
+        <pc:spChg chg="add del mod">
+          <ac:chgData name="Aizan Magomadova" userId="b3d38ecc-02a7-4810-ad44-0e9f513517c5" providerId="ADAL" clId="{4FF3CF91-C155-4B3F-A995-746046771754}" dt="2019-08-30T15:08:46.993" v="115"/>
+          <ac:spMkLst>
+            <pc:docMk/>
+            <pc:sldMk cId="499154109" sldId="264"/>
+            <ac:spMk id="7" creationId="{AC9532F7-3A6F-4089-BF2B-4B45382A07DC}"/>
+          </ac:spMkLst>
+        </pc:spChg>
+        <pc:picChg chg="add del mod">
+          <ac:chgData name="Aizan Magomadova" userId="b3d38ecc-02a7-4810-ad44-0e9f513517c5" providerId="ADAL" clId="{4FF3CF91-C155-4B3F-A995-746046771754}" dt="2019-08-30T15:09:32.221" v="126" actId="1076"/>
+          <ac:picMkLst>
+            <pc:docMk/>
+            <pc:sldMk cId="499154109" sldId="264"/>
+            <ac:picMk id="8" creationId="{2686DDB1-8461-4A82-AAD6-4C4F3AB41B33}"/>
+          </ac:picMkLst>
+        </pc:picChg>
+        <pc:picChg chg="add del mod">
+          <ac:chgData name="Aizan Magomadova" userId="b3d38ecc-02a7-4810-ad44-0e9f513517c5" providerId="ADAL" clId="{4FF3CF91-C155-4B3F-A995-746046771754}" dt="2019-08-30T15:09:29.500" v="125" actId="14100"/>
+          <ac:picMkLst>
+            <pc:docMk/>
+            <pc:sldMk cId="499154109" sldId="264"/>
+            <ac:picMk id="9" creationId="{17C2D83D-4864-457B-B51C-096793796E93}"/>
+          </ac:picMkLst>
+        </pc:picChg>
+      </pc:sldChg>
+      <pc:sldChg chg="addSp delSp modSp add">
+        <pc:chgData name="Aizan Magomadova" userId="b3d38ecc-02a7-4810-ad44-0e9f513517c5" providerId="ADAL" clId="{4FF3CF91-C155-4B3F-A995-746046771754}" dt="2019-08-30T15:48:53.422" v="160" actId="1076"/>
+        <pc:sldMkLst>
+          <pc:docMk/>
+          <pc:sldMk cId="1490168305" sldId="265"/>
+        </pc:sldMkLst>
+        <pc:spChg chg="del">
+          <ac:chgData name="Aizan Magomadova" userId="b3d38ecc-02a7-4810-ad44-0e9f513517c5" providerId="ADAL" clId="{4FF3CF91-C155-4B3F-A995-746046771754}" dt="2019-08-30T15:48:27.800" v="128"/>
+          <ac:spMkLst>
+            <pc:docMk/>
+            <pc:sldMk cId="1490168305" sldId="265"/>
+            <ac:spMk id="2" creationId="{B2F0DE69-0CC9-4DC1-9366-12B30258745F}"/>
+          </ac:spMkLst>
+        </pc:spChg>
+        <pc:spChg chg="del">
+          <ac:chgData name="Aizan Magomadova" userId="b3d38ecc-02a7-4810-ad44-0e9f513517c5" providerId="ADAL" clId="{4FF3CF91-C155-4B3F-A995-746046771754}" dt="2019-08-30T15:48:27.800" v="128"/>
+          <ac:spMkLst>
+            <pc:docMk/>
+            <pc:sldMk cId="1490168305" sldId="265"/>
+            <ac:spMk id="3" creationId="{7811CA69-82FE-4766-82BB-0D35702DDDC1}"/>
+          </ac:spMkLst>
+        </pc:spChg>
+        <pc:spChg chg="del">
+          <ac:chgData name="Aizan Magomadova" userId="b3d38ecc-02a7-4810-ad44-0e9f513517c5" providerId="ADAL" clId="{4FF3CF91-C155-4B3F-A995-746046771754}" dt="2019-08-30T15:48:27.800" v="128"/>
+          <ac:spMkLst>
+            <pc:docMk/>
+            <pc:sldMk cId="1490168305" sldId="265"/>
+            <ac:spMk id="4" creationId="{B2EB7B91-4DFF-49ED-A026-2176EF668F9D}"/>
+          </ac:spMkLst>
+        </pc:spChg>
+        <pc:spChg chg="del">
+          <ac:chgData name="Aizan Magomadova" userId="b3d38ecc-02a7-4810-ad44-0e9f513517c5" providerId="ADAL" clId="{4FF3CF91-C155-4B3F-A995-746046771754}" dt="2019-08-30T15:48:27.800" v="128"/>
+          <ac:spMkLst>
+            <pc:docMk/>
+            <pc:sldMk cId="1490168305" sldId="265"/>
+            <ac:spMk id="5" creationId="{DEB9C5D4-FD05-4AFB-8F6B-39A34F06EE5B}"/>
+          </ac:spMkLst>
+        </pc:spChg>
+        <pc:spChg chg="del">
+          <ac:chgData name="Aizan Magomadova" userId="b3d38ecc-02a7-4810-ad44-0e9f513517c5" providerId="ADAL" clId="{4FF3CF91-C155-4B3F-A995-746046771754}" dt="2019-08-30T15:48:27.800" v="128"/>
+          <ac:spMkLst>
+            <pc:docMk/>
+            <pc:sldMk cId="1490168305" sldId="265"/>
+            <ac:spMk id="6" creationId="{78DBAAF0-B3E3-4758-BF65-447FF262F67A}"/>
+          </ac:spMkLst>
+        </pc:spChg>
+        <pc:spChg chg="add mod">
+          <ac:chgData name="Aizan Magomadova" userId="b3d38ecc-02a7-4810-ad44-0e9f513517c5" providerId="ADAL" clId="{4FF3CF91-C155-4B3F-A995-746046771754}" dt="2019-08-30T15:48:45.258" v="158" actId="20577"/>
+          <ac:spMkLst>
+            <pc:docMk/>
+            <pc:sldMk cId="1490168305" sldId="265"/>
+            <ac:spMk id="7" creationId="{DCC451FD-BAE2-4087-8B8B-99E39CE8672E}"/>
+          </ac:spMkLst>
+        </pc:spChg>
+        <pc:spChg chg="add del mod">
+          <ac:chgData name="Aizan Magomadova" userId="b3d38ecc-02a7-4810-ad44-0e9f513517c5" providerId="ADAL" clId="{4FF3CF91-C155-4B3F-A995-746046771754}" dt="2019-08-30T15:48:32.801" v="129"/>
+          <ac:spMkLst>
+            <pc:docMk/>
+            <pc:sldMk cId="1490168305" sldId="265"/>
+            <ac:spMk id="8" creationId="{8CB72D8A-8D3C-4AF8-9D43-E361432D40E8}"/>
+          </ac:spMkLst>
+        </pc:spChg>
+        <pc:picChg chg="add mod">
+          <ac:chgData name="Aizan Magomadova" userId="b3d38ecc-02a7-4810-ad44-0e9f513517c5" providerId="ADAL" clId="{4FF3CF91-C155-4B3F-A995-746046771754}" dt="2019-08-30T15:48:53.422" v="160" actId="1076"/>
+          <ac:picMkLst>
+            <pc:docMk/>
+            <pc:sldMk cId="1490168305" sldId="265"/>
+            <ac:picMk id="9" creationId="{CD5BAC85-C099-430E-8BCA-C27324A2C111}"/>
+          </ac:picMkLst>
+        </pc:picChg>
+      </pc:sldChg>
+      <pc:sldChg chg="addSp delSp modSp add mod setBg">
+        <pc:chgData name="Aizan Magomadova" userId="b3d38ecc-02a7-4810-ad44-0e9f513517c5" providerId="ADAL" clId="{4FF3CF91-C155-4B3F-A995-746046771754}" dt="2019-08-30T15:52:51.815" v="225" actId="26606"/>
+        <pc:sldMkLst>
+          <pc:docMk/>
+          <pc:sldMk cId="938720025" sldId="266"/>
+        </pc:sldMkLst>
+        <pc:spChg chg="mod">
+          <ac:chgData name="Aizan Magomadova" userId="b3d38ecc-02a7-4810-ad44-0e9f513517c5" providerId="ADAL" clId="{4FF3CF91-C155-4B3F-A995-746046771754}" dt="2019-08-30T15:52:51.815" v="225" actId="26606"/>
+          <ac:spMkLst>
+            <pc:docMk/>
+            <pc:sldMk cId="938720025" sldId="266"/>
+            <ac:spMk id="2" creationId="{1B2B7BE1-1D35-4F7A-9305-35BE2681C716}"/>
+          </ac:spMkLst>
+        </pc:spChg>
+        <pc:spChg chg="del">
+          <ac:chgData name="Aizan Magomadova" userId="b3d38ecc-02a7-4810-ad44-0e9f513517c5" providerId="ADAL" clId="{4FF3CF91-C155-4B3F-A995-746046771754}" dt="2019-08-30T15:50:09.979" v="162"/>
+          <ac:spMkLst>
+            <pc:docMk/>
+            <pc:sldMk cId="938720025" sldId="266"/>
+            <ac:spMk id="3" creationId="{75A41150-293D-41B4-9A22-D8A914B6CDBF}"/>
+          </ac:spMkLst>
+        </pc:spChg>
+        <pc:spChg chg="add del">
+          <ac:chgData name="Aizan Magomadova" userId="b3d38ecc-02a7-4810-ad44-0e9f513517c5" providerId="ADAL" clId="{4FF3CF91-C155-4B3F-A995-746046771754}" dt="2019-08-30T15:52:47.265" v="220" actId="26606"/>
+          <ac:spMkLst>
+            <pc:docMk/>
+            <pc:sldMk cId="938720025" sldId="266"/>
+            <ac:spMk id="8" creationId="{1388FED3-4CEF-4DC1-8A49-6BC49D73D48E}"/>
+          </ac:spMkLst>
+        </pc:spChg>
+        <pc:spChg chg="add del">
+          <ac:chgData name="Aizan Magomadova" userId="b3d38ecc-02a7-4810-ad44-0e9f513517c5" providerId="ADAL" clId="{4FF3CF91-C155-4B3F-A995-746046771754}" dt="2019-08-30T15:52:47.265" v="220" actId="26606"/>
+          <ac:spMkLst>
+            <pc:docMk/>
+            <pc:sldMk cId="938720025" sldId="266"/>
+            <ac:spMk id="11" creationId="{8F8AAABF-193E-4661-945E-C429586E1A42}"/>
+          </ac:spMkLst>
+        </pc:spChg>
+        <pc:spChg chg="add del">
+          <ac:chgData name="Aizan Magomadova" userId="b3d38ecc-02a7-4810-ad44-0e9f513517c5" providerId="ADAL" clId="{4FF3CF91-C155-4B3F-A995-746046771754}" dt="2019-08-30T15:52:49.578" v="222" actId="26606"/>
+          <ac:spMkLst>
+            <pc:docMk/>
+            <pc:sldMk cId="938720025" sldId="266"/>
+            <ac:spMk id="13" creationId="{2C2073D1-B384-4A5D-AFC1-3C3234129BB0}"/>
+          </ac:spMkLst>
+        </pc:spChg>
+        <pc:spChg chg="add del">
+          <ac:chgData name="Aizan Magomadova" userId="b3d38ecc-02a7-4810-ad44-0e9f513517c5" providerId="ADAL" clId="{4FF3CF91-C155-4B3F-A995-746046771754}" dt="2019-08-30T15:52:51.802" v="224" actId="26606"/>
+          <ac:spMkLst>
+            <pc:docMk/>
+            <pc:sldMk cId="938720025" sldId="266"/>
+            <ac:spMk id="15" creationId="{34B3E51D-F8CB-4C24-A409-1EF02B7F65E8}"/>
+          </ac:spMkLst>
+        </pc:spChg>
+        <pc:spChg chg="add del">
+          <ac:chgData name="Aizan Magomadova" userId="b3d38ecc-02a7-4810-ad44-0e9f513517c5" providerId="ADAL" clId="{4FF3CF91-C155-4B3F-A995-746046771754}" dt="2019-08-30T15:52:51.802" v="224" actId="26606"/>
+          <ac:spMkLst>
+            <pc:docMk/>
+            <pc:sldMk cId="938720025" sldId="266"/>
+            <ac:spMk id="16" creationId="{43573EFB-E773-46FC-B866-B57ED2E3906B}"/>
+          </ac:spMkLst>
+        </pc:spChg>
+        <pc:spChg chg="add">
+          <ac:chgData name="Aizan Magomadova" userId="b3d38ecc-02a7-4810-ad44-0e9f513517c5" providerId="ADAL" clId="{4FF3CF91-C155-4B3F-A995-746046771754}" dt="2019-08-30T15:52:51.815" v="225" actId="26606"/>
+          <ac:spMkLst>
+            <pc:docMk/>
+            <pc:sldMk cId="938720025" sldId="266"/>
+            <ac:spMk id="18" creationId="{2C2073D1-B384-4A5D-AFC1-3C3234129BB0}"/>
+          </ac:spMkLst>
+        </pc:spChg>
+        <pc:picChg chg="add mod">
+          <ac:chgData name="Aizan Magomadova" userId="b3d38ecc-02a7-4810-ad44-0e9f513517c5" providerId="ADAL" clId="{4FF3CF91-C155-4B3F-A995-746046771754}" dt="2019-08-30T15:52:51.815" v="225" actId="26606"/>
+          <ac:picMkLst>
+            <pc:docMk/>
+            <pc:sldMk cId="938720025" sldId="266"/>
+            <ac:picMk id="4" creationId="{4A64744F-CB98-4A96-B48D-F0CC722949F8}"/>
+          </ac:picMkLst>
+        </pc:picChg>
+      </pc:sldChg>
+      <pc:sldChg chg="addSp delSp modSp add mod setBg">
+        <pc:chgData name="Aizan Magomadova" userId="b3d38ecc-02a7-4810-ad44-0e9f513517c5" providerId="ADAL" clId="{4FF3CF91-C155-4B3F-A995-746046771754}" dt="2019-08-30T15:52:27.330" v="218" actId="26606"/>
+        <pc:sldMkLst>
+          <pc:docMk/>
+          <pc:sldMk cId="2500729025" sldId="267"/>
+        </pc:sldMkLst>
+        <pc:spChg chg="mod">
+          <ac:chgData name="Aizan Magomadova" userId="b3d38ecc-02a7-4810-ad44-0e9f513517c5" providerId="ADAL" clId="{4FF3CF91-C155-4B3F-A995-746046771754}" dt="2019-08-30T15:52:27.330" v="218" actId="26606"/>
+          <ac:spMkLst>
+            <pc:docMk/>
+            <pc:sldMk cId="2500729025" sldId="267"/>
+            <ac:spMk id="2" creationId="{F5FACBDC-D219-4664-82A4-7B6CEFDA425A}"/>
+          </ac:spMkLst>
+        </pc:spChg>
+        <pc:spChg chg="del">
+          <ac:chgData name="Aizan Magomadova" userId="b3d38ecc-02a7-4810-ad44-0e9f513517c5" providerId="ADAL" clId="{4FF3CF91-C155-4B3F-A995-746046771754}" dt="2019-08-30T15:52:06.681" v="199"/>
+          <ac:spMkLst>
+            <pc:docMk/>
+            <pc:sldMk cId="2500729025" sldId="267"/>
+            <ac:spMk id="3" creationId="{4FFE5099-C8B6-463C-9D8A-203F800C50A7}"/>
+          </ac:spMkLst>
+        </pc:spChg>
+        <pc:picChg chg="add mod">
+          <ac:chgData name="Aizan Magomadova" userId="b3d38ecc-02a7-4810-ad44-0e9f513517c5" providerId="ADAL" clId="{4FF3CF91-C155-4B3F-A995-746046771754}" dt="2019-08-30T15:52:27.330" v="218" actId="26606"/>
+          <ac:picMkLst>
+            <pc:docMk/>
+            <pc:sldMk cId="2500729025" sldId="267"/>
+            <ac:picMk id="4" creationId="{186AC1C6-755A-4A23-9CFB-4B2725BB5733}"/>
+          </ac:picMkLst>
+        </pc:picChg>
+      </pc:sldChg>
+      <pc:sldChg chg="modSp add">
+        <pc:chgData name="Aizan Magomadova" userId="b3d38ecc-02a7-4810-ad44-0e9f513517c5" providerId="ADAL" clId="{4FF3CF91-C155-4B3F-A995-746046771754}" dt="2019-08-30T16:09:39.433" v="685" actId="255"/>
+        <pc:sldMkLst>
+          <pc:docMk/>
+          <pc:sldMk cId="693983138" sldId="268"/>
+        </pc:sldMkLst>
+        <pc:spChg chg="mod">
+          <ac:chgData name="Aizan Magomadova" userId="b3d38ecc-02a7-4810-ad44-0e9f513517c5" providerId="ADAL" clId="{4FF3CF91-C155-4B3F-A995-746046771754}" dt="2019-08-30T15:58:05.927" v="256" actId="20577"/>
+          <ac:spMkLst>
+            <pc:docMk/>
+            <pc:sldMk cId="693983138" sldId="268"/>
+            <ac:spMk id="2" creationId="{FE184700-84C2-4FBC-B26C-11848704AF98}"/>
+          </ac:spMkLst>
+        </pc:spChg>
+        <pc:spChg chg="mod">
+          <ac:chgData name="Aizan Magomadova" userId="b3d38ecc-02a7-4810-ad44-0e9f513517c5" providerId="ADAL" clId="{4FF3CF91-C155-4B3F-A995-746046771754}" dt="2019-08-30T16:09:39.433" v="685" actId="255"/>
+          <ac:spMkLst>
+            <pc:docMk/>
+            <pc:sldMk cId="693983138" sldId="268"/>
+            <ac:spMk id="3" creationId="{D4D0CFF2-7535-4F2F-A0C5-1156E977CAF4}"/>
+          </ac:spMkLst>
+        </pc:spChg>
+      </pc:sldChg>
+      <pc:sldChg chg="modSp add">
+        <pc:chgData name="Aizan Magomadova" userId="b3d38ecc-02a7-4810-ad44-0e9f513517c5" providerId="ADAL" clId="{4FF3CF91-C155-4B3F-A995-746046771754}" dt="2019-08-30T16:20:11.958" v="767" actId="20577"/>
+        <pc:sldMkLst>
+          <pc:docMk/>
+          <pc:sldMk cId="1469847800" sldId="269"/>
+        </pc:sldMkLst>
+        <pc:spChg chg="mod">
+          <ac:chgData name="Aizan Magomadova" userId="b3d38ecc-02a7-4810-ad44-0e9f513517c5" providerId="ADAL" clId="{4FF3CF91-C155-4B3F-A995-746046771754}" dt="2019-08-30T16:20:11.958" v="767" actId="20577"/>
+          <ac:spMkLst>
+            <pc:docMk/>
+            <pc:sldMk cId="1469847800" sldId="269"/>
+            <ac:spMk id="2" creationId="{43F82709-F448-4040-99B3-415B8DC75204}"/>
+          </ac:spMkLst>
+        </pc:spChg>
+      </pc:sldChg>
+    </pc:docChg>
+  </pc:docChgLst>
+</pc:chgInfo>
 </file>
 
 <file path=ppt/slideLayouts/slideLayout1.xml><?xml version="1.0" encoding="utf-8"?>
@@ -3397,6 +3774,754 @@
 </p:sld>
 </file>
 
+<file path=ppt/slides/slide10.xml><?xml version="1.0" encoding="utf-8"?>
+<p:sld xmlns:a="http://schemas.openxmlformats.org/drawingml/2006/main" xmlns:r="http://schemas.openxmlformats.org/officeDocument/2006/relationships" xmlns:p="http://schemas.openxmlformats.org/presentationml/2006/main">
+  <p:cSld>
+    <p:spTree>
+      <p:nvGrpSpPr>
+        <p:cNvPr id="1" name=""/>
+        <p:cNvGrpSpPr/>
+        <p:nvPr/>
+      </p:nvGrpSpPr>
+      <p:grpSpPr>
+        <a:xfrm>
+          <a:off x="0" y="0"/>
+          <a:ext cx="0" cy="0"/>
+          <a:chOff x="0" y="0"/>
+          <a:chExt cx="0" cy="0"/>
+        </a:xfrm>
+      </p:grpSpPr>
+      <p:sp>
+        <p:nvSpPr>
+          <p:cNvPr id="2" name="Tittel 1">
+            <a:extLst>
+              <a:ext uri="{FF2B5EF4-FFF2-40B4-BE49-F238E27FC236}">
+                <a16:creationId xmlns:a16="http://schemas.microsoft.com/office/drawing/2014/main" id="{DD2B464C-C456-43A5-A383-C5B7C5E7DF9D}"/>
+              </a:ext>
+            </a:extLst>
+          </p:cNvPr>
+          <p:cNvSpPr>
+            <a:spLocks noGrp="1"/>
+          </p:cNvSpPr>
+          <p:nvPr>
+            <p:ph type="title"/>
+          </p:nvPr>
+        </p:nvSpPr>
+        <p:spPr/>
+        <p:txBody>
+          <a:bodyPr/>
+          <a:lstStyle/>
+          <a:p>
+            <a:r>
+              <a:rPr lang="nb-NO" dirty="0"/>
+              <a:t>Nøstede if-setninger</a:t>
+            </a:r>
+          </a:p>
+        </p:txBody>
+      </p:sp>
+      <p:pic>
+        <p:nvPicPr>
+          <p:cNvPr id="5" name="Plassholder for innhold 4">
+            <a:extLst>
+              <a:ext uri="{FF2B5EF4-FFF2-40B4-BE49-F238E27FC236}">
+                <a16:creationId xmlns:a16="http://schemas.microsoft.com/office/drawing/2014/main" id="{FD90BF40-1AF9-404C-BF06-B5980060B33D}"/>
+              </a:ext>
+            </a:extLst>
+          </p:cNvPr>
+          <p:cNvPicPr>
+            <a:picLocks noGrp="1" noChangeAspect="1"/>
+          </p:cNvPicPr>
+          <p:nvPr>
+            <p:ph idx="1"/>
+          </p:nvPr>
+        </p:nvPicPr>
+        <p:blipFill>
+          <a:blip r:embed="rId2"/>
+          <a:stretch>
+            <a:fillRect/>
+          </a:stretch>
+        </p:blipFill>
+        <p:spPr>
+          <a:xfrm>
+            <a:off x="3752850" y="2220119"/>
+            <a:ext cx="4686300" cy="3562350"/>
+          </a:xfrm>
+          <a:prstGeom prst="rect">
+            <a:avLst/>
+          </a:prstGeom>
+        </p:spPr>
+      </p:pic>
+    </p:spTree>
+    <p:extLst>
+      <p:ext uri="{BB962C8B-B14F-4D97-AF65-F5344CB8AC3E}">
+        <p14:creationId xmlns:p14="http://schemas.microsoft.com/office/powerpoint/2010/main" val="483499526"/>
+      </p:ext>
+    </p:extLst>
+  </p:cSld>
+  <p:clrMapOvr>
+    <a:masterClrMapping/>
+  </p:clrMapOvr>
+</p:sld>
+</file>
+
+<file path=ppt/slides/slide11.xml><?xml version="1.0" encoding="utf-8"?>
+<p:sld xmlns:a="http://schemas.openxmlformats.org/drawingml/2006/main" xmlns:r="http://schemas.openxmlformats.org/officeDocument/2006/relationships" xmlns:p="http://schemas.openxmlformats.org/presentationml/2006/main">
+  <p:cSld>
+    <p:spTree>
+      <p:nvGrpSpPr>
+        <p:cNvPr id="1" name=""/>
+        <p:cNvGrpSpPr/>
+        <p:nvPr/>
+      </p:nvGrpSpPr>
+      <p:grpSpPr>
+        <a:xfrm>
+          <a:off x="0" y="0"/>
+          <a:ext cx="0" cy="0"/>
+          <a:chOff x="0" y="0"/>
+          <a:chExt cx="0" cy="0"/>
+        </a:xfrm>
+      </p:grpSpPr>
+      <p:sp>
+        <p:nvSpPr>
+          <p:cNvPr id="2" name="Tittel 1">
+            <a:extLst>
+              <a:ext uri="{FF2B5EF4-FFF2-40B4-BE49-F238E27FC236}">
+                <a16:creationId xmlns:a16="http://schemas.microsoft.com/office/drawing/2014/main" id="{076CF970-D7BF-4318-8726-15F8845D2D31}"/>
+              </a:ext>
+            </a:extLst>
+          </p:cNvPr>
+          <p:cNvSpPr>
+            <a:spLocks noGrp="1"/>
+          </p:cNvSpPr>
+          <p:nvPr>
+            <p:ph type="title"/>
+          </p:nvPr>
+        </p:nvSpPr>
+        <p:spPr>
+          <a:xfrm>
+            <a:off x="839788" y="365125"/>
+            <a:ext cx="10515600" cy="823913"/>
+          </a:xfrm>
+        </p:spPr>
+        <p:txBody>
+          <a:bodyPr/>
+          <a:lstStyle/>
+          <a:p>
+            <a:r>
+              <a:rPr lang="nb-NO" dirty="0"/>
+              <a:t>Tegning med JavaScript</a:t>
+            </a:r>
+          </a:p>
+        </p:txBody>
+      </p:sp>
+      <p:sp>
+        <p:nvSpPr>
+          <p:cNvPr id="4" name="Plassholder for tekst 3">
+            <a:extLst>
+              <a:ext uri="{FF2B5EF4-FFF2-40B4-BE49-F238E27FC236}">
+                <a16:creationId xmlns:a16="http://schemas.microsoft.com/office/drawing/2014/main" id="{0D2D3FCE-6FDE-40DE-A7D4-EABFCF76C691}"/>
+              </a:ext>
+            </a:extLst>
+          </p:cNvPr>
+          <p:cNvSpPr>
+            <a:spLocks noGrp="1"/>
+          </p:cNvSpPr>
+          <p:nvPr>
+            <p:ph type="body" idx="1"/>
+          </p:nvPr>
+        </p:nvSpPr>
+        <p:spPr>
+          <a:xfrm>
+            <a:off x="839788" y="1403095"/>
+            <a:ext cx="5157787" cy="528944"/>
+          </a:xfrm>
+        </p:spPr>
+        <p:txBody>
+          <a:bodyPr/>
+          <a:lstStyle/>
+          <a:p>
+            <a:r>
+              <a:rPr lang="nb-NO" dirty="0"/>
+              <a:t>Tegning av en firkant i canvas</a:t>
+            </a:r>
+          </a:p>
+        </p:txBody>
+      </p:sp>
+      <p:pic>
+        <p:nvPicPr>
+          <p:cNvPr id="9" name="Plassholder for innhold 8">
+            <a:extLst>
+              <a:ext uri="{FF2B5EF4-FFF2-40B4-BE49-F238E27FC236}">
+                <a16:creationId xmlns:a16="http://schemas.microsoft.com/office/drawing/2014/main" id="{17C2D83D-4864-457B-B51C-096793796E93}"/>
+              </a:ext>
+            </a:extLst>
+          </p:cNvPr>
+          <p:cNvPicPr>
+            <a:picLocks noGrp="1" noChangeAspect="1"/>
+          </p:cNvPicPr>
+          <p:nvPr>
+            <p:ph sz="half" idx="2"/>
+          </p:nvPr>
+        </p:nvPicPr>
+        <p:blipFill>
+          <a:blip r:embed="rId2"/>
+          <a:stretch>
+            <a:fillRect/>
+          </a:stretch>
+        </p:blipFill>
+        <p:spPr>
+          <a:xfrm>
+            <a:off x="839788" y="2146096"/>
+            <a:ext cx="4922088" cy="4346779"/>
+          </a:xfrm>
+          <a:prstGeom prst="rect">
+            <a:avLst/>
+          </a:prstGeom>
+        </p:spPr>
+      </p:pic>
+      <p:sp>
+        <p:nvSpPr>
+          <p:cNvPr id="6" name="Plassholder for tekst 5">
+            <a:extLst>
+              <a:ext uri="{FF2B5EF4-FFF2-40B4-BE49-F238E27FC236}">
+                <a16:creationId xmlns:a16="http://schemas.microsoft.com/office/drawing/2014/main" id="{4DAD9C98-6848-48F2-A383-B40318F17F25}"/>
+              </a:ext>
+            </a:extLst>
+          </p:cNvPr>
+          <p:cNvSpPr>
+            <a:spLocks noGrp="1"/>
+          </p:cNvSpPr>
+          <p:nvPr>
+            <p:ph type="body" sz="quarter" idx="3"/>
+          </p:nvPr>
+        </p:nvSpPr>
+        <p:spPr>
+          <a:xfrm>
+            <a:off x="6172200" y="1403095"/>
+            <a:ext cx="5183188" cy="528944"/>
+          </a:xfrm>
+        </p:spPr>
+        <p:txBody>
+          <a:bodyPr/>
+          <a:lstStyle/>
+          <a:p>
+            <a:r>
+              <a:rPr lang="nb-NO" dirty="0"/>
+              <a:t>Tegning av en firkant i p5</a:t>
+            </a:r>
+          </a:p>
+        </p:txBody>
+      </p:sp>
+      <p:pic>
+        <p:nvPicPr>
+          <p:cNvPr id="8" name="Plassholder for innhold 7">
+            <a:extLst>
+              <a:ext uri="{FF2B5EF4-FFF2-40B4-BE49-F238E27FC236}">
+                <a16:creationId xmlns:a16="http://schemas.microsoft.com/office/drawing/2014/main" id="{2686DDB1-8461-4A82-AAD6-4C4F3AB41B33}"/>
+              </a:ext>
+            </a:extLst>
+          </p:cNvPr>
+          <p:cNvPicPr>
+            <a:picLocks noGrp="1" noChangeAspect="1"/>
+          </p:cNvPicPr>
+          <p:nvPr>
+            <p:ph sz="quarter" idx="4"/>
+          </p:nvPr>
+        </p:nvPicPr>
+        <p:blipFill>
+          <a:blip r:embed="rId3"/>
+          <a:stretch>
+            <a:fillRect/>
+          </a:stretch>
+        </p:blipFill>
+        <p:spPr>
+          <a:xfrm>
+            <a:off x="6603650" y="2146096"/>
+            <a:ext cx="3907333" cy="3684588"/>
+          </a:xfrm>
+          <a:prstGeom prst="rect">
+            <a:avLst/>
+          </a:prstGeom>
+        </p:spPr>
+      </p:pic>
+    </p:spTree>
+    <p:extLst>
+      <p:ext uri="{BB962C8B-B14F-4D97-AF65-F5344CB8AC3E}">
+        <p14:creationId xmlns:p14="http://schemas.microsoft.com/office/powerpoint/2010/main" val="499154109"/>
+      </p:ext>
+    </p:extLst>
+  </p:cSld>
+  <p:clrMapOvr>
+    <a:masterClrMapping/>
+  </p:clrMapOvr>
+</p:sld>
+</file>
+
+<file path=ppt/slides/slide12.xml><?xml version="1.0" encoding="utf-8"?>
+<p:sld xmlns:a="http://schemas.openxmlformats.org/drawingml/2006/main" xmlns:r="http://schemas.openxmlformats.org/officeDocument/2006/relationships" xmlns:p="http://schemas.openxmlformats.org/presentationml/2006/main">
+  <p:cSld>
+    <p:spTree>
+      <p:nvGrpSpPr>
+        <p:cNvPr id="1" name=""/>
+        <p:cNvGrpSpPr/>
+        <p:nvPr/>
+      </p:nvGrpSpPr>
+      <p:grpSpPr>
+        <a:xfrm>
+          <a:off x="0" y="0"/>
+          <a:ext cx="0" cy="0"/>
+          <a:chOff x="0" y="0"/>
+          <a:chExt cx="0" cy="0"/>
+        </a:xfrm>
+      </p:grpSpPr>
+      <p:sp>
+        <p:nvSpPr>
+          <p:cNvPr id="7" name="Tittel 6">
+            <a:extLst>
+              <a:ext uri="{FF2B5EF4-FFF2-40B4-BE49-F238E27FC236}">
+                <a16:creationId xmlns:a16="http://schemas.microsoft.com/office/drawing/2014/main" id="{DCC451FD-BAE2-4087-8B8B-99E39CE8672E}"/>
+              </a:ext>
+            </a:extLst>
+          </p:cNvPr>
+          <p:cNvSpPr>
+            <a:spLocks noGrp="1"/>
+          </p:cNvSpPr>
+          <p:nvPr>
+            <p:ph type="title"/>
+          </p:nvPr>
+        </p:nvSpPr>
+        <p:spPr/>
+        <p:txBody>
+          <a:bodyPr/>
+          <a:lstStyle/>
+          <a:p>
+            <a:r>
+              <a:rPr lang="nb-NO" dirty="0"/>
+              <a:t>Tegne ved hjelp av variabler</a:t>
+            </a:r>
+          </a:p>
+        </p:txBody>
+      </p:sp>
+      <p:pic>
+        <p:nvPicPr>
+          <p:cNvPr id="9" name="Plassholder for innhold 8">
+            <a:extLst>
+              <a:ext uri="{FF2B5EF4-FFF2-40B4-BE49-F238E27FC236}">
+                <a16:creationId xmlns:a16="http://schemas.microsoft.com/office/drawing/2014/main" id="{CD5BAC85-C099-430E-8BCA-C27324A2C111}"/>
+              </a:ext>
+            </a:extLst>
+          </p:cNvPr>
+          <p:cNvPicPr>
+            <a:picLocks noGrp="1" noChangeAspect="1"/>
+          </p:cNvPicPr>
+          <p:nvPr>
+            <p:ph idx="1"/>
+          </p:nvPr>
+        </p:nvPicPr>
+        <p:blipFill>
+          <a:blip r:embed="rId2"/>
+          <a:stretch>
+            <a:fillRect/>
+          </a:stretch>
+        </p:blipFill>
+        <p:spPr>
+          <a:xfrm>
+            <a:off x="1385764" y="1976284"/>
+            <a:ext cx="8008498" cy="3350367"/>
+          </a:xfrm>
+          <a:prstGeom prst="rect">
+            <a:avLst/>
+          </a:prstGeom>
+        </p:spPr>
+      </p:pic>
+    </p:spTree>
+    <p:extLst>
+      <p:ext uri="{BB962C8B-B14F-4D97-AF65-F5344CB8AC3E}">
+        <p14:creationId xmlns:p14="http://schemas.microsoft.com/office/powerpoint/2010/main" val="1490168305"/>
+      </p:ext>
+    </p:extLst>
+  </p:cSld>
+  <p:clrMapOvr>
+    <a:masterClrMapping/>
+  </p:clrMapOvr>
+</p:sld>
+</file>
+
+<file path=ppt/slides/slide13.xml><?xml version="1.0" encoding="utf-8"?>
+<p:sld xmlns:a="http://schemas.openxmlformats.org/drawingml/2006/main" xmlns:r="http://schemas.openxmlformats.org/officeDocument/2006/relationships" xmlns:p="http://schemas.openxmlformats.org/presentationml/2006/main">
+  <p:cSld>
+    <p:spTree>
+      <p:nvGrpSpPr>
+        <p:cNvPr id="1" name=""/>
+        <p:cNvGrpSpPr/>
+        <p:nvPr/>
+      </p:nvGrpSpPr>
+      <p:grpSpPr>
+        <a:xfrm>
+          <a:off x="0" y="0"/>
+          <a:ext cx="0" cy="0"/>
+          <a:chOff x="0" y="0"/>
+          <a:chExt cx="0" cy="0"/>
+        </a:xfrm>
+      </p:grpSpPr>
+      <p:sp>
+        <p:nvSpPr>
+          <p:cNvPr id="2" name="Tittel 1">
+            <a:extLst>
+              <a:ext uri="{FF2B5EF4-FFF2-40B4-BE49-F238E27FC236}">
+                <a16:creationId xmlns:a16="http://schemas.microsoft.com/office/drawing/2014/main" id="{FE184700-84C2-4FBC-B26C-11848704AF98}"/>
+              </a:ext>
+            </a:extLst>
+          </p:cNvPr>
+          <p:cNvSpPr>
+            <a:spLocks noGrp="1"/>
+          </p:cNvSpPr>
+          <p:nvPr>
+            <p:ph type="title"/>
+          </p:nvPr>
+        </p:nvSpPr>
+        <p:spPr/>
+        <p:txBody>
+          <a:bodyPr/>
+          <a:lstStyle/>
+          <a:p>
+            <a:r>
+              <a:rPr lang="nb-NO" dirty="0"/>
+              <a:t>Flere JavaScript-kommandoer</a:t>
+            </a:r>
+          </a:p>
+        </p:txBody>
+      </p:sp>
+      <p:sp>
+        <p:nvSpPr>
+          <p:cNvPr id="3" name="Plassholder for innhold 2">
+            <a:extLst>
+              <a:ext uri="{FF2B5EF4-FFF2-40B4-BE49-F238E27FC236}">
+                <a16:creationId xmlns:a16="http://schemas.microsoft.com/office/drawing/2014/main" id="{D4D0CFF2-7535-4F2F-A0C5-1156E977CAF4}"/>
+              </a:ext>
+            </a:extLst>
+          </p:cNvPr>
+          <p:cNvSpPr>
+            <a:spLocks noGrp="1"/>
+          </p:cNvSpPr>
+          <p:nvPr>
+            <p:ph idx="1"/>
+          </p:nvPr>
+        </p:nvSpPr>
+        <p:spPr/>
+        <p:txBody>
+          <a:bodyPr/>
+          <a:lstStyle/>
+          <a:p>
+            <a:r>
+              <a:rPr lang="nb-NO" dirty="0" err="1"/>
+              <a:t>ctx.</a:t>
+            </a:r>
+            <a:r>
+              <a:rPr lang="nb-NO" i="1" dirty="0" err="1">
+                <a:solidFill>
+                  <a:schemeClr val="accent1">
+                    <a:lumMod val="75000"/>
+                  </a:schemeClr>
+                </a:solidFill>
+              </a:rPr>
+              <a:t>strokeRect</a:t>
+            </a:r>
+            <a:r>
+              <a:rPr lang="nb-NO" dirty="0"/>
+              <a:t>(</a:t>
+            </a:r>
+            <a:r>
+              <a:rPr lang="nb-NO" dirty="0" err="1"/>
+              <a:t>x,y</a:t>
+            </a:r>
+            <a:r>
+              <a:rPr lang="nb-NO" dirty="0"/>
+              <a:t>, bredde, høyde) </a:t>
+            </a:r>
+            <a:r>
+              <a:rPr lang="nb-NO" sz="2400" i="1" dirty="0"/>
+              <a:t>//tegner omrisset av et rektangel</a:t>
+            </a:r>
+          </a:p>
+          <a:p>
+            <a:r>
+              <a:rPr lang="nb-NO" dirty="0" err="1"/>
+              <a:t>ctx.</a:t>
+            </a:r>
+            <a:r>
+              <a:rPr lang="nb-NO" i="1" dirty="0" err="1">
+                <a:solidFill>
+                  <a:schemeClr val="accent1">
+                    <a:lumMod val="75000"/>
+                  </a:schemeClr>
+                </a:solidFill>
+              </a:rPr>
+              <a:t>fillText</a:t>
+            </a:r>
+            <a:r>
+              <a:rPr lang="nb-NO" i="1" dirty="0">
+                <a:solidFill>
+                  <a:schemeClr val="accent1">
+                    <a:lumMod val="75000"/>
+                  </a:schemeClr>
+                </a:solidFill>
+              </a:rPr>
+              <a:t>(«</a:t>
+            </a:r>
+            <a:r>
+              <a:rPr lang="nb-NO" dirty="0" err="1"/>
+              <a:t>tekst»,x</a:t>
+            </a:r>
+            <a:r>
+              <a:rPr lang="nb-NO" dirty="0"/>
+              <a:t>, y) </a:t>
+            </a:r>
+            <a:r>
+              <a:rPr lang="nb-NO" sz="2400" i="1" dirty="0"/>
+              <a:t>//legger til tekst</a:t>
+            </a:r>
+          </a:p>
+          <a:p>
+            <a:r>
+              <a:rPr lang="nb-NO" dirty="0" err="1"/>
+              <a:t>ctx.</a:t>
+            </a:r>
+            <a:r>
+              <a:rPr lang="nb-NO" i="1" dirty="0" err="1">
+                <a:solidFill>
+                  <a:schemeClr val="accent1">
+                    <a:lumMod val="75000"/>
+                  </a:schemeClr>
+                </a:solidFill>
+              </a:rPr>
+              <a:t>lineTo</a:t>
+            </a:r>
+            <a:r>
+              <a:rPr lang="nb-NO" dirty="0"/>
+              <a:t>(</a:t>
+            </a:r>
+            <a:r>
+              <a:rPr lang="nb-NO" dirty="0" err="1"/>
+              <a:t>x,y</a:t>
+            </a:r>
+            <a:r>
+              <a:rPr lang="nb-NO" dirty="0"/>
+              <a:t>) </a:t>
+            </a:r>
+            <a:r>
+              <a:rPr lang="nb-NO" sz="2400" i="1" dirty="0"/>
+              <a:t>//tegner linje til punktet</a:t>
+            </a:r>
+          </a:p>
+          <a:p>
+            <a:r>
+              <a:rPr lang="nb-NO" dirty="0" err="1"/>
+              <a:t>ctx.</a:t>
+            </a:r>
+            <a:r>
+              <a:rPr lang="nb-NO" i="1" dirty="0" err="1">
+                <a:solidFill>
+                  <a:schemeClr val="accent1">
+                    <a:lumMod val="75000"/>
+                  </a:schemeClr>
+                </a:solidFill>
+              </a:rPr>
+              <a:t>moveTo</a:t>
+            </a:r>
+            <a:r>
+              <a:rPr lang="nb-NO" dirty="0"/>
+              <a:t>(</a:t>
+            </a:r>
+            <a:r>
+              <a:rPr lang="nb-NO" dirty="0" err="1"/>
+              <a:t>x,y</a:t>
+            </a:r>
+            <a:r>
+              <a:rPr lang="nb-NO" dirty="0"/>
+              <a:t>) </a:t>
+            </a:r>
+            <a:r>
+              <a:rPr lang="nb-NO" sz="2400" i="1" dirty="0"/>
+              <a:t>//flytter «pennen» til punktet (x, y)</a:t>
+            </a:r>
+          </a:p>
+          <a:p>
+            <a:r>
+              <a:rPr lang="nb-NO" dirty="0" err="1"/>
+              <a:t>ctx.</a:t>
+            </a:r>
+            <a:r>
+              <a:rPr lang="nb-NO" i="1" dirty="0" err="1">
+                <a:solidFill>
+                  <a:schemeClr val="accent1">
+                    <a:lumMod val="75000"/>
+                  </a:schemeClr>
+                </a:solidFill>
+              </a:rPr>
+              <a:t>fill</a:t>
+            </a:r>
+            <a:r>
+              <a:rPr lang="nb-NO" dirty="0"/>
+              <a:t>() </a:t>
+            </a:r>
+            <a:r>
+              <a:rPr lang="nb-NO" sz="2400" i="1" dirty="0"/>
+              <a:t>//fyller en form</a:t>
+            </a:r>
+          </a:p>
+          <a:p>
+            <a:r>
+              <a:rPr lang="nb-NO" dirty="0" err="1"/>
+              <a:t>ctx.</a:t>
+            </a:r>
+            <a:r>
+              <a:rPr lang="nb-NO" i="1" dirty="0" err="1">
+                <a:solidFill>
+                  <a:schemeClr val="accent1">
+                    <a:lumMod val="75000"/>
+                  </a:schemeClr>
+                </a:solidFill>
+              </a:rPr>
+              <a:t>strokeStyle</a:t>
+            </a:r>
+            <a:r>
+              <a:rPr lang="nb-NO" dirty="0"/>
+              <a:t>=«…» </a:t>
+            </a:r>
+            <a:r>
+              <a:rPr lang="nb-NO" sz="2400" i="1" dirty="0"/>
+              <a:t>// bestemmer omrissfarge</a:t>
+            </a:r>
+          </a:p>
+          <a:p>
+            <a:r>
+              <a:rPr lang="nb-NO" dirty="0" err="1"/>
+              <a:t>ctx.</a:t>
+            </a:r>
+            <a:r>
+              <a:rPr lang="nb-NO" i="1" dirty="0" err="1">
+                <a:solidFill>
+                  <a:schemeClr val="accent1">
+                    <a:lumMod val="75000"/>
+                  </a:schemeClr>
+                </a:solidFill>
+              </a:rPr>
+              <a:t>lineWidth</a:t>
+            </a:r>
+            <a:r>
+              <a:rPr lang="nb-NO" dirty="0"/>
+              <a:t>=«…» </a:t>
+            </a:r>
+            <a:r>
+              <a:rPr lang="nb-NO" sz="2400" i="1" dirty="0"/>
+              <a:t>// bestemmer linjetykkelse</a:t>
+            </a:r>
+          </a:p>
+          <a:p>
+            <a:endParaRPr lang="nb-NO" dirty="0"/>
+          </a:p>
+          <a:p>
+            <a:endParaRPr lang="nb-NO" dirty="0"/>
+          </a:p>
+        </p:txBody>
+      </p:sp>
+    </p:spTree>
+    <p:extLst>
+      <p:ext uri="{BB962C8B-B14F-4D97-AF65-F5344CB8AC3E}">
+        <p14:creationId xmlns:p14="http://schemas.microsoft.com/office/powerpoint/2010/main" val="693983138"/>
+      </p:ext>
+    </p:extLst>
+  </p:cSld>
+  <p:clrMapOvr>
+    <a:masterClrMapping/>
+  </p:clrMapOvr>
+</p:sld>
+</file>
+
+<file path=ppt/slides/slide14.xml><?xml version="1.0" encoding="utf-8"?>
+<p:sld xmlns:a="http://schemas.openxmlformats.org/drawingml/2006/main" xmlns:r="http://schemas.openxmlformats.org/officeDocument/2006/relationships" xmlns:p="http://schemas.openxmlformats.org/presentationml/2006/main">
+  <p:cSld>
+    <p:spTree>
+      <p:nvGrpSpPr>
+        <p:cNvPr id="1" name=""/>
+        <p:cNvGrpSpPr/>
+        <p:nvPr/>
+      </p:nvGrpSpPr>
+      <p:grpSpPr>
+        <a:xfrm>
+          <a:off x="0" y="0"/>
+          <a:ext cx="0" cy="0"/>
+          <a:chOff x="0" y="0"/>
+          <a:chExt cx="0" cy="0"/>
+        </a:xfrm>
+      </p:grpSpPr>
+      <p:sp>
+        <p:nvSpPr>
+          <p:cNvPr id="2" name="Tittel 1">
+            <a:extLst>
+              <a:ext uri="{FF2B5EF4-FFF2-40B4-BE49-F238E27FC236}">
+                <a16:creationId xmlns:a16="http://schemas.microsoft.com/office/drawing/2014/main" id="{43F82709-F448-4040-99B3-415B8DC75204}"/>
+              </a:ext>
+            </a:extLst>
+          </p:cNvPr>
+          <p:cNvSpPr>
+            <a:spLocks noGrp="1"/>
+          </p:cNvSpPr>
+          <p:nvPr>
+            <p:ph type="title"/>
+          </p:nvPr>
+        </p:nvSpPr>
+        <p:spPr/>
+        <p:txBody>
+          <a:bodyPr/>
+          <a:lstStyle/>
+          <a:p>
+            <a:r>
+              <a:rPr lang="nb-NO" dirty="0"/>
+              <a:t>Viser flere eksempler på tavla</a:t>
+            </a:r>
+          </a:p>
+        </p:txBody>
+      </p:sp>
+      <p:sp>
+        <p:nvSpPr>
+          <p:cNvPr id="3" name="Plassholder for innhold 2">
+            <a:extLst>
+              <a:ext uri="{FF2B5EF4-FFF2-40B4-BE49-F238E27FC236}">
+                <a16:creationId xmlns:a16="http://schemas.microsoft.com/office/drawing/2014/main" id="{984841E2-2C3B-402C-BAB7-FFAAFA7D2B80}"/>
+              </a:ext>
+            </a:extLst>
+          </p:cNvPr>
+          <p:cNvSpPr>
+            <a:spLocks noGrp="1"/>
+          </p:cNvSpPr>
+          <p:nvPr>
+            <p:ph idx="1"/>
+          </p:nvPr>
+        </p:nvSpPr>
+        <p:spPr/>
+        <p:txBody>
+          <a:bodyPr/>
+          <a:lstStyle/>
+          <a:p>
+            <a:endParaRPr lang="nb-NO" dirty="0"/>
+          </a:p>
+        </p:txBody>
+      </p:sp>
+    </p:spTree>
+    <p:extLst>
+      <p:ext uri="{BB962C8B-B14F-4D97-AF65-F5344CB8AC3E}">
+        <p14:creationId xmlns:p14="http://schemas.microsoft.com/office/powerpoint/2010/main" val="1469847800"/>
+      </p:ext>
+    </p:extLst>
+  </p:cSld>
+  <p:clrMapOvr>
+    <a:masterClrMapping/>
+  </p:clrMapOvr>
+</p:sld>
+</file>
+
 <file path=ppt/slides/slide2.xml><?xml version="1.0" encoding="utf-8"?>
 <p:sld xmlns:a="http://schemas.openxmlformats.org/drawingml/2006/main" xmlns:r="http://schemas.openxmlformats.org/officeDocument/2006/relationships" xmlns:p="http://schemas.openxmlformats.org/presentationml/2006/main">
   <p:cSld>
@@ -3515,7 +4640,7 @@
         </p:spPr>
         <p:txBody>
           <a:bodyPr vert="horz" lIns="91440" tIns="45720" rIns="91440" bIns="45720" rtlCol="0" anchor="ctr">
-            <a:normAutofit/>
+            <a:normAutofit fontScale="90000"/>
           </a:bodyPr>
           <a:lstStyle/>
           <a:p>
@@ -3528,16 +4653,13 @@
             <a:br>
               <a:rPr lang="en-US" sz="1300" dirty="0"/>
             </a:br>
-            <a:br>
-              <a:rPr lang="en-US" sz="1300" b="1" dirty="0"/>
-            </a:br>
             <a:r>
               <a:rPr lang="en-US" sz="2400" b="1" dirty="0" err="1"/>
-              <a:t>Kapittel</a:t>
+              <a:t>Kap</a:t>
             </a:r>
             <a:r>
               <a:rPr lang="en-US" sz="2400" b="1" dirty="0"/>
-              <a:t> 4: If-</a:t>
+              <a:t> 4.1.- 4.2: If-</a:t>
             </a:r>
             <a:r>
               <a:rPr lang="en-US" sz="2400" b="1" dirty="0" err="1"/>
@@ -3545,19 +4667,22 @@
             </a:r>
             <a:r>
               <a:rPr lang="en-US" sz="2400" b="1" dirty="0"/>
-              <a:t> </a:t>
+              <a:t>. </a:t>
+            </a:r>
+            <a:br>
+              <a:rPr lang="en-US" sz="2400" b="1" dirty="0"/>
+            </a:br>
+            <a:r>
+              <a:rPr lang="en-US" sz="2400" b="1" dirty="0"/>
+              <a:t>3.5: </a:t>
             </a:r>
             <a:r>
               <a:rPr lang="en-US" sz="2400" b="1" dirty="0" err="1"/>
-              <a:t>og</a:t>
+              <a:t>Tegning</a:t>
             </a:r>
             <a:r>
               <a:rPr lang="en-US" sz="2400" b="1" dirty="0"/>
-              <a:t> </a:t>
-            </a:r>
-            <a:r>
-              <a:rPr lang="en-US" sz="2400" b="1" dirty="0" err="1"/>
-              <a:t>løkker</a:t>
+              <a:t> med JavaScript</a:t>
             </a:r>
             <a:br>
               <a:rPr lang="en-US" sz="1300" dirty="0"/>
@@ -4265,6 +5390,14 @@
 <file path=ppt/slides/slide6.xml><?xml version="1.0" encoding="utf-8"?>
 <p:sld xmlns:a="http://schemas.openxmlformats.org/drawingml/2006/main" xmlns:r="http://schemas.openxmlformats.org/officeDocument/2006/relationships" xmlns:p="http://schemas.openxmlformats.org/presentationml/2006/main">
   <p:cSld>
+    <p:bg>
+      <p:bgPr>
+        <a:solidFill>
+          <a:schemeClr val="bg1"/>
+        </a:solidFill>
+        <a:effectLst/>
+      </p:bgPr>
+    </p:bg>
     <p:spTree>
       <p:nvGrpSpPr>
         <p:cNvPr id="1" name=""/>
@@ -4281,6 +5414,71 @@
       </p:grpSpPr>
       <p:sp>
         <p:nvSpPr>
+          <p:cNvPr id="11" name="Rectangle 10">
+            <a:extLst>
+              <a:ext uri="{FF2B5EF4-FFF2-40B4-BE49-F238E27FC236}">
+                <a16:creationId xmlns:a16="http://schemas.microsoft.com/office/drawing/2014/main" id="{8D70B121-56F4-4848-B38B-182089D909FA}"/>
+              </a:ext>
+              <a:ext uri="{C183D7F6-B498-43B3-948B-1728B52AA6E4}">
+                <adec:decorative xmlns:adec="http://schemas.microsoft.com/office/drawing/2017/decorative" val="1"/>
+              </a:ext>
+            </a:extLst>
+          </p:cNvPr>
+          <p:cNvSpPr>
+            <a:spLocks noGrp="1" noRot="1" noChangeAspect="1" noMove="1" noResize="1" noEditPoints="1" noAdjustHandles="1" noChangeArrowheads="1" noChangeShapeType="1" noTextEdit="1"/>
+          </p:cNvSpPr>
+          <p:nvPr>
+            <p:extLst>
+              <p:ext uri="{386F3935-93C4-4BCD-93E2-E3B085C9AB24}">
+                <p16:designElem xmlns:p16="http://schemas.microsoft.com/office/powerpoint/2015/main" val="1"/>
+              </p:ext>
+            </p:extLst>
+          </p:nvPr>
+        </p:nvSpPr>
+        <p:spPr bwMode="ltGray">
+          <a:xfrm>
+            <a:off x="321564" y="320040"/>
+            <a:ext cx="11548872" cy="6217920"/>
+          </a:xfrm>
+          <a:prstGeom prst="rect">
+            <a:avLst/>
+          </a:prstGeom>
+          <a:solidFill>
+            <a:schemeClr val="tx1">
+              <a:alpha val="8000"/>
+            </a:schemeClr>
+          </a:solidFill>
+          <a:ln w="127000" cap="sq" cmpd="thinThick">
+            <a:noFill/>
+          </a:ln>
+        </p:spPr>
+        <p:style>
+          <a:lnRef idx="2">
+            <a:schemeClr val="accent1">
+              <a:shade val="50000"/>
+            </a:schemeClr>
+          </a:lnRef>
+          <a:fillRef idx="1">
+            <a:schemeClr val="accent1"/>
+          </a:fillRef>
+          <a:effectRef idx="0">
+            <a:schemeClr val="accent1"/>
+          </a:effectRef>
+          <a:fontRef idx="minor">
+            <a:schemeClr val="lt1"/>
+          </a:fontRef>
+        </p:style>
+        <p:txBody>
+          <a:bodyPr rtlCol="0" anchor="ctr"/>
+          <a:lstStyle/>
+          <a:p>
+            <a:pPr algn="ctr"/>
+            <a:endParaRPr lang="en-US"/>
+          </a:p>
+        </p:txBody>
+      </p:sp>
+      <p:sp>
+        <p:nvSpPr>
           <p:cNvPr id="2" name="Tittel 1">
             <a:extLst>
               <a:ext uri="{FF2B5EF4-FFF2-40B4-BE49-F238E27FC236}">
@@ -4295,18 +5493,85 @@
             <p:ph type="title"/>
           </p:nvPr>
         </p:nvSpPr>
-        <p:spPr/>
-        <p:txBody>
-          <a:bodyPr/>
-          <a:lstStyle/>
-          <a:p>
-            <a:r>
-              <a:rPr lang="nb-NO" dirty="0"/>
+        <p:spPr>
+          <a:xfrm>
+            <a:off x="838200" y="963877"/>
+            <a:ext cx="3494362" cy="4930246"/>
+          </a:xfrm>
+        </p:spPr>
+        <p:txBody>
+          <a:bodyPr>
+            <a:normAutofit/>
+          </a:bodyPr>
+          <a:lstStyle/>
+          <a:p>
+            <a:pPr algn="r"/>
+            <a:r>
+              <a:rPr lang="nb-NO">
+                <a:solidFill>
+                  <a:schemeClr val="accent1"/>
+                </a:solidFill>
+              </a:rPr>
               <a:t>Eksempel Side 75-78</a:t>
             </a:r>
           </a:p>
         </p:txBody>
       </p:sp>
+      <p:cxnSp>
+        <p:nvCxnSpPr>
+          <p:cNvPr id="13" name="Straight Connector 12">
+            <a:extLst>
+              <a:ext uri="{FF2B5EF4-FFF2-40B4-BE49-F238E27FC236}">
+                <a16:creationId xmlns:a16="http://schemas.microsoft.com/office/drawing/2014/main" id="{2D72A2C9-F3CA-4216-8BAD-FA4C970C3C4E}"/>
+              </a:ext>
+              <a:ext uri="{C183D7F6-B498-43B3-948B-1728B52AA6E4}">
+                <adec:decorative xmlns:adec="http://schemas.microsoft.com/office/drawing/2017/decorative" val="1"/>
+              </a:ext>
+            </a:extLst>
+          </p:cNvPr>
+          <p:cNvCxnSpPr>
+            <a:cxnSpLocks noGrp="1" noRot="1" noChangeAspect="1" noMove="1" noResize="1" noEditPoints="1" noAdjustHandles="1" noChangeArrowheads="1" noChangeShapeType="1"/>
+          </p:cNvCxnSpPr>
+          <p:nvPr>
+            <p:extLst>
+              <p:ext uri="{386F3935-93C4-4BCD-93E2-E3B085C9AB24}">
+                <p16:designElem xmlns:p16="http://schemas.microsoft.com/office/powerpoint/2015/main" val="1"/>
+              </p:ext>
+            </p:extLst>
+          </p:nvPr>
+        </p:nvCxnSpPr>
+        <p:spPr>
+          <a:xfrm>
+            <a:off x="4654296" y="2057400"/>
+            <a:ext cx="0" cy="2743200"/>
+          </a:xfrm>
+          <a:prstGeom prst="line">
+            <a:avLst/>
+          </a:prstGeom>
+          <a:ln w="19050">
+            <a:solidFill>
+              <a:schemeClr val="tx1">
+                <a:lumMod val="85000"/>
+                <a:lumOff val="15000"/>
+              </a:schemeClr>
+            </a:solidFill>
+          </a:ln>
+        </p:spPr>
+        <p:style>
+          <a:lnRef idx="1">
+            <a:schemeClr val="accent1"/>
+          </a:lnRef>
+          <a:fillRef idx="0">
+            <a:schemeClr val="accent1"/>
+          </a:fillRef>
+          <a:effectRef idx="0">
+            <a:schemeClr val="accent1"/>
+          </a:effectRef>
+          <a:fontRef idx="minor">
+            <a:schemeClr val="tx1"/>
+          </a:fontRef>
+        </p:style>
+      </p:cxnSp>
       <p:sp>
         <p:nvSpPr>
           <p:cNvPr id="6" name="Plassholder for innhold 5">
@@ -4323,13 +5588,20 @@
             <p:ph idx="1"/>
           </p:nvPr>
         </p:nvSpPr>
-        <p:spPr/>
-        <p:txBody>
-          <a:bodyPr/>
-          <a:lstStyle/>
-          <a:p>
-            <a:r>
-              <a:rPr lang="nb-NO" dirty="0">
+        <p:spPr>
+          <a:xfrm>
+            <a:off x="4976031" y="963877"/>
+            <a:ext cx="6377769" cy="4930246"/>
+          </a:xfrm>
+        </p:spPr>
+        <p:txBody>
+          <a:bodyPr anchor="ctr">
+            <a:normAutofit/>
+          </a:bodyPr>
+          <a:lstStyle/>
+          <a:p>
+            <a:r>
+              <a:rPr lang="nb-NO" sz="2400" dirty="0">
                 <a:latin typeface="Georgia" panose="02040502050405020303" pitchFamily="18" charset="0"/>
               </a:rPr>
               <a:t>Sjekk av en tekst</a:t>
@@ -4337,7 +5609,7 @@
           </a:p>
           <a:p>
             <a:r>
-              <a:rPr lang="nb-NO" dirty="0">
+              <a:rPr lang="nb-NO" sz="2400" dirty="0">
                 <a:latin typeface="Georgia" panose="02040502050405020303" pitchFamily="18" charset="0"/>
               </a:rPr>
               <a:t>Sjekk av et tall</a:t>
@@ -4345,7 +5617,7 @@
           </a:p>
           <a:p>
             <a:r>
-              <a:rPr lang="nb-NO" dirty="0">
+              <a:rPr lang="nb-NO" sz="2400" dirty="0">
                 <a:latin typeface="Georgia" panose="02040502050405020303" pitchFamily="18" charset="0"/>
               </a:rPr>
               <a:t>Quizprogram</a:t>
@@ -4353,23 +5625,23 @@
           </a:p>
           <a:p>
             <a:r>
-              <a:rPr lang="nb-NO" dirty="0">
+              <a:rPr lang="nb-NO" sz="2400" dirty="0">
                 <a:latin typeface="Georgia" panose="02040502050405020303" pitchFamily="18" charset="0"/>
               </a:rPr>
               <a:t>La JavaScript velge en bildefil</a:t>
             </a:r>
           </a:p>
           <a:p>
-            <a:endParaRPr lang="nb-NO" dirty="0">
+            <a:pPr marL="0" indent="0">
+              <a:buNone/>
+            </a:pPr>
+            <a:endParaRPr lang="nb-NO" sz="2400" dirty="0">
               <a:latin typeface="Georgia" panose="02040502050405020303" pitchFamily="18" charset="0"/>
             </a:endParaRPr>
           </a:p>
           <a:p>
             <a:r>
-              <a:rPr lang="nb-NO" dirty="0">
-                <a:solidFill>
-                  <a:srgbClr val="008000"/>
-                </a:solidFill>
+              <a:rPr lang="nb-NO" sz="2400" dirty="0">
                 <a:latin typeface="Georgia" panose="02040502050405020303" pitchFamily="18" charset="0"/>
               </a:rPr>
               <a:t>PRØV SELV side 79</a:t>
@@ -4379,7 +5651,7 @@
             <a:pPr marL="0" indent="0">
               <a:buNone/>
             </a:pPr>
-            <a:endParaRPr lang="nb-NO" dirty="0"/>
+            <a:endParaRPr lang="nb-NO" sz="2400" dirty="0"/>
           </a:p>
         </p:txBody>
       </p:sp>
@@ -4423,6 +5695,253 @@
       </p:grpSpPr>
       <p:sp>
         <p:nvSpPr>
+          <p:cNvPr id="2" name="Tittel 1">
+            <a:extLst>
+              <a:ext uri="{FF2B5EF4-FFF2-40B4-BE49-F238E27FC236}">
+                <a16:creationId xmlns:a16="http://schemas.microsoft.com/office/drawing/2014/main" id="{1B2B7BE1-1D35-4F7A-9305-35BE2681C716}"/>
+              </a:ext>
+            </a:extLst>
+          </p:cNvPr>
+          <p:cNvSpPr>
+            <a:spLocks noGrp="1"/>
+          </p:cNvSpPr>
+          <p:nvPr>
+            <p:ph type="title"/>
+          </p:nvPr>
+        </p:nvSpPr>
+        <p:spPr>
+          <a:xfrm>
+            <a:off x="8540496" y="640080"/>
+            <a:ext cx="2799907" cy="2306320"/>
+          </a:xfrm>
+        </p:spPr>
+        <p:txBody>
+          <a:bodyPr anchor="b">
+            <a:normAutofit/>
+          </a:bodyPr>
+          <a:lstStyle/>
+          <a:p>
+            <a:r>
+              <a:rPr lang="nb-NO" sz="4000"/>
+              <a:t>Sjekk av en tekst</a:t>
+            </a:r>
+          </a:p>
+        </p:txBody>
+      </p:sp>
+      <p:pic>
+        <p:nvPicPr>
+          <p:cNvPr id="4" name="Plassholder for innhold 3">
+            <a:extLst>
+              <a:ext uri="{FF2B5EF4-FFF2-40B4-BE49-F238E27FC236}">
+                <a16:creationId xmlns:a16="http://schemas.microsoft.com/office/drawing/2014/main" id="{4A64744F-CB98-4A96-B48D-F0CC722949F8}"/>
+              </a:ext>
+            </a:extLst>
+          </p:cNvPr>
+          <p:cNvPicPr>
+            <a:picLocks noChangeAspect="1"/>
+          </p:cNvPicPr>
+          <p:nvPr/>
+        </p:nvPicPr>
+        <p:blipFill>
+          <a:blip r:embed="rId2"/>
+          <a:stretch>
+            <a:fillRect/>
+          </a:stretch>
+        </p:blipFill>
+        <p:spPr>
+          <a:xfrm>
+            <a:off x="642109" y="1783088"/>
+            <a:ext cx="7254920" cy="3291823"/>
+          </a:xfrm>
+          <a:prstGeom prst="rect">
+            <a:avLst/>
+          </a:prstGeom>
+        </p:spPr>
+      </p:pic>
+      <p:sp>
+        <p:nvSpPr>
+          <p:cNvPr id="18" name="Content Placeholder 7">
+            <a:extLst>
+              <a:ext uri="{FF2B5EF4-FFF2-40B4-BE49-F238E27FC236}">
+                <a16:creationId xmlns:a16="http://schemas.microsoft.com/office/drawing/2014/main" id="{2C2073D1-B384-4A5D-AFC1-3C3234129BB0}"/>
+              </a:ext>
+            </a:extLst>
+          </p:cNvPr>
+          <p:cNvSpPr>
+            <a:spLocks noGrp="1"/>
+          </p:cNvSpPr>
+          <p:nvPr>
+            <p:ph idx="1"/>
+          </p:nvPr>
+        </p:nvSpPr>
+        <p:spPr>
+          <a:xfrm>
+            <a:off x="8566150" y="3136900"/>
+            <a:ext cx="2774253" cy="3077633"/>
+          </a:xfrm>
+        </p:spPr>
+        <p:txBody>
+          <a:bodyPr>
+            <a:normAutofit/>
+          </a:bodyPr>
+          <a:lstStyle/>
+          <a:p>
+            <a:endParaRPr lang="en-US" sz="1800"/>
+          </a:p>
+        </p:txBody>
+      </p:sp>
+    </p:spTree>
+    <p:extLst>
+      <p:ext uri="{BB962C8B-B14F-4D97-AF65-F5344CB8AC3E}">
+        <p14:creationId xmlns:p14="http://schemas.microsoft.com/office/powerpoint/2010/main" val="938720025"/>
+      </p:ext>
+    </p:extLst>
+  </p:cSld>
+  <p:clrMapOvr>
+    <a:masterClrMapping/>
+  </p:clrMapOvr>
+</p:sld>
+</file>
+
+<file path=ppt/slides/slide8.xml><?xml version="1.0" encoding="utf-8"?>
+<p:sld xmlns:a="http://schemas.openxmlformats.org/drawingml/2006/main" xmlns:r="http://schemas.openxmlformats.org/officeDocument/2006/relationships" xmlns:p="http://schemas.openxmlformats.org/presentationml/2006/main">
+  <p:cSld>
+    <p:bg>
+      <p:bgPr>
+        <a:solidFill>
+          <a:schemeClr val="bg1"/>
+        </a:solidFill>
+        <a:effectLst/>
+      </p:bgPr>
+    </p:bg>
+    <p:spTree>
+      <p:nvGrpSpPr>
+        <p:cNvPr id="1" name=""/>
+        <p:cNvGrpSpPr/>
+        <p:nvPr/>
+      </p:nvGrpSpPr>
+      <p:grpSpPr>
+        <a:xfrm>
+          <a:off x="0" y="0"/>
+          <a:ext cx="0" cy="0"/>
+          <a:chOff x="0" y="0"/>
+          <a:chExt cx="0" cy="0"/>
+        </a:xfrm>
+      </p:grpSpPr>
+      <p:sp>
+        <p:nvSpPr>
+          <p:cNvPr id="2" name="Tittel 1">
+            <a:extLst>
+              <a:ext uri="{FF2B5EF4-FFF2-40B4-BE49-F238E27FC236}">
+                <a16:creationId xmlns:a16="http://schemas.microsoft.com/office/drawing/2014/main" id="{F5FACBDC-D219-4664-82A4-7B6CEFDA425A}"/>
+              </a:ext>
+            </a:extLst>
+          </p:cNvPr>
+          <p:cNvSpPr>
+            <a:spLocks noGrp="1"/>
+          </p:cNvSpPr>
+          <p:nvPr>
+            <p:ph type="title"/>
+          </p:nvPr>
+        </p:nvSpPr>
+        <p:spPr>
+          <a:xfrm>
+            <a:off x="7854694" y="640081"/>
+            <a:ext cx="3731174" cy="5574451"/>
+          </a:xfrm>
+        </p:spPr>
+        <p:txBody>
+          <a:bodyPr vert="horz" lIns="91440" tIns="45720" rIns="91440" bIns="45720" rtlCol="0" anchor="ctr">
+            <a:normAutofit/>
+          </a:bodyPr>
+          <a:lstStyle/>
+          <a:p>
+            <a:r>
+              <a:rPr lang="en-US" kern="1200">
+                <a:solidFill>
+                  <a:schemeClr val="tx1"/>
+                </a:solidFill>
+                <a:latin typeface="+mj-lt"/>
+                <a:ea typeface="+mj-ea"/>
+                <a:cs typeface="+mj-cs"/>
+              </a:rPr>
+              <a:t>Sjekk av et tall</a:t>
+            </a:r>
+          </a:p>
+        </p:txBody>
+      </p:sp>
+      <p:pic>
+        <p:nvPicPr>
+          <p:cNvPr id="4" name="Plassholder for innhold 3">
+            <a:extLst>
+              <a:ext uri="{FF2B5EF4-FFF2-40B4-BE49-F238E27FC236}">
+                <a16:creationId xmlns:a16="http://schemas.microsoft.com/office/drawing/2014/main" id="{186AC1C6-755A-4A23-9CFB-4B2725BB5733}"/>
+              </a:ext>
+            </a:extLst>
+          </p:cNvPr>
+          <p:cNvPicPr>
+            <a:picLocks noGrp="1" noChangeAspect="1"/>
+          </p:cNvPicPr>
+          <p:nvPr>
+            <p:ph idx="1"/>
+          </p:nvPr>
+        </p:nvPicPr>
+        <p:blipFill>
+          <a:blip r:embed="rId2"/>
+          <a:stretch>
+            <a:fillRect/>
+          </a:stretch>
+        </p:blipFill>
+        <p:spPr>
+          <a:xfrm>
+            <a:off x="643466" y="1516717"/>
+            <a:ext cx="6891189" cy="3821180"/>
+          </a:xfrm>
+          <a:prstGeom prst="rect">
+            <a:avLst/>
+          </a:prstGeom>
+        </p:spPr>
+      </p:pic>
+    </p:spTree>
+    <p:extLst>
+      <p:ext uri="{BB962C8B-B14F-4D97-AF65-F5344CB8AC3E}">
+        <p14:creationId xmlns:p14="http://schemas.microsoft.com/office/powerpoint/2010/main" val="2500729025"/>
+      </p:ext>
+    </p:extLst>
+  </p:cSld>
+  <p:clrMapOvr>
+    <a:masterClrMapping/>
+  </p:clrMapOvr>
+</p:sld>
+</file>
+
+<file path=ppt/slides/slide9.xml><?xml version="1.0" encoding="utf-8"?>
+<p:sld xmlns:a="http://schemas.openxmlformats.org/drawingml/2006/main" xmlns:r="http://schemas.openxmlformats.org/officeDocument/2006/relationships" xmlns:p="http://schemas.openxmlformats.org/presentationml/2006/main">
+  <p:cSld>
+    <p:bg>
+      <p:bgPr>
+        <a:solidFill>
+          <a:schemeClr val="bg1"/>
+        </a:solidFill>
+        <a:effectLst/>
+      </p:bgPr>
+    </p:bg>
+    <p:spTree>
+      <p:nvGrpSpPr>
+        <p:cNvPr id="1" name=""/>
+        <p:cNvGrpSpPr/>
+        <p:nvPr/>
+      </p:nvGrpSpPr>
+      <p:grpSpPr>
+        <a:xfrm>
+          <a:off x="0" y="0"/>
+          <a:ext cx="0" cy="0"/>
+          <a:chOff x="0" y="0"/>
+          <a:chExt cx="0" cy="0"/>
+        </a:xfrm>
+      </p:grpSpPr>
+      <p:sp>
+        <p:nvSpPr>
           <p:cNvPr id="14" name="Rectangle 11">
             <a:extLst>
               <a:ext uri="{FF2B5EF4-FFF2-40B4-BE49-F238E27FC236}">
@@ -4703,96 +6222,6 @@
     <p:extLst>
       <p:ext uri="{BB962C8B-B14F-4D97-AF65-F5344CB8AC3E}">
         <p14:creationId xmlns:p14="http://schemas.microsoft.com/office/powerpoint/2010/main" val="4244248154"/>
-      </p:ext>
-    </p:extLst>
-  </p:cSld>
-  <p:clrMapOvr>
-    <a:masterClrMapping/>
-  </p:clrMapOvr>
-</p:sld>
-</file>
-
-<file path=ppt/slides/slide8.xml><?xml version="1.0" encoding="utf-8"?>
-<p:sld xmlns:a="http://schemas.openxmlformats.org/drawingml/2006/main" xmlns:r="http://schemas.openxmlformats.org/officeDocument/2006/relationships" xmlns:p="http://schemas.openxmlformats.org/presentationml/2006/main">
-  <p:cSld>
-    <p:spTree>
-      <p:nvGrpSpPr>
-        <p:cNvPr id="1" name=""/>
-        <p:cNvGrpSpPr/>
-        <p:nvPr/>
-      </p:nvGrpSpPr>
-      <p:grpSpPr>
-        <a:xfrm>
-          <a:off x="0" y="0"/>
-          <a:ext cx="0" cy="0"/>
-          <a:chOff x="0" y="0"/>
-          <a:chExt cx="0" cy="0"/>
-        </a:xfrm>
-      </p:grpSpPr>
-      <p:sp>
-        <p:nvSpPr>
-          <p:cNvPr id="2" name="Tittel 1">
-            <a:extLst>
-              <a:ext uri="{FF2B5EF4-FFF2-40B4-BE49-F238E27FC236}">
-                <a16:creationId xmlns:a16="http://schemas.microsoft.com/office/drawing/2014/main" id="{DD2B464C-C456-43A5-A383-C5B7C5E7DF9D}"/>
-              </a:ext>
-            </a:extLst>
-          </p:cNvPr>
-          <p:cNvSpPr>
-            <a:spLocks noGrp="1"/>
-          </p:cNvSpPr>
-          <p:nvPr>
-            <p:ph type="title"/>
-          </p:nvPr>
-        </p:nvSpPr>
-        <p:spPr/>
-        <p:txBody>
-          <a:bodyPr/>
-          <a:lstStyle/>
-          <a:p>
-            <a:r>
-              <a:rPr lang="nb-NO" dirty="0"/>
-              <a:t>Nøstede if-setninger</a:t>
-            </a:r>
-          </a:p>
-        </p:txBody>
-      </p:sp>
-      <p:pic>
-        <p:nvPicPr>
-          <p:cNvPr id="5" name="Plassholder for innhold 4">
-            <a:extLst>
-              <a:ext uri="{FF2B5EF4-FFF2-40B4-BE49-F238E27FC236}">
-                <a16:creationId xmlns:a16="http://schemas.microsoft.com/office/drawing/2014/main" id="{FD90BF40-1AF9-404C-BF06-B5980060B33D}"/>
-              </a:ext>
-            </a:extLst>
-          </p:cNvPr>
-          <p:cNvPicPr>
-            <a:picLocks noGrp="1" noChangeAspect="1"/>
-          </p:cNvPicPr>
-          <p:nvPr>
-            <p:ph idx="1"/>
-          </p:nvPr>
-        </p:nvPicPr>
-        <p:blipFill>
-          <a:blip r:embed="rId2"/>
-          <a:stretch>
-            <a:fillRect/>
-          </a:stretch>
-        </p:blipFill>
-        <p:spPr>
-          <a:xfrm>
-            <a:off x="3752850" y="2220119"/>
-            <a:ext cx="4686300" cy="3562350"/>
-          </a:xfrm>
-          <a:prstGeom prst="rect">
-            <a:avLst/>
-          </a:prstGeom>
-        </p:spPr>
-      </p:pic>
-    </p:spTree>
-    <p:extLst>
-      <p:ext uri="{BB962C8B-B14F-4D97-AF65-F5344CB8AC3E}">
-        <p14:creationId xmlns:p14="http://schemas.microsoft.com/office/powerpoint/2010/main" val="483499526"/>
       </p:ext>
     </p:extLst>
   </p:cSld>
@@ -5098,6 +6527,21 @@
 </file>
 
 <file path=customXml/item1.xml><?xml version="1.0" encoding="utf-8"?>
+<p:properties xmlns:p="http://schemas.microsoft.com/office/2006/metadata/properties" xmlns:xsi="http://www.w3.org/2001/XMLSchema-instance" xmlns:pc="http://schemas.microsoft.com/office/infopath/2007/PartnerControls">
+  <documentManagement/>
+</p:properties>
+</file>
+
+<file path=customXml/item2.xml><?xml version="1.0" encoding="utf-8"?>
+<?mso-contentType ?>
+<FormTemplates xmlns="http://schemas.microsoft.com/sharepoint/v3/contenttype/forms">
+  <Display>DocumentLibraryForm</Display>
+  <Edit>DocumentLibraryForm</Edit>
+  <New>DocumentLibraryForm</New>
+</FormTemplates>
+</file>
+
+<file path=customXml/item3.xml><?xml version="1.0" encoding="utf-8"?>
 <ct:contentTypeSchema xmlns:ct="http://schemas.microsoft.com/office/2006/metadata/contentType" xmlns:ma="http://schemas.microsoft.com/office/2006/metadata/properties/metaAttributes" ct:_="" ma:_="" ma:contentTypeName="Dokument" ma:contentTypeID="0x01010045865D2A2404A340A9116C967D5A8A18" ma:contentTypeVersion="8" ma:contentTypeDescription="Opprett et nytt dokument." ma:contentTypeScope="" ma:versionID="c1170821e5ddd0badc770b112e96b910">
   <xsd:schema xmlns:xsd="http://www.w3.org/2001/XMLSchema" xmlns:xs="http://www.w3.org/2001/XMLSchema" xmlns:p="http://schemas.microsoft.com/office/2006/metadata/properties" xmlns:ns3="7ee59893-5bfb-4ba5-ba61-3f9ac5a63a3a" targetNamespace="http://schemas.microsoft.com/office/2006/metadata/properties" ma:root="true" ma:fieldsID="105b5d8b40729520ebc3a32ed622274c" ns3:_="">
     <xsd:import namespace="7ee59893-5bfb-4ba5-ba61-3f9ac5a63a3a"/>
@@ -5267,22 +6711,31 @@
 </ct:contentTypeSchema>
 </file>
 
-<file path=customXml/item2.xml><?xml version="1.0" encoding="utf-8"?>
-<?mso-contentType ?>
-<FormTemplates xmlns="http://schemas.microsoft.com/sharepoint/v3/contenttype/forms">
-  <Display>DocumentLibraryForm</Display>
-  <Edit>DocumentLibraryForm</Edit>
-  <New>DocumentLibraryForm</New>
-</FormTemplates>
+<file path=customXml/itemProps1.xml><?xml version="1.0" encoding="utf-8"?>
+<ds:datastoreItem xmlns:ds="http://schemas.openxmlformats.org/officeDocument/2006/customXml" ds:itemID="{03188BD2-6331-4AC0-ACBD-59B36333B9BE}">
+  <ds:schemaRefs>
+    <ds:schemaRef ds:uri="http://purl.org/dc/elements/1.1/"/>
+    <ds:schemaRef ds:uri="http://schemas.microsoft.com/office/2006/metadata/properties"/>
+    <ds:schemaRef ds:uri="7ee59893-5bfb-4ba5-ba61-3f9ac5a63a3a"/>
+    <ds:schemaRef ds:uri="http://purl.org/dc/terms/"/>
+    <ds:schemaRef ds:uri="http://schemas.openxmlformats.org/package/2006/metadata/core-properties"/>
+    <ds:schemaRef ds:uri="http://schemas.microsoft.com/office/2006/documentManagement/types"/>
+    <ds:schemaRef ds:uri="http://schemas.microsoft.com/office/infopath/2007/PartnerControls"/>
+    <ds:schemaRef ds:uri="http://www.w3.org/XML/1998/namespace"/>
+    <ds:schemaRef ds:uri="http://purl.org/dc/dcmitype/"/>
+  </ds:schemaRefs>
+</ds:datastoreItem>
 </file>
 
-<file path=customXml/item3.xml><?xml version="1.0" encoding="utf-8"?>
-<p:properties xmlns:p="http://schemas.microsoft.com/office/2006/metadata/properties" xmlns:xsi="http://www.w3.org/2001/XMLSchema-instance" xmlns:pc="http://schemas.microsoft.com/office/infopath/2007/PartnerControls">
-  <documentManagement/>
-</p:properties>
+<file path=customXml/itemProps2.xml><?xml version="1.0" encoding="utf-8"?>
+<ds:datastoreItem xmlns:ds="http://schemas.openxmlformats.org/officeDocument/2006/customXml" ds:itemID="{40A7389C-67ED-4A67-8CE0-430CDB24FF13}">
+  <ds:schemaRefs>
+    <ds:schemaRef ds:uri="http://schemas.microsoft.com/sharepoint/v3/contenttype/forms"/>
+  </ds:schemaRefs>
+</ds:datastoreItem>
 </file>
 
-<file path=customXml/itemProps1.xml><?xml version="1.0" encoding="utf-8"?>
+<file path=customXml/itemProps3.xml><?xml version="1.0" encoding="utf-8"?>
 <ds:datastoreItem xmlns:ds="http://schemas.openxmlformats.org/officeDocument/2006/customXml" ds:itemID="{979D7B94-57B9-4318-AF20-98A83CA85917}">
   <ds:schemaRefs>
     <ds:schemaRef ds:uri="http://schemas.microsoft.com/office/2006/metadata/contentType"/>
@@ -5298,28 +6751,4 @@
     <ds:schemaRef ds:uri="http://schemas.microsoft.com/internal/obd"/>
   </ds:schemaRefs>
 </ds:datastoreItem>
-</file>
-
-<file path=customXml/itemProps2.xml><?xml version="1.0" encoding="utf-8"?>
-<ds:datastoreItem xmlns:ds="http://schemas.openxmlformats.org/officeDocument/2006/customXml" ds:itemID="{40A7389C-67ED-4A67-8CE0-430CDB24FF13}">
-  <ds:schemaRefs>
-    <ds:schemaRef ds:uri="http://schemas.microsoft.com/sharepoint/v3/contenttype/forms"/>
-  </ds:schemaRefs>
-</ds:datastoreItem>
-</file>
-
-<file path=customXml/itemProps3.xml><?xml version="1.0" encoding="utf-8"?>
-<ds:datastoreItem xmlns:ds="http://schemas.openxmlformats.org/officeDocument/2006/customXml" ds:itemID="{03188BD2-6331-4AC0-ACBD-59B36333B9BE}">
-  <ds:schemaRefs>
-    <ds:schemaRef ds:uri="http://schemas.microsoft.com/office/2006/metadata/properties"/>
-    <ds:schemaRef ds:uri="7ee59893-5bfb-4ba5-ba61-3f9ac5a63a3a"/>
-    <ds:schemaRef ds:uri="http://purl.org/dc/terms/"/>
-    <ds:schemaRef ds:uri="http://schemas.openxmlformats.org/package/2006/metadata/core-properties"/>
-    <ds:schemaRef ds:uri="http://schemas.microsoft.com/office/2006/documentManagement/types"/>
-    <ds:schemaRef ds:uri="http://schemas.microsoft.com/office/infopath/2007/PartnerControls"/>
-    <ds:schemaRef ds:uri="http://purl.org/dc/elements/1.1/"/>
-    <ds:schemaRef ds:uri="http://www.w3.org/XML/1998/namespace"/>
-    <ds:schemaRef ds:uri="http://purl.org/dc/dcmitype/"/>
-  </ds:schemaRefs>
-</ds:datastoreItem>
 </file>
--- a/Uke 36/Uke 36.pptx
+++ b/Uke 36/Uke 36.pptx
@@ -128,7 +128,7 @@
 <file path=ppt/revisionInfo.xml><?xml version="1.0" encoding="utf-8"?>
 <p1510:revInfo xmlns:a="http://schemas.openxmlformats.org/drawingml/2006/main" xmlns:r="http://schemas.openxmlformats.org/officeDocument/2006/relationships" xmlns:p1510="http://schemas.microsoft.com/office/powerpoint/2015/10/main">
   <p1510:revLst>
-    <p1510:client id="{4FF3CF91-C155-4B3F-A995-746046771754}" v="26" dt="2019-08-30T16:19:58.142"/>
+    <p1510:client id="{4FF3CF91-C155-4B3F-A995-746046771754}" v="27" dt="2019-08-30T16:24:19.696"/>
   </p1510:revLst>
 </p1510:revInfo>
 </file>
@@ -138,7 +138,7 @@
   <pc:docChgLst>
     <pc:chgData name="Aizan Magomadova" userId="b3d38ecc-02a7-4810-ad44-0e9f513517c5" providerId="ADAL" clId="{4FF3CF91-C155-4B3F-A995-746046771754}"/>
     <pc:docChg chg="undo custSel mod addSld modSld">
-      <pc:chgData name="Aizan Magomadova" userId="b3d38ecc-02a7-4810-ad44-0e9f513517c5" providerId="ADAL" clId="{4FF3CF91-C155-4B3F-A995-746046771754}" dt="2019-08-30T16:20:11.958" v="767" actId="20577"/>
+      <pc:chgData name="Aizan Magomadova" userId="b3d38ecc-02a7-4810-ad44-0e9f513517c5" providerId="ADAL" clId="{4FF3CF91-C155-4B3F-A995-746046771754}" dt="2019-08-30T16:24:19.696" v="768"/>
       <pc:docMkLst>
         <pc:docMk/>
       </pc:docMkLst>
@@ -472,7 +472,7 @@
         </pc:spChg>
       </pc:sldChg>
       <pc:sldChg chg="modSp add">
-        <pc:chgData name="Aizan Magomadova" userId="b3d38ecc-02a7-4810-ad44-0e9f513517c5" providerId="ADAL" clId="{4FF3CF91-C155-4B3F-A995-746046771754}" dt="2019-08-30T16:20:11.958" v="767" actId="20577"/>
+        <pc:chgData name="Aizan Magomadova" userId="b3d38ecc-02a7-4810-ad44-0e9f513517c5" providerId="ADAL" clId="{4FF3CF91-C155-4B3F-A995-746046771754}" dt="2019-08-30T16:24:19.696" v="768"/>
         <pc:sldMkLst>
           <pc:docMk/>
           <pc:sldMk cId="1469847800" sldId="269"/>
@@ -483,6 +483,14 @@
             <pc:docMk/>
             <pc:sldMk cId="1469847800" sldId="269"/>
             <ac:spMk id="2" creationId="{43F82709-F448-4040-99B3-415B8DC75204}"/>
+          </ac:spMkLst>
+        </pc:spChg>
+        <pc:spChg chg="mod">
+          <ac:chgData name="Aizan Magomadova" userId="b3d38ecc-02a7-4810-ad44-0e9f513517c5" providerId="ADAL" clId="{4FF3CF91-C155-4B3F-A995-746046771754}" dt="2019-08-30T16:24:19.696" v="768"/>
+          <ac:spMkLst>
+            <pc:docMk/>
+            <pc:sldMk cId="1469847800" sldId="269"/>
+            <ac:spMk id="3" creationId="{984841E2-2C3B-402C-BAB7-FFAAFA7D2B80}"/>
           </ac:spMkLst>
         </pc:spChg>
       </pc:sldChg>
@@ -4505,6 +4513,12 @@
           <a:bodyPr/>
           <a:lstStyle/>
           <a:p>
+            <a:r>
+              <a:rPr lang="nb-NO">
+                <a:hlinkClick r:id="rId2"/>
+              </a:rPr>
+              <a:t>https://github.com/AizanM/IT2/tree/master/Uke%2036</a:t>
+            </a:r>
             <a:endParaRPr lang="nb-NO" dirty="0"/>
           </a:p>
         </p:txBody>
@@ -6533,15 +6547,6 @@
 </file>
 
 <file path=customXml/item2.xml><?xml version="1.0" encoding="utf-8"?>
-<?mso-contentType ?>
-<FormTemplates xmlns="http://schemas.microsoft.com/sharepoint/v3/contenttype/forms">
-  <Display>DocumentLibraryForm</Display>
-  <Edit>DocumentLibraryForm</Edit>
-  <New>DocumentLibraryForm</New>
-</FormTemplates>
-</file>
-
-<file path=customXml/item3.xml><?xml version="1.0" encoding="utf-8"?>
 <ct:contentTypeSchema xmlns:ct="http://schemas.microsoft.com/office/2006/metadata/contentType" xmlns:ma="http://schemas.microsoft.com/office/2006/metadata/properties/metaAttributes" ct:_="" ma:_="" ma:contentTypeName="Dokument" ma:contentTypeID="0x01010045865D2A2404A340A9116C967D5A8A18" ma:contentTypeVersion="8" ma:contentTypeDescription="Opprett et nytt dokument." ma:contentTypeScope="" ma:versionID="c1170821e5ddd0badc770b112e96b910">
   <xsd:schema xmlns:xsd="http://www.w3.org/2001/XMLSchema" xmlns:xs="http://www.w3.org/2001/XMLSchema" xmlns:p="http://schemas.microsoft.com/office/2006/metadata/properties" xmlns:ns3="7ee59893-5bfb-4ba5-ba61-3f9ac5a63a3a" targetNamespace="http://schemas.microsoft.com/office/2006/metadata/properties" ma:root="true" ma:fieldsID="105b5d8b40729520ebc3a32ed622274c" ns3:_="">
     <xsd:import namespace="7ee59893-5bfb-4ba5-ba61-3f9ac5a63a3a"/>
@@ -6711,6 +6716,15 @@
 </ct:contentTypeSchema>
 </file>
 
+<file path=customXml/item3.xml><?xml version="1.0" encoding="utf-8"?>
+<?mso-contentType ?>
+<FormTemplates xmlns="http://schemas.microsoft.com/sharepoint/v3/contenttype/forms">
+  <Display>DocumentLibraryForm</Display>
+  <Edit>DocumentLibraryForm</Edit>
+  <New>DocumentLibraryForm</New>
+</FormTemplates>
+</file>
+
 <file path=customXml/itemProps1.xml><?xml version="1.0" encoding="utf-8"?>
 <ds:datastoreItem xmlns:ds="http://schemas.openxmlformats.org/officeDocument/2006/customXml" ds:itemID="{03188BD2-6331-4AC0-ACBD-59B36333B9BE}">
   <ds:schemaRefs>
@@ -6728,14 +6742,6 @@
 </file>
 
 <file path=customXml/itemProps2.xml><?xml version="1.0" encoding="utf-8"?>
-<ds:datastoreItem xmlns:ds="http://schemas.openxmlformats.org/officeDocument/2006/customXml" ds:itemID="{40A7389C-67ED-4A67-8CE0-430CDB24FF13}">
-  <ds:schemaRefs>
-    <ds:schemaRef ds:uri="http://schemas.microsoft.com/sharepoint/v3/contenttype/forms"/>
-  </ds:schemaRefs>
-</ds:datastoreItem>
-</file>
-
-<file path=customXml/itemProps3.xml><?xml version="1.0" encoding="utf-8"?>
 <ds:datastoreItem xmlns:ds="http://schemas.openxmlformats.org/officeDocument/2006/customXml" ds:itemID="{979D7B94-57B9-4318-AF20-98A83CA85917}">
   <ds:schemaRefs>
     <ds:schemaRef ds:uri="http://schemas.microsoft.com/office/2006/metadata/contentType"/>
@@ -6751,4 +6757,12 @@
     <ds:schemaRef ds:uri="http://schemas.microsoft.com/internal/obd"/>
   </ds:schemaRefs>
 </ds:datastoreItem>
+</file>
+
+<file path=customXml/itemProps3.xml><?xml version="1.0" encoding="utf-8"?>
+<ds:datastoreItem xmlns:ds="http://schemas.openxmlformats.org/officeDocument/2006/customXml" ds:itemID="{40A7389C-67ED-4A67-8CE0-430CDB24FF13}">
+  <ds:schemaRefs>
+    <ds:schemaRef ds:uri="http://schemas.microsoft.com/sharepoint/v3/contenttype/forms"/>
+  </ds:schemaRefs>
+</ds:datastoreItem>
 </file>
--- a/Uke 36/Uke 36.pptx
+++ b/Uke 36/Uke 36.pptx
@@ -128,7 +128,7 @@
 <file path=ppt/revisionInfo.xml><?xml version="1.0" encoding="utf-8"?>
 <p1510:revInfo xmlns:a="http://schemas.openxmlformats.org/drawingml/2006/main" xmlns:r="http://schemas.openxmlformats.org/officeDocument/2006/relationships" xmlns:p1510="http://schemas.microsoft.com/office/powerpoint/2015/10/main">
   <p1510:revLst>
-    <p1510:client id="{4FF3CF91-C155-4B3F-A995-746046771754}" v="27" dt="2019-08-30T16:24:19.696"/>
+    <p1510:client id="{4FF3CF91-C155-4B3F-A995-746046771754}" v="33" dt="2019-08-30T16:32:05.259"/>
   </p1510:revLst>
 </p1510:revInfo>
 </file>
@@ -138,7 +138,7 @@
   <pc:docChgLst>
     <pc:chgData name="Aizan Magomadova" userId="b3d38ecc-02a7-4810-ad44-0e9f513517c5" providerId="ADAL" clId="{4FF3CF91-C155-4B3F-A995-746046771754}"/>
     <pc:docChg chg="undo custSel mod addSld modSld">
-      <pc:chgData name="Aizan Magomadova" userId="b3d38ecc-02a7-4810-ad44-0e9f513517c5" providerId="ADAL" clId="{4FF3CF91-C155-4B3F-A995-746046771754}" dt="2019-08-30T16:24:19.696" v="768"/>
+      <pc:chgData name="Aizan Magomadova" userId="b3d38ecc-02a7-4810-ad44-0e9f513517c5" providerId="ADAL" clId="{4FF3CF91-C155-4B3F-A995-746046771754}" dt="2019-08-30T16:32:41.840" v="895" actId="255"/>
       <pc:docMkLst>
         <pc:docMk/>
       </pc:docMkLst>
@@ -472,7 +472,7 @@
         </pc:spChg>
       </pc:sldChg>
       <pc:sldChg chg="modSp add">
-        <pc:chgData name="Aizan Magomadova" userId="b3d38ecc-02a7-4810-ad44-0e9f513517c5" providerId="ADAL" clId="{4FF3CF91-C155-4B3F-A995-746046771754}" dt="2019-08-30T16:24:19.696" v="768"/>
+        <pc:chgData name="Aizan Magomadova" userId="b3d38ecc-02a7-4810-ad44-0e9f513517c5" providerId="ADAL" clId="{4FF3CF91-C155-4B3F-A995-746046771754}" dt="2019-08-30T16:32:41.840" v="895" actId="255"/>
         <pc:sldMkLst>
           <pc:docMk/>
           <pc:sldMk cId="1469847800" sldId="269"/>
@@ -486,7 +486,7 @@
           </ac:spMkLst>
         </pc:spChg>
         <pc:spChg chg="mod">
-          <ac:chgData name="Aizan Magomadova" userId="b3d38ecc-02a7-4810-ad44-0e9f513517c5" providerId="ADAL" clId="{4FF3CF91-C155-4B3F-A995-746046771754}" dt="2019-08-30T16:24:19.696" v="768"/>
+          <ac:chgData name="Aizan Magomadova" userId="b3d38ecc-02a7-4810-ad44-0e9f513517c5" providerId="ADAL" clId="{4FF3CF91-C155-4B3F-A995-746046771754}" dt="2019-08-30T16:32:41.840" v="895" actId="255"/>
           <ac:spMkLst>
             <pc:docMk/>
             <pc:sldMk cId="1469847800" sldId="269"/>
@@ -4510,16 +4510,78 @@
         </p:nvSpPr>
         <p:spPr/>
         <p:txBody>
-          <a:bodyPr/>
-          <a:lstStyle/>
-          <a:p>
-            <a:r>
-              <a:rPr lang="nb-NO">
+          <a:bodyPr>
+            <a:normAutofit/>
+          </a:bodyPr>
+          <a:lstStyle/>
+          <a:p>
+            <a:pPr marL="0" indent="0">
+              <a:buNone/>
+            </a:pPr>
+            <a:r>
+              <a:rPr lang="nb-NO" dirty="0">
+                <a:latin typeface="Arial Narrow" panose="020B0606020202030204" pitchFamily="34" charset="0"/>
+              </a:rPr>
+              <a:t>Eksempler fra timen:</a:t>
+            </a:r>
+            <a:endParaRPr lang="nb-NO" dirty="0">
+              <a:latin typeface="Arial Narrow" panose="020B0606020202030204" pitchFamily="34" charset="0"/>
+              <a:hlinkClick r:id="rId2"/>
+            </a:endParaRPr>
+          </a:p>
+          <a:p>
+            <a:r>
+              <a:rPr lang="nb-NO" sz="2000" dirty="0">
                 <a:hlinkClick r:id="rId2"/>
               </a:rPr>
               <a:t>https://github.com/AizanM/IT2/tree/master/Uke%2036</a:t>
             </a:r>
-            <a:endParaRPr lang="nb-NO" dirty="0"/>
+            <a:endParaRPr lang="nb-NO" sz="2000" dirty="0"/>
+          </a:p>
+          <a:p>
+            <a:pPr marL="0" indent="0">
+              <a:buNone/>
+            </a:pPr>
+            <a:r>
+              <a:rPr lang="nb-NO" dirty="0"/>
+              <a:t>Undervisningsvideoer (Code! Programming med p5js):</a:t>
+            </a:r>
+          </a:p>
+          <a:p>
+            <a:r>
+              <a:rPr lang="nb-NO" sz="2000" dirty="0">
+                <a:hlinkClick r:id="rId3"/>
+              </a:rPr>
+              <a:t>https://www.youtube.com/watch?v=1Osb_iGDdjk&amp;list=PLRqwX-V7Uu6Zy51Q-x9tMWIv9cueOFTFA&amp;index=14</a:t>
+            </a:r>
+            <a:endParaRPr lang="nb-NO" sz="2000" dirty="0"/>
+          </a:p>
+          <a:p>
+            <a:r>
+              <a:rPr lang="nb-NO" sz="2000" dirty="0">
+                <a:hlinkClick r:id="rId4"/>
+              </a:rPr>
+              <a:t>https://www.youtube.com/watch?v=LO3Awjn_gyU&amp;list=PLRqwX-V7Uu6Zy51Q-x9tMWIv9cueOFTFA&amp;index=15</a:t>
+            </a:r>
+            <a:endParaRPr lang="nb-NO" sz="2000" dirty="0"/>
+          </a:p>
+          <a:p>
+            <a:r>
+              <a:rPr lang="nb-NO" sz="2000" dirty="0">
+                <a:hlinkClick r:id="rId5"/>
+              </a:rPr>
+              <a:t>https://www.youtube.com/watch?v=r2S7j54I68c&amp;list=PLRqwX-V7Uu6Zy51Q-x9tMWIv9cueOFTFA&amp;index=16</a:t>
+            </a:r>
+            <a:endParaRPr lang="nb-NO" sz="2000" dirty="0"/>
+          </a:p>
+          <a:p>
+            <a:r>
+              <a:rPr lang="nb-NO" sz="2000" dirty="0">
+                <a:hlinkClick r:id="rId6"/>
+              </a:rPr>
+              <a:t>https://www.youtube.com/watch?v=Rk-_syQluvc&amp;list=PLRqwX-V7Uu6Zy51Q-x9tMWIv9cueOFTFA&amp;index=17</a:t>
+            </a:r>
+            <a:endParaRPr lang="nb-NO" sz="2000" dirty="0"/>
           </a:p>
         </p:txBody>
       </p:sp>
@@ -6547,6 +6609,15 @@
 </file>
 
 <file path=customXml/item2.xml><?xml version="1.0" encoding="utf-8"?>
+<?mso-contentType ?>
+<FormTemplates xmlns="http://schemas.microsoft.com/sharepoint/v3/contenttype/forms">
+  <Display>DocumentLibraryForm</Display>
+  <Edit>DocumentLibraryForm</Edit>
+  <New>DocumentLibraryForm</New>
+</FormTemplates>
+</file>
+
+<file path=customXml/item3.xml><?xml version="1.0" encoding="utf-8"?>
 <ct:contentTypeSchema xmlns:ct="http://schemas.microsoft.com/office/2006/metadata/contentType" xmlns:ma="http://schemas.microsoft.com/office/2006/metadata/properties/metaAttributes" ct:_="" ma:_="" ma:contentTypeName="Dokument" ma:contentTypeID="0x01010045865D2A2404A340A9116C967D5A8A18" ma:contentTypeVersion="8" ma:contentTypeDescription="Opprett et nytt dokument." ma:contentTypeScope="" ma:versionID="c1170821e5ddd0badc770b112e96b910">
   <xsd:schema xmlns:xsd="http://www.w3.org/2001/XMLSchema" xmlns:xs="http://www.w3.org/2001/XMLSchema" xmlns:p="http://schemas.microsoft.com/office/2006/metadata/properties" xmlns:ns3="7ee59893-5bfb-4ba5-ba61-3f9ac5a63a3a" targetNamespace="http://schemas.microsoft.com/office/2006/metadata/properties" ma:root="true" ma:fieldsID="105b5d8b40729520ebc3a32ed622274c" ns3:_="">
     <xsd:import namespace="7ee59893-5bfb-4ba5-ba61-3f9ac5a63a3a"/>
@@ -6716,25 +6787,16 @@
 </ct:contentTypeSchema>
 </file>
 
-<file path=customXml/item3.xml><?xml version="1.0" encoding="utf-8"?>
-<?mso-contentType ?>
-<FormTemplates xmlns="http://schemas.microsoft.com/sharepoint/v3/contenttype/forms">
-  <Display>DocumentLibraryForm</Display>
-  <Edit>DocumentLibraryForm</Edit>
-  <New>DocumentLibraryForm</New>
-</FormTemplates>
-</file>
-
 <file path=customXml/itemProps1.xml><?xml version="1.0" encoding="utf-8"?>
 <ds:datastoreItem xmlns:ds="http://schemas.openxmlformats.org/officeDocument/2006/customXml" ds:itemID="{03188BD2-6331-4AC0-ACBD-59B36333B9BE}">
   <ds:schemaRefs>
+    <ds:schemaRef ds:uri="http://schemas.microsoft.com/office/infopath/2007/PartnerControls"/>
     <ds:schemaRef ds:uri="http://purl.org/dc/elements/1.1/"/>
     <ds:schemaRef ds:uri="http://schemas.microsoft.com/office/2006/metadata/properties"/>
     <ds:schemaRef ds:uri="7ee59893-5bfb-4ba5-ba61-3f9ac5a63a3a"/>
     <ds:schemaRef ds:uri="http://purl.org/dc/terms/"/>
     <ds:schemaRef ds:uri="http://schemas.openxmlformats.org/package/2006/metadata/core-properties"/>
     <ds:schemaRef ds:uri="http://schemas.microsoft.com/office/2006/documentManagement/types"/>
-    <ds:schemaRef ds:uri="http://schemas.microsoft.com/office/infopath/2007/PartnerControls"/>
     <ds:schemaRef ds:uri="http://www.w3.org/XML/1998/namespace"/>
     <ds:schemaRef ds:uri="http://purl.org/dc/dcmitype/"/>
   </ds:schemaRefs>
@@ -6742,6 +6804,14 @@
 </file>
 
 <file path=customXml/itemProps2.xml><?xml version="1.0" encoding="utf-8"?>
+<ds:datastoreItem xmlns:ds="http://schemas.openxmlformats.org/officeDocument/2006/customXml" ds:itemID="{40A7389C-67ED-4A67-8CE0-430CDB24FF13}">
+  <ds:schemaRefs>
+    <ds:schemaRef ds:uri="http://schemas.microsoft.com/sharepoint/v3/contenttype/forms"/>
+  </ds:schemaRefs>
+</ds:datastoreItem>
+</file>
+
+<file path=customXml/itemProps3.xml><?xml version="1.0" encoding="utf-8"?>
 <ds:datastoreItem xmlns:ds="http://schemas.openxmlformats.org/officeDocument/2006/customXml" ds:itemID="{979D7B94-57B9-4318-AF20-98A83CA85917}">
   <ds:schemaRefs>
     <ds:schemaRef ds:uri="http://schemas.microsoft.com/office/2006/metadata/contentType"/>
@@ -6757,12 +6827,4 @@
     <ds:schemaRef ds:uri="http://schemas.microsoft.com/internal/obd"/>
   </ds:schemaRefs>
 </ds:datastoreItem>
-</file>
-
-<file path=customXml/itemProps3.xml><?xml version="1.0" encoding="utf-8"?>
-<ds:datastoreItem xmlns:ds="http://schemas.openxmlformats.org/officeDocument/2006/customXml" ds:itemID="{40A7389C-67ED-4A67-8CE0-430CDB24FF13}">
-  <ds:schemaRefs>
-    <ds:schemaRef ds:uri="http://schemas.microsoft.com/sharepoint/v3/contenttype/forms"/>
-  </ds:schemaRefs>
-</ds:datastoreItem>
 </file>
--- a/Uke 36/Uke 36.pptx
+++ b/Uke 36/Uke 36.pptx
@@ -18,7 +18,8 @@
     <p:sldId id="264" r:id="rId15"/>
     <p:sldId id="265" r:id="rId16"/>
     <p:sldId id="268" r:id="rId17"/>
-    <p:sldId id="269" r:id="rId18"/>
+    <p:sldId id="270" r:id="rId18"/>
+    <p:sldId id="269" r:id="rId19"/>
   </p:sldIdLst>
   <p:sldSz cx="12192000" cy="6858000"/>
   <p:notesSz cx="6858000" cy="9144000"/>
@@ -128,7 +129,7 @@
 <file path=ppt/revisionInfo.xml><?xml version="1.0" encoding="utf-8"?>
 <p1510:revInfo xmlns:a="http://schemas.openxmlformats.org/drawingml/2006/main" xmlns:r="http://schemas.openxmlformats.org/officeDocument/2006/relationships" xmlns:p1510="http://schemas.microsoft.com/office/powerpoint/2015/10/main">
   <p1510:revLst>
-    <p1510:client id="{4FF3CF91-C155-4B3F-A995-746046771754}" v="33" dt="2019-08-30T16:32:05.259"/>
+    <p1510:client id="{4FF3CF91-C155-4B3F-A995-746046771754}" v="56" dt="2019-09-03T14:11:02.476"/>
   </p1510:revLst>
 </p1510:revInfo>
 </file>
@@ -138,7 +139,7 @@
   <pc:docChgLst>
     <pc:chgData name="Aizan Magomadova" userId="b3d38ecc-02a7-4810-ad44-0e9f513517c5" providerId="ADAL" clId="{4FF3CF91-C155-4B3F-A995-746046771754}"/>
     <pc:docChg chg="undo custSel mod addSld modSld">
-      <pc:chgData name="Aizan Magomadova" userId="b3d38ecc-02a7-4810-ad44-0e9f513517c5" providerId="ADAL" clId="{4FF3CF91-C155-4B3F-A995-746046771754}" dt="2019-08-30T16:32:41.840" v="895" actId="255"/>
+      <pc:chgData name="Aizan Magomadova" userId="b3d38ecc-02a7-4810-ad44-0e9f513517c5" providerId="ADAL" clId="{4FF3CF91-C155-4B3F-A995-746046771754}" dt="2019-09-03T14:11:29.080" v="1110" actId="1076"/>
       <pc:docMkLst>
         <pc:docMk/>
       </pc:docMkLst>
@@ -268,11 +269,19 @@
         </pc:picChg>
       </pc:sldChg>
       <pc:sldChg chg="addSp delSp modSp add">
-        <pc:chgData name="Aizan Magomadova" userId="b3d38ecc-02a7-4810-ad44-0e9f513517c5" providerId="ADAL" clId="{4FF3CF91-C155-4B3F-A995-746046771754}" dt="2019-08-30T15:48:53.422" v="160" actId="1076"/>
+        <pc:chgData name="Aizan Magomadova" userId="b3d38ecc-02a7-4810-ad44-0e9f513517c5" providerId="ADAL" clId="{4FF3CF91-C155-4B3F-A995-746046771754}" dt="2019-09-03T12:07:53.663" v="916" actId="14100"/>
         <pc:sldMkLst>
           <pc:docMk/>
           <pc:sldMk cId="1490168305" sldId="265"/>
         </pc:sldMkLst>
+        <pc:spChg chg="add mod">
+          <ac:chgData name="Aizan Magomadova" userId="b3d38ecc-02a7-4810-ad44-0e9f513517c5" providerId="ADAL" clId="{4FF3CF91-C155-4B3F-A995-746046771754}" dt="2019-09-03T11:54:33.339" v="906" actId="20577"/>
+          <ac:spMkLst>
+            <pc:docMk/>
+            <pc:sldMk cId="1490168305" sldId="265"/>
+            <ac:spMk id="2" creationId="{3D1436E8-B263-4381-AEF2-59EA47AA8B6F}"/>
+          </ac:spMkLst>
+        </pc:spChg>
         <pc:spChg chg="del">
           <ac:chgData name="Aizan Magomadova" userId="b3d38ecc-02a7-4810-ad44-0e9f513517c5" providerId="ADAL" clId="{4FF3CF91-C155-4B3F-A995-746046771754}" dt="2019-08-30T15:48:27.800" v="128"/>
           <ac:spMkLst>
@@ -287,6 +296,22 @@
             <pc:docMk/>
             <pc:sldMk cId="1490168305" sldId="265"/>
             <ac:spMk id="3" creationId="{7811CA69-82FE-4766-82BB-0D35702DDDC1}"/>
+          </ac:spMkLst>
+        </pc:spChg>
+        <pc:spChg chg="add mod">
+          <ac:chgData name="Aizan Magomadova" userId="b3d38ecc-02a7-4810-ad44-0e9f513517c5" providerId="ADAL" clId="{4FF3CF91-C155-4B3F-A995-746046771754}" dt="2019-09-03T11:54:40.839" v="910" actId="20577"/>
+          <ac:spMkLst>
+            <pc:docMk/>
+            <pc:sldMk cId="1490168305" sldId="265"/>
+            <ac:spMk id="3" creationId="{EC5E18C8-B85C-4645-B6BF-0D330B361216}"/>
+          </ac:spMkLst>
+        </pc:spChg>
+        <pc:spChg chg="add del mod">
+          <ac:chgData name="Aizan Magomadova" userId="b3d38ecc-02a7-4810-ad44-0e9f513517c5" providerId="ADAL" clId="{4FF3CF91-C155-4B3F-A995-746046771754}" dt="2019-09-03T12:06:21.198" v="912"/>
+          <ac:spMkLst>
+            <pc:docMk/>
+            <pc:sldMk cId="1490168305" sldId="265"/>
+            <ac:spMk id="4" creationId="{A4E96B25-47BC-4F11-9837-E78475E012B1}"/>
           </ac:spMkLst>
         </pc:spChg>
         <pc:spChg chg="del">
@@ -330,7 +355,15 @@
           </ac:spMkLst>
         </pc:spChg>
         <pc:picChg chg="add mod">
-          <ac:chgData name="Aizan Magomadova" userId="b3d38ecc-02a7-4810-ad44-0e9f513517c5" providerId="ADAL" clId="{4FF3CF91-C155-4B3F-A995-746046771754}" dt="2019-08-30T15:48:53.422" v="160" actId="1076"/>
+          <ac:chgData name="Aizan Magomadova" userId="b3d38ecc-02a7-4810-ad44-0e9f513517c5" providerId="ADAL" clId="{4FF3CF91-C155-4B3F-A995-746046771754}" dt="2019-09-03T12:07:53.663" v="916" actId="14100"/>
+          <ac:picMkLst>
+            <pc:docMk/>
+            <pc:sldMk cId="1490168305" sldId="265"/>
+            <ac:picMk id="5" creationId="{6256D2AB-DA55-4FAA-9970-46E791871DEE}"/>
+          </ac:picMkLst>
+        </pc:picChg>
+        <pc:picChg chg="add mod modCrop">
+          <ac:chgData name="Aizan Magomadova" userId="b3d38ecc-02a7-4810-ad44-0e9f513517c5" providerId="ADAL" clId="{4FF3CF91-C155-4B3F-A995-746046771754}" dt="2019-09-03T12:07:24.757" v="914" actId="14100"/>
           <ac:picMkLst>
             <pc:docMk/>
             <pc:sldMk cId="1490168305" sldId="265"/>
@@ -448,14 +481,14 @@
           </ac:picMkLst>
         </pc:picChg>
       </pc:sldChg>
-      <pc:sldChg chg="modSp add">
-        <pc:chgData name="Aizan Magomadova" userId="b3d38ecc-02a7-4810-ad44-0e9f513517c5" providerId="ADAL" clId="{4FF3CF91-C155-4B3F-A995-746046771754}" dt="2019-08-30T16:09:39.433" v="685" actId="255"/>
+      <pc:sldChg chg="addSp modSp add">
+        <pc:chgData name="Aizan Magomadova" userId="b3d38ecc-02a7-4810-ad44-0e9f513517c5" providerId="ADAL" clId="{4FF3CF91-C155-4B3F-A995-746046771754}" dt="2019-09-03T12:18:17.850" v="988" actId="2710"/>
         <pc:sldMkLst>
           <pc:docMk/>
           <pc:sldMk cId="693983138" sldId="268"/>
         </pc:sldMkLst>
         <pc:spChg chg="mod">
-          <ac:chgData name="Aizan Magomadova" userId="b3d38ecc-02a7-4810-ad44-0e9f513517c5" providerId="ADAL" clId="{4FF3CF91-C155-4B3F-A995-746046771754}" dt="2019-08-30T15:58:05.927" v="256" actId="20577"/>
+          <ac:chgData name="Aizan Magomadova" userId="b3d38ecc-02a7-4810-ad44-0e9f513517c5" providerId="ADAL" clId="{4FF3CF91-C155-4B3F-A995-746046771754}" dt="2019-09-03T12:15:49.962" v="959" actId="20577"/>
           <ac:spMkLst>
             <pc:docMk/>
             <pc:sldMk cId="693983138" sldId="268"/>
@@ -463,16 +496,40 @@
           </ac:spMkLst>
         </pc:spChg>
         <pc:spChg chg="mod">
-          <ac:chgData name="Aizan Magomadova" userId="b3d38ecc-02a7-4810-ad44-0e9f513517c5" providerId="ADAL" clId="{4FF3CF91-C155-4B3F-A995-746046771754}" dt="2019-08-30T16:09:39.433" v="685" actId="255"/>
+          <ac:chgData name="Aizan Magomadova" userId="b3d38ecc-02a7-4810-ad44-0e9f513517c5" providerId="ADAL" clId="{4FF3CF91-C155-4B3F-A995-746046771754}" dt="2019-09-03T12:18:17.850" v="988" actId="2710"/>
           <ac:spMkLst>
             <pc:docMk/>
             <pc:sldMk cId="693983138" sldId="268"/>
             <ac:spMk id="3" creationId="{D4D0CFF2-7535-4F2F-A0C5-1156E977CAF4}"/>
           </ac:spMkLst>
         </pc:spChg>
+        <pc:spChg chg="add mod">
+          <ac:chgData name="Aizan Magomadova" userId="b3d38ecc-02a7-4810-ad44-0e9f513517c5" providerId="ADAL" clId="{4FF3CF91-C155-4B3F-A995-746046771754}" dt="2019-09-03T12:15:56.025" v="969" actId="20577"/>
+          <ac:spMkLst>
+            <pc:docMk/>
+            <pc:sldMk cId="693983138" sldId="268"/>
+            <ac:spMk id="4" creationId="{06CA01AC-2F4F-497D-8A71-26C3CED3C0F5}"/>
+          </ac:spMkLst>
+        </pc:spChg>
+        <pc:spChg chg="add mod">
+          <ac:chgData name="Aizan Magomadova" userId="b3d38ecc-02a7-4810-ad44-0e9f513517c5" providerId="ADAL" clId="{4FF3CF91-C155-4B3F-A995-746046771754}" dt="2019-09-03T12:16:04.381" v="975" actId="20577"/>
+          <ac:spMkLst>
+            <pc:docMk/>
+            <pc:sldMk cId="693983138" sldId="268"/>
+            <ac:spMk id="5" creationId="{FF7FF86F-CA4A-48F8-9333-40C887DF75B9}"/>
+          </ac:spMkLst>
+        </pc:spChg>
+        <pc:spChg chg="add mod">
+          <ac:chgData name="Aizan Magomadova" userId="b3d38ecc-02a7-4810-ad44-0e9f513517c5" providerId="ADAL" clId="{4FF3CF91-C155-4B3F-A995-746046771754}" dt="2019-09-03T12:16:40.739" v="977" actId="27636"/>
+          <ac:spMkLst>
+            <pc:docMk/>
+            <pc:sldMk cId="693983138" sldId="268"/>
+            <ac:spMk id="6" creationId="{47AE089C-F8CB-453C-8B0E-462F4ABCBB77}"/>
+          </ac:spMkLst>
+        </pc:spChg>
       </pc:sldChg>
       <pc:sldChg chg="modSp add">
-        <pc:chgData name="Aizan Magomadova" userId="b3d38ecc-02a7-4810-ad44-0e9f513517c5" providerId="ADAL" clId="{4FF3CF91-C155-4B3F-A995-746046771754}" dt="2019-08-30T16:32:41.840" v="895" actId="255"/>
+        <pc:chgData name="Aizan Magomadova" userId="b3d38ecc-02a7-4810-ad44-0e9f513517c5" providerId="ADAL" clId="{4FF3CF91-C155-4B3F-A995-746046771754}" dt="2019-09-03T12:22:18.929" v="1052" actId="27636"/>
         <pc:sldMkLst>
           <pc:docMk/>
           <pc:sldMk cId="1469847800" sldId="269"/>
@@ -486,13 +543,92 @@
           </ac:spMkLst>
         </pc:spChg>
         <pc:spChg chg="mod">
-          <ac:chgData name="Aizan Magomadova" userId="b3d38ecc-02a7-4810-ad44-0e9f513517c5" providerId="ADAL" clId="{4FF3CF91-C155-4B3F-A995-746046771754}" dt="2019-08-30T16:32:41.840" v="895" actId="255"/>
+          <ac:chgData name="Aizan Magomadova" userId="b3d38ecc-02a7-4810-ad44-0e9f513517c5" providerId="ADAL" clId="{4FF3CF91-C155-4B3F-A995-746046771754}" dt="2019-09-03T12:22:18.929" v="1052" actId="27636"/>
           <ac:spMkLst>
             <pc:docMk/>
             <pc:sldMk cId="1469847800" sldId="269"/>
             <ac:spMk id="3" creationId="{984841E2-2C3B-402C-BAB7-FFAAFA7D2B80}"/>
           </ac:spMkLst>
         </pc:spChg>
+      </pc:sldChg>
+      <pc:sldChg chg="addSp delSp modSp add">
+        <pc:chgData name="Aizan Magomadova" userId="b3d38ecc-02a7-4810-ad44-0e9f513517c5" providerId="ADAL" clId="{4FF3CF91-C155-4B3F-A995-746046771754}" dt="2019-09-03T14:11:29.080" v="1110" actId="1076"/>
+        <pc:sldMkLst>
+          <pc:docMk/>
+          <pc:sldMk cId="118301577" sldId="270"/>
+        </pc:sldMkLst>
+        <pc:spChg chg="mod">
+          <ac:chgData name="Aizan Magomadova" userId="b3d38ecc-02a7-4810-ad44-0e9f513517c5" providerId="ADAL" clId="{4FF3CF91-C155-4B3F-A995-746046771754}" dt="2019-09-03T12:18:46.497" v="1014" actId="20577"/>
+          <ac:spMkLst>
+            <pc:docMk/>
+            <pc:sldMk cId="118301577" sldId="270"/>
+            <ac:spMk id="2" creationId="{F9C66AF4-51A1-4510-AF51-3E87534F4486}"/>
+          </ac:spMkLst>
+        </pc:spChg>
+        <pc:spChg chg="mod">
+          <ac:chgData name="Aizan Magomadova" userId="b3d38ecc-02a7-4810-ad44-0e9f513517c5" providerId="ADAL" clId="{4FF3CF91-C155-4B3F-A995-746046771754}" dt="2019-09-03T14:10:14.248" v="1104" actId="20577"/>
+          <ac:spMkLst>
+            <pc:docMk/>
+            <pc:sldMk cId="118301577" sldId="270"/>
+            <ac:spMk id="3" creationId="{871C1B0D-9990-4A40-92B4-14095858664A}"/>
+          </ac:spMkLst>
+        </pc:spChg>
+        <pc:spChg chg="del">
+          <ac:chgData name="Aizan Magomadova" userId="b3d38ecc-02a7-4810-ad44-0e9f513517c5" providerId="ADAL" clId="{4FF3CF91-C155-4B3F-A995-746046771754}" dt="2019-09-03T14:06:25.506" v="1079"/>
+          <ac:spMkLst>
+            <pc:docMk/>
+            <pc:sldMk cId="118301577" sldId="270"/>
+            <ac:spMk id="4" creationId="{CF09CB2F-C483-477D-A5A5-7D877305A800}"/>
+          </ac:spMkLst>
+        </pc:spChg>
+        <pc:spChg chg="mod">
+          <ac:chgData name="Aizan Magomadova" userId="b3d38ecc-02a7-4810-ad44-0e9f513517c5" providerId="ADAL" clId="{4FF3CF91-C155-4B3F-A995-746046771754}" dt="2019-09-03T14:04:52.830" v="1078" actId="20577"/>
+          <ac:spMkLst>
+            <pc:docMk/>
+            <pc:sldMk cId="118301577" sldId="270"/>
+            <ac:spMk id="5" creationId="{DD9135F9-7825-437F-9214-552511CD3BED}"/>
+          </ac:spMkLst>
+        </pc:spChg>
+        <pc:spChg chg="del mod">
+          <ac:chgData name="Aizan Magomadova" userId="b3d38ecc-02a7-4810-ad44-0e9f513517c5" providerId="ADAL" clId="{4FF3CF91-C155-4B3F-A995-746046771754}" dt="2019-09-03T14:04:34.347" v="1054"/>
+          <ac:spMkLst>
+            <pc:docMk/>
+            <pc:sldMk cId="118301577" sldId="270"/>
+            <ac:spMk id="6" creationId="{6DD1409D-DEE3-4305-A958-E10DC1EA0350}"/>
+          </ac:spMkLst>
+        </pc:spChg>
+        <pc:spChg chg="add del mod">
+          <ac:chgData name="Aizan Magomadova" userId="b3d38ecc-02a7-4810-ad44-0e9f513517c5" providerId="ADAL" clId="{4FF3CF91-C155-4B3F-A995-746046771754}" dt="2019-09-03T14:11:02.476" v="1106"/>
+          <ac:spMkLst>
+            <pc:docMk/>
+            <pc:sldMk cId="118301577" sldId="270"/>
+            <ac:spMk id="10" creationId="{54C9C036-55D4-4E01-BE42-774A0ADDED1C}"/>
+          </ac:spMkLst>
+        </pc:spChg>
+        <pc:picChg chg="add mod">
+          <ac:chgData name="Aizan Magomadova" userId="b3d38ecc-02a7-4810-ad44-0e9f513517c5" providerId="ADAL" clId="{4FF3CF91-C155-4B3F-A995-746046771754}" dt="2019-09-03T14:11:29.080" v="1110" actId="1076"/>
+          <ac:picMkLst>
+            <pc:docMk/>
+            <pc:sldMk cId="118301577" sldId="270"/>
+            <ac:picMk id="7" creationId="{0B49D6F5-AFF8-41EE-9F83-9E86196DF526}"/>
+          </ac:picMkLst>
+        </pc:picChg>
+        <pc:picChg chg="add del mod">
+          <ac:chgData name="Aizan Magomadova" userId="b3d38ecc-02a7-4810-ad44-0e9f513517c5" providerId="ADAL" clId="{4FF3CF91-C155-4B3F-A995-746046771754}" dt="2019-09-03T14:10:59.857" v="1105" actId="478"/>
+          <ac:picMkLst>
+            <pc:docMk/>
+            <pc:sldMk cId="118301577" sldId="270"/>
+            <ac:picMk id="8" creationId="{8C6A5F44-2C4C-4267-9180-ADA6BD0400BB}"/>
+          </ac:picMkLst>
+        </pc:picChg>
+        <pc:picChg chg="add mod">
+          <ac:chgData name="Aizan Magomadova" userId="b3d38ecc-02a7-4810-ad44-0e9f513517c5" providerId="ADAL" clId="{4FF3CF91-C155-4B3F-A995-746046771754}" dt="2019-09-03T14:11:19.829" v="1109" actId="1076"/>
+          <ac:picMkLst>
+            <pc:docMk/>
+            <pc:sldMk cId="118301577" sldId="270"/>
+            <ac:picMk id="11" creationId="{5C4006C9-8C23-4849-B266-E2D4DAA441BC}"/>
+          </ac:picMkLst>
+        </pc:picChg>
       </pc:sldChg>
     </pc:docChg>
   </pc:docChgLst>
@@ -646,7 +782,7 @@
           <a:p>
             <a:fld id="{EDA6FA72-DEC0-445B-A452-5C18B06E03FC}" type="datetimeFigureOut">
               <a:rPr lang="nb-NO" smtClean="0"/>
-              <a:t>30.08.2019</a:t>
+              <a:t>03.09.2019</a:t>
             </a:fld>
             <a:endParaRPr lang="nb-NO"/>
           </a:p>
@@ -844,7 +980,7 @@
           <a:p>
             <a:fld id="{EDA6FA72-DEC0-445B-A452-5C18B06E03FC}" type="datetimeFigureOut">
               <a:rPr lang="nb-NO" smtClean="0"/>
-              <a:t>30.08.2019</a:t>
+              <a:t>03.09.2019</a:t>
             </a:fld>
             <a:endParaRPr lang="nb-NO"/>
           </a:p>
@@ -1052,7 +1188,7 @@
           <a:p>
             <a:fld id="{EDA6FA72-DEC0-445B-A452-5C18B06E03FC}" type="datetimeFigureOut">
               <a:rPr lang="nb-NO" smtClean="0"/>
-              <a:t>30.08.2019</a:t>
+              <a:t>03.09.2019</a:t>
             </a:fld>
             <a:endParaRPr lang="nb-NO"/>
           </a:p>
@@ -1250,7 +1386,7 @@
           <a:p>
             <a:fld id="{EDA6FA72-DEC0-445B-A452-5C18B06E03FC}" type="datetimeFigureOut">
               <a:rPr lang="nb-NO" smtClean="0"/>
-              <a:t>30.08.2019</a:t>
+              <a:t>03.09.2019</a:t>
             </a:fld>
             <a:endParaRPr lang="nb-NO"/>
           </a:p>
@@ -1525,7 +1661,7 @@
           <a:p>
             <a:fld id="{EDA6FA72-DEC0-445B-A452-5C18B06E03FC}" type="datetimeFigureOut">
               <a:rPr lang="nb-NO" smtClean="0"/>
-              <a:t>30.08.2019</a:t>
+              <a:t>03.09.2019</a:t>
             </a:fld>
             <a:endParaRPr lang="nb-NO"/>
           </a:p>
@@ -1790,7 +1926,7 @@
           <a:p>
             <a:fld id="{EDA6FA72-DEC0-445B-A452-5C18B06E03FC}" type="datetimeFigureOut">
               <a:rPr lang="nb-NO" smtClean="0"/>
-              <a:t>30.08.2019</a:t>
+              <a:t>03.09.2019</a:t>
             </a:fld>
             <a:endParaRPr lang="nb-NO"/>
           </a:p>
@@ -2202,7 +2338,7 @@
           <a:p>
             <a:fld id="{EDA6FA72-DEC0-445B-A452-5C18B06E03FC}" type="datetimeFigureOut">
               <a:rPr lang="nb-NO" smtClean="0"/>
-              <a:t>30.08.2019</a:t>
+              <a:t>03.09.2019</a:t>
             </a:fld>
             <a:endParaRPr lang="nb-NO"/>
           </a:p>
@@ -2343,7 +2479,7 @@
           <a:p>
             <a:fld id="{EDA6FA72-DEC0-445B-A452-5C18B06E03FC}" type="datetimeFigureOut">
               <a:rPr lang="nb-NO" smtClean="0"/>
-              <a:t>30.08.2019</a:t>
+              <a:t>03.09.2019</a:t>
             </a:fld>
             <a:endParaRPr lang="nb-NO"/>
           </a:p>
@@ -2456,7 +2592,7 @@
           <a:p>
             <a:fld id="{EDA6FA72-DEC0-445B-A452-5C18B06E03FC}" type="datetimeFigureOut">
               <a:rPr lang="nb-NO" smtClean="0"/>
-              <a:t>30.08.2019</a:t>
+              <a:t>03.09.2019</a:t>
             </a:fld>
             <a:endParaRPr lang="nb-NO"/>
           </a:p>
@@ -2767,7 +2903,7 @@
           <a:p>
             <a:fld id="{EDA6FA72-DEC0-445B-A452-5C18B06E03FC}" type="datetimeFigureOut">
               <a:rPr lang="nb-NO" smtClean="0"/>
-              <a:t>30.08.2019</a:t>
+              <a:t>03.09.2019</a:t>
             </a:fld>
             <a:endParaRPr lang="nb-NO"/>
           </a:p>
@@ -3055,7 +3191,7 @@
           <a:p>
             <a:fld id="{EDA6FA72-DEC0-445B-A452-5C18B06E03FC}" type="datetimeFigureOut">
               <a:rPr lang="nb-NO" smtClean="0"/>
-              <a:t>30.08.2019</a:t>
+              <a:t>03.09.2019</a:t>
             </a:fld>
             <a:endParaRPr lang="nb-NO"/>
           </a:p>
@@ -3296,7 +3432,7 @@
           <a:p>
             <a:fld id="{EDA6FA72-DEC0-445B-A452-5C18B06E03FC}" type="datetimeFigureOut">
               <a:rPr lang="nb-NO" smtClean="0"/>
-              <a:t>30.08.2019</a:t>
+              <a:t>03.09.2019</a:t>
             </a:fld>
             <a:endParaRPr lang="nb-NO"/>
           </a:p>
@@ -4110,6 +4246,34 @@
           </a:p>
         </p:txBody>
       </p:sp>
+      <p:sp>
+        <p:nvSpPr>
+          <p:cNvPr id="2" name="Plassholder for tekst 1">
+            <a:extLst>
+              <a:ext uri="{FF2B5EF4-FFF2-40B4-BE49-F238E27FC236}">
+                <a16:creationId xmlns:a16="http://schemas.microsoft.com/office/drawing/2014/main" id="{3D1436E8-B263-4381-AEF2-59EA47AA8B6F}"/>
+              </a:ext>
+            </a:extLst>
+          </p:cNvPr>
+          <p:cNvSpPr>
+            <a:spLocks noGrp="1"/>
+          </p:cNvSpPr>
+          <p:nvPr>
+            <p:ph type="body" idx="1"/>
+          </p:nvPr>
+        </p:nvSpPr>
+        <p:spPr/>
+        <p:txBody>
+          <a:bodyPr/>
+          <a:lstStyle/>
+          <a:p>
+            <a:r>
+              <a:rPr lang="nb-NO" dirty="0"/>
+              <a:t>JavaScript</a:t>
+            </a:r>
+          </a:p>
+        </p:txBody>
+      </p:sp>
       <p:pic>
         <p:nvPicPr>
           <p:cNvPr id="9" name="Plassholder for innhold 8">
@@ -4123,19 +4287,78 @@
             <a:picLocks noGrp="1" noChangeAspect="1"/>
           </p:cNvPicPr>
           <p:nvPr>
-            <p:ph idx="1"/>
+            <p:ph sz="half" idx="2"/>
+          </p:nvPr>
+        </p:nvPicPr>
+        <p:blipFill rotWithShape="1">
+          <a:blip r:embed="rId2"/>
+          <a:srcRect r="8849"/>
+          <a:stretch/>
+        </p:blipFill>
+        <p:spPr>
+          <a:xfrm>
+            <a:off x="839788" y="3268485"/>
+            <a:ext cx="5583161" cy="2562472"/>
+          </a:xfrm>
+          <a:prstGeom prst="rect">
+            <a:avLst/>
+          </a:prstGeom>
+        </p:spPr>
+      </p:pic>
+      <p:sp>
+        <p:nvSpPr>
+          <p:cNvPr id="3" name="Plassholder for tekst 2">
+            <a:extLst>
+              <a:ext uri="{FF2B5EF4-FFF2-40B4-BE49-F238E27FC236}">
+                <a16:creationId xmlns:a16="http://schemas.microsoft.com/office/drawing/2014/main" id="{EC5E18C8-B85C-4645-B6BF-0D330B361216}"/>
+              </a:ext>
+            </a:extLst>
+          </p:cNvPr>
+          <p:cNvSpPr>
+            <a:spLocks noGrp="1"/>
+          </p:cNvSpPr>
+          <p:nvPr>
+            <p:ph type="body" sz="quarter" idx="3"/>
+          </p:nvPr>
+        </p:nvSpPr>
+        <p:spPr/>
+        <p:txBody>
+          <a:bodyPr/>
+          <a:lstStyle/>
+          <a:p>
+            <a:r>
+              <a:rPr lang="nb-NO" dirty="0"/>
+              <a:t>P5Js</a:t>
+            </a:r>
+          </a:p>
+        </p:txBody>
+      </p:sp>
+      <p:pic>
+        <p:nvPicPr>
+          <p:cNvPr id="5" name="Plassholder for innhold 4">
+            <a:extLst>
+              <a:ext uri="{FF2B5EF4-FFF2-40B4-BE49-F238E27FC236}">
+                <a16:creationId xmlns:a16="http://schemas.microsoft.com/office/drawing/2014/main" id="{6256D2AB-DA55-4FAA-9970-46E791871DEE}"/>
+              </a:ext>
+            </a:extLst>
+          </p:cNvPr>
+          <p:cNvPicPr>
+            <a:picLocks noGrp="1" noChangeAspect="1"/>
+          </p:cNvPicPr>
+          <p:nvPr>
+            <p:ph sz="quarter" idx="4"/>
           </p:nvPr>
         </p:nvPicPr>
         <p:blipFill>
-          <a:blip r:embed="rId2"/>
+          <a:blip r:embed="rId3"/>
           <a:stretch>
             <a:fillRect/>
           </a:stretch>
         </p:blipFill>
         <p:spPr>
           <a:xfrm>
-            <a:off x="1385764" y="1976284"/>
-            <a:ext cx="8008498" cy="3350367"/>
+            <a:off x="6650830" y="2505075"/>
+            <a:ext cx="4701381" cy="4099138"/>
           </a:xfrm>
           <a:prstGeom prst="rect">
             <a:avLst/>
@@ -4195,7 +4418,35 @@
           <a:p>
             <a:r>
               <a:rPr lang="nb-NO" dirty="0"/>
-              <a:t>Flere JavaScript-kommandoer</a:t>
+              <a:t>Flere kommandoer</a:t>
+            </a:r>
+          </a:p>
+        </p:txBody>
+      </p:sp>
+      <p:sp>
+        <p:nvSpPr>
+          <p:cNvPr id="4" name="Plassholder for tekst 3">
+            <a:extLst>
+              <a:ext uri="{FF2B5EF4-FFF2-40B4-BE49-F238E27FC236}">
+                <a16:creationId xmlns:a16="http://schemas.microsoft.com/office/drawing/2014/main" id="{06CA01AC-2F4F-497D-8A71-26C3CED3C0F5}"/>
+              </a:ext>
+            </a:extLst>
+          </p:cNvPr>
+          <p:cNvSpPr>
+            <a:spLocks noGrp="1"/>
+          </p:cNvSpPr>
+          <p:nvPr>
+            <p:ph type="body" idx="1"/>
+          </p:nvPr>
+        </p:nvSpPr>
+        <p:spPr/>
+        <p:txBody>
+          <a:bodyPr/>
+          <a:lstStyle/>
+          <a:p>
+            <a:r>
+              <a:rPr lang="nb-NO" dirty="0"/>
+              <a:t>Javascript</a:t>
             </a:r>
           </a:p>
         </p:txBody>
@@ -4213,18 +4464,324 @@
             <a:spLocks noGrp="1"/>
           </p:cNvSpPr>
           <p:nvPr>
-            <p:ph idx="1"/>
+            <p:ph sz="half" idx="2"/>
           </p:nvPr>
         </p:nvSpPr>
         <p:spPr/>
         <p:txBody>
+          <a:bodyPr>
+            <a:normAutofit fontScale="92500" lnSpcReduction="20000"/>
+          </a:bodyPr>
+          <a:lstStyle/>
+          <a:p>
+            <a:pPr>
+              <a:lnSpc>
+                <a:spcPct val="120000"/>
+              </a:lnSpc>
+            </a:pPr>
+            <a:r>
+              <a:rPr lang="nb-NO" sz="2200" dirty="0" err="1"/>
+              <a:t>ctx.</a:t>
+            </a:r>
+            <a:r>
+              <a:rPr lang="nb-NO" sz="2200" i="1" dirty="0" err="1">
+                <a:solidFill>
+                  <a:schemeClr val="accent1">
+                    <a:lumMod val="75000"/>
+                  </a:schemeClr>
+                </a:solidFill>
+              </a:rPr>
+              <a:t>strokeRect</a:t>
+            </a:r>
+            <a:r>
+              <a:rPr lang="nb-NO" sz="2200" dirty="0"/>
+              <a:t>(</a:t>
+            </a:r>
+            <a:r>
+              <a:rPr lang="nb-NO" sz="2200" dirty="0" err="1"/>
+              <a:t>x,y</a:t>
+            </a:r>
+            <a:r>
+              <a:rPr lang="nb-NO" sz="2200" dirty="0"/>
+              <a:t>, bredde, høyde) </a:t>
+            </a:r>
+            <a:r>
+              <a:rPr lang="nb-NO" sz="1900" i="1" dirty="0"/>
+              <a:t>//tegner omrisset av et rektangel</a:t>
+            </a:r>
+          </a:p>
+          <a:p>
+            <a:pPr>
+              <a:lnSpc>
+                <a:spcPct val="120000"/>
+              </a:lnSpc>
+            </a:pPr>
+            <a:r>
+              <a:rPr lang="nb-NO" sz="2200" dirty="0" err="1"/>
+              <a:t>ctx.</a:t>
+            </a:r>
+            <a:r>
+              <a:rPr lang="nb-NO" sz="2200" i="1" dirty="0" err="1">
+                <a:solidFill>
+                  <a:schemeClr val="accent1">
+                    <a:lumMod val="75000"/>
+                  </a:schemeClr>
+                </a:solidFill>
+              </a:rPr>
+              <a:t>fillText</a:t>
+            </a:r>
+            <a:r>
+              <a:rPr lang="nb-NO" sz="2200" i="1" dirty="0">
+                <a:solidFill>
+                  <a:schemeClr val="accent1">
+                    <a:lumMod val="75000"/>
+                  </a:schemeClr>
+                </a:solidFill>
+              </a:rPr>
+              <a:t>(«</a:t>
+            </a:r>
+            <a:r>
+              <a:rPr lang="nb-NO" sz="2200" dirty="0" err="1"/>
+              <a:t>tekst»,x</a:t>
+            </a:r>
+            <a:r>
+              <a:rPr lang="nb-NO" sz="2200" dirty="0"/>
+              <a:t>, y) </a:t>
+            </a:r>
+            <a:r>
+              <a:rPr lang="nb-NO" sz="1900" i="1" dirty="0"/>
+              <a:t>//legger til tekst</a:t>
+            </a:r>
+          </a:p>
+          <a:p>
+            <a:pPr>
+              <a:lnSpc>
+                <a:spcPct val="120000"/>
+              </a:lnSpc>
+            </a:pPr>
+            <a:r>
+              <a:rPr lang="nb-NO" sz="2200" dirty="0" err="1"/>
+              <a:t>ctx.</a:t>
+            </a:r>
+            <a:r>
+              <a:rPr lang="nb-NO" sz="2200" i="1" dirty="0" err="1">
+                <a:solidFill>
+                  <a:schemeClr val="accent1">
+                    <a:lumMod val="75000"/>
+                  </a:schemeClr>
+                </a:solidFill>
+              </a:rPr>
+              <a:t>lineTo</a:t>
+            </a:r>
+            <a:r>
+              <a:rPr lang="nb-NO" sz="2200" dirty="0"/>
+              <a:t>(</a:t>
+            </a:r>
+            <a:r>
+              <a:rPr lang="nb-NO" sz="2200" dirty="0" err="1"/>
+              <a:t>x,y</a:t>
+            </a:r>
+            <a:r>
+              <a:rPr lang="nb-NO" sz="2200" dirty="0"/>
+              <a:t>) </a:t>
+            </a:r>
+            <a:r>
+              <a:rPr lang="nb-NO" sz="1900" i="1" dirty="0"/>
+              <a:t>//tegner linje til punktet</a:t>
+            </a:r>
+          </a:p>
+          <a:p>
+            <a:pPr>
+              <a:lnSpc>
+                <a:spcPct val="120000"/>
+              </a:lnSpc>
+            </a:pPr>
+            <a:r>
+              <a:rPr lang="nb-NO" sz="2200" dirty="0" err="1"/>
+              <a:t>ctx.</a:t>
+            </a:r>
+            <a:r>
+              <a:rPr lang="nb-NO" sz="2200" i="1" dirty="0" err="1">
+                <a:solidFill>
+                  <a:schemeClr val="accent1">
+                    <a:lumMod val="75000"/>
+                  </a:schemeClr>
+                </a:solidFill>
+              </a:rPr>
+              <a:t>moveTo</a:t>
+            </a:r>
+            <a:r>
+              <a:rPr lang="nb-NO" sz="2200" dirty="0"/>
+              <a:t>(</a:t>
+            </a:r>
+            <a:r>
+              <a:rPr lang="nb-NO" sz="2200" dirty="0" err="1"/>
+              <a:t>x,y</a:t>
+            </a:r>
+            <a:r>
+              <a:rPr lang="nb-NO" sz="2200" dirty="0"/>
+              <a:t>) </a:t>
+            </a:r>
+            <a:r>
+              <a:rPr lang="nb-NO" sz="1900" i="1" dirty="0"/>
+              <a:t>//flytter «pennen» til punktet </a:t>
+            </a:r>
+            <a:r>
+              <a:rPr lang="nb-NO" sz="2200" i="1" dirty="0"/>
+              <a:t>(x, y)</a:t>
+            </a:r>
+          </a:p>
+          <a:p>
+            <a:pPr>
+              <a:lnSpc>
+                <a:spcPct val="120000"/>
+              </a:lnSpc>
+            </a:pPr>
+            <a:r>
+              <a:rPr lang="nb-NO" sz="2200" dirty="0" err="1"/>
+              <a:t>ctx.</a:t>
+            </a:r>
+            <a:r>
+              <a:rPr lang="nb-NO" sz="2200" i="1" dirty="0" err="1">
+                <a:solidFill>
+                  <a:schemeClr val="accent1">
+                    <a:lumMod val="75000"/>
+                  </a:schemeClr>
+                </a:solidFill>
+              </a:rPr>
+              <a:t>fill</a:t>
+            </a:r>
+            <a:r>
+              <a:rPr lang="nb-NO" sz="2200" dirty="0"/>
+              <a:t>() </a:t>
+            </a:r>
+            <a:r>
+              <a:rPr lang="nb-NO" sz="1900" i="1" dirty="0"/>
+              <a:t>//fyller en form</a:t>
+            </a:r>
+          </a:p>
+          <a:p>
+            <a:pPr>
+              <a:lnSpc>
+                <a:spcPct val="120000"/>
+              </a:lnSpc>
+            </a:pPr>
+            <a:r>
+              <a:rPr lang="nb-NO" sz="2200" dirty="0" err="1"/>
+              <a:t>ctx.</a:t>
+            </a:r>
+            <a:r>
+              <a:rPr lang="nb-NO" sz="2200" i="1" dirty="0" err="1">
+                <a:solidFill>
+                  <a:schemeClr val="accent1">
+                    <a:lumMod val="75000"/>
+                  </a:schemeClr>
+                </a:solidFill>
+              </a:rPr>
+              <a:t>strokeStyle</a:t>
+            </a:r>
+            <a:r>
+              <a:rPr lang="nb-NO" sz="2200" dirty="0"/>
+              <a:t>=«…» </a:t>
+            </a:r>
+            <a:r>
+              <a:rPr lang="nb-NO" sz="1900" i="1" dirty="0"/>
+              <a:t>// bestemmer omrissfarge</a:t>
+            </a:r>
+          </a:p>
+          <a:p>
+            <a:pPr>
+              <a:lnSpc>
+                <a:spcPct val="120000"/>
+              </a:lnSpc>
+            </a:pPr>
+            <a:r>
+              <a:rPr lang="nb-NO" sz="2200" dirty="0" err="1"/>
+              <a:t>ctx.</a:t>
+            </a:r>
+            <a:r>
+              <a:rPr lang="nb-NO" sz="2200" i="1" dirty="0" err="1">
+                <a:solidFill>
+                  <a:schemeClr val="accent1">
+                    <a:lumMod val="75000"/>
+                  </a:schemeClr>
+                </a:solidFill>
+              </a:rPr>
+              <a:t>lineWidth</a:t>
+            </a:r>
+            <a:r>
+              <a:rPr lang="nb-NO" sz="2200" dirty="0"/>
+              <a:t>=«…» </a:t>
+            </a:r>
+            <a:r>
+              <a:rPr lang="nb-NO" sz="1900" i="1" dirty="0"/>
+              <a:t>// bestemmer linjetykkelse</a:t>
+            </a:r>
+          </a:p>
+          <a:p>
+            <a:endParaRPr lang="nb-NO" dirty="0"/>
+          </a:p>
+          <a:p>
+            <a:endParaRPr lang="nb-NO" dirty="0"/>
+          </a:p>
+        </p:txBody>
+      </p:sp>
+      <p:sp>
+        <p:nvSpPr>
+          <p:cNvPr id="5" name="Plassholder for tekst 4">
+            <a:extLst>
+              <a:ext uri="{FF2B5EF4-FFF2-40B4-BE49-F238E27FC236}">
+                <a16:creationId xmlns:a16="http://schemas.microsoft.com/office/drawing/2014/main" id="{FF7FF86F-CA4A-48F8-9333-40C887DF75B9}"/>
+              </a:ext>
+            </a:extLst>
+          </p:cNvPr>
+          <p:cNvSpPr>
+            <a:spLocks noGrp="1"/>
+          </p:cNvSpPr>
+          <p:nvPr>
+            <p:ph type="body" sz="quarter" idx="3"/>
+          </p:nvPr>
+        </p:nvSpPr>
+        <p:spPr/>
+        <p:txBody>
           <a:bodyPr/>
           <a:lstStyle/>
           <a:p>
             <a:r>
-              <a:rPr lang="nb-NO" dirty="0" err="1"/>
-              <a:t>ctx.</a:t>
-            </a:r>
+              <a:rPr lang="nb-NO" dirty="0"/>
+              <a:t>P5Js</a:t>
+            </a:r>
+          </a:p>
+        </p:txBody>
+      </p:sp>
+      <p:sp>
+        <p:nvSpPr>
+          <p:cNvPr id="6" name="Plassholder for innhold 5">
+            <a:extLst>
+              <a:ext uri="{FF2B5EF4-FFF2-40B4-BE49-F238E27FC236}">
+                <a16:creationId xmlns:a16="http://schemas.microsoft.com/office/drawing/2014/main" id="{47AE089C-F8CB-453C-8B0E-462F4ABCBB77}"/>
+              </a:ext>
+            </a:extLst>
+          </p:cNvPr>
+          <p:cNvSpPr>
+            <a:spLocks noGrp="1"/>
+          </p:cNvSpPr>
+          <p:nvPr>
+            <p:ph sz="quarter" idx="4"/>
+          </p:nvPr>
+        </p:nvSpPr>
+        <p:spPr/>
+        <p:txBody>
+          <a:bodyPr>
+            <a:normAutofit fontScale="92500" lnSpcReduction="20000"/>
+          </a:bodyPr>
+          <a:lstStyle/>
+          <a:p>
+            <a:pPr>
+              <a:lnSpc>
+                <a:spcPct val="120000"/>
+              </a:lnSpc>
+            </a:pPr>
             <a:r>
               <a:rPr lang="nb-NO" i="1" dirty="0" err="1">
                 <a:solidFill>
@@ -4233,7 +4790,7 @@
                   </a:schemeClr>
                 </a:solidFill>
               </a:rPr>
-              <a:t>strokeRect</a:t>
+              <a:t>rect</a:t>
             </a:r>
             <a:r>
               <a:rPr lang="nb-NO" dirty="0"/>
@@ -4245,18 +4802,136 @@
             </a:r>
             <a:r>
               <a:rPr lang="nb-NO" dirty="0"/>
-              <a:t>, bredde, høyde) </a:t>
-            </a:r>
-            <a:r>
-              <a:rPr lang="nb-NO" sz="2400" i="1" dirty="0"/>
-              <a:t>//tegner omrisset av et rektangel</a:t>
-            </a:r>
-          </a:p>
-          <a:p>
-            <a:r>
-              <a:rPr lang="nb-NO" dirty="0" err="1"/>
-              <a:t>ctx.</a:t>
-            </a:r>
+              <a:t>, bredde, høyde)</a:t>
+            </a:r>
+          </a:p>
+          <a:p>
+            <a:pPr>
+              <a:lnSpc>
+                <a:spcPct val="120000"/>
+              </a:lnSpc>
+            </a:pPr>
+            <a:r>
+              <a:rPr lang="es-ES" i="1" dirty="0" err="1">
+                <a:solidFill>
+                  <a:schemeClr val="accent1">
+                    <a:lumMod val="75000"/>
+                  </a:schemeClr>
+                </a:solidFill>
+              </a:rPr>
+              <a:t>text</a:t>
+            </a:r>
+            <a:r>
+              <a:rPr lang="es-ES" dirty="0"/>
+              <a:t>(</a:t>
+            </a:r>
+            <a:r>
+              <a:rPr lang="es-ES" dirty="0" err="1"/>
+              <a:t>str,x,y</a:t>
+            </a:r>
+            <a:r>
+              <a:rPr lang="es-ES" dirty="0"/>
+              <a:t>,[x2],[y2])</a:t>
+            </a:r>
+          </a:p>
+          <a:p>
+            <a:pPr>
+              <a:lnSpc>
+                <a:spcPct val="120000"/>
+              </a:lnSpc>
+            </a:pPr>
+            <a:r>
+              <a:rPr lang="es-ES" i="1" dirty="0">
+                <a:solidFill>
+                  <a:schemeClr val="accent1">
+                    <a:lumMod val="75000"/>
+                  </a:schemeClr>
+                </a:solidFill>
+              </a:rPr>
+              <a:t>line</a:t>
+            </a:r>
+            <a:r>
+              <a:rPr lang="es-ES" dirty="0"/>
+              <a:t>(x1,y1,x2,y</a:t>
+            </a:r>
+          </a:p>
+          <a:p>
+            <a:pPr>
+              <a:lnSpc>
+                <a:spcPct val="120000"/>
+              </a:lnSpc>
+            </a:pPr>
+            <a:r>
+              <a:rPr lang="es-ES" i="1" dirty="0" err="1">
+                <a:solidFill>
+                  <a:schemeClr val="accent1">
+                    <a:lumMod val="75000"/>
+                  </a:schemeClr>
+                </a:solidFill>
+              </a:rPr>
+              <a:t>move</a:t>
+            </a:r>
+            <a:r>
+              <a:rPr lang="es-ES" dirty="0"/>
+              <a:t>(</a:t>
+            </a:r>
+            <a:r>
+              <a:rPr lang="es-ES" dirty="0" err="1"/>
+              <a:t>x,y,z</a:t>
+            </a:r>
+            <a:r>
+              <a:rPr lang="es-ES" dirty="0"/>
+              <a:t>)</a:t>
+            </a:r>
+          </a:p>
+          <a:p>
+            <a:pPr>
+              <a:lnSpc>
+                <a:spcPct val="120000"/>
+              </a:lnSpc>
+            </a:pPr>
+            <a:r>
+              <a:rPr lang="en-US" i="1" dirty="0">
+                <a:solidFill>
+                  <a:schemeClr val="accent1">
+                    <a:lumMod val="75000"/>
+                  </a:schemeClr>
+                </a:solidFill>
+              </a:rPr>
+              <a:t>fill</a:t>
+            </a:r>
+            <a:r>
+              <a:rPr lang="en-US" dirty="0"/>
+              <a:t>(v1,v2,v3,[alpha])</a:t>
+            </a:r>
+          </a:p>
+          <a:p>
+            <a:pPr>
+              <a:lnSpc>
+                <a:spcPct val="120000"/>
+              </a:lnSpc>
+            </a:pPr>
+            <a:r>
+              <a:rPr lang="en-US" i="1" dirty="0">
+                <a:solidFill>
+                  <a:schemeClr val="accent1">
+                    <a:lumMod val="75000"/>
+                  </a:schemeClr>
+                </a:solidFill>
+              </a:rPr>
+              <a:t>stroke</a:t>
+            </a:r>
+            <a:r>
+              <a:rPr lang="en-US" dirty="0"/>
+              <a:t>(v1,v2,v3,[alpha])</a:t>
+            </a:r>
+          </a:p>
+          <a:p>
+            <a:pPr>
+              <a:lnSpc>
+                <a:spcPct val="120000"/>
+              </a:lnSpc>
+            </a:pPr>
             <a:r>
               <a:rPr lang="nb-NO" i="1" dirty="0" err="1">
                 <a:solidFill>
@@ -4265,45 +4940,7 @@
                   </a:schemeClr>
                 </a:solidFill>
               </a:rPr>
-              <a:t>fillText</a:t>
-            </a:r>
-            <a:r>
-              <a:rPr lang="nb-NO" i="1" dirty="0">
-                <a:solidFill>
-                  <a:schemeClr val="accent1">
-                    <a:lumMod val="75000"/>
-                  </a:schemeClr>
-                </a:solidFill>
-              </a:rPr>
-              <a:t>(«</a:t>
-            </a:r>
-            <a:r>
-              <a:rPr lang="nb-NO" dirty="0" err="1"/>
-              <a:t>tekst»,x</a:t>
-            </a:r>
-            <a:r>
-              <a:rPr lang="nb-NO" dirty="0"/>
-              <a:t>, y) </a:t>
-            </a:r>
-            <a:r>
-              <a:rPr lang="nb-NO" sz="2400" i="1" dirty="0"/>
-              <a:t>//legger til tekst</a:t>
-            </a:r>
-          </a:p>
-          <a:p>
-            <a:r>
-              <a:rPr lang="nb-NO" dirty="0" err="1"/>
-              <a:t>ctx.</a:t>
-            </a:r>
-            <a:r>
-              <a:rPr lang="nb-NO" i="1" dirty="0" err="1">
-                <a:solidFill>
-                  <a:schemeClr val="accent1">
-                    <a:lumMod val="75000"/>
-                  </a:schemeClr>
-                </a:solidFill>
-              </a:rPr>
-              <a:t>lineTo</a:t>
+              <a:t>strokeWeight</a:t>
             </a:r>
             <a:r>
               <a:rPr lang="nb-NO" dirty="0"/>
@@ -4311,126 +4948,12 @@
             </a:r>
             <a:r>
               <a:rPr lang="nb-NO" dirty="0" err="1"/>
-              <a:t>x,y</a:t>
+              <a:t>weight</a:t>
             </a:r>
             <a:r>
               <a:rPr lang="nb-NO" dirty="0"/>
-              <a:t>) </a:t>
-            </a:r>
-            <a:r>
-              <a:rPr lang="nb-NO" sz="2400" i="1" dirty="0"/>
-              <a:t>//tegner linje til punktet</a:t>
-            </a:r>
-          </a:p>
-          <a:p>
-            <a:r>
-              <a:rPr lang="nb-NO" dirty="0" err="1"/>
-              <a:t>ctx.</a:t>
-            </a:r>
-            <a:r>
-              <a:rPr lang="nb-NO" i="1" dirty="0" err="1">
-                <a:solidFill>
-                  <a:schemeClr val="accent1">
-                    <a:lumMod val="75000"/>
-                  </a:schemeClr>
-                </a:solidFill>
-              </a:rPr>
-              <a:t>moveTo</a:t>
-            </a:r>
-            <a:r>
-              <a:rPr lang="nb-NO" dirty="0"/>
-              <a:t>(</a:t>
-            </a:r>
-            <a:r>
-              <a:rPr lang="nb-NO" dirty="0" err="1"/>
-              <a:t>x,y</a:t>
-            </a:r>
-            <a:r>
-              <a:rPr lang="nb-NO" dirty="0"/>
-              <a:t>) </a:t>
-            </a:r>
-            <a:r>
-              <a:rPr lang="nb-NO" sz="2400" i="1" dirty="0"/>
-              <a:t>//flytter «pennen» til punktet (x, y)</a:t>
-            </a:r>
-          </a:p>
-          <a:p>
-            <a:r>
-              <a:rPr lang="nb-NO" dirty="0" err="1"/>
-              <a:t>ctx.</a:t>
-            </a:r>
-            <a:r>
-              <a:rPr lang="nb-NO" i="1" dirty="0" err="1">
-                <a:solidFill>
-                  <a:schemeClr val="accent1">
-                    <a:lumMod val="75000"/>
-                  </a:schemeClr>
-                </a:solidFill>
-              </a:rPr>
-              <a:t>fill</a:t>
-            </a:r>
-            <a:r>
-              <a:rPr lang="nb-NO" dirty="0"/>
-              <a:t>() </a:t>
-            </a:r>
-            <a:r>
-              <a:rPr lang="nb-NO" sz="2400" i="1" dirty="0"/>
-              <a:t>//fyller en form</a:t>
-            </a:r>
-          </a:p>
-          <a:p>
-            <a:r>
-              <a:rPr lang="nb-NO" dirty="0" err="1"/>
-              <a:t>ctx.</a:t>
-            </a:r>
-            <a:r>
-              <a:rPr lang="nb-NO" i="1" dirty="0" err="1">
-                <a:solidFill>
-                  <a:schemeClr val="accent1">
-                    <a:lumMod val="75000"/>
-                  </a:schemeClr>
-                </a:solidFill>
-              </a:rPr>
-              <a:t>strokeStyle</a:t>
-            </a:r>
-            <a:r>
-              <a:rPr lang="nb-NO" dirty="0"/>
-              <a:t>=«…» </a:t>
-            </a:r>
-            <a:r>
-              <a:rPr lang="nb-NO" sz="2400" i="1" dirty="0"/>
-              <a:t>// bestemmer omrissfarge</a:t>
-            </a:r>
-          </a:p>
-          <a:p>
-            <a:r>
-              <a:rPr lang="nb-NO" dirty="0" err="1"/>
-              <a:t>ctx.</a:t>
-            </a:r>
-            <a:r>
-              <a:rPr lang="nb-NO" i="1" dirty="0" err="1">
-                <a:solidFill>
-                  <a:schemeClr val="accent1">
-                    <a:lumMod val="75000"/>
-                  </a:schemeClr>
-                </a:solidFill>
-              </a:rPr>
-              <a:t>lineWidth</a:t>
-            </a:r>
-            <a:r>
-              <a:rPr lang="nb-NO" dirty="0"/>
-              <a:t>=«…» </a:t>
-            </a:r>
-            <a:r>
-              <a:rPr lang="nb-NO" sz="2400" i="1" dirty="0"/>
-              <a:t>// bestemmer linjetykkelse</a:t>
-            </a:r>
-          </a:p>
-          <a:p>
-            <a:endParaRPr lang="nb-NO" dirty="0"/>
-          </a:p>
-          <a:p>
-            <a:endParaRPr lang="nb-NO" dirty="0"/>
+              <a:t>)</a:t>
+            </a:r>
           </a:p>
         </p:txBody>
       </p:sp>
@@ -4469,6 +4992,184 @@
           <p:cNvPr id="2" name="Tittel 1">
             <a:extLst>
               <a:ext uri="{FF2B5EF4-FFF2-40B4-BE49-F238E27FC236}">
+                <a16:creationId xmlns:a16="http://schemas.microsoft.com/office/drawing/2014/main" id="{F9C66AF4-51A1-4510-AF51-3E87534F4486}"/>
+              </a:ext>
+            </a:extLst>
+          </p:cNvPr>
+          <p:cNvSpPr>
+            <a:spLocks noGrp="1"/>
+          </p:cNvSpPr>
+          <p:nvPr>
+            <p:ph type="title"/>
+          </p:nvPr>
+        </p:nvSpPr>
+        <p:spPr/>
+        <p:txBody>
+          <a:bodyPr/>
+          <a:lstStyle/>
+          <a:p>
+            <a:r>
+              <a:rPr lang="nb-NO" dirty="0"/>
+              <a:t>Vi ser på flere eksempler</a:t>
+            </a:r>
+          </a:p>
+        </p:txBody>
+      </p:sp>
+      <p:sp>
+        <p:nvSpPr>
+          <p:cNvPr id="3" name="Plassholder for tekst 2">
+            <a:extLst>
+              <a:ext uri="{FF2B5EF4-FFF2-40B4-BE49-F238E27FC236}">
+                <a16:creationId xmlns:a16="http://schemas.microsoft.com/office/drawing/2014/main" id="{871C1B0D-9990-4A40-92B4-14095858664A}"/>
+              </a:ext>
+            </a:extLst>
+          </p:cNvPr>
+          <p:cNvSpPr>
+            <a:spLocks noGrp="1"/>
+          </p:cNvSpPr>
+          <p:nvPr>
+            <p:ph type="body" idx="1"/>
+          </p:nvPr>
+        </p:nvSpPr>
+        <p:spPr/>
+        <p:txBody>
+          <a:bodyPr/>
+          <a:lstStyle/>
+          <a:p>
+            <a:r>
+              <a:rPr lang="nb-NO" dirty="0"/>
+              <a:t>Enkel animasjon i canvas</a:t>
+            </a:r>
+          </a:p>
+        </p:txBody>
+      </p:sp>
+      <p:sp>
+        <p:nvSpPr>
+          <p:cNvPr id="5" name="Plassholder for tekst 4">
+            <a:extLst>
+              <a:ext uri="{FF2B5EF4-FFF2-40B4-BE49-F238E27FC236}">
+                <a16:creationId xmlns:a16="http://schemas.microsoft.com/office/drawing/2014/main" id="{DD9135F9-7825-437F-9214-552511CD3BED}"/>
+              </a:ext>
+            </a:extLst>
+          </p:cNvPr>
+          <p:cNvSpPr>
+            <a:spLocks noGrp="1"/>
+          </p:cNvSpPr>
+          <p:nvPr>
+            <p:ph type="body" sz="quarter" idx="3"/>
+          </p:nvPr>
+        </p:nvSpPr>
+        <p:spPr/>
+        <p:txBody>
+          <a:bodyPr/>
+          <a:lstStyle/>
+          <a:p>
+            <a:r>
+              <a:rPr lang="nb-NO" dirty="0"/>
+              <a:t>Hvordan tegne i canvas</a:t>
+            </a:r>
+          </a:p>
+        </p:txBody>
+      </p:sp>
+      <p:pic>
+        <p:nvPicPr>
+          <p:cNvPr id="7" name="Plassholder for innhold 6">
+            <a:extLst>
+              <a:ext uri="{FF2B5EF4-FFF2-40B4-BE49-F238E27FC236}">
+                <a16:creationId xmlns:a16="http://schemas.microsoft.com/office/drawing/2014/main" id="{0B49D6F5-AFF8-41EE-9F83-9E86196DF526}"/>
+              </a:ext>
+            </a:extLst>
+          </p:cNvPr>
+          <p:cNvPicPr>
+            <a:picLocks noGrp="1" noChangeAspect="1"/>
+          </p:cNvPicPr>
+          <p:nvPr>
+            <p:ph sz="quarter" idx="4"/>
+          </p:nvPr>
+        </p:nvPicPr>
+        <p:blipFill>
+          <a:blip r:embed="rId2"/>
+          <a:stretch>
+            <a:fillRect/>
+          </a:stretch>
+        </p:blipFill>
+        <p:spPr>
+          <a:xfrm>
+            <a:off x="6936029" y="2800351"/>
+            <a:ext cx="2409825" cy="3105150"/>
+          </a:xfrm>
+          <a:prstGeom prst="rect">
+            <a:avLst/>
+          </a:prstGeom>
+        </p:spPr>
+      </p:pic>
+      <p:pic>
+        <p:nvPicPr>
+          <p:cNvPr id="11" name="Plassholder for innhold 10">
+            <a:extLst>
+              <a:ext uri="{FF2B5EF4-FFF2-40B4-BE49-F238E27FC236}">
+                <a16:creationId xmlns:a16="http://schemas.microsoft.com/office/drawing/2014/main" id="{5C4006C9-8C23-4849-B266-E2D4DAA441BC}"/>
+              </a:ext>
+            </a:extLst>
+          </p:cNvPr>
+          <p:cNvPicPr>
+            <a:picLocks noGrp="1" noChangeAspect="1"/>
+          </p:cNvPicPr>
+          <p:nvPr>
+            <p:ph sz="half" idx="2"/>
+          </p:nvPr>
+        </p:nvPicPr>
+        <p:blipFill>
+          <a:blip r:embed="rId3"/>
+          <a:stretch>
+            <a:fillRect/>
+          </a:stretch>
+        </p:blipFill>
+        <p:spPr>
+          <a:xfrm>
+            <a:off x="1118426" y="2800351"/>
+            <a:ext cx="3036754" cy="3105149"/>
+          </a:xfrm>
+          <a:prstGeom prst="rect">
+            <a:avLst/>
+          </a:prstGeom>
+        </p:spPr>
+      </p:pic>
+    </p:spTree>
+    <p:extLst>
+      <p:ext uri="{BB962C8B-B14F-4D97-AF65-F5344CB8AC3E}">
+        <p14:creationId xmlns:p14="http://schemas.microsoft.com/office/powerpoint/2010/main" val="118301577"/>
+      </p:ext>
+    </p:extLst>
+  </p:cSld>
+  <p:clrMapOvr>
+    <a:masterClrMapping/>
+  </p:clrMapOvr>
+</p:sld>
+</file>
+
+<file path=ppt/slides/slide15.xml><?xml version="1.0" encoding="utf-8"?>
+<p:sld xmlns:a="http://schemas.openxmlformats.org/drawingml/2006/main" xmlns:r="http://schemas.openxmlformats.org/officeDocument/2006/relationships" xmlns:p="http://schemas.openxmlformats.org/presentationml/2006/main">
+  <p:cSld>
+    <p:spTree>
+      <p:nvGrpSpPr>
+        <p:cNvPr id="1" name=""/>
+        <p:cNvGrpSpPr/>
+        <p:nvPr/>
+      </p:nvGrpSpPr>
+      <p:grpSpPr>
+        <a:xfrm>
+          <a:off x="0" y="0"/>
+          <a:ext cx="0" cy="0"/>
+          <a:chOff x="0" y="0"/>
+          <a:chExt cx="0" cy="0"/>
+        </a:xfrm>
+      </p:grpSpPr>
+      <p:sp>
+        <p:nvSpPr>
+          <p:cNvPr id="2" name="Tittel 1">
+            <a:extLst>
+              <a:ext uri="{FF2B5EF4-FFF2-40B4-BE49-F238E27FC236}">
                 <a16:creationId xmlns:a16="http://schemas.microsoft.com/office/drawing/2014/main" id="{43F82709-F448-4040-99B3-415B8DC75204}"/>
               </a:ext>
             </a:extLst>
@@ -4511,7 +5212,7 @@
         <p:spPr/>
         <p:txBody>
           <a:bodyPr>
-            <a:normAutofit/>
+            <a:normAutofit lnSpcReduction="10000"/>
           </a:bodyPr>
           <a:lstStyle/>
           <a:p>
@@ -4582,6 +5283,18 @@
               <a:t>https://www.youtube.com/watch?v=Rk-_syQluvc&amp;list=PLRqwX-V7Uu6Zy51Q-x9tMWIv9cueOFTFA&amp;index=17</a:t>
             </a:r>
             <a:endParaRPr lang="nb-NO" sz="2000" dirty="0"/>
+          </a:p>
+          <a:p>
+            <a:r>
+              <a:rPr lang="nb-NO" sz="2000" dirty="0">
+                <a:hlinkClick r:id="rId7"/>
+              </a:rPr>
+              <a:t>https://p5js.org/reference</a:t>
+            </a:r>
+            <a:r>
+              <a:rPr lang="nb-NO" sz="2000" dirty="0"/>
+              <a:t>   (ressursside om p5Js)</a:t>
+            </a:r>
           </a:p>
         </p:txBody>
       </p:sp>
@@ -6609,15 +7322,6 @@
 </file>
 
 <file path=customXml/item2.xml><?xml version="1.0" encoding="utf-8"?>
-<?mso-contentType ?>
-<FormTemplates xmlns="http://schemas.microsoft.com/sharepoint/v3/contenttype/forms">
-  <Display>DocumentLibraryForm</Display>
-  <Edit>DocumentLibraryForm</Edit>
-  <New>DocumentLibraryForm</New>
-</FormTemplates>
-</file>
-
-<file path=customXml/item3.xml><?xml version="1.0" encoding="utf-8"?>
 <ct:contentTypeSchema xmlns:ct="http://schemas.microsoft.com/office/2006/metadata/contentType" xmlns:ma="http://schemas.microsoft.com/office/2006/metadata/properties/metaAttributes" ct:_="" ma:_="" ma:contentTypeName="Dokument" ma:contentTypeID="0x01010045865D2A2404A340A9116C967D5A8A18" ma:contentTypeVersion="8" ma:contentTypeDescription="Opprett et nytt dokument." ma:contentTypeScope="" ma:versionID="c1170821e5ddd0badc770b112e96b910">
   <xsd:schema xmlns:xsd="http://www.w3.org/2001/XMLSchema" xmlns:xs="http://www.w3.org/2001/XMLSchema" xmlns:p="http://schemas.microsoft.com/office/2006/metadata/properties" xmlns:ns3="7ee59893-5bfb-4ba5-ba61-3f9ac5a63a3a" targetNamespace="http://schemas.microsoft.com/office/2006/metadata/properties" ma:root="true" ma:fieldsID="105b5d8b40729520ebc3a32ed622274c" ns3:_="">
     <xsd:import namespace="7ee59893-5bfb-4ba5-ba61-3f9ac5a63a3a"/>
@@ -6787,16 +7491,25 @@
 </ct:contentTypeSchema>
 </file>
 
+<file path=customXml/item3.xml><?xml version="1.0" encoding="utf-8"?>
+<?mso-contentType ?>
+<FormTemplates xmlns="http://schemas.microsoft.com/sharepoint/v3/contenttype/forms">
+  <Display>DocumentLibraryForm</Display>
+  <Edit>DocumentLibraryForm</Edit>
+  <New>DocumentLibraryForm</New>
+</FormTemplates>
+</file>
+
 <file path=customXml/itemProps1.xml><?xml version="1.0" encoding="utf-8"?>
 <ds:datastoreItem xmlns:ds="http://schemas.openxmlformats.org/officeDocument/2006/customXml" ds:itemID="{03188BD2-6331-4AC0-ACBD-59B36333B9BE}">
   <ds:schemaRefs>
+    <ds:schemaRef ds:uri="http://purl.org/dc/terms/"/>
+    <ds:schemaRef ds:uri="http://schemas.openxmlformats.org/package/2006/metadata/core-properties"/>
+    <ds:schemaRef ds:uri="http://schemas.microsoft.com/office/2006/documentManagement/types"/>
     <ds:schemaRef ds:uri="http://schemas.microsoft.com/office/infopath/2007/PartnerControls"/>
     <ds:schemaRef ds:uri="http://purl.org/dc/elements/1.1/"/>
     <ds:schemaRef ds:uri="http://schemas.microsoft.com/office/2006/metadata/properties"/>
     <ds:schemaRef ds:uri="7ee59893-5bfb-4ba5-ba61-3f9ac5a63a3a"/>
-    <ds:schemaRef ds:uri="http://purl.org/dc/terms/"/>
-    <ds:schemaRef ds:uri="http://schemas.openxmlformats.org/package/2006/metadata/core-properties"/>
-    <ds:schemaRef ds:uri="http://schemas.microsoft.com/office/2006/documentManagement/types"/>
     <ds:schemaRef ds:uri="http://www.w3.org/XML/1998/namespace"/>
     <ds:schemaRef ds:uri="http://purl.org/dc/dcmitype/"/>
   </ds:schemaRefs>
@@ -6804,14 +7517,6 @@
 </file>
 
 <file path=customXml/itemProps2.xml><?xml version="1.0" encoding="utf-8"?>
-<ds:datastoreItem xmlns:ds="http://schemas.openxmlformats.org/officeDocument/2006/customXml" ds:itemID="{40A7389C-67ED-4A67-8CE0-430CDB24FF13}">
-  <ds:schemaRefs>
-    <ds:schemaRef ds:uri="http://schemas.microsoft.com/sharepoint/v3/contenttype/forms"/>
-  </ds:schemaRefs>
-</ds:datastoreItem>
-</file>
-
-<file path=customXml/itemProps3.xml><?xml version="1.0" encoding="utf-8"?>
 <ds:datastoreItem xmlns:ds="http://schemas.openxmlformats.org/officeDocument/2006/customXml" ds:itemID="{979D7B94-57B9-4318-AF20-98A83CA85917}">
   <ds:schemaRefs>
     <ds:schemaRef ds:uri="http://schemas.microsoft.com/office/2006/metadata/contentType"/>
@@ -6827,4 +7532,12 @@
     <ds:schemaRef ds:uri="http://schemas.microsoft.com/internal/obd"/>
   </ds:schemaRefs>
 </ds:datastoreItem>
+</file>
+
+<file path=customXml/itemProps3.xml><?xml version="1.0" encoding="utf-8"?>
+<ds:datastoreItem xmlns:ds="http://schemas.openxmlformats.org/officeDocument/2006/customXml" ds:itemID="{40A7389C-67ED-4A67-8CE0-430CDB24FF13}">
+  <ds:schemaRefs>
+    <ds:schemaRef ds:uri="http://schemas.microsoft.com/sharepoint/v3/contenttype/forms"/>
+  </ds:schemaRefs>
+</ds:datastoreItem>
 </file>
--- a/Uke 36/Uke 36.pptx
+++ b/Uke 36/Uke 36.pptx
@@ -7,19 +7,22 @@
   <p:sldIdLst>
     <p:sldId id="256" r:id="rId5"/>
     <p:sldId id="257" r:id="rId6"/>
-    <p:sldId id="258" r:id="rId7"/>
-    <p:sldId id="259" r:id="rId8"/>
-    <p:sldId id="260" r:id="rId9"/>
-    <p:sldId id="261" r:id="rId10"/>
-    <p:sldId id="266" r:id="rId11"/>
-    <p:sldId id="267" r:id="rId12"/>
-    <p:sldId id="262" r:id="rId13"/>
-    <p:sldId id="263" r:id="rId14"/>
-    <p:sldId id="264" r:id="rId15"/>
-    <p:sldId id="265" r:id="rId16"/>
-    <p:sldId id="268" r:id="rId17"/>
-    <p:sldId id="270" r:id="rId18"/>
-    <p:sldId id="269" r:id="rId19"/>
+    <p:sldId id="259" r:id="rId7"/>
+    <p:sldId id="260" r:id="rId8"/>
+    <p:sldId id="258" r:id="rId9"/>
+    <p:sldId id="271" r:id="rId10"/>
+    <p:sldId id="273" r:id="rId11"/>
+    <p:sldId id="272" r:id="rId12"/>
+    <p:sldId id="261" r:id="rId13"/>
+    <p:sldId id="266" r:id="rId14"/>
+    <p:sldId id="267" r:id="rId15"/>
+    <p:sldId id="262" r:id="rId16"/>
+    <p:sldId id="263" r:id="rId17"/>
+    <p:sldId id="264" r:id="rId18"/>
+    <p:sldId id="265" r:id="rId19"/>
+    <p:sldId id="268" r:id="rId20"/>
+    <p:sldId id="270" r:id="rId21"/>
+    <p:sldId id="269" r:id="rId22"/>
   </p:sldIdLst>
   <p:sldSz cx="12192000" cy="6858000"/>
   <p:notesSz cx="6858000" cy="9144000"/>
@@ -129,7 +132,7 @@
 <file path=ppt/revisionInfo.xml><?xml version="1.0" encoding="utf-8"?>
 <p1510:revInfo xmlns:a="http://schemas.openxmlformats.org/drawingml/2006/main" xmlns:r="http://schemas.openxmlformats.org/officeDocument/2006/relationships" xmlns:p1510="http://schemas.microsoft.com/office/powerpoint/2015/10/main">
   <p1510:revLst>
-    <p1510:client id="{4FF3CF91-C155-4B3F-A995-746046771754}" v="56" dt="2019-09-03T14:11:02.476"/>
+    <p1510:client id="{4FF3CF91-C155-4B3F-A995-746046771754}" v="121" dt="2019-09-04T12:59:10.595"/>
   </p1510:revLst>
 </p1510:revInfo>
 </file>
@@ -138,13 +141,13 @@
 <pc:chgInfo xmlns:a="http://schemas.openxmlformats.org/drawingml/2006/main" xmlns:r="http://schemas.openxmlformats.org/officeDocument/2006/relationships" xmlns:ac="http://schemas.microsoft.com/office/drawing/2013/main/command" xmlns:pc="http://schemas.microsoft.com/office/powerpoint/2013/main/command">
   <pc:docChgLst>
     <pc:chgData name="Aizan Magomadova" userId="b3d38ecc-02a7-4810-ad44-0e9f513517c5" providerId="ADAL" clId="{4FF3CF91-C155-4B3F-A995-746046771754}"/>
-    <pc:docChg chg="undo custSel mod addSld modSld">
-      <pc:chgData name="Aizan Magomadova" userId="b3d38ecc-02a7-4810-ad44-0e9f513517c5" providerId="ADAL" clId="{4FF3CF91-C155-4B3F-A995-746046771754}" dt="2019-09-03T14:11:29.080" v="1110" actId="1076"/>
+    <pc:docChg chg="undo custSel mod addSld modSld sldOrd">
+      <pc:chgData name="Aizan Magomadova" userId="b3d38ecc-02a7-4810-ad44-0e9f513517c5" providerId="ADAL" clId="{4FF3CF91-C155-4B3F-A995-746046771754}" dt="2019-09-04T12:59:10.595" v="1990"/>
       <pc:docMkLst>
         <pc:docMk/>
       </pc:docMkLst>
-      <pc:sldChg chg="modSp">
-        <pc:chgData name="Aizan Magomadova" userId="b3d38ecc-02a7-4810-ad44-0e9f513517c5" providerId="ADAL" clId="{4FF3CF91-C155-4B3F-A995-746046771754}" dt="2019-08-30T16:13:13.586" v="735" actId="20577"/>
+      <pc:sldChg chg="modSp modAnim">
+        <pc:chgData name="Aizan Magomadova" userId="b3d38ecc-02a7-4810-ad44-0e9f513517c5" providerId="ADAL" clId="{4FF3CF91-C155-4B3F-A995-746046771754}" dt="2019-09-04T12:53:10.155" v="1949"/>
         <pc:sldMkLst>
           <pc:docMk/>
           <pc:sldMk cId="3319509304" sldId="257"/>
@@ -157,6 +160,163 @@
             <ac:spMk id="4" creationId="{727A1D02-3D3D-407C-A14E-E2483E2B2C5E}"/>
           </ac:spMkLst>
         </pc:spChg>
+        <pc:spChg chg="mod">
+          <ac:chgData name="Aizan Magomadova" userId="b3d38ecc-02a7-4810-ad44-0e9f513517c5" providerId="ADAL" clId="{4FF3CF91-C155-4B3F-A995-746046771754}" dt="2019-09-04T12:49:56.657" v="1945" actId="5793"/>
+          <ac:spMkLst>
+            <pc:docMk/>
+            <pc:sldMk cId="3319509304" sldId="257"/>
+            <ac:spMk id="6" creationId="{CC50142A-44DF-48CD-AF31-9F24890EF114}"/>
+          </ac:spMkLst>
+        </pc:spChg>
+      </pc:sldChg>
+      <pc:sldChg chg="ord">
+        <pc:chgData name="Aizan Magomadova" userId="b3d38ecc-02a7-4810-ad44-0e9f513517c5" providerId="ADAL" clId="{4FF3CF91-C155-4B3F-A995-746046771754}" dt="2019-09-04T12:08:13.382" v="1696"/>
+        <pc:sldMkLst>
+          <pc:docMk/>
+          <pc:sldMk cId="1465750772" sldId="258"/>
+        </pc:sldMkLst>
+      </pc:sldChg>
+      <pc:sldChg chg="addSp delSp modSp delDesignElem">
+        <pc:chgData name="Aizan Magomadova" userId="b3d38ecc-02a7-4810-ad44-0e9f513517c5" providerId="ADAL" clId="{4FF3CF91-C155-4B3F-A995-746046771754}" dt="2019-09-04T12:13:02.358" v="1728" actId="26606"/>
+        <pc:sldMkLst>
+          <pc:docMk/>
+          <pc:sldMk cId="3268254157" sldId="259"/>
+        </pc:sldMkLst>
+        <pc:spChg chg="add del mod">
+          <ac:chgData name="Aizan Magomadova" userId="b3d38ecc-02a7-4810-ad44-0e9f513517c5" providerId="ADAL" clId="{4FF3CF91-C155-4B3F-A995-746046771754}" dt="2019-09-04T12:12:59.976" v="1727"/>
+          <ac:spMkLst>
+            <pc:docMk/>
+            <pc:sldMk cId="3268254157" sldId="259"/>
+            <ac:spMk id="3" creationId="{359B24FF-CDC7-481D-BBEA-E32DE9B1DCA8}"/>
+          </ac:spMkLst>
+        </pc:spChg>
+        <pc:spChg chg="mod">
+          <ac:chgData name="Aizan Magomadova" userId="b3d38ecc-02a7-4810-ad44-0e9f513517c5" providerId="ADAL" clId="{4FF3CF91-C155-4B3F-A995-746046771754}" dt="2019-09-04T12:13:02.358" v="1728" actId="26606"/>
+          <ac:spMkLst>
+            <pc:docMk/>
+            <pc:sldMk cId="3268254157" sldId="259"/>
+            <ac:spMk id="4" creationId="{99B6CAB7-0232-475F-9C0F-0987AF715EE8}"/>
+          </ac:spMkLst>
+        </pc:spChg>
+        <pc:spChg chg="add">
+          <ac:chgData name="Aizan Magomadova" userId="b3d38ecc-02a7-4810-ad44-0e9f513517c5" providerId="ADAL" clId="{4FF3CF91-C155-4B3F-A995-746046771754}" dt="2019-09-04T12:13:02.358" v="1728" actId="26606"/>
+          <ac:spMkLst>
+            <pc:docMk/>
+            <pc:sldMk cId="3268254157" sldId="259"/>
+            <ac:spMk id="12" creationId="{823AC064-BC96-4F32-8AE1-B2FD38754823}"/>
+          </ac:spMkLst>
+        </pc:spChg>
+        <pc:spChg chg="del">
+          <ac:chgData name="Aizan Magomadova" userId="b3d38ecc-02a7-4810-ad44-0e9f513517c5" providerId="ADAL" clId="{4FF3CF91-C155-4B3F-A995-746046771754}" dt="2019-09-04T12:12:59.976" v="1727"/>
+          <ac:spMkLst>
+            <pc:docMk/>
+            <pc:sldMk cId="3268254157" sldId="259"/>
+            <ac:spMk id="15" creationId="{823AC064-BC96-4F32-8AE1-B2FD38754823}"/>
+          </ac:spMkLst>
+        </pc:spChg>
+        <pc:picChg chg="mod">
+          <ac:chgData name="Aizan Magomadova" userId="b3d38ecc-02a7-4810-ad44-0e9f513517c5" providerId="ADAL" clId="{4FF3CF91-C155-4B3F-A995-746046771754}" dt="2019-09-04T12:13:02.358" v="1728" actId="26606"/>
+          <ac:picMkLst>
+            <pc:docMk/>
+            <pc:sldMk cId="3268254157" sldId="259"/>
+            <ac:picMk id="7" creationId="{E9F0209E-ABDF-435E-AC14-4BD11AFFB9D9}"/>
+          </ac:picMkLst>
+        </pc:picChg>
+        <pc:picChg chg="del mod">
+          <ac:chgData name="Aizan Magomadova" userId="b3d38ecc-02a7-4810-ad44-0e9f513517c5" providerId="ADAL" clId="{4FF3CF91-C155-4B3F-A995-746046771754}" dt="2019-09-04T12:12:53.016" v="1725" actId="478"/>
+          <ac:picMkLst>
+            <pc:docMk/>
+            <pc:sldMk cId="3268254157" sldId="259"/>
+            <ac:picMk id="10" creationId="{DFF1A743-F91E-477D-9B99-F7038AFE5EE4}"/>
+          </ac:picMkLst>
+        </pc:picChg>
+        <pc:cxnChg chg="add">
+          <ac:chgData name="Aizan Magomadova" userId="b3d38ecc-02a7-4810-ad44-0e9f513517c5" providerId="ADAL" clId="{4FF3CF91-C155-4B3F-A995-746046771754}" dt="2019-09-04T12:13:02.358" v="1728" actId="26606"/>
+          <ac:cxnSpMkLst>
+            <pc:docMk/>
+            <pc:sldMk cId="3268254157" sldId="259"/>
+            <ac:cxnSpMk id="14" creationId="{7E7C77BC-7138-40B1-A15B-20F57A494629}"/>
+          </ac:cxnSpMkLst>
+        </pc:cxnChg>
+        <pc:cxnChg chg="del">
+          <ac:chgData name="Aizan Magomadova" userId="b3d38ecc-02a7-4810-ad44-0e9f513517c5" providerId="ADAL" clId="{4FF3CF91-C155-4B3F-A995-746046771754}" dt="2019-09-04T12:12:59.976" v="1727"/>
+          <ac:cxnSpMkLst>
+            <pc:docMk/>
+            <pc:sldMk cId="3268254157" sldId="259"/>
+            <ac:cxnSpMk id="17" creationId="{7E7C77BC-7138-40B1-A15B-20F57A494629}"/>
+          </ac:cxnSpMkLst>
+        </pc:cxnChg>
+        <pc:cxnChg chg="del">
+          <ac:chgData name="Aizan Magomadova" userId="b3d38ecc-02a7-4810-ad44-0e9f513517c5" providerId="ADAL" clId="{4FF3CF91-C155-4B3F-A995-746046771754}" dt="2019-09-04T12:12:59.976" v="1727"/>
+          <ac:cxnSpMkLst>
+            <pc:docMk/>
+            <pc:sldMk cId="3268254157" sldId="259"/>
+            <ac:cxnSpMk id="19" creationId="{DB146403-F3D6-484B-B2ED-97F9565D0370}"/>
+          </ac:cxnSpMkLst>
+        </pc:cxnChg>
+      </pc:sldChg>
+      <pc:sldChg chg="addSp delSp modSp mod setBg modAnim">
+        <pc:chgData name="Aizan Magomadova" userId="b3d38ecc-02a7-4810-ad44-0e9f513517c5" providerId="ADAL" clId="{4FF3CF91-C155-4B3F-A995-746046771754}" dt="2019-09-04T12:53:37.645" v="1951"/>
+        <pc:sldMkLst>
+          <pc:docMk/>
+          <pc:sldMk cId="2787374013" sldId="260"/>
+        </pc:sldMkLst>
+        <pc:spChg chg="add del mod">
+          <ac:chgData name="Aizan Magomadova" userId="b3d38ecc-02a7-4810-ad44-0e9f513517c5" providerId="ADAL" clId="{4FF3CF91-C155-4B3F-A995-746046771754}" dt="2019-09-04T11:59:40.594" v="1320" actId="20577"/>
+          <ac:spMkLst>
+            <pc:docMk/>
+            <pc:sldMk cId="2787374013" sldId="260"/>
+            <ac:spMk id="2" creationId="{65D9006E-05DA-46AB-B3A7-AA381E83823F}"/>
+          </ac:spMkLst>
+        </pc:spChg>
+        <pc:spChg chg="add del mod">
+          <ac:chgData name="Aizan Magomadova" userId="b3d38ecc-02a7-4810-ad44-0e9f513517c5" providerId="ADAL" clId="{4FF3CF91-C155-4B3F-A995-746046771754}" dt="2019-09-04T12:07:01.013" v="1695" actId="20577"/>
+          <ac:spMkLst>
+            <pc:docMk/>
+            <pc:sldMk cId="2787374013" sldId="260"/>
+            <ac:spMk id="3" creationId="{F214533B-64C6-4043-BF37-813EC1CD80D2}"/>
+          </ac:spMkLst>
+        </pc:spChg>
+        <pc:spChg chg="add del mod">
+          <ac:chgData name="Aizan Magomadova" userId="b3d38ecc-02a7-4810-ad44-0e9f513517c5" providerId="ADAL" clId="{4FF3CF91-C155-4B3F-A995-746046771754}" dt="2019-09-04T11:59:22.029" v="1310"/>
+          <ac:spMkLst>
+            <pc:docMk/>
+            <pc:sldMk cId="2787374013" sldId="260"/>
+            <ac:spMk id="4" creationId="{F53F1165-92CB-407F-8296-E6CF5C833C7D}"/>
+          </ac:spMkLst>
+        </pc:spChg>
+        <pc:spChg chg="del">
+          <ac:chgData name="Aizan Magomadova" userId="b3d38ecc-02a7-4810-ad44-0e9f513517c5" providerId="ADAL" clId="{4FF3CF91-C155-4B3F-A995-746046771754}" dt="2019-09-04T11:58:56.645" v="1307"/>
+          <ac:spMkLst>
+            <pc:docMk/>
+            <pc:sldMk cId="2787374013" sldId="260"/>
+            <ac:spMk id="5" creationId="{2C87160E-E0AC-4B5B-B4DF-3D7D87F3356D}"/>
+          </ac:spMkLst>
+        </pc:spChg>
+        <pc:spChg chg="add del mod">
+          <ac:chgData name="Aizan Magomadova" userId="b3d38ecc-02a7-4810-ad44-0e9f513517c5" providerId="ADAL" clId="{4FF3CF91-C155-4B3F-A995-746046771754}" dt="2019-09-04T11:59:22.029" v="1310"/>
+          <ac:spMkLst>
+            <pc:docMk/>
+            <pc:sldMk cId="2787374013" sldId="260"/>
+            <ac:spMk id="6" creationId="{9EC5D9F4-514C-4615-96CC-D505E2B25012}"/>
+          </ac:spMkLst>
+        </pc:spChg>
+        <pc:picChg chg="mod">
+          <ac:chgData name="Aizan Magomadova" userId="b3d38ecc-02a7-4810-ad44-0e9f513517c5" providerId="ADAL" clId="{4FF3CF91-C155-4B3F-A995-746046771754}" dt="2019-09-04T11:59:31.307" v="1312" actId="26606"/>
+          <ac:picMkLst>
+            <pc:docMk/>
+            <pc:sldMk cId="2787374013" sldId="260"/>
+            <ac:picMk id="7" creationId="{9CDFEF26-1886-462A-AEE6-3844A99202FE}"/>
+          </ac:picMkLst>
+        </pc:picChg>
+        <pc:cxnChg chg="add">
+          <ac:chgData name="Aizan Magomadova" userId="b3d38ecc-02a7-4810-ad44-0e9f513517c5" providerId="ADAL" clId="{4FF3CF91-C155-4B3F-A995-746046771754}" dt="2019-09-04T11:59:31.307" v="1312" actId="26606"/>
+          <ac:cxnSpMkLst>
+            <pc:docMk/>
+            <pc:sldMk cId="2787374013" sldId="260"/>
+            <ac:cxnSpMk id="12" creationId="{A7F400EE-A8A5-48AF-B4D6-291B52C6F0B0}"/>
+          </ac:cxnSpMkLst>
+        </pc:cxnChg>
       </pc:sldChg>
       <pc:sldChg chg="addSp modSp mod setBg">
         <pc:chgData name="Aizan Magomadova" userId="b3d38ecc-02a7-4810-ad44-0e9f513517c5" providerId="ADAL" clId="{4FF3CF91-C155-4B3F-A995-746046771754}" dt="2019-08-30T15:53:29.452" v="227" actId="5793"/>
@@ -197,8 +357,8 @@
           </ac:cxnSpMkLst>
         </pc:cxnChg>
       </pc:sldChg>
-      <pc:sldChg chg="addSp delSp modSp add">
-        <pc:chgData name="Aizan Magomadova" userId="b3d38ecc-02a7-4810-ad44-0e9f513517c5" providerId="ADAL" clId="{4FF3CF91-C155-4B3F-A995-746046771754}" dt="2019-08-30T15:09:32.221" v="126" actId="1076"/>
+      <pc:sldChg chg="addSp delSp modSp add modAnim">
+        <pc:chgData name="Aizan Magomadova" userId="b3d38ecc-02a7-4810-ad44-0e9f513517c5" providerId="ADAL" clId="{4FF3CF91-C155-4B3F-A995-746046771754}" dt="2019-09-04T12:55:59.854" v="1966"/>
         <pc:sldMkLst>
           <pc:docMk/>
           <pc:sldMk cId="499154109" sldId="264"/>
@@ -236,7 +396,7 @@
           </ac:spMkLst>
         </pc:spChg>
         <pc:spChg chg="add mod">
-          <ac:chgData name="Aizan Magomadova" userId="b3d38ecc-02a7-4810-ad44-0e9f513517c5" providerId="ADAL" clId="{4FF3CF91-C155-4B3F-A995-746046771754}" dt="2019-08-30T15:09:20.784" v="123" actId="14100"/>
+          <ac:chgData name="Aizan Magomadova" userId="b3d38ecc-02a7-4810-ad44-0e9f513517c5" providerId="ADAL" clId="{4FF3CF91-C155-4B3F-A995-746046771754}" dt="2019-09-04T12:55:49.323" v="1964" actId="20577"/>
           <ac:spMkLst>
             <pc:docMk/>
             <pc:sldMk cId="499154109" sldId="264"/>
@@ -268,8 +428,8 @@
           </ac:picMkLst>
         </pc:picChg>
       </pc:sldChg>
-      <pc:sldChg chg="addSp delSp modSp add">
-        <pc:chgData name="Aizan Magomadova" userId="b3d38ecc-02a7-4810-ad44-0e9f513517c5" providerId="ADAL" clId="{4FF3CF91-C155-4B3F-A995-746046771754}" dt="2019-09-03T12:07:53.663" v="916" actId="14100"/>
+      <pc:sldChg chg="addSp delSp modSp add modAnim">
+        <pc:chgData name="Aizan Magomadova" userId="b3d38ecc-02a7-4810-ad44-0e9f513517c5" providerId="ADAL" clId="{4FF3CF91-C155-4B3F-A995-746046771754}" dt="2019-09-04T12:56:33.256" v="1970"/>
         <pc:sldMkLst>
           <pc:docMk/>
           <pc:sldMk cId="1490168305" sldId="265"/>
@@ -481,8 +641,8 @@
           </ac:picMkLst>
         </pc:picChg>
       </pc:sldChg>
-      <pc:sldChg chg="addSp modSp add">
-        <pc:chgData name="Aizan Magomadova" userId="b3d38ecc-02a7-4810-ad44-0e9f513517c5" providerId="ADAL" clId="{4FF3CF91-C155-4B3F-A995-746046771754}" dt="2019-09-03T12:18:17.850" v="988" actId="2710"/>
+      <pc:sldChg chg="addSp modSp add modAnim">
+        <pc:chgData name="Aizan Magomadova" userId="b3d38ecc-02a7-4810-ad44-0e9f513517c5" providerId="ADAL" clId="{4FF3CF91-C155-4B3F-A995-746046771754}" dt="2019-09-04T12:58:23.980" v="1986"/>
         <pc:sldMkLst>
           <pc:docMk/>
           <pc:sldMk cId="693983138" sldId="268"/>
@@ -520,7 +680,7 @@
           </ac:spMkLst>
         </pc:spChg>
         <pc:spChg chg="add mod">
-          <ac:chgData name="Aizan Magomadova" userId="b3d38ecc-02a7-4810-ad44-0e9f513517c5" providerId="ADAL" clId="{4FF3CF91-C155-4B3F-A995-746046771754}" dt="2019-09-03T12:16:40.739" v="977" actId="27636"/>
+          <ac:chgData name="Aizan Magomadova" userId="b3d38ecc-02a7-4810-ad44-0e9f513517c5" providerId="ADAL" clId="{4FF3CF91-C155-4B3F-A995-746046771754}" dt="2019-09-04T12:57:28.535" v="1977" actId="20577"/>
           <ac:spMkLst>
             <pc:docMk/>
             <pc:sldMk cId="693983138" sldId="268"/>
@@ -528,8 +688,8 @@
           </ac:spMkLst>
         </pc:spChg>
       </pc:sldChg>
-      <pc:sldChg chg="modSp add">
-        <pc:chgData name="Aizan Magomadova" userId="b3d38ecc-02a7-4810-ad44-0e9f513517c5" providerId="ADAL" clId="{4FF3CF91-C155-4B3F-A995-746046771754}" dt="2019-09-03T12:22:18.929" v="1052" actId="27636"/>
+      <pc:sldChg chg="modSp add modAnim">
+        <pc:chgData name="Aizan Magomadova" userId="b3d38ecc-02a7-4810-ad44-0e9f513517c5" providerId="ADAL" clId="{4FF3CF91-C155-4B3F-A995-746046771754}" dt="2019-09-04T12:59:10.595" v="1990"/>
         <pc:sldMkLst>
           <pc:docMk/>
           <pc:sldMk cId="1469847800" sldId="269"/>
@@ -627,6 +787,211 @@
             <pc:docMk/>
             <pc:sldMk cId="118301577" sldId="270"/>
             <ac:picMk id="11" creationId="{5C4006C9-8C23-4849-B266-E2D4DAA441BC}"/>
+          </ac:picMkLst>
+        </pc:picChg>
+      </pc:sldChg>
+      <pc:sldChg chg="addSp delSp modSp add mod setBg">
+        <pc:chgData name="Aizan Magomadova" userId="b3d38ecc-02a7-4810-ad44-0e9f513517c5" providerId="ADAL" clId="{4FF3CF91-C155-4B3F-A995-746046771754}" dt="2019-09-04T12:28:59.465" v="1876" actId="26606"/>
+        <pc:sldMkLst>
+          <pc:docMk/>
+          <pc:sldMk cId="3581917072" sldId="271"/>
+        </pc:sldMkLst>
+        <pc:spChg chg="mod">
+          <ac:chgData name="Aizan Magomadova" userId="b3d38ecc-02a7-4810-ad44-0e9f513517c5" providerId="ADAL" clId="{4FF3CF91-C155-4B3F-A995-746046771754}" dt="2019-09-04T12:28:59.465" v="1876" actId="26606"/>
+          <ac:spMkLst>
+            <pc:docMk/>
+            <pc:sldMk cId="3581917072" sldId="271"/>
+            <ac:spMk id="2" creationId="{24AD472A-49FE-4475-AF8C-9C42D11E5846}"/>
+          </ac:spMkLst>
+        </pc:spChg>
+        <pc:spChg chg="del mod">
+          <ac:chgData name="Aizan Magomadova" userId="b3d38ecc-02a7-4810-ad44-0e9f513517c5" providerId="ADAL" clId="{4FF3CF91-C155-4B3F-A995-746046771754}" dt="2019-09-04T12:27:43.311" v="1836"/>
+          <ac:spMkLst>
+            <pc:docMk/>
+            <pc:sldMk cId="3581917072" sldId="271"/>
+            <ac:spMk id="3" creationId="{F3B77730-7A7C-4BDB-98F3-F6DFB4416384}"/>
+          </ac:spMkLst>
+        </pc:spChg>
+        <pc:spChg chg="add">
+          <ac:chgData name="Aizan Magomadova" userId="b3d38ecc-02a7-4810-ad44-0e9f513517c5" providerId="ADAL" clId="{4FF3CF91-C155-4B3F-A995-746046771754}" dt="2019-09-04T12:28:59.465" v="1876" actId="26606"/>
+          <ac:spMkLst>
+            <pc:docMk/>
+            <pc:sldMk cId="3581917072" sldId="271"/>
+            <ac:spMk id="9" creationId="{D35D61A1-8484-4749-8AD0-A3455E0753C5}"/>
+          </ac:spMkLst>
+        </pc:spChg>
+        <pc:spChg chg="add">
+          <ac:chgData name="Aizan Magomadova" userId="b3d38ecc-02a7-4810-ad44-0e9f513517c5" providerId="ADAL" clId="{4FF3CF91-C155-4B3F-A995-746046771754}" dt="2019-09-04T12:28:59.465" v="1876" actId="26606"/>
+          <ac:spMkLst>
+            <pc:docMk/>
+            <pc:sldMk cId="3581917072" sldId="271"/>
+            <ac:spMk id="11" creationId="{1447903E-2B66-479D-959B-F2EBB2CC901F}"/>
+          </ac:spMkLst>
+        </pc:spChg>
+        <pc:picChg chg="add mod">
+          <ac:chgData name="Aizan Magomadova" userId="b3d38ecc-02a7-4810-ad44-0e9f513517c5" providerId="ADAL" clId="{4FF3CF91-C155-4B3F-A995-746046771754}" dt="2019-09-04T12:28:59.465" v="1876" actId="26606"/>
+          <ac:picMkLst>
+            <pc:docMk/>
+            <pc:sldMk cId="3581917072" sldId="271"/>
+            <ac:picMk id="4" creationId="{5B6CEF39-C27A-4E28-8F50-2B2E18EF7E3C}"/>
+          </ac:picMkLst>
+        </pc:picChg>
+      </pc:sldChg>
+      <pc:sldChg chg="addSp delSp modSp add mod setBg modAnim delDesignElem">
+        <pc:chgData name="Aizan Magomadova" userId="b3d38ecc-02a7-4810-ad44-0e9f513517c5" providerId="ADAL" clId="{4FF3CF91-C155-4B3F-A995-746046771754}" dt="2019-09-04T12:54:39.737" v="1954"/>
+        <pc:sldMkLst>
+          <pc:docMk/>
+          <pc:sldMk cId="1479970915" sldId="272"/>
+        </pc:sldMkLst>
+        <pc:spChg chg="add del mod">
+          <ac:chgData name="Aizan Magomadova" userId="b3d38ecc-02a7-4810-ad44-0e9f513517c5" providerId="ADAL" clId="{4FF3CF91-C155-4B3F-A995-746046771754}" dt="2019-09-04T12:13:31.922" v="1731"/>
+          <ac:spMkLst>
+            <pc:docMk/>
+            <pc:sldMk cId="1479970915" sldId="272"/>
+            <ac:spMk id="3" creationId="{AFD06183-4C35-4DF3-8097-7ADE80E8DD10}"/>
+          </ac:spMkLst>
+        </pc:spChg>
+        <pc:spChg chg="mod">
+          <ac:chgData name="Aizan Magomadova" userId="b3d38ecc-02a7-4810-ad44-0e9f513517c5" providerId="ADAL" clId="{4FF3CF91-C155-4B3F-A995-746046771754}" dt="2019-09-04T12:13:47.751" v="1732" actId="26606"/>
+          <ac:spMkLst>
+            <pc:docMk/>
+            <pc:sldMk cId="1479970915" sldId="272"/>
+            <ac:spMk id="4" creationId="{99B6CAB7-0232-475F-9C0F-0987AF715EE8}"/>
+          </ac:spMkLst>
+        </pc:spChg>
+        <pc:spChg chg="add mod">
+          <ac:chgData name="Aizan Magomadova" userId="b3d38ecc-02a7-4810-ad44-0e9f513517c5" providerId="ADAL" clId="{4FF3CF91-C155-4B3F-A995-746046771754}" dt="2019-09-04T12:20:28.924" v="1822" actId="113"/>
+          <ac:spMkLst>
+            <pc:docMk/>
+            <pc:sldMk cId="1479970915" sldId="272"/>
+            <ac:spMk id="5" creationId="{2D4DD916-BD8D-4CC8-A44F-FE3FEB0AC997}"/>
+          </ac:spMkLst>
+        </pc:spChg>
+        <pc:spChg chg="add del">
+          <ac:chgData name="Aizan Magomadova" userId="b3d38ecc-02a7-4810-ad44-0e9f513517c5" providerId="ADAL" clId="{4FF3CF91-C155-4B3F-A995-746046771754}" dt="2019-09-04T12:13:31.922" v="1731"/>
+          <ac:spMkLst>
+            <pc:docMk/>
+            <pc:sldMk cId="1479970915" sldId="272"/>
+            <ac:spMk id="12" creationId="{823AC064-BC96-4F32-8AE1-B2FD38754823}"/>
+          </ac:spMkLst>
+        </pc:spChg>
+        <pc:spChg chg="del">
+          <ac:chgData name="Aizan Magomadova" userId="b3d38ecc-02a7-4810-ad44-0e9f513517c5" providerId="ADAL" clId="{4FF3CF91-C155-4B3F-A995-746046771754}" dt="2019-09-04T12:10:57.459" v="1699"/>
+          <ac:spMkLst>
+            <pc:docMk/>
+            <pc:sldMk cId="1479970915" sldId="272"/>
+            <ac:spMk id="15" creationId="{823AC064-BC96-4F32-8AE1-B2FD38754823}"/>
+          </ac:spMkLst>
+        </pc:spChg>
+        <pc:picChg chg="add mod">
+          <ac:chgData name="Aizan Magomadova" userId="b3d38ecc-02a7-4810-ad44-0e9f513517c5" providerId="ADAL" clId="{4FF3CF91-C155-4B3F-A995-746046771754}" dt="2019-09-04T12:18:39.493" v="1816" actId="14100"/>
+          <ac:picMkLst>
+            <pc:docMk/>
+            <pc:sldMk cId="1479970915" sldId="272"/>
+            <ac:picMk id="6" creationId="{36FE66BD-0295-429F-BCF7-DA57D9325DBA}"/>
+          </ac:picMkLst>
+        </pc:picChg>
+        <pc:picChg chg="del mod">
+          <ac:chgData name="Aizan Magomadova" userId="b3d38ecc-02a7-4810-ad44-0e9f513517c5" providerId="ADAL" clId="{4FF3CF91-C155-4B3F-A995-746046771754}" dt="2019-09-04T12:13:26.579" v="1729" actId="478"/>
+          <ac:picMkLst>
+            <pc:docMk/>
+            <pc:sldMk cId="1479970915" sldId="272"/>
+            <ac:picMk id="7" creationId="{E9F0209E-ABDF-435E-AC14-4BD11AFFB9D9}"/>
+          </ac:picMkLst>
+        </pc:picChg>
+        <pc:picChg chg="add mod">
+          <ac:chgData name="Aizan Magomadova" userId="b3d38ecc-02a7-4810-ad44-0e9f513517c5" providerId="ADAL" clId="{4FF3CF91-C155-4B3F-A995-746046771754}" dt="2019-09-04T12:20:22.045" v="1821" actId="1076"/>
+          <ac:picMkLst>
+            <pc:docMk/>
+            <pc:sldMk cId="1479970915" sldId="272"/>
+            <ac:picMk id="8" creationId="{F08A7477-4468-410E-B991-DB249E0DD1B1}"/>
+          </ac:picMkLst>
+        </pc:picChg>
+        <pc:picChg chg="mod ord">
+          <ac:chgData name="Aizan Magomadova" userId="b3d38ecc-02a7-4810-ad44-0e9f513517c5" providerId="ADAL" clId="{4FF3CF91-C155-4B3F-A995-746046771754}" dt="2019-09-04T12:20:42.272" v="1824" actId="1076"/>
+          <ac:picMkLst>
+            <pc:docMk/>
+            <pc:sldMk cId="1479970915" sldId="272"/>
+            <ac:picMk id="10" creationId="{DFF1A743-F91E-477D-9B99-F7038AFE5EE4}"/>
+          </ac:picMkLst>
+        </pc:picChg>
+        <pc:cxnChg chg="add del">
+          <ac:chgData name="Aizan Magomadova" userId="b3d38ecc-02a7-4810-ad44-0e9f513517c5" providerId="ADAL" clId="{4FF3CF91-C155-4B3F-A995-746046771754}" dt="2019-09-04T12:13:31.922" v="1731"/>
+          <ac:cxnSpMkLst>
+            <pc:docMk/>
+            <pc:sldMk cId="1479970915" sldId="272"/>
+            <ac:cxnSpMk id="13" creationId="{7E7C77BC-7138-40B1-A15B-20F57A494629}"/>
+          </ac:cxnSpMkLst>
+        </pc:cxnChg>
+        <pc:cxnChg chg="add del">
+          <ac:chgData name="Aizan Magomadova" userId="b3d38ecc-02a7-4810-ad44-0e9f513517c5" providerId="ADAL" clId="{4FF3CF91-C155-4B3F-A995-746046771754}" dt="2019-09-04T12:13:31.922" v="1731"/>
+          <ac:cxnSpMkLst>
+            <pc:docMk/>
+            <pc:sldMk cId="1479970915" sldId="272"/>
+            <ac:cxnSpMk id="14" creationId="{DB146403-F3D6-484B-B2ED-97F9565D0370}"/>
+          </ac:cxnSpMkLst>
+        </pc:cxnChg>
+        <pc:cxnChg chg="del">
+          <ac:chgData name="Aizan Magomadova" userId="b3d38ecc-02a7-4810-ad44-0e9f513517c5" providerId="ADAL" clId="{4FF3CF91-C155-4B3F-A995-746046771754}" dt="2019-09-04T12:10:57.459" v="1699"/>
+          <ac:cxnSpMkLst>
+            <pc:docMk/>
+            <pc:sldMk cId="1479970915" sldId="272"/>
+            <ac:cxnSpMk id="17" creationId="{7E7C77BC-7138-40B1-A15B-20F57A494629}"/>
+          </ac:cxnSpMkLst>
+        </pc:cxnChg>
+        <pc:cxnChg chg="del">
+          <ac:chgData name="Aizan Magomadova" userId="b3d38ecc-02a7-4810-ad44-0e9f513517c5" providerId="ADAL" clId="{4FF3CF91-C155-4B3F-A995-746046771754}" dt="2019-09-04T12:10:57.459" v="1699"/>
+          <ac:cxnSpMkLst>
+            <pc:docMk/>
+            <pc:sldMk cId="1479970915" sldId="272"/>
+            <ac:cxnSpMk id="19" creationId="{DB146403-F3D6-484B-B2ED-97F9565D0370}"/>
+          </ac:cxnSpMkLst>
+        </pc:cxnChg>
+      </pc:sldChg>
+      <pc:sldChg chg="addSp delSp modSp add mod setBg">
+        <pc:chgData name="Aizan Magomadova" userId="b3d38ecc-02a7-4810-ad44-0e9f513517c5" providerId="ADAL" clId="{4FF3CF91-C155-4B3F-A995-746046771754}" dt="2019-09-04T12:32:07.739" v="1916" actId="26606"/>
+        <pc:sldMkLst>
+          <pc:docMk/>
+          <pc:sldMk cId="496905167" sldId="273"/>
+        </pc:sldMkLst>
+        <pc:spChg chg="mod">
+          <ac:chgData name="Aizan Magomadova" userId="b3d38ecc-02a7-4810-ad44-0e9f513517c5" providerId="ADAL" clId="{4FF3CF91-C155-4B3F-A995-746046771754}" dt="2019-09-04T12:32:07.739" v="1916" actId="26606"/>
+          <ac:spMkLst>
+            <pc:docMk/>
+            <pc:sldMk cId="496905167" sldId="273"/>
+            <ac:spMk id="2" creationId="{450B6412-A985-430D-BDEA-37D185400ED1}"/>
+          </ac:spMkLst>
+        </pc:spChg>
+        <pc:spChg chg="del">
+          <ac:chgData name="Aizan Magomadova" userId="b3d38ecc-02a7-4810-ad44-0e9f513517c5" providerId="ADAL" clId="{4FF3CF91-C155-4B3F-A995-746046771754}" dt="2019-09-04T12:31:36.253" v="1913"/>
+          <ac:spMkLst>
+            <pc:docMk/>
+            <pc:sldMk cId="496905167" sldId="273"/>
+            <ac:spMk id="3" creationId="{1A3559D0-3CB6-4225-96DE-82B6B6EDD44D}"/>
+          </ac:spMkLst>
+        </pc:spChg>
+        <pc:spChg chg="add">
+          <ac:chgData name="Aizan Magomadova" userId="b3d38ecc-02a7-4810-ad44-0e9f513517c5" providerId="ADAL" clId="{4FF3CF91-C155-4B3F-A995-746046771754}" dt="2019-09-04T12:32:07.739" v="1916" actId="26606"/>
+          <ac:spMkLst>
+            <pc:docMk/>
+            <pc:sldMk cId="496905167" sldId="273"/>
+            <ac:spMk id="9" creationId="{E8D41CF8-5232-42BC-8D05-AFEDE215398E}"/>
+          </ac:spMkLst>
+        </pc:spChg>
+        <pc:spChg chg="add">
+          <ac:chgData name="Aizan Magomadova" userId="b3d38ecc-02a7-4810-ad44-0e9f513517c5" providerId="ADAL" clId="{4FF3CF91-C155-4B3F-A995-746046771754}" dt="2019-09-04T12:32:07.739" v="1916" actId="26606"/>
+          <ac:spMkLst>
+            <pc:docMk/>
+            <pc:sldMk cId="496905167" sldId="273"/>
+            <ac:spMk id="11" creationId="{49237091-E62C-4878-AA4C-0B9995ADB28F}"/>
+          </ac:spMkLst>
+        </pc:spChg>
+        <pc:picChg chg="add mod">
+          <ac:chgData name="Aizan Magomadova" userId="b3d38ecc-02a7-4810-ad44-0e9f513517c5" providerId="ADAL" clId="{4FF3CF91-C155-4B3F-A995-746046771754}" dt="2019-09-04T12:32:07.739" v="1916" actId="26606"/>
+          <ac:picMkLst>
+            <pc:docMk/>
+            <pc:sldMk cId="496905167" sldId="273"/>
+            <ac:picMk id="4" creationId="{7ECDAAAB-8762-4851-855C-3F9EE7744EC2}"/>
           </ac:picMkLst>
         </pc:picChg>
       </pc:sldChg>
@@ -3921,6 +4286,569 @@
 <file path=ppt/slides/slide10.xml><?xml version="1.0" encoding="utf-8"?>
 <p:sld xmlns:a="http://schemas.openxmlformats.org/drawingml/2006/main" xmlns:r="http://schemas.openxmlformats.org/officeDocument/2006/relationships" xmlns:p="http://schemas.openxmlformats.org/presentationml/2006/main">
   <p:cSld>
+    <p:bg>
+      <p:bgPr>
+        <a:solidFill>
+          <a:schemeClr val="bg1"/>
+        </a:solidFill>
+        <a:effectLst/>
+      </p:bgPr>
+    </p:bg>
+    <p:spTree>
+      <p:nvGrpSpPr>
+        <p:cNvPr id="1" name=""/>
+        <p:cNvGrpSpPr/>
+        <p:nvPr/>
+      </p:nvGrpSpPr>
+      <p:grpSpPr>
+        <a:xfrm>
+          <a:off x="0" y="0"/>
+          <a:ext cx="0" cy="0"/>
+          <a:chOff x="0" y="0"/>
+          <a:chExt cx="0" cy="0"/>
+        </a:xfrm>
+      </p:grpSpPr>
+      <p:sp>
+        <p:nvSpPr>
+          <p:cNvPr id="2" name="Tittel 1">
+            <a:extLst>
+              <a:ext uri="{FF2B5EF4-FFF2-40B4-BE49-F238E27FC236}">
+                <a16:creationId xmlns:a16="http://schemas.microsoft.com/office/drawing/2014/main" id="{1B2B7BE1-1D35-4F7A-9305-35BE2681C716}"/>
+              </a:ext>
+            </a:extLst>
+          </p:cNvPr>
+          <p:cNvSpPr>
+            <a:spLocks noGrp="1"/>
+          </p:cNvSpPr>
+          <p:nvPr>
+            <p:ph type="title"/>
+          </p:nvPr>
+        </p:nvSpPr>
+        <p:spPr>
+          <a:xfrm>
+            <a:off x="8540496" y="640080"/>
+            <a:ext cx="2799907" cy="2306320"/>
+          </a:xfrm>
+        </p:spPr>
+        <p:txBody>
+          <a:bodyPr anchor="b">
+            <a:normAutofit/>
+          </a:bodyPr>
+          <a:lstStyle/>
+          <a:p>
+            <a:r>
+              <a:rPr lang="nb-NO" sz="4000"/>
+              <a:t>Sjekk av en tekst</a:t>
+            </a:r>
+          </a:p>
+        </p:txBody>
+      </p:sp>
+      <p:pic>
+        <p:nvPicPr>
+          <p:cNvPr id="4" name="Plassholder for innhold 3">
+            <a:extLst>
+              <a:ext uri="{FF2B5EF4-FFF2-40B4-BE49-F238E27FC236}">
+                <a16:creationId xmlns:a16="http://schemas.microsoft.com/office/drawing/2014/main" id="{4A64744F-CB98-4A96-B48D-F0CC722949F8}"/>
+              </a:ext>
+            </a:extLst>
+          </p:cNvPr>
+          <p:cNvPicPr>
+            <a:picLocks noChangeAspect="1"/>
+          </p:cNvPicPr>
+          <p:nvPr/>
+        </p:nvPicPr>
+        <p:blipFill>
+          <a:blip r:embed="rId2"/>
+          <a:stretch>
+            <a:fillRect/>
+          </a:stretch>
+        </p:blipFill>
+        <p:spPr>
+          <a:xfrm>
+            <a:off x="642109" y="1783088"/>
+            <a:ext cx="7254920" cy="3291823"/>
+          </a:xfrm>
+          <a:prstGeom prst="rect">
+            <a:avLst/>
+          </a:prstGeom>
+        </p:spPr>
+      </p:pic>
+      <p:sp>
+        <p:nvSpPr>
+          <p:cNvPr id="18" name="Content Placeholder 7">
+            <a:extLst>
+              <a:ext uri="{FF2B5EF4-FFF2-40B4-BE49-F238E27FC236}">
+                <a16:creationId xmlns:a16="http://schemas.microsoft.com/office/drawing/2014/main" id="{2C2073D1-B384-4A5D-AFC1-3C3234129BB0}"/>
+              </a:ext>
+            </a:extLst>
+          </p:cNvPr>
+          <p:cNvSpPr>
+            <a:spLocks noGrp="1"/>
+          </p:cNvSpPr>
+          <p:nvPr>
+            <p:ph idx="1"/>
+          </p:nvPr>
+        </p:nvSpPr>
+        <p:spPr>
+          <a:xfrm>
+            <a:off x="8566150" y="3136900"/>
+            <a:ext cx="2774253" cy="3077633"/>
+          </a:xfrm>
+        </p:spPr>
+        <p:txBody>
+          <a:bodyPr>
+            <a:normAutofit/>
+          </a:bodyPr>
+          <a:lstStyle/>
+          <a:p>
+            <a:endParaRPr lang="en-US" sz="1800"/>
+          </a:p>
+        </p:txBody>
+      </p:sp>
+    </p:spTree>
+    <p:extLst>
+      <p:ext uri="{BB962C8B-B14F-4D97-AF65-F5344CB8AC3E}">
+        <p14:creationId xmlns:p14="http://schemas.microsoft.com/office/powerpoint/2010/main" val="938720025"/>
+      </p:ext>
+    </p:extLst>
+  </p:cSld>
+  <p:clrMapOvr>
+    <a:masterClrMapping/>
+  </p:clrMapOvr>
+</p:sld>
+</file>
+
+<file path=ppt/slides/slide11.xml><?xml version="1.0" encoding="utf-8"?>
+<p:sld xmlns:a="http://schemas.openxmlformats.org/drawingml/2006/main" xmlns:r="http://schemas.openxmlformats.org/officeDocument/2006/relationships" xmlns:p="http://schemas.openxmlformats.org/presentationml/2006/main">
+  <p:cSld>
+    <p:bg>
+      <p:bgPr>
+        <a:solidFill>
+          <a:schemeClr val="bg1"/>
+        </a:solidFill>
+        <a:effectLst/>
+      </p:bgPr>
+    </p:bg>
+    <p:spTree>
+      <p:nvGrpSpPr>
+        <p:cNvPr id="1" name=""/>
+        <p:cNvGrpSpPr/>
+        <p:nvPr/>
+      </p:nvGrpSpPr>
+      <p:grpSpPr>
+        <a:xfrm>
+          <a:off x="0" y="0"/>
+          <a:ext cx="0" cy="0"/>
+          <a:chOff x="0" y="0"/>
+          <a:chExt cx="0" cy="0"/>
+        </a:xfrm>
+      </p:grpSpPr>
+      <p:sp>
+        <p:nvSpPr>
+          <p:cNvPr id="2" name="Tittel 1">
+            <a:extLst>
+              <a:ext uri="{FF2B5EF4-FFF2-40B4-BE49-F238E27FC236}">
+                <a16:creationId xmlns:a16="http://schemas.microsoft.com/office/drawing/2014/main" id="{F5FACBDC-D219-4664-82A4-7B6CEFDA425A}"/>
+              </a:ext>
+            </a:extLst>
+          </p:cNvPr>
+          <p:cNvSpPr>
+            <a:spLocks noGrp="1"/>
+          </p:cNvSpPr>
+          <p:nvPr>
+            <p:ph type="title"/>
+          </p:nvPr>
+        </p:nvSpPr>
+        <p:spPr>
+          <a:xfrm>
+            <a:off x="7854694" y="640081"/>
+            <a:ext cx="3731174" cy="5574451"/>
+          </a:xfrm>
+        </p:spPr>
+        <p:txBody>
+          <a:bodyPr vert="horz" lIns="91440" tIns="45720" rIns="91440" bIns="45720" rtlCol="0" anchor="ctr">
+            <a:normAutofit/>
+          </a:bodyPr>
+          <a:lstStyle/>
+          <a:p>
+            <a:r>
+              <a:rPr lang="en-US" kern="1200">
+                <a:solidFill>
+                  <a:schemeClr val="tx1"/>
+                </a:solidFill>
+                <a:latin typeface="+mj-lt"/>
+                <a:ea typeface="+mj-ea"/>
+                <a:cs typeface="+mj-cs"/>
+              </a:rPr>
+              <a:t>Sjekk av et tall</a:t>
+            </a:r>
+          </a:p>
+        </p:txBody>
+      </p:sp>
+      <p:pic>
+        <p:nvPicPr>
+          <p:cNvPr id="4" name="Plassholder for innhold 3">
+            <a:extLst>
+              <a:ext uri="{FF2B5EF4-FFF2-40B4-BE49-F238E27FC236}">
+                <a16:creationId xmlns:a16="http://schemas.microsoft.com/office/drawing/2014/main" id="{186AC1C6-755A-4A23-9CFB-4B2725BB5733}"/>
+              </a:ext>
+            </a:extLst>
+          </p:cNvPr>
+          <p:cNvPicPr>
+            <a:picLocks noGrp="1" noChangeAspect="1"/>
+          </p:cNvPicPr>
+          <p:nvPr>
+            <p:ph idx="1"/>
+          </p:nvPr>
+        </p:nvPicPr>
+        <p:blipFill>
+          <a:blip r:embed="rId2"/>
+          <a:stretch>
+            <a:fillRect/>
+          </a:stretch>
+        </p:blipFill>
+        <p:spPr>
+          <a:xfrm>
+            <a:off x="643466" y="1516717"/>
+            <a:ext cx="6891189" cy="3821180"/>
+          </a:xfrm>
+          <a:prstGeom prst="rect">
+            <a:avLst/>
+          </a:prstGeom>
+        </p:spPr>
+      </p:pic>
+    </p:spTree>
+    <p:extLst>
+      <p:ext uri="{BB962C8B-B14F-4D97-AF65-F5344CB8AC3E}">
+        <p14:creationId xmlns:p14="http://schemas.microsoft.com/office/powerpoint/2010/main" val="2500729025"/>
+      </p:ext>
+    </p:extLst>
+  </p:cSld>
+  <p:clrMapOvr>
+    <a:masterClrMapping/>
+  </p:clrMapOvr>
+</p:sld>
+</file>
+
+<file path=ppt/slides/slide12.xml><?xml version="1.0" encoding="utf-8"?>
+<p:sld xmlns:a="http://schemas.openxmlformats.org/drawingml/2006/main" xmlns:r="http://schemas.openxmlformats.org/officeDocument/2006/relationships" xmlns:p="http://schemas.openxmlformats.org/presentationml/2006/main">
+  <p:cSld>
+    <p:bg>
+      <p:bgPr>
+        <a:solidFill>
+          <a:schemeClr val="bg1"/>
+        </a:solidFill>
+        <a:effectLst/>
+      </p:bgPr>
+    </p:bg>
+    <p:spTree>
+      <p:nvGrpSpPr>
+        <p:cNvPr id="1" name=""/>
+        <p:cNvGrpSpPr/>
+        <p:nvPr/>
+      </p:nvGrpSpPr>
+      <p:grpSpPr>
+        <a:xfrm>
+          <a:off x="0" y="0"/>
+          <a:ext cx="0" cy="0"/>
+          <a:chOff x="0" y="0"/>
+          <a:chExt cx="0" cy="0"/>
+        </a:xfrm>
+      </p:grpSpPr>
+      <p:sp>
+        <p:nvSpPr>
+          <p:cNvPr id="14" name="Rectangle 11">
+            <a:extLst>
+              <a:ext uri="{FF2B5EF4-FFF2-40B4-BE49-F238E27FC236}">
+                <a16:creationId xmlns:a16="http://schemas.microsoft.com/office/drawing/2014/main" id="{CEB41C5C-0F34-4DDA-9D7C-5E717F35F60C}"/>
+              </a:ext>
+              <a:ext uri="{C183D7F6-B498-43B3-948B-1728B52AA6E4}">
+                <adec:decorative xmlns:adec="http://schemas.microsoft.com/office/drawing/2017/decorative" val="1"/>
+              </a:ext>
+            </a:extLst>
+          </p:cNvPr>
+          <p:cNvSpPr>
+            <a:spLocks noGrp="1" noRot="1" noChangeAspect="1" noMove="1" noResize="1" noEditPoints="1" noAdjustHandles="1" noChangeArrowheads="1" noChangeShapeType="1" noTextEdit="1"/>
+          </p:cNvSpPr>
+          <p:nvPr>
+            <p:extLst>
+              <p:ext uri="{386F3935-93C4-4BCD-93E2-E3B085C9AB24}">
+                <p16:designElem xmlns:p16="http://schemas.microsoft.com/office/powerpoint/2015/main" val="1"/>
+              </p:ext>
+            </p:extLst>
+          </p:nvPr>
+        </p:nvSpPr>
+        <p:spPr bwMode="ltGray">
+          <a:xfrm>
+            <a:off x="6134677" y="303591"/>
+            <a:ext cx="5735590" cy="5896743"/>
+          </a:xfrm>
+          <a:prstGeom prst="rect">
+            <a:avLst/>
+          </a:prstGeom>
+          <a:solidFill>
+            <a:schemeClr val="tx1">
+              <a:alpha val="15000"/>
+            </a:schemeClr>
+          </a:solidFill>
+          <a:ln w="127000" cap="sq" cmpd="thinThick">
+            <a:solidFill>
+              <a:schemeClr val="tx1">
+                <a:alpha val="10000"/>
+              </a:schemeClr>
+            </a:solidFill>
+          </a:ln>
+        </p:spPr>
+        <p:style>
+          <a:lnRef idx="2">
+            <a:schemeClr val="accent1">
+              <a:shade val="50000"/>
+            </a:schemeClr>
+          </a:lnRef>
+          <a:fillRef idx="1">
+            <a:schemeClr val="accent1"/>
+          </a:fillRef>
+          <a:effectRef idx="0">
+            <a:schemeClr val="accent1"/>
+          </a:effectRef>
+          <a:fontRef idx="minor">
+            <a:schemeClr val="lt1"/>
+          </a:fontRef>
+        </p:style>
+        <p:txBody>
+          <a:bodyPr rtlCol="0" anchor="ctr"/>
+          <a:lstStyle/>
+          <a:p>
+            <a:pPr algn="ctr"/>
+            <a:endParaRPr lang="en-US"/>
+          </a:p>
+        </p:txBody>
+      </p:sp>
+      <p:sp>
+        <p:nvSpPr>
+          <p:cNvPr id="4" name="Tittel 3">
+            <a:extLst>
+              <a:ext uri="{FF2B5EF4-FFF2-40B4-BE49-F238E27FC236}">
+                <a16:creationId xmlns:a16="http://schemas.microsoft.com/office/drawing/2014/main" id="{2F36FA0E-FF81-424E-983F-B7410767BA7E}"/>
+              </a:ext>
+            </a:extLst>
+          </p:cNvPr>
+          <p:cNvSpPr>
+            <a:spLocks noGrp="1"/>
+          </p:cNvSpPr>
+          <p:nvPr>
+            <p:ph type="title"/>
+          </p:nvPr>
+        </p:nvSpPr>
+        <p:spPr>
+          <a:xfrm>
+            <a:off x="6392598" y="640263"/>
+            <a:ext cx="5221266" cy="1344975"/>
+          </a:xfrm>
+        </p:spPr>
+        <p:txBody>
+          <a:bodyPr vert="horz" lIns="91440" tIns="45720" rIns="91440" bIns="45720" rtlCol="0" anchor="ctr">
+            <a:normAutofit/>
+          </a:bodyPr>
+          <a:lstStyle/>
+          <a:p>
+            <a:pPr algn="ctr"/>
+            <a:r>
+              <a:rPr lang="en-US" sz="4000" kern="1200">
+                <a:solidFill>
+                  <a:schemeClr val="tx1"/>
+                </a:solidFill>
+                <a:latin typeface="+mj-lt"/>
+                <a:ea typeface="+mj-ea"/>
+                <a:cs typeface="+mj-cs"/>
+              </a:rPr>
+              <a:t>Flere if-setninger</a:t>
+            </a:r>
+          </a:p>
+        </p:txBody>
+      </p:sp>
+      <p:pic>
+        <p:nvPicPr>
+          <p:cNvPr id="7" name="Plassholder for innhold 3">
+            <a:extLst>
+              <a:ext uri="{FF2B5EF4-FFF2-40B4-BE49-F238E27FC236}">
+                <a16:creationId xmlns:a16="http://schemas.microsoft.com/office/drawing/2014/main" id="{E8720D8C-DB80-4879-B5BA-894719E19A4E}"/>
+              </a:ext>
+            </a:extLst>
+          </p:cNvPr>
+          <p:cNvPicPr>
+            <a:picLocks noGrp="1" noChangeAspect="1"/>
+          </p:cNvPicPr>
+          <p:nvPr>
+            <p:ph idx="1"/>
+          </p:nvPr>
+        </p:nvPicPr>
+        <p:blipFill>
+          <a:blip r:embed="rId2"/>
+          <a:stretch>
+            <a:fillRect/>
+          </a:stretch>
+        </p:blipFill>
+        <p:spPr>
+          <a:xfrm>
+            <a:off x="1385347" y="484632"/>
+            <a:ext cx="3325305" cy="5733287"/>
+          </a:xfrm>
+          <a:prstGeom prst="rect">
+            <a:avLst/>
+          </a:prstGeom>
+        </p:spPr>
+      </p:pic>
+      <p:sp>
+        <p:nvSpPr>
+          <p:cNvPr id="6" name="Plassholder for tekst 5">
+            <a:extLst>
+              <a:ext uri="{FF2B5EF4-FFF2-40B4-BE49-F238E27FC236}">
+                <a16:creationId xmlns:a16="http://schemas.microsoft.com/office/drawing/2014/main" id="{90074A3A-AFF6-453E-9094-22C4B20824AC}"/>
+              </a:ext>
+            </a:extLst>
+          </p:cNvPr>
+          <p:cNvSpPr>
+            <a:spLocks noGrp="1"/>
+          </p:cNvSpPr>
+          <p:nvPr>
+            <p:ph type="body" sz="half" idx="2"/>
+          </p:nvPr>
+        </p:nvSpPr>
+        <p:spPr>
+          <a:xfrm>
+            <a:off x="6391903" y="2121763"/>
+            <a:ext cx="5235490" cy="3773010"/>
+          </a:xfrm>
+        </p:spPr>
+        <p:txBody>
+          <a:bodyPr vert="horz" lIns="91440" tIns="45720" rIns="91440" bIns="45720" rtlCol="0">
+            <a:normAutofit/>
+          </a:bodyPr>
+          <a:lstStyle/>
+          <a:p>
+            <a:pPr indent="-228600">
+              <a:buFont typeface="Arial" panose="020B0604020202020204" pitchFamily="34" charset="0"/>
+              <a:buChar char="•"/>
+            </a:pPr>
+            <a:r>
+              <a:rPr lang="en-US" sz="2000" dirty="0" err="1"/>
+              <a:t>Flere</a:t>
+            </a:r>
+            <a:r>
+              <a:rPr lang="en-US" sz="2000" dirty="0"/>
+              <a:t> </a:t>
+            </a:r>
+            <a:r>
+              <a:rPr lang="en-US" sz="2000" dirty="0" err="1"/>
+              <a:t>betingelser</a:t>
+            </a:r>
+            <a:r>
+              <a:rPr lang="en-US" sz="2000" dirty="0"/>
+              <a:t> </a:t>
+            </a:r>
+            <a:r>
+              <a:rPr lang="en-US" sz="2000" dirty="0" err="1"/>
+              <a:t>som</a:t>
+            </a:r>
+            <a:r>
+              <a:rPr lang="en-US" sz="2000" dirty="0"/>
+              <a:t> </a:t>
+            </a:r>
+            <a:r>
+              <a:rPr lang="en-US" sz="2000" dirty="0" err="1"/>
+              <a:t>ikke</a:t>
+            </a:r>
+            <a:r>
+              <a:rPr lang="en-US" sz="2000" dirty="0"/>
+              <a:t> </a:t>
+            </a:r>
+            <a:r>
+              <a:rPr lang="en-US" sz="2000" dirty="0" err="1"/>
+              <a:t>skal</a:t>
+            </a:r>
+            <a:r>
+              <a:rPr lang="en-US" sz="2000" dirty="0"/>
+              <a:t> </a:t>
+            </a:r>
+            <a:r>
+              <a:rPr lang="en-US" sz="2000" dirty="0" err="1"/>
+              <a:t>utelukke</a:t>
+            </a:r>
+            <a:endParaRPr lang="en-US" sz="2000" dirty="0"/>
+          </a:p>
+          <a:p>
+            <a:r>
+              <a:rPr lang="en-US" sz="2000" dirty="0"/>
+              <a:t> </a:t>
+            </a:r>
+            <a:r>
+              <a:rPr lang="en-US" sz="2000" dirty="0" err="1"/>
+              <a:t>hverandre</a:t>
+            </a:r>
+            <a:endParaRPr lang="en-US" sz="2000" dirty="0"/>
+          </a:p>
+          <a:p>
+            <a:pPr indent="-228600">
+              <a:buFont typeface="Arial" panose="020B0604020202020204" pitchFamily="34" charset="0"/>
+              <a:buChar char="•"/>
+            </a:pPr>
+            <a:endParaRPr lang="en-US" sz="2000" dirty="0"/>
+          </a:p>
+          <a:p>
+            <a:pPr indent="-228600">
+              <a:buFont typeface="Arial" panose="020B0604020202020204" pitchFamily="34" charset="0"/>
+              <a:buChar char="•"/>
+            </a:pPr>
+            <a:endParaRPr lang="en-US" sz="2000" dirty="0"/>
+          </a:p>
+          <a:p>
+            <a:pPr indent="-228600">
+              <a:buFont typeface="Arial" panose="020B0604020202020204" pitchFamily="34" charset="0"/>
+              <a:buChar char="•"/>
+            </a:pPr>
+            <a:r>
+              <a:rPr lang="en-US" sz="2000"/>
+              <a:t>EKSEMPEL</a:t>
+            </a:r>
+            <a:r>
+              <a:rPr lang="en-US" sz="2000" dirty="0"/>
+              <a:t> </a:t>
+            </a:r>
+            <a:r>
+              <a:rPr lang="en-US" sz="2000"/>
+              <a:t>Side </a:t>
+            </a:r>
+            <a:r>
+              <a:rPr lang="en-US" sz="2000" dirty="0"/>
+              <a:t>82</a:t>
+            </a:r>
+          </a:p>
+          <a:p>
+            <a:pPr indent="-228600">
+              <a:buFont typeface="Arial" panose="020B0604020202020204" pitchFamily="34" charset="0"/>
+              <a:buChar char="•"/>
+            </a:pPr>
+            <a:endParaRPr lang="en-US" sz="2000" dirty="0"/>
+          </a:p>
+        </p:txBody>
+      </p:sp>
+    </p:spTree>
+    <p:extLst>
+      <p:ext uri="{BB962C8B-B14F-4D97-AF65-F5344CB8AC3E}">
+        <p14:creationId xmlns:p14="http://schemas.microsoft.com/office/powerpoint/2010/main" val="4244248154"/>
+      </p:ext>
+    </p:extLst>
+  </p:cSld>
+  <p:clrMapOvr>
+    <a:masterClrMapping/>
+  </p:clrMapOvr>
+</p:sld>
+</file>
+
+<file path=ppt/slides/slide13.xml><?xml version="1.0" encoding="utf-8"?>
+<p:sld xmlns:a="http://schemas.openxmlformats.org/drawingml/2006/main" xmlns:r="http://schemas.openxmlformats.org/officeDocument/2006/relationships" xmlns:p="http://schemas.openxmlformats.org/presentationml/2006/main">
+  <p:cSld>
     <p:spTree>
       <p:nvGrpSpPr>
         <p:cNvPr id="1" name=""/>
@@ -4008,7 +4936,7 @@
 </p:sld>
 </file>
 
-<file path=ppt/slides/slide11.xml><?xml version="1.0" encoding="utf-8"?>
+<file path=ppt/slides/slide14.xml><?xml version="1.0" encoding="utf-8"?>
 <p:sld xmlns:a="http://schemas.openxmlformats.org/drawingml/2006/main" xmlns:r="http://schemas.openxmlformats.org/officeDocument/2006/relationships" xmlns:p="http://schemas.openxmlformats.org/presentationml/2006/main">
   <p:cSld>
     <p:spTree>
@@ -4151,7 +5079,7 @@
           <a:p>
             <a:r>
               <a:rPr lang="nb-NO" dirty="0"/>
-              <a:t>Tegning av en firkant i p5</a:t>
+              <a:t>Tegning av en firkant i p5Js</a:t>
             </a:r>
           </a:p>
         </p:txBody>
@@ -4198,10 +5126,320 @@
   <p:clrMapOvr>
     <a:masterClrMapping/>
   </p:clrMapOvr>
+  <p:timing>
+    <p:tnLst>
+      <p:par>
+        <p:cTn id="1" dur="indefinite" restart="never" nodeType="tmRoot">
+          <p:childTnLst>
+            <p:seq concurrent="1" nextAc="seek">
+              <p:cTn id="2" dur="indefinite" nodeType="mainSeq">
+                <p:childTnLst>
+                  <p:par>
+                    <p:cTn id="3" fill="hold">
+                      <p:stCondLst>
+                        <p:cond delay="indefinite"/>
+                      </p:stCondLst>
+                      <p:childTnLst>
+                        <p:par>
+                          <p:cTn id="4" fill="hold">
+                            <p:stCondLst>
+                              <p:cond delay="0"/>
+                            </p:stCondLst>
+                            <p:childTnLst>
+                              <p:par>
+                                <p:cTn id="5" presetID="1" presetClass="entr" presetSubtype="0" fill="hold" nodeType="clickEffect">
+                                  <p:stCondLst>
+                                    <p:cond delay="0"/>
+                                  </p:stCondLst>
+                                  <p:childTnLst>
+                                    <p:set>
+                                      <p:cBhvr>
+                                        <p:cTn id="6" dur="1" fill="hold">
+                                          <p:stCondLst>
+                                            <p:cond delay="0"/>
+                                          </p:stCondLst>
+                                        </p:cTn>
+                                        <p:tgtEl>
+                                          <p:spTgt spid="4">
+                                            <p:txEl>
+                                              <p:pRg st="0" end="0"/>
+                                            </p:txEl>
+                                          </p:spTgt>
+                                        </p:tgtEl>
+                                        <p:attrNameLst>
+                                          <p:attrName>style.visibility</p:attrName>
+                                        </p:attrNameLst>
+                                      </p:cBhvr>
+                                      <p:to>
+                                        <p:strVal val="visible"/>
+                                      </p:to>
+                                    </p:set>
+                                  </p:childTnLst>
+                                </p:cTn>
+                              </p:par>
+                            </p:childTnLst>
+                          </p:cTn>
+                        </p:par>
+                      </p:childTnLst>
+                    </p:cTn>
+                  </p:par>
+                  <p:par>
+                    <p:cTn id="7" fill="hold">
+                      <p:stCondLst>
+                        <p:cond delay="indefinite"/>
+                      </p:stCondLst>
+                      <p:childTnLst>
+                        <p:par>
+                          <p:cTn id="8" fill="hold">
+                            <p:stCondLst>
+                              <p:cond delay="0"/>
+                            </p:stCondLst>
+                            <p:childTnLst>
+                              <p:par>
+                                <p:cTn id="9" presetID="2" presetClass="entr" presetSubtype="4" fill="hold" nodeType="clickEffect">
+                                  <p:stCondLst>
+                                    <p:cond delay="0"/>
+                                  </p:stCondLst>
+                                  <p:childTnLst>
+                                    <p:set>
+                                      <p:cBhvr>
+                                        <p:cTn id="10" dur="1" fill="hold">
+                                          <p:stCondLst>
+                                            <p:cond delay="0"/>
+                                          </p:stCondLst>
+                                        </p:cTn>
+                                        <p:tgtEl>
+                                          <p:spTgt spid="9"/>
+                                        </p:tgtEl>
+                                        <p:attrNameLst>
+                                          <p:attrName>style.visibility</p:attrName>
+                                        </p:attrNameLst>
+                                      </p:cBhvr>
+                                      <p:to>
+                                        <p:strVal val="visible"/>
+                                      </p:to>
+                                    </p:set>
+                                    <p:anim calcmode="lin" valueType="num">
+                                      <p:cBhvr additive="base">
+                                        <p:cTn id="11" dur="500" fill="hold"/>
+                                        <p:tgtEl>
+                                          <p:spTgt spid="9"/>
+                                        </p:tgtEl>
+                                        <p:attrNameLst>
+                                          <p:attrName>ppt_x</p:attrName>
+                                        </p:attrNameLst>
+                                      </p:cBhvr>
+                                      <p:tavLst>
+                                        <p:tav tm="0">
+                                          <p:val>
+                                            <p:strVal val="#ppt_x"/>
+                                          </p:val>
+                                        </p:tav>
+                                        <p:tav tm="100000">
+                                          <p:val>
+                                            <p:strVal val="#ppt_x"/>
+                                          </p:val>
+                                        </p:tav>
+                                      </p:tavLst>
+                                    </p:anim>
+                                    <p:anim calcmode="lin" valueType="num">
+                                      <p:cBhvr additive="base">
+                                        <p:cTn id="12" dur="500" fill="hold"/>
+                                        <p:tgtEl>
+                                          <p:spTgt spid="9"/>
+                                        </p:tgtEl>
+                                        <p:attrNameLst>
+                                          <p:attrName>ppt_y</p:attrName>
+                                        </p:attrNameLst>
+                                      </p:cBhvr>
+                                      <p:tavLst>
+                                        <p:tav tm="0">
+                                          <p:val>
+                                            <p:strVal val="1+#ppt_h/2"/>
+                                          </p:val>
+                                        </p:tav>
+                                        <p:tav tm="100000">
+                                          <p:val>
+                                            <p:strVal val="#ppt_y"/>
+                                          </p:val>
+                                        </p:tav>
+                                      </p:tavLst>
+                                    </p:anim>
+                                  </p:childTnLst>
+                                </p:cTn>
+                              </p:par>
+                            </p:childTnLst>
+                          </p:cTn>
+                        </p:par>
+                      </p:childTnLst>
+                    </p:cTn>
+                  </p:par>
+                  <p:par>
+                    <p:cTn id="13" fill="hold">
+                      <p:stCondLst>
+                        <p:cond delay="indefinite"/>
+                      </p:stCondLst>
+                      <p:childTnLst>
+                        <p:par>
+                          <p:cTn id="14" fill="hold">
+                            <p:stCondLst>
+                              <p:cond delay="0"/>
+                            </p:stCondLst>
+                            <p:childTnLst>
+                              <p:par>
+                                <p:cTn id="15" presetID="1" presetClass="entr" presetSubtype="0" fill="hold" nodeType="clickEffect">
+                                  <p:stCondLst>
+                                    <p:cond delay="0"/>
+                                  </p:stCondLst>
+                                  <p:childTnLst>
+                                    <p:set>
+                                      <p:cBhvr>
+                                        <p:cTn id="16" dur="1" fill="hold">
+                                          <p:stCondLst>
+                                            <p:cond delay="0"/>
+                                          </p:stCondLst>
+                                        </p:cTn>
+                                        <p:tgtEl>
+                                          <p:spTgt spid="6">
+                                            <p:txEl>
+                                              <p:pRg st="0" end="0"/>
+                                            </p:txEl>
+                                          </p:spTgt>
+                                        </p:tgtEl>
+                                        <p:attrNameLst>
+                                          <p:attrName>style.visibility</p:attrName>
+                                        </p:attrNameLst>
+                                      </p:cBhvr>
+                                      <p:to>
+                                        <p:strVal val="visible"/>
+                                      </p:to>
+                                    </p:set>
+                                  </p:childTnLst>
+                                </p:cTn>
+                              </p:par>
+                            </p:childTnLst>
+                          </p:cTn>
+                        </p:par>
+                      </p:childTnLst>
+                    </p:cTn>
+                  </p:par>
+                  <p:par>
+                    <p:cTn id="17" fill="hold">
+                      <p:stCondLst>
+                        <p:cond delay="indefinite"/>
+                      </p:stCondLst>
+                      <p:childTnLst>
+                        <p:par>
+                          <p:cTn id="18" fill="hold">
+                            <p:stCondLst>
+                              <p:cond delay="0"/>
+                            </p:stCondLst>
+                            <p:childTnLst>
+                              <p:par>
+                                <p:cTn id="19" presetID="2" presetClass="entr" presetSubtype="4" fill="hold" nodeType="clickEffect">
+                                  <p:stCondLst>
+                                    <p:cond delay="0"/>
+                                  </p:stCondLst>
+                                  <p:childTnLst>
+                                    <p:set>
+                                      <p:cBhvr>
+                                        <p:cTn id="20" dur="1" fill="hold">
+                                          <p:stCondLst>
+                                            <p:cond delay="0"/>
+                                          </p:stCondLst>
+                                        </p:cTn>
+                                        <p:tgtEl>
+                                          <p:spTgt spid="8"/>
+                                        </p:tgtEl>
+                                        <p:attrNameLst>
+                                          <p:attrName>style.visibility</p:attrName>
+                                        </p:attrNameLst>
+                                      </p:cBhvr>
+                                      <p:to>
+                                        <p:strVal val="visible"/>
+                                      </p:to>
+                                    </p:set>
+                                    <p:anim calcmode="lin" valueType="num">
+                                      <p:cBhvr additive="base">
+                                        <p:cTn id="21" dur="500" fill="hold"/>
+                                        <p:tgtEl>
+                                          <p:spTgt spid="8"/>
+                                        </p:tgtEl>
+                                        <p:attrNameLst>
+                                          <p:attrName>ppt_x</p:attrName>
+                                        </p:attrNameLst>
+                                      </p:cBhvr>
+                                      <p:tavLst>
+                                        <p:tav tm="0">
+                                          <p:val>
+                                            <p:strVal val="#ppt_x"/>
+                                          </p:val>
+                                        </p:tav>
+                                        <p:tav tm="100000">
+                                          <p:val>
+                                            <p:strVal val="#ppt_x"/>
+                                          </p:val>
+                                        </p:tav>
+                                      </p:tavLst>
+                                    </p:anim>
+                                    <p:anim calcmode="lin" valueType="num">
+                                      <p:cBhvr additive="base">
+                                        <p:cTn id="22" dur="500" fill="hold"/>
+                                        <p:tgtEl>
+                                          <p:spTgt spid="8"/>
+                                        </p:tgtEl>
+                                        <p:attrNameLst>
+                                          <p:attrName>ppt_y</p:attrName>
+                                        </p:attrNameLst>
+                                      </p:cBhvr>
+                                      <p:tavLst>
+                                        <p:tav tm="0">
+                                          <p:val>
+                                            <p:strVal val="1+#ppt_h/2"/>
+                                          </p:val>
+                                        </p:tav>
+                                        <p:tav tm="100000">
+                                          <p:val>
+                                            <p:strVal val="#ppt_y"/>
+                                          </p:val>
+                                        </p:tav>
+                                      </p:tavLst>
+                                    </p:anim>
+                                  </p:childTnLst>
+                                </p:cTn>
+                              </p:par>
+                            </p:childTnLst>
+                          </p:cTn>
+                        </p:par>
+                      </p:childTnLst>
+                    </p:cTn>
+                  </p:par>
+                </p:childTnLst>
+              </p:cTn>
+              <p:prevCondLst>
+                <p:cond evt="onPrev" delay="0">
+                  <p:tgtEl>
+                    <p:sldTgt/>
+                  </p:tgtEl>
+                </p:cond>
+              </p:prevCondLst>
+              <p:nextCondLst>
+                <p:cond evt="onNext" delay="0">
+                  <p:tgtEl>
+                    <p:sldTgt/>
+                  </p:tgtEl>
+                </p:cond>
+              </p:nextCondLst>
+            </p:seq>
+          </p:childTnLst>
+        </p:cTn>
+      </p:par>
+    </p:tnLst>
+  </p:timing>
 </p:sld>
 </file>
 
-<file path=ppt/slides/slide12.xml><?xml version="1.0" encoding="utf-8"?>
+<file path=ppt/slides/slide15.xml><?xml version="1.0" encoding="utf-8"?>
 <p:sld xmlns:a="http://schemas.openxmlformats.org/drawingml/2006/main" xmlns:r="http://schemas.openxmlformats.org/officeDocument/2006/relationships" xmlns:p="http://schemas.openxmlformats.org/presentationml/2006/main">
   <p:cSld>
     <p:spTree>
@@ -4375,10 +5613,320 @@
   <p:clrMapOvr>
     <a:masterClrMapping/>
   </p:clrMapOvr>
+  <p:timing>
+    <p:tnLst>
+      <p:par>
+        <p:cTn id="1" dur="indefinite" restart="never" nodeType="tmRoot">
+          <p:childTnLst>
+            <p:seq concurrent="1" nextAc="seek">
+              <p:cTn id="2" dur="indefinite" nodeType="mainSeq">
+                <p:childTnLst>
+                  <p:par>
+                    <p:cTn id="3" fill="hold">
+                      <p:stCondLst>
+                        <p:cond delay="indefinite"/>
+                      </p:stCondLst>
+                      <p:childTnLst>
+                        <p:par>
+                          <p:cTn id="4" fill="hold">
+                            <p:stCondLst>
+                              <p:cond delay="0"/>
+                            </p:stCondLst>
+                            <p:childTnLst>
+                              <p:par>
+                                <p:cTn id="5" presetID="1" presetClass="entr" presetSubtype="0" fill="hold" nodeType="clickEffect">
+                                  <p:stCondLst>
+                                    <p:cond delay="0"/>
+                                  </p:stCondLst>
+                                  <p:childTnLst>
+                                    <p:set>
+                                      <p:cBhvr>
+                                        <p:cTn id="6" dur="1" fill="hold">
+                                          <p:stCondLst>
+                                            <p:cond delay="0"/>
+                                          </p:stCondLst>
+                                        </p:cTn>
+                                        <p:tgtEl>
+                                          <p:spTgt spid="2">
+                                            <p:txEl>
+                                              <p:pRg st="0" end="0"/>
+                                            </p:txEl>
+                                          </p:spTgt>
+                                        </p:tgtEl>
+                                        <p:attrNameLst>
+                                          <p:attrName>style.visibility</p:attrName>
+                                        </p:attrNameLst>
+                                      </p:cBhvr>
+                                      <p:to>
+                                        <p:strVal val="visible"/>
+                                      </p:to>
+                                    </p:set>
+                                  </p:childTnLst>
+                                </p:cTn>
+                              </p:par>
+                            </p:childTnLst>
+                          </p:cTn>
+                        </p:par>
+                      </p:childTnLst>
+                    </p:cTn>
+                  </p:par>
+                  <p:par>
+                    <p:cTn id="7" fill="hold">
+                      <p:stCondLst>
+                        <p:cond delay="indefinite"/>
+                      </p:stCondLst>
+                      <p:childTnLst>
+                        <p:par>
+                          <p:cTn id="8" fill="hold">
+                            <p:stCondLst>
+                              <p:cond delay="0"/>
+                            </p:stCondLst>
+                            <p:childTnLst>
+                              <p:par>
+                                <p:cTn id="9" presetID="2" presetClass="entr" presetSubtype="4" fill="hold" nodeType="clickEffect">
+                                  <p:stCondLst>
+                                    <p:cond delay="0"/>
+                                  </p:stCondLst>
+                                  <p:childTnLst>
+                                    <p:set>
+                                      <p:cBhvr>
+                                        <p:cTn id="10" dur="1" fill="hold">
+                                          <p:stCondLst>
+                                            <p:cond delay="0"/>
+                                          </p:stCondLst>
+                                        </p:cTn>
+                                        <p:tgtEl>
+                                          <p:spTgt spid="9"/>
+                                        </p:tgtEl>
+                                        <p:attrNameLst>
+                                          <p:attrName>style.visibility</p:attrName>
+                                        </p:attrNameLst>
+                                      </p:cBhvr>
+                                      <p:to>
+                                        <p:strVal val="visible"/>
+                                      </p:to>
+                                    </p:set>
+                                    <p:anim calcmode="lin" valueType="num">
+                                      <p:cBhvr additive="base">
+                                        <p:cTn id="11" dur="500" fill="hold"/>
+                                        <p:tgtEl>
+                                          <p:spTgt spid="9"/>
+                                        </p:tgtEl>
+                                        <p:attrNameLst>
+                                          <p:attrName>ppt_x</p:attrName>
+                                        </p:attrNameLst>
+                                      </p:cBhvr>
+                                      <p:tavLst>
+                                        <p:tav tm="0">
+                                          <p:val>
+                                            <p:strVal val="#ppt_x"/>
+                                          </p:val>
+                                        </p:tav>
+                                        <p:tav tm="100000">
+                                          <p:val>
+                                            <p:strVal val="#ppt_x"/>
+                                          </p:val>
+                                        </p:tav>
+                                      </p:tavLst>
+                                    </p:anim>
+                                    <p:anim calcmode="lin" valueType="num">
+                                      <p:cBhvr additive="base">
+                                        <p:cTn id="12" dur="500" fill="hold"/>
+                                        <p:tgtEl>
+                                          <p:spTgt spid="9"/>
+                                        </p:tgtEl>
+                                        <p:attrNameLst>
+                                          <p:attrName>ppt_y</p:attrName>
+                                        </p:attrNameLst>
+                                      </p:cBhvr>
+                                      <p:tavLst>
+                                        <p:tav tm="0">
+                                          <p:val>
+                                            <p:strVal val="1+#ppt_h/2"/>
+                                          </p:val>
+                                        </p:tav>
+                                        <p:tav tm="100000">
+                                          <p:val>
+                                            <p:strVal val="#ppt_y"/>
+                                          </p:val>
+                                        </p:tav>
+                                      </p:tavLst>
+                                    </p:anim>
+                                  </p:childTnLst>
+                                </p:cTn>
+                              </p:par>
+                            </p:childTnLst>
+                          </p:cTn>
+                        </p:par>
+                      </p:childTnLst>
+                    </p:cTn>
+                  </p:par>
+                  <p:par>
+                    <p:cTn id="13" fill="hold">
+                      <p:stCondLst>
+                        <p:cond delay="indefinite"/>
+                      </p:stCondLst>
+                      <p:childTnLst>
+                        <p:par>
+                          <p:cTn id="14" fill="hold">
+                            <p:stCondLst>
+                              <p:cond delay="0"/>
+                            </p:stCondLst>
+                            <p:childTnLst>
+                              <p:par>
+                                <p:cTn id="15" presetID="1" presetClass="entr" presetSubtype="0" fill="hold" nodeType="clickEffect">
+                                  <p:stCondLst>
+                                    <p:cond delay="0"/>
+                                  </p:stCondLst>
+                                  <p:childTnLst>
+                                    <p:set>
+                                      <p:cBhvr>
+                                        <p:cTn id="16" dur="1" fill="hold">
+                                          <p:stCondLst>
+                                            <p:cond delay="0"/>
+                                          </p:stCondLst>
+                                        </p:cTn>
+                                        <p:tgtEl>
+                                          <p:spTgt spid="3">
+                                            <p:txEl>
+                                              <p:pRg st="0" end="0"/>
+                                            </p:txEl>
+                                          </p:spTgt>
+                                        </p:tgtEl>
+                                        <p:attrNameLst>
+                                          <p:attrName>style.visibility</p:attrName>
+                                        </p:attrNameLst>
+                                      </p:cBhvr>
+                                      <p:to>
+                                        <p:strVal val="visible"/>
+                                      </p:to>
+                                    </p:set>
+                                  </p:childTnLst>
+                                </p:cTn>
+                              </p:par>
+                            </p:childTnLst>
+                          </p:cTn>
+                        </p:par>
+                      </p:childTnLst>
+                    </p:cTn>
+                  </p:par>
+                  <p:par>
+                    <p:cTn id="17" fill="hold">
+                      <p:stCondLst>
+                        <p:cond delay="indefinite"/>
+                      </p:stCondLst>
+                      <p:childTnLst>
+                        <p:par>
+                          <p:cTn id="18" fill="hold">
+                            <p:stCondLst>
+                              <p:cond delay="0"/>
+                            </p:stCondLst>
+                            <p:childTnLst>
+                              <p:par>
+                                <p:cTn id="19" presetID="2" presetClass="entr" presetSubtype="4" fill="hold" nodeType="clickEffect">
+                                  <p:stCondLst>
+                                    <p:cond delay="0"/>
+                                  </p:stCondLst>
+                                  <p:childTnLst>
+                                    <p:set>
+                                      <p:cBhvr>
+                                        <p:cTn id="20" dur="1" fill="hold">
+                                          <p:stCondLst>
+                                            <p:cond delay="0"/>
+                                          </p:stCondLst>
+                                        </p:cTn>
+                                        <p:tgtEl>
+                                          <p:spTgt spid="5"/>
+                                        </p:tgtEl>
+                                        <p:attrNameLst>
+                                          <p:attrName>style.visibility</p:attrName>
+                                        </p:attrNameLst>
+                                      </p:cBhvr>
+                                      <p:to>
+                                        <p:strVal val="visible"/>
+                                      </p:to>
+                                    </p:set>
+                                    <p:anim calcmode="lin" valueType="num">
+                                      <p:cBhvr additive="base">
+                                        <p:cTn id="21" dur="500" fill="hold"/>
+                                        <p:tgtEl>
+                                          <p:spTgt spid="5"/>
+                                        </p:tgtEl>
+                                        <p:attrNameLst>
+                                          <p:attrName>ppt_x</p:attrName>
+                                        </p:attrNameLst>
+                                      </p:cBhvr>
+                                      <p:tavLst>
+                                        <p:tav tm="0">
+                                          <p:val>
+                                            <p:strVal val="#ppt_x"/>
+                                          </p:val>
+                                        </p:tav>
+                                        <p:tav tm="100000">
+                                          <p:val>
+                                            <p:strVal val="#ppt_x"/>
+                                          </p:val>
+                                        </p:tav>
+                                      </p:tavLst>
+                                    </p:anim>
+                                    <p:anim calcmode="lin" valueType="num">
+                                      <p:cBhvr additive="base">
+                                        <p:cTn id="22" dur="500" fill="hold"/>
+                                        <p:tgtEl>
+                                          <p:spTgt spid="5"/>
+                                        </p:tgtEl>
+                                        <p:attrNameLst>
+                                          <p:attrName>ppt_y</p:attrName>
+                                        </p:attrNameLst>
+                                      </p:cBhvr>
+                                      <p:tavLst>
+                                        <p:tav tm="0">
+                                          <p:val>
+                                            <p:strVal val="1+#ppt_h/2"/>
+                                          </p:val>
+                                        </p:tav>
+                                        <p:tav tm="100000">
+                                          <p:val>
+                                            <p:strVal val="#ppt_y"/>
+                                          </p:val>
+                                        </p:tav>
+                                      </p:tavLst>
+                                    </p:anim>
+                                  </p:childTnLst>
+                                </p:cTn>
+                              </p:par>
+                            </p:childTnLst>
+                          </p:cTn>
+                        </p:par>
+                      </p:childTnLst>
+                    </p:cTn>
+                  </p:par>
+                </p:childTnLst>
+              </p:cTn>
+              <p:prevCondLst>
+                <p:cond evt="onPrev" delay="0">
+                  <p:tgtEl>
+                    <p:sldTgt/>
+                  </p:tgtEl>
+                </p:cond>
+              </p:prevCondLst>
+              <p:nextCondLst>
+                <p:cond evt="onNext" delay="0">
+                  <p:tgtEl>
+                    <p:sldTgt/>
+                  </p:tgtEl>
+                </p:cond>
+              </p:nextCondLst>
+            </p:seq>
+          </p:childTnLst>
+        </p:cTn>
+      </p:par>
+    </p:tnLst>
+  </p:timing>
 </p:sld>
 </file>
 
-<file path=ppt/slides/slide13.xml><?xml version="1.0" encoding="utf-8"?>
+<file path=ppt/slides/slide16.xml><?xml version="1.0" encoding="utf-8"?>
 <p:sld xmlns:a="http://schemas.openxmlformats.org/drawingml/2006/main" xmlns:r="http://schemas.openxmlformats.org/officeDocument/2006/relationships" xmlns:p="http://schemas.openxmlformats.org/presentationml/2006/main">
   <p:cSld>
     <p:spTree>
@@ -4852,7 +6400,7 @@
             </a:r>
             <a:r>
               <a:rPr lang="es-ES" dirty="0"/>
-              <a:t>(x1,y1,x2,y</a:t>
+              <a:t>(x1,y1,x2,y2)</a:t>
             </a:r>
           </a:p>
           <a:p>
@@ -4967,10 +6515,726 @@
   <p:clrMapOvr>
     <a:masterClrMapping/>
   </p:clrMapOvr>
+  <p:timing>
+    <p:tnLst>
+      <p:par>
+        <p:cTn id="1" dur="indefinite" restart="never" nodeType="tmRoot">
+          <p:childTnLst>
+            <p:seq concurrent="1" nextAc="seek">
+              <p:cTn id="2" dur="indefinite" nodeType="mainSeq">
+                <p:childTnLst>
+                  <p:par>
+                    <p:cTn id="3" fill="hold">
+                      <p:stCondLst>
+                        <p:cond delay="indefinite"/>
+                      </p:stCondLst>
+                      <p:childTnLst>
+                        <p:par>
+                          <p:cTn id="4" fill="hold">
+                            <p:stCondLst>
+                              <p:cond delay="0"/>
+                            </p:stCondLst>
+                            <p:childTnLst>
+                              <p:par>
+                                <p:cTn id="5" presetID="1" presetClass="entr" presetSubtype="0" fill="hold" nodeType="clickEffect">
+                                  <p:stCondLst>
+                                    <p:cond delay="0"/>
+                                  </p:stCondLst>
+                                  <p:childTnLst>
+                                    <p:set>
+                                      <p:cBhvr>
+                                        <p:cTn id="6" dur="1" fill="hold">
+                                          <p:stCondLst>
+                                            <p:cond delay="0"/>
+                                          </p:stCondLst>
+                                        </p:cTn>
+                                        <p:tgtEl>
+                                          <p:spTgt spid="3">
+                                            <p:txEl>
+                                              <p:pRg st="0" end="0"/>
+                                            </p:txEl>
+                                          </p:spTgt>
+                                        </p:tgtEl>
+                                        <p:attrNameLst>
+                                          <p:attrName>style.visibility</p:attrName>
+                                        </p:attrNameLst>
+                                      </p:cBhvr>
+                                      <p:to>
+                                        <p:strVal val="visible"/>
+                                      </p:to>
+                                    </p:set>
+                                  </p:childTnLst>
+                                </p:cTn>
+                              </p:par>
+                            </p:childTnLst>
+                          </p:cTn>
+                        </p:par>
+                      </p:childTnLst>
+                    </p:cTn>
+                  </p:par>
+                  <p:par>
+                    <p:cTn id="7" fill="hold">
+                      <p:stCondLst>
+                        <p:cond delay="indefinite"/>
+                      </p:stCondLst>
+                      <p:childTnLst>
+                        <p:par>
+                          <p:cTn id="8" fill="hold">
+                            <p:stCondLst>
+                              <p:cond delay="0"/>
+                            </p:stCondLst>
+                            <p:childTnLst>
+                              <p:par>
+                                <p:cTn id="9" presetID="1" presetClass="entr" presetSubtype="0" fill="hold" nodeType="clickEffect">
+                                  <p:stCondLst>
+                                    <p:cond delay="0"/>
+                                  </p:stCondLst>
+                                  <p:childTnLst>
+                                    <p:set>
+                                      <p:cBhvr>
+                                        <p:cTn id="10" dur="1" fill="hold">
+                                          <p:stCondLst>
+                                            <p:cond delay="0"/>
+                                          </p:stCondLst>
+                                        </p:cTn>
+                                        <p:tgtEl>
+                                          <p:spTgt spid="6">
+                                            <p:txEl>
+                                              <p:pRg st="0" end="0"/>
+                                            </p:txEl>
+                                          </p:spTgt>
+                                        </p:tgtEl>
+                                        <p:attrNameLst>
+                                          <p:attrName>style.visibility</p:attrName>
+                                        </p:attrNameLst>
+                                      </p:cBhvr>
+                                      <p:to>
+                                        <p:strVal val="visible"/>
+                                      </p:to>
+                                    </p:set>
+                                  </p:childTnLst>
+                                </p:cTn>
+                              </p:par>
+                            </p:childTnLst>
+                          </p:cTn>
+                        </p:par>
+                      </p:childTnLst>
+                    </p:cTn>
+                  </p:par>
+                  <p:par>
+                    <p:cTn id="11" fill="hold">
+                      <p:stCondLst>
+                        <p:cond delay="indefinite"/>
+                      </p:stCondLst>
+                      <p:childTnLst>
+                        <p:par>
+                          <p:cTn id="12" fill="hold">
+                            <p:stCondLst>
+                              <p:cond delay="0"/>
+                            </p:stCondLst>
+                            <p:childTnLst>
+                              <p:par>
+                                <p:cTn id="13" presetID="1" presetClass="entr" presetSubtype="0" fill="hold" nodeType="clickEffect">
+                                  <p:stCondLst>
+                                    <p:cond delay="0"/>
+                                  </p:stCondLst>
+                                  <p:childTnLst>
+                                    <p:set>
+                                      <p:cBhvr>
+                                        <p:cTn id="14" dur="1" fill="hold">
+                                          <p:stCondLst>
+                                            <p:cond delay="0"/>
+                                          </p:stCondLst>
+                                        </p:cTn>
+                                        <p:tgtEl>
+                                          <p:spTgt spid="3">
+                                            <p:txEl>
+                                              <p:pRg st="1" end="1"/>
+                                            </p:txEl>
+                                          </p:spTgt>
+                                        </p:tgtEl>
+                                        <p:attrNameLst>
+                                          <p:attrName>style.visibility</p:attrName>
+                                        </p:attrNameLst>
+                                      </p:cBhvr>
+                                      <p:to>
+                                        <p:strVal val="visible"/>
+                                      </p:to>
+                                    </p:set>
+                                  </p:childTnLst>
+                                </p:cTn>
+                              </p:par>
+                            </p:childTnLst>
+                          </p:cTn>
+                        </p:par>
+                      </p:childTnLst>
+                    </p:cTn>
+                  </p:par>
+                  <p:par>
+                    <p:cTn id="15" fill="hold">
+                      <p:stCondLst>
+                        <p:cond delay="indefinite"/>
+                      </p:stCondLst>
+                      <p:childTnLst>
+                        <p:par>
+                          <p:cTn id="16" fill="hold">
+                            <p:stCondLst>
+                              <p:cond delay="0"/>
+                            </p:stCondLst>
+                            <p:childTnLst>
+                              <p:par>
+                                <p:cTn id="17" presetID="1" presetClass="entr" presetSubtype="0" fill="hold" nodeType="clickEffect">
+                                  <p:stCondLst>
+                                    <p:cond delay="0"/>
+                                  </p:stCondLst>
+                                  <p:childTnLst>
+                                    <p:set>
+                                      <p:cBhvr>
+                                        <p:cTn id="18" dur="1" fill="hold">
+                                          <p:stCondLst>
+                                            <p:cond delay="0"/>
+                                          </p:stCondLst>
+                                        </p:cTn>
+                                        <p:tgtEl>
+                                          <p:spTgt spid="6">
+                                            <p:txEl>
+                                              <p:pRg st="1" end="1"/>
+                                            </p:txEl>
+                                          </p:spTgt>
+                                        </p:tgtEl>
+                                        <p:attrNameLst>
+                                          <p:attrName>style.visibility</p:attrName>
+                                        </p:attrNameLst>
+                                      </p:cBhvr>
+                                      <p:to>
+                                        <p:strVal val="visible"/>
+                                      </p:to>
+                                    </p:set>
+                                  </p:childTnLst>
+                                </p:cTn>
+                              </p:par>
+                            </p:childTnLst>
+                          </p:cTn>
+                        </p:par>
+                      </p:childTnLst>
+                    </p:cTn>
+                  </p:par>
+                  <p:par>
+                    <p:cTn id="19" fill="hold">
+                      <p:stCondLst>
+                        <p:cond delay="indefinite"/>
+                      </p:stCondLst>
+                      <p:childTnLst>
+                        <p:par>
+                          <p:cTn id="20" fill="hold">
+                            <p:stCondLst>
+                              <p:cond delay="0"/>
+                            </p:stCondLst>
+                            <p:childTnLst>
+                              <p:par>
+                                <p:cTn id="21" presetID="1" presetClass="entr" presetSubtype="0" fill="hold" nodeType="clickEffect">
+                                  <p:stCondLst>
+                                    <p:cond delay="0"/>
+                                  </p:stCondLst>
+                                  <p:childTnLst>
+                                    <p:set>
+                                      <p:cBhvr>
+                                        <p:cTn id="22" dur="1" fill="hold">
+                                          <p:stCondLst>
+                                            <p:cond delay="0"/>
+                                          </p:stCondLst>
+                                        </p:cTn>
+                                        <p:tgtEl>
+                                          <p:spTgt spid="3">
+                                            <p:txEl>
+                                              <p:pRg st="2" end="2"/>
+                                            </p:txEl>
+                                          </p:spTgt>
+                                        </p:tgtEl>
+                                        <p:attrNameLst>
+                                          <p:attrName>style.visibility</p:attrName>
+                                        </p:attrNameLst>
+                                      </p:cBhvr>
+                                      <p:to>
+                                        <p:strVal val="visible"/>
+                                      </p:to>
+                                    </p:set>
+                                  </p:childTnLst>
+                                </p:cTn>
+                              </p:par>
+                            </p:childTnLst>
+                          </p:cTn>
+                        </p:par>
+                      </p:childTnLst>
+                    </p:cTn>
+                  </p:par>
+                  <p:par>
+                    <p:cTn id="23" fill="hold">
+                      <p:stCondLst>
+                        <p:cond delay="indefinite"/>
+                      </p:stCondLst>
+                      <p:childTnLst>
+                        <p:par>
+                          <p:cTn id="24" fill="hold">
+                            <p:stCondLst>
+                              <p:cond delay="0"/>
+                            </p:stCondLst>
+                            <p:childTnLst>
+                              <p:par>
+                                <p:cTn id="25" presetID="1" presetClass="entr" presetSubtype="0" fill="hold" nodeType="clickEffect">
+                                  <p:stCondLst>
+                                    <p:cond delay="0"/>
+                                  </p:stCondLst>
+                                  <p:childTnLst>
+                                    <p:set>
+                                      <p:cBhvr>
+                                        <p:cTn id="26" dur="1" fill="hold">
+                                          <p:stCondLst>
+                                            <p:cond delay="0"/>
+                                          </p:stCondLst>
+                                        </p:cTn>
+                                        <p:tgtEl>
+                                          <p:spTgt spid="6">
+                                            <p:txEl>
+                                              <p:pRg st="2" end="2"/>
+                                            </p:txEl>
+                                          </p:spTgt>
+                                        </p:tgtEl>
+                                        <p:attrNameLst>
+                                          <p:attrName>style.visibility</p:attrName>
+                                        </p:attrNameLst>
+                                      </p:cBhvr>
+                                      <p:to>
+                                        <p:strVal val="visible"/>
+                                      </p:to>
+                                    </p:set>
+                                  </p:childTnLst>
+                                </p:cTn>
+                              </p:par>
+                            </p:childTnLst>
+                          </p:cTn>
+                        </p:par>
+                      </p:childTnLst>
+                    </p:cTn>
+                  </p:par>
+                  <p:par>
+                    <p:cTn id="27" fill="hold">
+                      <p:stCondLst>
+                        <p:cond delay="indefinite"/>
+                      </p:stCondLst>
+                      <p:childTnLst>
+                        <p:par>
+                          <p:cTn id="28" fill="hold">
+                            <p:stCondLst>
+                              <p:cond delay="0"/>
+                            </p:stCondLst>
+                            <p:childTnLst>
+                              <p:par>
+                                <p:cTn id="29" presetID="1" presetClass="entr" presetSubtype="0" fill="hold" nodeType="clickEffect">
+                                  <p:stCondLst>
+                                    <p:cond delay="0"/>
+                                  </p:stCondLst>
+                                  <p:childTnLst>
+                                    <p:set>
+                                      <p:cBhvr>
+                                        <p:cTn id="30" dur="1" fill="hold">
+                                          <p:stCondLst>
+                                            <p:cond delay="0"/>
+                                          </p:stCondLst>
+                                        </p:cTn>
+                                        <p:tgtEl>
+                                          <p:spTgt spid="3">
+                                            <p:txEl>
+                                              <p:pRg st="3" end="3"/>
+                                            </p:txEl>
+                                          </p:spTgt>
+                                        </p:tgtEl>
+                                        <p:attrNameLst>
+                                          <p:attrName>style.visibility</p:attrName>
+                                        </p:attrNameLst>
+                                      </p:cBhvr>
+                                      <p:to>
+                                        <p:strVal val="visible"/>
+                                      </p:to>
+                                    </p:set>
+                                  </p:childTnLst>
+                                </p:cTn>
+                              </p:par>
+                            </p:childTnLst>
+                          </p:cTn>
+                        </p:par>
+                      </p:childTnLst>
+                    </p:cTn>
+                  </p:par>
+                  <p:par>
+                    <p:cTn id="31" fill="hold">
+                      <p:stCondLst>
+                        <p:cond delay="indefinite"/>
+                      </p:stCondLst>
+                      <p:childTnLst>
+                        <p:par>
+                          <p:cTn id="32" fill="hold">
+                            <p:stCondLst>
+                              <p:cond delay="0"/>
+                            </p:stCondLst>
+                            <p:childTnLst>
+                              <p:par>
+                                <p:cTn id="33" presetID="1" presetClass="entr" presetSubtype="0" fill="hold" nodeType="clickEffect">
+                                  <p:stCondLst>
+                                    <p:cond delay="0"/>
+                                  </p:stCondLst>
+                                  <p:childTnLst>
+                                    <p:set>
+                                      <p:cBhvr>
+                                        <p:cTn id="34" dur="1" fill="hold">
+                                          <p:stCondLst>
+                                            <p:cond delay="0"/>
+                                          </p:stCondLst>
+                                        </p:cTn>
+                                        <p:tgtEl>
+                                          <p:spTgt spid="6">
+                                            <p:txEl>
+                                              <p:pRg st="3" end="3"/>
+                                            </p:txEl>
+                                          </p:spTgt>
+                                        </p:tgtEl>
+                                        <p:attrNameLst>
+                                          <p:attrName>style.visibility</p:attrName>
+                                        </p:attrNameLst>
+                                      </p:cBhvr>
+                                      <p:to>
+                                        <p:strVal val="visible"/>
+                                      </p:to>
+                                    </p:set>
+                                  </p:childTnLst>
+                                </p:cTn>
+                              </p:par>
+                            </p:childTnLst>
+                          </p:cTn>
+                        </p:par>
+                      </p:childTnLst>
+                    </p:cTn>
+                  </p:par>
+                  <p:par>
+                    <p:cTn id="35" fill="hold">
+                      <p:stCondLst>
+                        <p:cond delay="indefinite"/>
+                      </p:stCondLst>
+                      <p:childTnLst>
+                        <p:par>
+                          <p:cTn id="36" fill="hold">
+                            <p:stCondLst>
+                              <p:cond delay="0"/>
+                            </p:stCondLst>
+                            <p:childTnLst>
+                              <p:par>
+                                <p:cTn id="37" presetID="1" presetClass="entr" presetSubtype="0" fill="hold" nodeType="clickEffect">
+                                  <p:stCondLst>
+                                    <p:cond delay="0"/>
+                                  </p:stCondLst>
+                                  <p:childTnLst>
+                                    <p:set>
+                                      <p:cBhvr>
+                                        <p:cTn id="38" dur="1" fill="hold">
+                                          <p:stCondLst>
+                                            <p:cond delay="0"/>
+                                          </p:stCondLst>
+                                        </p:cTn>
+                                        <p:tgtEl>
+                                          <p:spTgt spid="3">
+                                            <p:txEl>
+                                              <p:pRg st="4" end="4"/>
+                                            </p:txEl>
+                                          </p:spTgt>
+                                        </p:tgtEl>
+                                        <p:attrNameLst>
+                                          <p:attrName>style.visibility</p:attrName>
+                                        </p:attrNameLst>
+                                      </p:cBhvr>
+                                      <p:to>
+                                        <p:strVal val="visible"/>
+                                      </p:to>
+                                    </p:set>
+                                  </p:childTnLst>
+                                </p:cTn>
+                              </p:par>
+                            </p:childTnLst>
+                          </p:cTn>
+                        </p:par>
+                      </p:childTnLst>
+                    </p:cTn>
+                  </p:par>
+                  <p:par>
+                    <p:cTn id="39" fill="hold">
+                      <p:stCondLst>
+                        <p:cond delay="indefinite"/>
+                      </p:stCondLst>
+                      <p:childTnLst>
+                        <p:par>
+                          <p:cTn id="40" fill="hold">
+                            <p:stCondLst>
+                              <p:cond delay="0"/>
+                            </p:stCondLst>
+                            <p:childTnLst>
+                              <p:par>
+                                <p:cTn id="41" presetID="1" presetClass="entr" presetSubtype="0" fill="hold" nodeType="clickEffect">
+                                  <p:stCondLst>
+                                    <p:cond delay="0"/>
+                                  </p:stCondLst>
+                                  <p:childTnLst>
+                                    <p:set>
+                                      <p:cBhvr>
+                                        <p:cTn id="42" dur="1" fill="hold">
+                                          <p:stCondLst>
+                                            <p:cond delay="0"/>
+                                          </p:stCondLst>
+                                        </p:cTn>
+                                        <p:tgtEl>
+                                          <p:spTgt spid="6">
+                                            <p:txEl>
+                                              <p:pRg st="4" end="4"/>
+                                            </p:txEl>
+                                          </p:spTgt>
+                                        </p:tgtEl>
+                                        <p:attrNameLst>
+                                          <p:attrName>style.visibility</p:attrName>
+                                        </p:attrNameLst>
+                                      </p:cBhvr>
+                                      <p:to>
+                                        <p:strVal val="visible"/>
+                                      </p:to>
+                                    </p:set>
+                                  </p:childTnLst>
+                                </p:cTn>
+                              </p:par>
+                            </p:childTnLst>
+                          </p:cTn>
+                        </p:par>
+                      </p:childTnLst>
+                    </p:cTn>
+                  </p:par>
+                  <p:par>
+                    <p:cTn id="43" fill="hold">
+                      <p:stCondLst>
+                        <p:cond delay="indefinite"/>
+                      </p:stCondLst>
+                      <p:childTnLst>
+                        <p:par>
+                          <p:cTn id="44" fill="hold">
+                            <p:stCondLst>
+                              <p:cond delay="0"/>
+                            </p:stCondLst>
+                            <p:childTnLst>
+                              <p:par>
+                                <p:cTn id="45" presetID="1" presetClass="entr" presetSubtype="0" fill="hold" nodeType="clickEffect">
+                                  <p:stCondLst>
+                                    <p:cond delay="0"/>
+                                  </p:stCondLst>
+                                  <p:childTnLst>
+                                    <p:set>
+                                      <p:cBhvr>
+                                        <p:cTn id="46" dur="1" fill="hold">
+                                          <p:stCondLst>
+                                            <p:cond delay="0"/>
+                                          </p:stCondLst>
+                                        </p:cTn>
+                                        <p:tgtEl>
+                                          <p:spTgt spid="3">
+                                            <p:txEl>
+                                              <p:pRg st="5" end="5"/>
+                                            </p:txEl>
+                                          </p:spTgt>
+                                        </p:tgtEl>
+                                        <p:attrNameLst>
+                                          <p:attrName>style.visibility</p:attrName>
+                                        </p:attrNameLst>
+                                      </p:cBhvr>
+                                      <p:to>
+                                        <p:strVal val="visible"/>
+                                      </p:to>
+                                    </p:set>
+                                  </p:childTnLst>
+                                </p:cTn>
+                              </p:par>
+                            </p:childTnLst>
+                          </p:cTn>
+                        </p:par>
+                      </p:childTnLst>
+                    </p:cTn>
+                  </p:par>
+                  <p:par>
+                    <p:cTn id="47" fill="hold">
+                      <p:stCondLst>
+                        <p:cond delay="indefinite"/>
+                      </p:stCondLst>
+                      <p:childTnLst>
+                        <p:par>
+                          <p:cTn id="48" fill="hold">
+                            <p:stCondLst>
+                              <p:cond delay="0"/>
+                            </p:stCondLst>
+                            <p:childTnLst>
+                              <p:par>
+                                <p:cTn id="49" presetID="1" presetClass="entr" presetSubtype="0" fill="hold" nodeType="clickEffect">
+                                  <p:stCondLst>
+                                    <p:cond delay="0"/>
+                                  </p:stCondLst>
+                                  <p:childTnLst>
+                                    <p:set>
+                                      <p:cBhvr>
+                                        <p:cTn id="50" dur="1" fill="hold">
+                                          <p:stCondLst>
+                                            <p:cond delay="0"/>
+                                          </p:stCondLst>
+                                        </p:cTn>
+                                        <p:tgtEl>
+                                          <p:spTgt spid="6">
+                                            <p:txEl>
+                                              <p:pRg st="5" end="5"/>
+                                            </p:txEl>
+                                          </p:spTgt>
+                                        </p:tgtEl>
+                                        <p:attrNameLst>
+                                          <p:attrName>style.visibility</p:attrName>
+                                        </p:attrNameLst>
+                                      </p:cBhvr>
+                                      <p:to>
+                                        <p:strVal val="visible"/>
+                                      </p:to>
+                                    </p:set>
+                                  </p:childTnLst>
+                                </p:cTn>
+                              </p:par>
+                            </p:childTnLst>
+                          </p:cTn>
+                        </p:par>
+                      </p:childTnLst>
+                    </p:cTn>
+                  </p:par>
+                  <p:par>
+                    <p:cTn id="51" fill="hold">
+                      <p:stCondLst>
+                        <p:cond delay="indefinite"/>
+                      </p:stCondLst>
+                      <p:childTnLst>
+                        <p:par>
+                          <p:cTn id="52" fill="hold">
+                            <p:stCondLst>
+                              <p:cond delay="0"/>
+                            </p:stCondLst>
+                            <p:childTnLst>
+                              <p:par>
+                                <p:cTn id="53" presetID="1" presetClass="entr" presetSubtype="0" fill="hold" nodeType="clickEffect">
+                                  <p:stCondLst>
+                                    <p:cond delay="0"/>
+                                  </p:stCondLst>
+                                  <p:childTnLst>
+                                    <p:set>
+                                      <p:cBhvr>
+                                        <p:cTn id="54" dur="1" fill="hold">
+                                          <p:stCondLst>
+                                            <p:cond delay="0"/>
+                                          </p:stCondLst>
+                                        </p:cTn>
+                                        <p:tgtEl>
+                                          <p:spTgt spid="3">
+                                            <p:txEl>
+                                              <p:pRg st="6" end="6"/>
+                                            </p:txEl>
+                                          </p:spTgt>
+                                        </p:tgtEl>
+                                        <p:attrNameLst>
+                                          <p:attrName>style.visibility</p:attrName>
+                                        </p:attrNameLst>
+                                      </p:cBhvr>
+                                      <p:to>
+                                        <p:strVal val="visible"/>
+                                      </p:to>
+                                    </p:set>
+                                  </p:childTnLst>
+                                </p:cTn>
+                              </p:par>
+                            </p:childTnLst>
+                          </p:cTn>
+                        </p:par>
+                      </p:childTnLst>
+                    </p:cTn>
+                  </p:par>
+                  <p:par>
+                    <p:cTn id="55" fill="hold">
+                      <p:stCondLst>
+                        <p:cond delay="indefinite"/>
+                      </p:stCondLst>
+                      <p:childTnLst>
+                        <p:par>
+                          <p:cTn id="56" fill="hold">
+                            <p:stCondLst>
+                              <p:cond delay="0"/>
+                            </p:stCondLst>
+                            <p:childTnLst>
+                              <p:par>
+                                <p:cTn id="57" presetID="1" presetClass="entr" presetSubtype="0" fill="hold" nodeType="clickEffect">
+                                  <p:stCondLst>
+                                    <p:cond delay="0"/>
+                                  </p:stCondLst>
+                                  <p:childTnLst>
+                                    <p:set>
+                                      <p:cBhvr>
+                                        <p:cTn id="58" dur="1" fill="hold">
+                                          <p:stCondLst>
+                                            <p:cond delay="0"/>
+                                          </p:stCondLst>
+                                        </p:cTn>
+                                        <p:tgtEl>
+                                          <p:spTgt spid="6">
+                                            <p:txEl>
+                                              <p:pRg st="6" end="6"/>
+                                            </p:txEl>
+                                          </p:spTgt>
+                                        </p:tgtEl>
+                                        <p:attrNameLst>
+                                          <p:attrName>style.visibility</p:attrName>
+                                        </p:attrNameLst>
+                                      </p:cBhvr>
+                                      <p:to>
+                                        <p:strVal val="visible"/>
+                                      </p:to>
+                                    </p:set>
+                                  </p:childTnLst>
+                                </p:cTn>
+                              </p:par>
+                            </p:childTnLst>
+                          </p:cTn>
+                        </p:par>
+                      </p:childTnLst>
+                    </p:cTn>
+                  </p:par>
+                </p:childTnLst>
+              </p:cTn>
+              <p:prevCondLst>
+                <p:cond evt="onPrev" delay="0">
+                  <p:tgtEl>
+                    <p:sldTgt/>
+                  </p:tgtEl>
+                </p:cond>
+              </p:prevCondLst>
+              <p:nextCondLst>
+                <p:cond evt="onNext" delay="0">
+                  <p:tgtEl>
+                    <p:sldTgt/>
+                  </p:tgtEl>
+                </p:cond>
+              </p:nextCondLst>
+            </p:seq>
+          </p:childTnLst>
+        </p:cTn>
+      </p:par>
+    </p:tnLst>
+  </p:timing>
 </p:sld>
 </file>
 
-<file path=ppt/slides/slide14.xml><?xml version="1.0" encoding="utf-8"?>
+<file path=ppt/slides/slide17.xml><?xml version="1.0" encoding="utf-8"?>
 <p:sld xmlns:a="http://schemas.openxmlformats.org/drawingml/2006/main" xmlns:r="http://schemas.openxmlformats.org/officeDocument/2006/relationships" xmlns:p="http://schemas.openxmlformats.org/presentationml/2006/main">
   <p:cSld>
     <p:spTree>
@@ -5148,7 +7412,7 @@
 </p:sld>
 </file>
 
-<file path=ppt/slides/slide15.xml><?xml version="1.0" encoding="utf-8"?>
+<file path=ppt/slides/slide18.xml><?xml version="1.0" encoding="utf-8"?>
 <p:sld xmlns:a="http://schemas.openxmlformats.org/drawingml/2006/main" xmlns:r="http://schemas.openxmlformats.org/officeDocument/2006/relationships" xmlns:p="http://schemas.openxmlformats.org/presentationml/2006/main">
   <p:cSld>
     <p:spTree>
@@ -5308,6 +7572,626 @@
   <p:clrMapOvr>
     <a:masterClrMapping/>
   </p:clrMapOvr>
+  <p:timing>
+    <p:tnLst>
+      <p:par>
+        <p:cTn id="1" dur="indefinite" restart="never" nodeType="tmRoot">
+          <p:childTnLst>
+            <p:seq concurrent="1" nextAc="seek">
+              <p:cTn id="2" dur="indefinite" nodeType="mainSeq">
+                <p:childTnLst>
+                  <p:par>
+                    <p:cTn id="3" fill="hold">
+                      <p:stCondLst>
+                        <p:cond delay="indefinite"/>
+                      </p:stCondLst>
+                      <p:childTnLst>
+                        <p:par>
+                          <p:cTn id="4" fill="hold">
+                            <p:stCondLst>
+                              <p:cond delay="0"/>
+                            </p:stCondLst>
+                            <p:childTnLst>
+                              <p:par>
+                                <p:cTn id="5" presetID="1" presetClass="entr" presetSubtype="0" fill="hold" nodeType="clickEffect">
+                                  <p:stCondLst>
+                                    <p:cond delay="0"/>
+                                  </p:stCondLst>
+                                  <p:childTnLst>
+                                    <p:set>
+                                      <p:cBhvr>
+                                        <p:cTn id="6" dur="1" fill="hold">
+                                          <p:stCondLst>
+                                            <p:cond delay="0"/>
+                                          </p:stCondLst>
+                                        </p:cTn>
+                                        <p:tgtEl>
+                                          <p:spTgt spid="3">
+                                            <p:txEl>
+                                              <p:pRg st="0" end="0"/>
+                                            </p:txEl>
+                                          </p:spTgt>
+                                        </p:tgtEl>
+                                        <p:attrNameLst>
+                                          <p:attrName>style.visibility</p:attrName>
+                                        </p:attrNameLst>
+                                      </p:cBhvr>
+                                      <p:to>
+                                        <p:strVal val="visible"/>
+                                      </p:to>
+                                    </p:set>
+                                  </p:childTnLst>
+                                </p:cTn>
+                              </p:par>
+                              <p:par>
+                                <p:cTn id="7" presetID="1" presetClass="entr" presetSubtype="0" fill="hold" nodeType="withEffect">
+                                  <p:stCondLst>
+                                    <p:cond delay="0"/>
+                                  </p:stCondLst>
+                                  <p:childTnLst>
+                                    <p:set>
+                                      <p:cBhvr>
+                                        <p:cTn id="8" dur="1" fill="hold">
+                                          <p:stCondLst>
+                                            <p:cond delay="0"/>
+                                          </p:stCondLst>
+                                        </p:cTn>
+                                        <p:tgtEl>
+                                          <p:spTgt spid="3">
+                                            <p:txEl>
+                                              <p:pRg st="1" end="1"/>
+                                            </p:txEl>
+                                          </p:spTgt>
+                                        </p:tgtEl>
+                                        <p:attrNameLst>
+                                          <p:attrName>style.visibility</p:attrName>
+                                        </p:attrNameLst>
+                                      </p:cBhvr>
+                                      <p:to>
+                                        <p:strVal val="visible"/>
+                                      </p:to>
+                                    </p:set>
+                                  </p:childTnLst>
+                                </p:cTn>
+                              </p:par>
+                            </p:childTnLst>
+                          </p:cTn>
+                        </p:par>
+                      </p:childTnLst>
+                    </p:cTn>
+                  </p:par>
+                  <p:par>
+                    <p:cTn id="9" fill="hold">
+                      <p:stCondLst>
+                        <p:cond delay="indefinite"/>
+                      </p:stCondLst>
+                      <p:childTnLst>
+                        <p:par>
+                          <p:cTn id="10" fill="hold">
+                            <p:stCondLst>
+                              <p:cond delay="0"/>
+                            </p:stCondLst>
+                            <p:childTnLst>
+                              <p:par>
+                                <p:cTn id="11" presetID="1" presetClass="entr" presetSubtype="0" fill="hold" nodeType="clickEffect">
+                                  <p:stCondLst>
+                                    <p:cond delay="0"/>
+                                  </p:stCondLst>
+                                  <p:childTnLst>
+                                    <p:set>
+                                      <p:cBhvr>
+                                        <p:cTn id="12" dur="1" fill="hold">
+                                          <p:stCondLst>
+                                            <p:cond delay="0"/>
+                                          </p:stCondLst>
+                                        </p:cTn>
+                                        <p:tgtEl>
+                                          <p:spTgt spid="3">
+                                            <p:txEl>
+                                              <p:pRg st="2" end="2"/>
+                                            </p:txEl>
+                                          </p:spTgt>
+                                        </p:tgtEl>
+                                        <p:attrNameLst>
+                                          <p:attrName>style.visibility</p:attrName>
+                                        </p:attrNameLst>
+                                      </p:cBhvr>
+                                      <p:to>
+                                        <p:strVal val="visible"/>
+                                      </p:to>
+                                    </p:set>
+                                  </p:childTnLst>
+                                </p:cTn>
+                              </p:par>
+                            </p:childTnLst>
+                          </p:cTn>
+                        </p:par>
+                      </p:childTnLst>
+                    </p:cTn>
+                  </p:par>
+                  <p:par>
+                    <p:cTn id="13" fill="hold">
+                      <p:stCondLst>
+                        <p:cond delay="indefinite"/>
+                      </p:stCondLst>
+                      <p:childTnLst>
+                        <p:par>
+                          <p:cTn id="14" fill="hold">
+                            <p:stCondLst>
+                              <p:cond delay="0"/>
+                            </p:stCondLst>
+                            <p:childTnLst>
+                              <p:par>
+                                <p:cTn id="15" presetID="2" presetClass="entr" presetSubtype="4" fill="hold" nodeType="clickEffect">
+                                  <p:stCondLst>
+                                    <p:cond delay="0"/>
+                                  </p:stCondLst>
+                                  <p:childTnLst>
+                                    <p:set>
+                                      <p:cBhvr>
+                                        <p:cTn id="16" dur="1" fill="hold">
+                                          <p:stCondLst>
+                                            <p:cond delay="0"/>
+                                          </p:stCondLst>
+                                        </p:cTn>
+                                        <p:tgtEl>
+                                          <p:spTgt spid="3">
+                                            <p:txEl>
+                                              <p:pRg st="3" end="3"/>
+                                            </p:txEl>
+                                          </p:spTgt>
+                                        </p:tgtEl>
+                                        <p:attrNameLst>
+                                          <p:attrName>style.visibility</p:attrName>
+                                        </p:attrNameLst>
+                                      </p:cBhvr>
+                                      <p:to>
+                                        <p:strVal val="visible"/>
+                                      </p:to>
+                                    </p:set>
+                                    <p:anim calcmode="lin" valueType="num">
+                                      <p:cBhvr additive="base">
+                                        <p:cTn id="17" dur="500" fill="hold"/>
+                                        <p:tgtEl>
+                                          <p:spTgt spid="3">
+                                            <p:txEl>
+                                              <p:pRg st="3" end="3"/>
+                                            </p:txEl>
+                                          </p:spTgt>
+                                        </p:tgtEl>
+                                        <p:attrNameLst>
+                                          <p:attrName>ppt_x</p:attrName>
+                                        </p:attrNameLst>
+                                      </p:cBhvr>
+                                      <p:tavLst>
+                                        <p:tav tm="0">
+                                          <p:val>
+                                            <p:strVal val="#ppt_x"/>
+                                          </p:val>
+                                        </p:tav>
+                                        <p:tav tm="100000">
+                                          <p:val>
+                                            <p:strVal val="#ppt_x"/>
+                                          </p:val>
+                                        </p:tav>
+                                      </p:tavLst>
+                                    </p:anim>
+                                    <p:anim calcmode="lin" valueType="num">
+                                      <p:cBhvr additive="base">
+                                        <p:cTn id="18" dur="500" fill="hold"/>
+                                        <p:tgtEl>
+                                          <p:spTgt spid="3">
+                                            <p:txEl>
+                                              <p:pRg st="3" end="3"/>
+                                            </p:txEl>
+                                          </p:spTgt>
+                                        </p:tgtEl>
+                                        <p:attrNameLst>
+                                          <p:attrName>ppt_y</p:attrName>
+                                        </p:attrNameLst>
+                                      </p:cBhvr>
+                                      <p:tavLst>
+                                        <p:tav tm="0">
+                                          <p:val>
+                                            <p:strVal val="1+#ppt_h/2"/>
+                                          </p:val>
+                                        </p:tav>
+                                        <p:tav tm="100000">
+                                          <p:val>
+                                            <p:strVal val="#ppt_y"/>
+                                          </p:val>
+                                        </p:tav>
+                                      </p:tavLst>
+                                    </p:anim>
+                                  </p:childTnLst>
+                                </p:cTn>
+                              </p:par>
+                              <p:par>
+                                <p:cTn id="19" presetID="2" presetClass="entr" presetSubtype="4" fill="hold" nodeType="withEffect">
+                                  <p:stCondLst>
+                                    <p:cond delay="0"/>
+                                  </p:stCondLst>
+                                  <p:childTnLst>
+                                    <p:set>
+                                      <p:cBhvr>
+                                        <p:cTn id="20" dur="1" fill="hold">
+                                          <p:stCondLst>
+                                            <p:cond delay="0"/>
+                                          </p:stCondLst>
+                                        </p:cTn>
+                                        <p:tgtEl>
+                                          <p:spTgt spid="3">
+                                            <p:txEl>
+                                              <p:pRg st="4" end="4"/>
+                                            </p:txEl>
+                                          </p:spTgt>
+                                        </p:tgtEl>
+                                        <p:attrNameLst>
+                                          <p:attrName>style.visibility</p:attrName>
+                                        </p:attrNameLst>
+                                      </p:cBhvr>
+                                      <p:to>
+                                        <p:strVal val="visible"/>
+                                      </p:to>
+                                    </p:set>
+                                    <p:anim calcmode="lin" valueType="num">
+                                      <p:cBhvr additive="base">
+                                        <p:cTn id="21" dur="500" fill="hold"/>
+                                        <p:tgtEl>
+                                          <p:spTgt spid="3">
+                                            <p:txEl>
+                                              <p:pRg st="4" end="4"/>
+                                            </p:txEl>
+                                          </p:spTgt>
+                                        </p:tgtEl>
+                                        <p:attrNameLst>
+                                          <p:attrName>ppt_x</p:attrName>
+                                        </p:attrNameLst>
+                                      </p:cBhvr>
+                                      <p:tavLst>
+                                        <p:tav tm="0">
+                                          <p:val>
+                                            <p:strVal val="#ppt_x"/>
+                                          </p:val>
+                                        </p:tav>
+                                        <p:tav tm="100000">
+                                          <p:val>
+                                            <p:strVal val="#ppt_x"/>
+                                          </p:val>
+                                        </p:tav>
+                                      </p:tavLst>
+                                    </p:anim>
+                                    <p:anim calcmode="lin" valueType="num">
+                                      <p:cBhvr additive="base">
+                                        <p:cTn id="22" dur="500" fill="hold"/>
+                                        <p:tgtEl>
+                                          <p:spTgt spid="3">
+                                            <p:txEl>
+                                              <p:pRg st="4" end="4"/>
+                                            </p:txEl>
+                                          </p:spTgt>
+                                        </p:tgtEl>
+                                        <p:attrNameLst>
+                                          <p:attrName>ppt_y</p:attrName>
+                                        </p:attrNameLst>
+                                      </p:cBhvr>
+                                      <p:tavLst>
+                                        <p:tav tm="0">
+                                          <p:val>
+                                            <p:strVal val="1+#ppt_h/2"/>
+                                          </p:val>
+                                        </p:tav>
+                                        <p:tav tm="100000">
+                                          <p:val>
+                                            <p:strVal val="#ppt_y"/>
+                                          </p:val>
+                                        </p:tav>
+                                      </p:tavLst>
+                                    </p:anim>
+                                  </p:childTnLst>
+                                </p:cTn>
+                              </p:par>
+                              <p:par>
+                                <p:cTn id="23" presetID="2" presetClass="entr" presetSubtype="4" fill="hold" nodeType="withEffect">
+                                  <p:stCondLst>
+                                    <p:cond delay="0"/>
+                                  </p:stCondLst>
+                                  <p:childTnLst>
+                                    <p:set>
+                                      <p:cBhvr>
+                                        <p:cTn id="24" dur="1" fill="hold">
+                                          <p:stCondLst>
+                                            <p:cond delay="0"/>
+                                          </p:stCondLst>
+                                        </p:cTn>
+                                        <p:tgtEl>
+                                          <p:spTgt spid="3">
+                                            <p:txEl>
+                                              <p:pRg st="5" end="5"/>
+                                            </p:txEl>
+                                          </p:spTgt>
+                                        </p:tgtEl>
+                                        <p:attrNameLst>
+                                          <p:attrName>style.visibility</p:attrName>
+                                        </p:attrNameLst>
+                                      </p:cBhvr>
+                                      <p:to>
+                                        <p:strVal val="visible"/>
+                                      </p:to>
+                                    </p:set>
+                                    <p:anim calcmode="lin" valueType="num">
+                                      <p:cBhvr additive="base">
+                                        <p:cTn id="25" dur="500" fill="hold"/>
+                                        <p:tgtEl>
+                                          <p:spTgt spid="3">
+                                            <p:txEl>
+                                              <p:pRg st="5" end="5"/>
+                                            </p:txEl>
+                                          </p:spTgt>
+                                        </p:tgtEl>
+                                        <p:attrNameLst>
+                                          <p:attrName>ppt_x</p:attrName>
+                                        </p:attrNameLst>
+                                      </p:cBhvr>
+                                      <p:tavLst>
+                                        <p:tav tm="0">
+                                          <p:val>
+                                            <p:strVal val="#ppt_x"/>
+                                          </p:val>
+                                        </p:tav>
+                                        <p:tav tm="100000">
+                                          <p:val>
+                                            <p:strVal val="#ppt_x"/>
+                                          </p:val>
+                                        </p:tav>
+                                      </p:tavLst>
+                                    </p:anim>
+                                    <p:anim calcmode="lin" valueType="num">
+                                      <p:cBhvr additive="base">
+                                        <p:cTn id="26" dur="500" fill="hold"/>
+                                        <p:tgtEl>
+                                          <p:spTgt spid="3">
+                                            <p:txEl>
+                                              <p:pRg st="5" end="5"/>
+                                            </p:txEl>
+                                          </p:spTgt>
+                                        </p:tgtEl>
+                                        <p:attrNameLst>
+                                          <p:attrName>ppt_y</p:attrName>
+                                        </p:attrNameLst>
+                                      </p:cBhvr>
+                                      <p:tavLst>
+                                        <p:tav tm="0">
+                                          <p:val>
+                                            <p:strVal val="1+#ppt_h/2"/>
+                                          </p:val>
+                                        </p:tav>
+                                        <p:tav tm="100000">
+                                          <p:val>
+                                            <p:strVal val="#ppt_y"/>
+                                          </p:val>
+                                        </p:tav>
+                                      </p:tavLst>
+                                    </p:anim>
+                                  </p:childTnLst>
+                                </p:cTn>
+                              </p:par>
+                              <p:par>
+                                <p:cTn id="27" presetID="2" presetClass="entr" presetSubtype="4" fill="hold" nodeType="withEffect">
+                                  <p:stCondLst>
+                                    <p:cond delay="0"/>
+                                  </p:stCondLst>
+                                  <p:childTnLst>
+                                    <p:set>
+                                      <p:cBhvr>
+                                        <p:cTn id="28" dur="1" fill="hold">
+                                          <p:stCondLst>
+                                            <p:cond delay="0"/>
+                                          </p:stCondLst>
+                                        </p:cTn>
+                                        <p:tgtEl>
+                                          <p:spTgt spid="3">
+                                            <p:txEl>
+                                              <p:pRg st="6" end="6"/>
+                                            </p:txEl>
+                                          </p:spTgt>
+                                        </p:tgtEl>
+                                        <p:attrNameLst>
+                                          <p:attrName>style.visibility</p:attrName>
+                                        </p:attrNameLst>
+                                      </p:cBhvr>
+                                      <p:to>
+                                        <p:strVal val="visible"/>
+                                      </p:to>
+                                    </p:set>
+                                    <p:anim calcmode="lin" valueType="num">
+                                      <p:cBhvr additive="base">
+                                        <p:cTn id="29" dur="500" fill="hold"/>
+                                        <p:tgtEl>
+                                          <p:spTgt spid="3">
+                                            <p:txEl>
+                                              <p:pRg st="6" end="6"/>
+                                            </p:txEl>
+                                          </p:spTgt>
+                                        </p:tgtEl>
+                                        <p:attrNameLst>
+                                          <p:attrName>ppt_x</p:attrName>
+                                        </p:attrNameLst>
+                                      </p:cBhvr>
+                                      <p:tavLst>
+                                        <p:tav tm="0">
+                                          <p:val>
+                                            <p:strVal val="#ppt_x"/>
+                                          </p:val>
+                                        </p:tav>
+                                        <p:tav tm="100000">
+                                          <p:val>
+                                            <p:strVal val="#ppt_x"/>
+                                          </p:val>
+                                        </p:tav>
+                                      </p:tavLst>
+                                    </p:anim>
+                                    <p:anim calcmode="lin" valueType="num">
+                                      <p:cBhvr additive="base">
+                                        <p:cTn id="30" dur="500" fill="hold"/>
+                                        <p:tgtEl>
+                                          <p:spTgt spid="3">
+                                            <p:txEl>
+                                              <p:pRg st="6" end="6"/>
+                                            </p:txEl>
+                                          </p:spTgt>
+                                        </p:tgtEl>
+                                        <p:attrNameLst>
+                                          <p:attrName>ppt_y</p:attrName>
+                                        </p:attrNameLst>
+                                      </p:cBhvr>
+                                      <p:tavLst>
+                                        <p:tav tm="0">
+                                          <p:val>
+                                            <p:strVal val="1+#ppt_h/2"/>
+                                          </p:val>
+                                        </p:tav>
+                                        <p:tav tm="100000">
+                                          <p:val>
+                                            <p:strVal val="#ppt_y"/>
+                                          </p:val>
+                                        </p:tav>
+                                      </p:tavLst>
+                                    </p:anim>
+                                  </p:childTnLst>
+                                </p:cTn>
+                              </p:par>
+                            </p:childTnLst>
+                          </p:cTn>
+                        </p:par>
+                      </p:childTnLst>
+                    </p:cTn>
+                  </p:par>
+                  <p:par>
+                    <p:cTn id="31" fill="hold">
+                      <p:stCondLst>
+                        <p:cond delay="indefinite"/>
+                      </p:stCondLst>
+                      <p:childTnLst>
+                        <p:par>
+                          <p:cTn id="32" fill="hold">
+                            <p:stCondLst>
+                              <p:cond delay="0"/>
+                            </p:stCondLst>
+                            <p:childTnLst>
+                              <p:par>
+                                <p:cTn id="33" presetID="2" presetClass="entr" presetSubtype="4" fill="hold" nodeType="clickEffect">
+                                  <p:stCondLst>
+                                    <p:cond delay="0"/>
+                                  </p:stCondLst>
+                                  <p:childTnLst>
+                                    <p:set>
+                                      <p:cBhvr>
+                                        <p:cTn id="34" dur="1" fill="hold">
+                                          <p:stCondLst>
+                                            <p:cond delay="0"/>
+                                          </p:stCondLst>
+                                        </p:cTn>
+                                        <p:tgtEl>
+                                          <p:spTgt spid="3">
+                                            <p:txEl>
+                                              <p:pRg st="7" end="7"/>
+                                            </p:txEl>
+                                          </p:spTgt>
+                                        </p:tgtEl>
+                                        <p:attrNameLst>
+                                          <p:attrName>style.visibility</p:attrName>
+                                        </p:attrNameLst>
+                                      </p:cBhvr>
+                                      <p:to>
+                                        <p:strVal val="visible"/>
+                                      </p:to>
+                                    </p:set>
+                                    <p:anim calcmode="lin" valueType="num">
+                                      <p:cBhvr additive="base">
+                                        <p:cTn id="35" dur="500" fill="hold"/>
+                                        <p:tgtEl>
+                                          <p:spTgt spid="3">
+                                            <p:txEl>
+                                              <p:pRg st="7" end="7"/>
+                                            </p:txEl>
+                                          </p:spTgt>
+                                        </p:tgtEl>
+                                        <p:attrNameLst>
+                                          <p:attrName>ppt_x</p:attrName>
+                                        </p:attrNameLst>
+                                      </p:cBhvr>
+                                      <p:tavLst>
+                                        <p:tav tm="0">
+                                          <p:val>
+                                            <p:strVal val="#ppt_x"/>
+                                          </p:val>
+                                        </p:tav>
+                                        <p:tav tm="100000">
+                                          <p:val>
+                                            <p:strVal val="#ppt_x"/>
+                                          </p:val>
+                                        </p:tav>
+                                      </p:tavLst>
+                                    </p:anim>
+                                    <p:anim calcmode="lin" valueType="num">
+                                      <p:cBhvr additive="base">
+                                        <p:cTn id="36" dur="500" fill="hold"/>
+                                        <p:tgtEl>
+                                          <p:spTgt spid="3">
+                                            <p:txEl>
+                                              <p:pRg st="7" end="7"/>
+                                            </p:txEl>
+                                          </p:spTgt>
+                                        </p:tgtEl>
+                                        <p:attrNameLst>
+                                          <p:attrName>ppt_y</p:attrName>
+                                        </p:attrNameLst>
+                                      </p:cBhvr>
+                                      <p:tavLst>
+                                        <p:tav tm="0">
+                                          <p:val>
+                                            <p:strVal val="1+#ppt_h/2"/>
+                                          </p:val>
+                                        </p:tav>
+                                        <p:tav tm="100000">
+                                          <p:val>
+                                            <p:strVal val="#ppt_y"/>
+                                          </p:val>
+                                        </p:tav>
+                                      </p:tavLst>
+                                    </p:anim>
+                                  </p:childTnLst>
+                                </p:cTn>
+                              </p:par>
+                            </p:childTnLst>
+                          </p:cTn>
+                        </p:par>
+                      </p:childTnLst>
+                    </p:cTn>
+                  </p:par>
+                </p:childTnLst>
+              </p:cTn>
+              <p:prevCondLst>
+                <p:cond evt="onPrev" delay="0">
+                  <p:tgtEl>
+                    <p:sldTgt/>
+                  </p:tgtEl>
+                </p:cond>
+              </p:prevCondLst>
+              <p:nextCondLst>
+                <p:cond evt="onNext" delay="0">
+                  <p:tgtEl>
+                    <p:sldTgt/>
+                  </p:tgtEl>
+                </p:cond>
+              </p:nextCondLst>
+            </p:seq>
+          </p:childTnLst>
+        </p:cTn>
+      </p:par>
+    </p:tnLst>
+  </p:timing>
 </p:sld>
 </file>
 
@@ -5597,6 +8481,208 @@
           </a:p>
           <a:p>
             <a:pPr indent="-228600">
+              <a:lnSpc>
+                <a:spcPct val="150000"/>
+              </a:lnSpc>
+              <a:buFont typeface="Arial" panose="020B0604020202020204" pitchFamily="34" charset="0"/>
+              <a:buChar char="•"/>
+            </a:pPr>
+            <a:r>
+              <a:rPr lang="en-US" sz="2000" dirty="0"/>
+              <a:t>Vi </a:t>
+            </a:r>
+            <a:r>
+              <a:rPr lang="en-US" sz="2000" dirty="0" err="1"/>
+              <a:t>skal</a:t>
+            </a:r>
+            <a:r>
+              <a:rPr lang="en-US" sz="2000" dirty="0"/>
+              <a:t> se </a:t>
+            </a:r>
+            <a:r>
+              <a:rPr lang="en-US" sz="2000" dirty="0" err="1"/>
+              <a:t>på</a:t>
+            </a:r>
+            <a:r>
+              <a:rPr lang="en-US" sz="2000" dirty="0"/>
+              <a:t> </a:t>
+            </a:r>
+            <a:r>
+              <a:rPr lang="en-US" sz="2000" dirty="0" err="1"/>
+              <a:t>hvordan</a:t>
+            </a:r>
+            <a:r>
+              <a:rPr lang="en-US" sz="2000" dirty="0"/>
+              <a:t> </a:t>
+            </a:r>
+            <a:r>
+              <a:rPr lang="en-US" sz="2000" dirty="0" err="1"/>
+              <a:t>betingelse</a:t>
+            </a:r>
+            <a:r>
+              <a:rPr lang="en-US" sz="2000" dirty="0"/>
+              <a:t>(r) av </a:t>
+            </a:r>
+            <a:r>
+              <a:rPr lang="en-US" sz="2000" dirty="0" err="1"/>
+              <a:t>datatypen</a:t>
+            </a:r>
+            <a:r>
+              <a:rPr lang="en-US" sz="2000" dirty="0"/>
+              <a:t> </a:t>
+            </a:r>
+            <a:r>
+              <a:rPr lang="en-US" sz="2000" b="1" dirty="0" err="1"/>
+              <a:t>boolean</a:t>
+            </a:r>
+            <a:r>
+              <a:rPr lang="en-US" sz="2000" dirty="0"/>
+              <a:t> </a:t>
+            </a:r>
+            <a:r>
+              <a:rPr lang="en-US" sz="2000" dirty="0" err="1"/>
+              <a:t>som</a:t>
+            </a:r>
+            <a:r>
+              <a:rPr lang="en-US" sz="2000" dirty="0"/>
+              <a:t> </a:t>
+            </a:r>
+            <a:r>
+              <a:rPr lang="en-US" sz="2000" dirty="0" err="1"/>
+              <a:t>enten</a:t>
+            </a:r>
+            <a:r>
+              <a:rPr lang="en-US" sz="2000" dirty="0"/>
+              <a:t> </a:t>
+            </a:r>
+            <a:r>
+              <a:rPr lang="en-US" sz="2000" dirty="0" err="1"/>
+              <a:t>er</a:t>
+            </a:r>
+            <a:r>
+              <a:rPr lang="en-US" sz="2000" dirty="0"/>
+              <a:t> </a:t>
+            </a:r>
+            <a:r>
+              <a:rPr lang="en-US" sz="2000" dirty="0" err="1"/>
+              <a:t>sann</a:t>
+            </a:r>
+            <a:r>
+              <a:rPr lang="en-US" sz="2000" dirty="0"/>
+              <a:t> (</a:t>
+            </a:r>
+            <a:r>
+              <a:rPr lang="en-US" sz="2000" b="1" dirty="0"/>
+              <a:t>true</a:t>
+            </a:r>
+            <a:r>
+              <a:rPr lang="en-US" sz="2000" dirty="0"/>
+              <a:t>) </a:t>
+            </a:r>
+            <a:r>
+              <a:rPr lang="en-US" sz="2000" dirty="0" err="1"/>
+              <a:t>eller</a:t>
+            </a:r>
+            <a:r>
+              <a:rPr lang="en-US" sz="2000" dirty="0"/>
+              <a:t> </a:t>
+            </a:r>
+            <a:r>
+              <a:rPr lang="en-US" sz="2000" dirty="0" err="1"/>
+              <a:t>usann</a:t>
+            </a:r>
+            <a:r>
+              <a:rPr lang="en-US" sz="2000" dirty="0"/>
+              <a:t> (</a:t>
+            </a:r>
+            <a:r>
+              <a:rPr lang="en-US" sz="2000" b="1" dirty="0"/>
+              <a:t>false</a:t>
+            </a:r>
+            <a:r>
+              <a:rPr lang="en-US" sz="2000" dirty="0"/>
+              <a:t>) </a:t>
+            </a:r>
+            <a:r>
+              <a:rPr lang="en-US" sz="2000" dirty="0" err="1"/>
+              <a:t>kan</a:t>
+            </a:r>
+            <a:r>
+              <a:rPr lang="en-US" sz="2000" dirty="0"/>
+              <a:t> </a:t>
+            </a:r>
+            <a:r>
+              <a:rPr lang="en-US" sz="2000" dirty="0" err="1"/>
+              <a:t>brukes</a:t>
+            </a:r>
+            <a:r>
+              <a:rPr lang="en-US" sz="2000" dirty="0"/>
+              <a:t> </a:t>
+            </a:r>
+            <a:r>
+              <a:rPr lang="en-US" sz="2000" dirty="0" err="1"/>
+              <a:t>til</a:t>
+            </a:r>
+            <a:r>
+              <a:rPr lang="en-US" sz="2000" dirty="0"/>
+              <a:t> å </a:t>
+            </a:r>
+            <a:r>
+              <a:rPr lang="en-US" sz="2000" dirty="0" err="1"/>
+              <a:t>styre</a:t>
+            </a:r>
+            <a:r>
+              <a:rPr lang="en-US" sz="2000" dirty="0"/>
+              <a:t> </a:t>
+            </a:r>
+            <a:r>
+              <a:rPr lang="en-US" sz="2000" dirty="0" err="1"/>
+              <a:t>hvilke</a:t>
+            </a:r>
+            <a:r>
+              <a:rPr lang="en-US" sz="2000" dirty="0"/>
+              <a:t> </a:t>
+            </a:r>
+            <a:r>
+              <a:rPr lang="en-US" sz="2000" dirty="0" err="1"/>
+              <a:t>deler</a:t>
+            </a:r>
+            <a:r>
+              <a:rPr lang="en-US" sz="2000" dirty="0"/>
+              <a:t> av </a:t>
+            </a:r>
+            <a:r>
+              <a:rPr lang="en-US" sz="2000" dirty="0" err="1"/>
+              <a:t>en</a:t>
+            </a:r>
+            <a:r>
+              <a:rPr lang="en-US" sz="2000" dirty="0"/>
+              <a:t> </a:t>
+            </a:r>
+            <a:r>
+              <a:rPr lang="en-US" sz="2000" dirty="0" err="1"/>
+              <a:t>kode</a:t>
+            </a:r>
+            <a:r>
+              <a:rPr lang="en-US" sz="2000" dirty="0"/>
+              <a:t> </a:t>
+            </a:r>
+            <a:r>
+              <a:rPr lang="en-US" sz="2000" dirty="0" err="1"/>
+              <a:t>blir</a:t>
+            </a:r>
+            <a:r>
+              <a:rPr lang="en-US" sz="2000" dirty="0"/>
+              <a:t> </a:t>
+            </a:r>
+            <a:r>
+              <a:rPr lang="en-US" sz="2000" dirty="0" err="1"/>
+              <a:t>gjennomført</a:t>
+            </a:r>
+            <a:endParaRPr lang="en-US" sz="2000" dirty="0"/>
+          </a:p>
+          <a:p>
+            <a:pPr indent="-228600">
               <a:buFont typeface="Arial" panose="020B0604020202020204" pitchFamily="34" charset="0"/>
               <a:buChar char="•"/>
             </a:pPr>
@@ -5683,12 +8769,330 @@
   <p:clrMapOvr>
     <a:masterClrMapping/>
   </p:clrMapOvr>
+  <p:timing>
+    <p:tnLst>
+      <p:par>
+        <p:cTn id="1" dur="indefinite" restart="never" nodeType="tmRoot">
+          <p:childTnLst>
+            <p:seq concurrent="1" nextAc="seek">
+              <p:cTn id="2" dur="indefinite" nodeType="mainSeq">
+                <p:childTnLst>
+                  <p:par>
+                    <p:cTn id="3" fill="hold">
+                      <p:stCondLst>
+                        <p:cond delay="indefinite"/>
+                      </p:stCondLst>
+                      <p:childTnLst>
+                        <p:par>
+                          <p:cTn id="4" fill="hold">
+                            <p:stCondLst>
+                              <p:cond delay="0"/>
+                            </p:stCondLst>
+                            <p:childTnLst>
+                              <p:par>
+                                <p:cTn id="5" presetID="1" presetClass="entr" presetSubtype="0" fill="hold" nodeType="clickEffect">
+                                  <p:stCondLst>
+                                    <p:cond delay="0"/>
+                                  </p:stCondLst>
+                                  <p:childTnLst>
+                                    <p:set>
+                                      <p:cBhvr>
+                                        <p:cTn id="6" dur="1" fill="hold">
+                                          <p:stCondLst>
+                                            <p:cond delay="0"/>
+                                          </p:stCondLst>
+                                        </p:cTn>
+                                        <p:tgtEl>
+                                          <p:spTgt spid="6">
+                                            <p:txEl>
+                                              <p:pRg st="0" end="0"/>
+                                            </p:txEl>
+                                          </p:spTgt>
+                                        </p:tgtEl>
+                                        <p:attrNameLst>
+                                          <p:attrName>style.visibility</p:attrName>
+                                        </p:attrNameLst>
+                                      </p:cBhvr>
+                                      <p:to>
+                                        <p:strVal val="visible"/>
+                                      </p:to>
+                                    </p:set>
+                                  </p:childTnLst>
+                                </p:cTn>
+                              </p:par>
+                            </p:childTnLst>
+                          </p:cTn>
+                        </p:par>
+                      </p:childTnLst>
+                    </p:cTn>
+                  </p:par>
+                  <p:par>
+                    <p:cTn id="7" fill="hold">
+                      <p:stCondLst>
+                        <p:cond delay="indefinite"/>
+                      </p:stCondLst>
+                      <p:childTnLst>
+                        <p:par>
+                          <p:cTn id="8" fill="hold">
+                            <p:stCondLst>
+                              <p:cond delay="0"/>
+                            </p:stCondLst>
+                            <p:childTnLst>
+                              <p:par>
+                                <p:cTn id="9" presetID="1" presetClass="entr" presetSubtype="0" fill="hold" nodeType="clickEffect">
+                                  <p:stCondLst>
+                                    <p:cond delay="0"/>
+                                  </p:stCondLst>
+                                  <p:childTnLst>
+                                    <p:set>
+                                      <p:cBhvr>
+                                        <p:cTn id="10" dur="1" fill="hold">
+                                          <p:stCondLst>
+                                            <p:cond delay="0"/>
+                                          </p:stCondLst>
+                                        </p:cTn>
+                                        <p:tgtEl>
+                                          <p:spTgt spid="6">
+                                            <p:txEl>
+                                              <p:pRg st="1" end="1"/>
+                                            </p:txEl>
+                                          </p:spTgt>
+                                        </p:tgtEl>
+                                        <p:attrNameLst>
+                                          <p:attrName>style.visibility</p:attrName>
+                                        </p:attrNameLst>
+                                      </p:cBhvr>
+                                      <p:to>
+                                        <p:strVal val="visible"/>
+                                      </p:to>
+                                    </p:set>
+                                  </p:childTnLst>
+                                </p:cTn>
+                              </p:par>
+                            </p:childTnLst>
+                          </p:cTn>
+                        </p:par>
+                      </p:childTnLst>
+                    </p:cTn>
+                  </p:par>
+                  <p:par>
+                    <p:cTn id="11" fill="hold">
+                      <p:stCondLst>
+                        <p:cond delay="indefinite"/>
+                      </p:stCondLst>
+                      <p:childTnLst>
+                        <p:par>
+                          <p:cTn id="12" fill="hold">
+                            <p:stCondLst>
+                              <p:cond delay="0"/>
+                            </p:stCondLst>
+                            <p:childTnLst>
+                              <p:par>
+                                <p:cTn id="13" presetID="2" presetClass="entr" presetSubtype="4" fill="hold" nodeType="clickEffect">
+                                  <p:stCondLst>
+                                    <p:cond delay="0"/>
+                                  </p:stCondLst>
+                                  <p:childTnLst>
+                                    <p:set>
+                                      <p:cBhvr>
+                                        <p:cTn id="14" dur="1" fill="hold">
+                                          <p:stCondLst>
+                                            <p:cond delay="0"/>
+                                          </p:stCondLst>
+                                        </p:cTn>
+                                        <p:tgtEl>
+                                          <p:spTgt spid="7"/>
+                                        </p:tgtEl>
+                                        <p:attrNameLst>
+                                          <p:attrName>style.visibility</p:attrName>
+                                        </p:attrNameLst>
+                                      </p:cBhvr>
+                                      <p:to>
+                                        <p:strVal val="visible"/>
+                                      </p:to>
+                                    </p:set>
+                                    <p:anim calcmode="lin" valueType="num">
+                                      <p:cBhvr additive="base">
+                                        <p:cTn id="15" dur="500" fill="hold"/>
+                                        <p:tgtEl>
+                                          <p:spTgt spid="7"/>
+                                        </p:tgtEl>
+                                        <p:attrNameLst>
+                                          <p:attrName>ppt_x</p:attrName>
+                                        </p:attrNameLst>
+                                      </p:cBhvr>
+                                      <p:tavLst>
+                                        <p:tav tm="0">
+                                          <p:val>
+                                            <p:strVal val="#ppt_x"/>
+                                          </p:val>
+                                        </p:tav>
+                                        <p:tav tm="100000">
+                                          <p:val>
+                                            <p:strVal val="#ppt_x"/>
+                                          </p:val>
+                                        </p:tav>
+                                      </p:tavLst>
+                                    </p:anim>
+                                    <p:anim calcmode="lin" valueType="num">
+                                      <p:cBhvr additive="base">
+                                        <p:cTn id="16" dur="500" fill="hold"/>
+                                        <p:tgtEl>
+                                          <p:spTgt spid="7"/>
+                                        </p:tgtEl>
+                                        <p:attrNameLst>
+                                          <p:attrName>ppt_y</p:attrName>
+                                        </p:attrNameLst>
+                                      </p:cBhvr>
+                                      <p:tavLst>
+                                        <p:tav tm="0">
+                                          <p:val>
+                                            <p:strVal val="1+#ppt_h/2"/>
+                                          </p:val>
+                                        </p:tav>
+                                        <p:tav tm="100000">
+                                          <p:val>
+                                            <p:strVal val="#ppt_y"/>
+                                          </p:val>
+                                        </p:tav>
+                                      </p:tavLst>
+                                    </p:anim>
+                                  </p:childTnLst>
+                                </p:cTn>
+                              </p:par>
+                            </p:childTnLst>
+                          </p:cTn>
+                        </p:par>
+                      </p:childTnLst>
+                    </p:cTn>
+                  </p:par>
+                  <p:par>
+                    <p:cTn id="17" fill="hold">
+                      <p:stCondLst>
+                        <p:cond delay="indefinite"/>
+                      </p:stCondLst>
+                      <p:childTnLst>
+                        <p:par>
+                          <p:cTn id="18" fill="hold">
+                            <p:stCondLst>
+                              <p:cond delay="0"/>
+                            </p:stCondLst>
+                            <p:childTnLst>
+                              <p:par>
+                                <p:cTn id="19" presetID="2" presetClass="entr" presetSubtype="4" fill="hold" nodeType="clickEffect">
+                                  <p:stCondLst>
+                                    <p:cond delay="0"/>
+                                  </p:stCondLst>
+                                  <p:childTnLst>
+                                    <p:set>
+                                      <p:cBhvr>
+                                        <p:cTn id="20" dur="1" fill="hold">
+                                          <p:stCondLst>
+                                            <p:cond delay="0"/>
+                                          </p:stCondLst>
+                                        </p:cTn>
+                                        <p:tgtEl>
+                                          <p:spTgt spid="8"/>
+                                        </p:tgtEl>
+                                        <p:attrNameLst>
+                                          <p:attrName>style.visibility</p:attrName>
+                                        </p:attrNameLst>
+                                      </p:cBhvr>
+                                      <p:to>
+                                        <p:strVal val="visible"/>
+                                      </p:to>
+                                    </p:set>
+                                    <p:anim calcmode="lin" valueType="num">
+                                      <p:cBhvr additive="base">
+                                        <p:cTn id="21" dur="500" fill="hold"/>
+                                        <p:tgtEl>
+                                          <p:spTgt spid="8"/>
+                                        </p:tgtEl>
+                                        <p:attrNameLst>
+                                          <p:attrName>ppt_x</p:attrName>
+                                        </p:attrNameLst>
+                                      </p:cBhvr>
+                                      <p:tavLst>
+                                        <p:tav tm="0">
+                                          <p:val>
+                                            <p:strVal val="#ppt_x"/>
+                                          </p:val>
+                                        </p:tav>
+                                        <p:tav tm="100000">
+                                          <p:val>
+                                            <p:strVal val="#ppt_x"/>
+                                          </p:val>
+                                        </p:tav>
+                                      </p:tavLst>
+                                    </p:anim>
+                                    <p:anim calcmode="lin" valueType="num">
+                                      <p:cBhvr additive="base">
+                                        <p:cTn id="22" dur="500" fill="hold"/>
+                                        <p:tgtEl>
+                                          <p:spTgt spid="8"/>
+                                        </p:tgtEl>
+                                        <p:attrNameLst>
+                                          <p:attrName>ppt_y</p:attrName>
+                                        </p:attrNameLst>
+                                      </p:cBhvr>
+                                      <p:tavLst>
+                                        <p:tav tm="0">
+                                          <p:val>
+                                            <p:strVal val="1+#ppt_h/2"/>
+                                          </p:val>
+                                        </p:tav>
+                                        <p:tav tm="100000">
+                                          <p:val>
+                                            <p:strVal val="#ppt_y"/>
+                                          </p:val>
+                                        </p:tav>
+                                      </p:tavLst>
+                                    </p:anim>
+                                  </p:childTnLst>
+                                </p:cTn>
+                              </p:par>
+                            </p:childTnLst>
+                          </p:cTn>
+                        </p:par>
+                      </p:childTnLst>
+                    </p:cTn>
+                  </p:par>
+                </p:childTnLst>
+              </p:cTn>
+              <p:prevCondLst>
+                <p:cond evt="onPrev" delay="0">
+                  <p:tgtEl>
+                    <p:sldTgt/>
+                  </p:tgtEl>
+                </p:cond>
+              </p:prevCondLst>
+              <p:nextCondLst>
+                <p:cond evt="onNext" delay="0">
+                  <p:tgtEl>
+                    <p:sldTgt/>
+                  </p:tgtEl>
+                </p:cond>
+              </p:nextCondLst>
+            </p:seq>
+          </p:childTnLst>
+        </p:cTn>
+      </p:par>
+    </p:tnLst>
+  </p:timing>
 </p:sld>
 </file>
 
 <file path=ppt/slides/slide3.xml><?xml version="1.0" encoding="utf-8"?>
 <p:sld xmlns:a="http://schemas.openxmlformats.org/drawingml/2006/main" xmlns:r="http://schemas.openxmlformats.org/officeDocument/2006/relationships" xmlns:p="http://schemas.openxmlformats.org/presentationml/2006/main">
   <p:cSld>
+    <p:bg>
+      <p:bgPr>
+        <a:solidFill>
+          <a:schemeClr val="bg1"/>
+        </a:solidFill>
+        <a:effectLst/>
+      </p:bgPr>
+    </p:bg>
     <p:spTree>
       <p:nvGrpSpPr>
         <p:cNvPr id="1" name=""/>
@@ -5705,10 +9109,104 @@
       </p:grpSpPr>
       <p:sp>
         <p:nvSpPr>
-          <p:cNvPr id="5" name="Tittel 4">
-            <a:extLst>
-              <a:ext uri="{FF2B5EF4-FFF2-40B4-BE49-F238E27FC236}">
-                <a16:creationId xmlns:a16="http://schemas.microsoft.com/office/drawing/2014/main" id="{5F47B98C-DAD6-42CE-B724-1E32BC6C3762}"/>
+          <p:cNvPr id="12" name="Rectangle 11">
+            <a:extLst>
+              <a:ext uri="{FF2B5EF4-FFF2-40B4-BE49-F238E27FC236}">
+                <a16:creationId xmlns:a16="http://schemas.microsoft.com/office/drawing/2014/main" id="{823AC064-BC96-4F32-8AE1-B2FD38754823}"/>
+              </a:ext>
+              <a:ext uri="{C183D7F6-B498-43B3-948B-1728B52AA6E4}">
+                <adec:decorative xmlns:adec="http://schemas.microsoft.com/office/drawing/2017/decorative" val="1"/>
+              </a:ext>
+            </a:extLst>
+          </p:cNvPr>
+          <p:cNvSpPr>
+            <a:spLocks noGrp="1" noRot="1" noChangeAspect="1" noMove="1" noResize="1" noEditPoints="1" noAdjustHandles="1" noChangeArrowheads="1" noChangeShapeType="1" noTextEdit="1"/>
+          </p:cNvSpPr>
+          <p:nvPr>
+            <p:extLst>
+              <p:ext uri="{386F3935-93C4-4BCD-93E2-E3B085C9AB24}">
+                <p16:designElem xmlns:p16="http://schemas.microsoft.com/office/powerpoint/2015/main" val="1"/>
+              </p:ext>
+            </p:extLst>
+          </p:nvPr>
+        </p:nvSpPr>
+        <p:spPr bwMode="ltGray">
+          <a:xfrm>
+            <a:off x="378068" y="343486"/>
+            <a:ext cx="11438793" cy="1844256"/>
+          </a:xfrm>
+          <a:prstGeom prst="rect">
+            <a:avLst/>
+          </a:prstGeom>
+          <a:solidFill>
+            <a:srgbClr val="404040"/>
+          </a:solidFill>
+          <a:ln w="127000" cap="sq" cmpd="thinThick">
+            <a:solidFill>
+              <a:srgbClr val="404040"/>
+            </a:solidFill>
+          </a:ln>
+        </p:spPr>
+        <p:style>
+          <a:lnRef idx="2">
+            <a:schemeClr val="accent1">
+              <a:shade val="50000"/>
+            </a:schemeClr>
+          </a:lnRef>
+          <a:fillRef idx="1">
+            <a:schemeClr val="accent1"/>
+          </a:fillRef>
+          <a:effectRef idx="0">
+            <a:schemeClr val="accent1"/>
+          </a:effectRef>
+          <a:fontRef idx="minor">
+            <a:schemeClr val="lt1"/>
+          </a:fontRef>
+        </p:style>
+        <p:txBody>
+          <a:bodyPr rtlCol="0" anchor="ctr"/>
+          <a:lstStyle/>
+          <a:p>
+            <a:pPr marL="0" marR="0" lvl="0" indent="0" algn="ctr" defTabSz="914400" rtl="0" eaLnBrk="1" fontAlgn="auto" latinLnBrk="0" hangingPunct="1">
+              <a:lnSpc>
+                <a:spcPct val="100000"/>
+              </a:lnSpc>
+              <a:spcBef>
+                <a:spcPts val="0"/>
+              </a:spcBef>
+              <a:spcAft>
+                <a:spcPts val="0"/>
+              </a:spcAft>
+              <a:buClrTx/>
+              <a:buSzTx/>
+              <a:buFontTx/>
+              <a:buNone/>
+              <a:tabLst/>
+              <a:defRPr/>
+            </a:pPr>
+            <a:endParaRPr kumimoji="0" lang="en-US" sz="1800" b="0" i="0" u="none" strike="noStrike" kern="1200" cap="none" spc="0" normalizeH="0" baseline="0" noProof="0">
+              <a:ln>
+                <a:noFill/>
+              </a:ln>
+              <a:solidFill>
+                <a:prstClr val="white"/>
+              </a:solidFill>
+              <a:effectLst/>
+              <a:uLnTx/>
+              <a:uFillTx/>
+              <a:latin typeface="Calibri" panose="020F0502020204030204"/>
+              <a:ea typeface="+mn-ea"/>
+              <a:cs typeface="+mn-cs"/>
+            </a:endParaRPr>
+          </a:p>
+        </p:txBody>
+      </p:sp>
+      <p:sp>
+        <p:nvSpPr>
+          <p:cNvPr id="4" name="Tittel 3">
+            <a:extLst>
+              <a:ext uri="{FF2B5EF4-FFF2-40B4-BE49-F238E27FC236}">
+                <a16:creationId xmlns:a16="http://schemas.microsoft.com/office/drawing/2014/main" id="{99B6CAB7-0232-475F-9C0F-0987AF715EE8}"/>
               </a:ext>
             </a:extLst>
           </p:cNvPr>
@@ -5719,21 +9217,91 @@
             <p:ph type="title"/>
           </p:nvPr>
         </p:nvSpPr>
-        <p:spPr/>
+        <p:spPr>
+          <a:xfrm>
+            <a:off x="526073" y="466578"/>
+            <a:ext cx="11139854" cy="930447"/>
+          </a:xfrm>
+        </p:spPr>
         <p:txBody>
-          <a:bodyPr/>
+          <a:bodyPr vert="horz" lIns="91440" tIns="45720" rIns="91440" bIns="45720" rtlCol="0" anchor="b">
+            <a:normAutofit/>
+          </a:bodyPr>
           <a:lstStyle/>
           <a:p>
-            <a:endParaRPr lang="nb-NO"/>
+            <a:pPr algn="ctr"/>
+            <a:r>
+              <a:rPr lang="en-US" sz="5400" kern="1200">
+                <a:solidFill>
+                  <a:srgbClr val="FFFFFF"/>
+                </a:solidFill>
+                <a:latin typeface="+mj-lt"/>
+                <a:ea typeface="+mj-ea"/>
+                <a:cs typeface="+mj-cs"/>
+              </a:rPr>
+              <a:t>Betingelser</a:t>
+            </a:r>
           </a:p>
         </p:txBody>
       </p:sp>
+      <p:cxnSp>
+        <p:nvCxnSpPr>
+          <p:cNvPr id="14" name="Straight Connector 13">
+            <a:extLst>
+              <a:ext uri="{FF2B5EF4-FFF2-40B4-BE49-F238E27FC236}">
+                <a16:creationId xmlns:a16="http://schemas.microsoft.com/office/drawing/2014/main" id="{7E7C77BC-7138-40B1-A15B-20F57A494629}"/>
+              </a:ext>
+              <a:ext uri="{C183D7F6-B498-43B3-948B-1728B52AA6E4}">
+                <adec:decorative xmlns:adec="http://schemas.microsoft.com/office/drawing/2017/decorative" val="1"/>
+              </a:ext>
+            </a:extLst>
+          </p:cNvPr>
+          <p:cNvCxnSpPr>
+            <a:cxnSpLocks noGrp="1" noRot="1" noChangeAspect="1" noMove="1" noResize="1" noEditPoints="1" noAdjustHandles="1" noChangeArrowheads="1" noChangeShapeType="1"/>
+          </p:cNvCxnSpPr>
+          <p:nvPr>
+            <p:extLst>
+              <p:ext uri="{386F3935-93C4-4BCD-93E2-E3B085C9AB24}">
+                <p16:designElem xmlns:p16="http://schemas.microsoft.com/office/powerpoint/2015/main" val="1"/>
+              </p:ext>
+            </p:extLst>
+          </p:nvPr>
+        </p:nvCxnSpPr>
+        <p:spPr>
+          <a:xfrm>
+            <a:off x="2209800" y="1448631"/>
+            <a:ext cx="7772400" cy="0"/>
+          </a:xfrm>
+          <a:prstGeom prst="line">
+            <a:avLst/>
+          </a:prstGeom>
+          <a:ln w="22225">
+            <a:solidFill>
+              <a:srgbClr val="D9D9D9"/>
+            </a:solidFill>
+          </a:ln>
+        </p:spPr>
+        <p:style>
+          <a:lnRef idx="1">
+            <a:schemeClr val="accent1"/>
+          </a:lnRef>
+          <a:fillRef idx="0">
+            <a:schemeClr val="accent1"/>
+          </a:fillRef>
+          <a:effectRef idx="0">
+            <a:schemeClr val="accent1"/>
+          </a:effectRef>
+          <a:fontRef idx="minor">
+            <a:schemeClr val="tx1"/>
+          </a:fontRef>
+        </p:style>
+      </p:cxnSp>
       <p:pic>
         <p:nvPicPr>
           <p:cNvPr id="7" name="Plassholder for innhold 6">
             <a:extLst>
               <a:ext uri="{FF2B5EF4-FFF2-40B4-BE49-F238E27FC236}">
-                <a16:creationId xmlns:a16="http://schemas.microsoft.com/office/drawing/2014/main" id="{A5CD06E1-7454-4D44-9B9F-BB65E31A45E1}"/>
+                <a16:creationId xmlns:a16="http://schemas.microsoft.com/office/drawing/2014/main" id="{E9F0209E-ABDF-435E-AC14-4BD11AFFB9D9}"/>
               </a:ext>
             </a:extLst>
           </p:cNvPr>
@@ -5752,8 +9320,8 @@
         </p:blipFill>
         <p:spPr>
           <a:xfrm>
-            <a:off x="1574482" y="340332"/>
-            <a:ext cx="9191249" cy="5929839"/>
+            <a:off x="2680623" y="2509911"/>
+            <a:ext cx="6775655" cy="3997637"/>
           </a:xfrm>
           <a:prstGeom prst="rect">
             <a:avLst/>
@@ -5763,7 +9331,7 @@
     </p:spTree>
     <p:extLst>
       <p:ext uri="{BB962C8B-B14F-4D97-AF65-F5344CB8AC3E}">
-        <p14:creationId xmlns:p14="http://schemas.microsoft.com/office/powerpoint/2010/main" val="1465750772"/>
+        <p14:creationId xmlns:p14="http://schemas.microsoft.com/office/powerpoint/2010/main" val="3268254157"/>
       </p:ext>
     </p:extLst>
   </p:cSld>
@@ -5800,75 +9368,10 @@
       </p:grpSpPr>
       <p:sp>
         <p:nvSpPr>
-          <p:cNvPr id="15" name="Rectangle 14">
-            <a:extLst>
-              <a:ext uri="{FF2B5EF4-FFF2-40B4-BE49-F238E27FC236}">
-                <a16:creationId xmlns:a16="http://schemas.microsoft.com/office/drawing/2014/main" id="{823AC064-BC96-4F32-8AE1-B2FD38754823}"/>
-              </a:ext>
-              <a:ext uri="{C183D7F6-B498-43B3-948B-1728B52AA6E4}">
-                <adec:decorative xmlns:adec="http://schemas.microsoft.com/office/drawing/2017/decorative" val="1"/>
-              </a:ext>
-            </a:extLst>
-          </p:cNvPr>
-          <p:cNvSpPr>
-            <a:spLocks noGrp="1" noRot="1" noChangeAspect="1" noMove="1" noResize="1" noEditPoints="1" noAdjustHandles="1" noChangeArrowheads="1" noChangeShapeType="1" noTextEdit="1"/>
-          </p:cNvSpPr>
-          <p:nvPr>
-            <p:extLst>
-              <p:ext uri="{386F3935-93C4-4BCD-93E2-E3B085C9AB24}">
-                <p16:designElem xmlns:p16="http://schemas.microsoft.com/office/powerpoint/2015/main" val="1"/>
-              </p:ext>
-            </p:extLst>
-          </p:nvPr>
-        </p:nvSpPr>
-        <p:spPr bwMode="ltGray">
-          <a:xfrm>
-            <a:off x="396882" y="280374"/>
-            <a:ext cx="11438793" cy="1844256"/>
-          </a:xfrm>
-          <a:prstGeom prst="rect">
-            <a:avLst/>
-          </a:prstGeom>
-          <a:solidFill>
-            <a:srgbClr val="404040"/>
-          </a:solidFill>
-          <a:ln w="127000" cap="sq" cmpd="thinThick">
-            <a:solidFill>
-              <a:srgbClr val="404040"/>
-            </a:solidFill>
-          </a:ln>
-        </p:spPr>
-        <p:style>
-          <a:lnRef idx="2">
-            <a:schemeClr val="accent1">
-              <a:shade val="50000"/>
-            </a:schemeClr>
-          </a:lnRef>
-          <a:fillRef idx="1">
-            <a:schemeClr val="accent1"/>
-          </a:fillRef>
-          <a:effectRef idx="0">
-            <a:schemeClr val="accent1"/>
-          </a:effectRef>
-          <a:fontRef idx="minor">
-            <a:schemeClr val="lt1"/>
-          </a:fontRef>
-        </p:style>
-        <p:txBody>
-          <a:bodyPr rtlCol="0" anchor="ctr"/>
-          <a:lstStyle/>
-          <a:p>
-            <a:pPr algn="ctr"/>
-            <a:endParaRPr lang="en-US"/>
-          </a:p>
-        </p:txBody>
-      </p:sp>
-      <p:sp>
-        <p:nvSpPr>
-          <p:cNvPr id="4" name="Tittel 3">
-            <a:extLst>
-              <a:ext uri="{FF2B5EF4-FFF2-40B4-BE49-F238E27FC236}">
-                <a16:creationId xmlns:a16="http://schemas.microsoft.com/office/drawing/2014/main" id="{99B6CAB7-0232-475F-9C0F-0987AF715EE8}"/>
+          <p:cNvPr id="2" name="Tittel 1">
+            <a:extLst>
+              <a:ext uri="{FF2B5EF4-FFF2-40B4-BE49-F238E27FC236}">
+                <a16:creationId xmlns:a16="http://schemas.microsoft.com/office/drawing/2014/main" id="{65D9006E-05DA-46AB-B3A7-AA381E83823F}"/>
               </a:ext>
             </a:extLst>
           </p:cNvPr>
@@ -5881,8 +9384,8 @@
         </p:nvSpPr>
         <p:spPr>
           <a:xfrm>
-            <a:off x="546351" y="433545"/>
-            <a:ext cx="11139854" cy="930447"/>
+            <a:off x="4965430" y="629268"/>
+            <a:ext cx="6586491" cy="1286160"/>
           </a:xfrm>
         </p:spPr>
         <p:txBody>
@@ -5891,29 +9394,51 @@
           </a:bodyPr>
           <a:lstStyle/>
           <a:p>
-            <a:pPr algn="ctr"/>
-            <a:r>
-              <a:rPr lang="en-US" sz="5400" dirty="0" err="1">
-                <a:solidFill>
-                  <a:srgbClr val="FFFFFF"/>
-                </a:solidFill>
-              </a:rPr>
-              <a:t>Betingelser</a:t>
-            </a:r>
-            <a:endParaRPr lang="en-US" sz="5400" dirty="0">
-              <a:solidFill>
-                <a:srgbClr val="FFFFFF"/>
-              </a:solidFill>
-            </a:endParaRPr>
+            <a:r>
+              <a:rPr lang="en-US" sz="4400" dirty="0"/>
+              <a:t>Oppgave </a:t>
+            </a:r>
           </a:p>
         </p:txBody>
       </p:sp>
+      <p:pic>
+        <p:nvPicPr>
+          <p:cNvPr id="7" name="Plassholder for innhold 6">
+            <a:extLst>
+              <a:ext uri="{FF2B5EF4-FFF2-40B4-BE49-F238E27FC236}">
+                <a16:creationId xmlns:a16="http://schemas.microsoft.com/office/drawing/2014/main" id="{9CDFEF26-1886-462A-AEE6-3844A99202FE}"/>
+              </a:ext>
+            </a:extLst>
+          </p:cNvPr>
+          <p:cNvPicPr>
+            <a:picLocks noGrp="1" noChangeAspect="1"/>
+          </p:cNvPicPr>
+          <p:nvPr>
+            <p:ph idx="1"/>
+          </p:nvPr>
+        </p:nvPicPr>
+        <p:blipFill rotWithShape="1">
+          <a:blip r:embed="rId2"/>
+          <a:srcRect t="2071" r="-1" b="11751"/>
+          <a:stretch/>
+        </p:blipFill>
+        <p:spPr>
+          <a:xfrm>
+            <a:off x="20" y="10"/>
+            <a:ext cx="4635571" cy="6857990"/>
+          </a:xfrm>
+          <a:prstGeom prst="rect">
+            <a:avLst/>
+          </a:prstGeom>
+          <a:effectLst/>
+        </p:spPr>
+      </p:pic>
       <p:cxnSp>
         <p:nvCxnSpPr>
-          <p:cNvPr id="17" name="Straight Connector 16">
-            <a:extLst>
-              <a:ext uri="{FF2B5EF4-FFF2-40B4-BE49-F238E27FC236}">
-                <a16:creationId xmlns:a16="http://schemas.microsoft.com/office/drawing/2014/main" id="{7E7C77BC-7138-40B1-A15B-20F57A494629}"/>
+          <p:cNvPr id="12" name="Straight Connector 11">
+            <a:extLst>
+              <a:ext uri="{FF2B5EF4-FFF2-40B4-BE49-F238E27FC236}">
+                <a16:creationId xmlns:a16="http://schemas.microsoft.com/office/drawing/2014/main" id="{A7F400EE-A8A5-48AF-B4D6-291B52C6F0B0}"/>
               </a:ext>
               <a:ext uri="{C183D7F6-B498-43B3-948B-1728B52AA6E4}">
                 <adec:decorative xmlns:adec="http://schemas.microsoft.com/office/drawing/2017/decorative" val="1"/>
@@ -5933,15 +9458,15 @@
         </p:nvCxnSpPr>
         <p:spPr>
           <a:xfrm>
-            <a:off x="2230078" y="1522292"/>
-            <a:ext cx="7772400" cy="0"/>
+            <a:off x="5080934" y="2115117"/>
+            <a:ext cx="6309360" cy="0"/>
           </a:xfrm>
           <a:prstGeom prst="line">
             <a:avLst/>
           </a:prstGeom>
-          <a:ln w="22225">
+          <a:ln w="19050">
             <a:solidFill>
-              <a:srgbClr val="D9D9D9"/>
+              <a:srgbClr val="5AB4D2"/>
             </a:solidFill>
           </a:ln>
         </p:spPr>
@@ -5960,132 +9485,516 @@
           </a:fontRef>
         </p:style>
       </p:cxnSp>
-      <p:pic>
-        <p:nvPicPr>
-          <p:cNvPr id="10" name="Plassholder for innhold 9">
-            <a:extLst>
-              <a:ext uri="{FF2B5EF4-FFF2-40B4-BE49-F238E27FC236}">
-                <a16:creationId xmlns:a16="http://schemas.microsoft.com/office/drawing/2014/main" id="{DFF1A743-F91E-477D-9B99-F7038AFE5EE4}"/>
-              </a:ext>
-            </a:extLst>
-          </p:cNvPr>
-          <p:cNvPicPr>
-            <a:picLocks noGrp="1" noChangeAspect="1"/>
-          </p:cNvPicPr>
-          <p:nvPr>
-            <p:ph sz="half" idx="2"/>
-          </p:nvPr>
-        </p:nvPicPr>
-        <p:blipFill>
-          <a:blip r:embed="rId2"/>
-          <a:stretch>
-            <a:fillRect/>
-          </a:stretch>
-        </p:blipFill>
+      <p:sp>
+        <p:nvSpPr>
+          <p:cNvPr id="3" name="Plassholder for tekst 2">
+            <a:extLst>
+              <a:ext uri="{FF2B5EF4-FFF2-40B4-BE49-F238E27FC236}">
+                <a16:creationId xmlns:a16="http://schemas.microsoft.com/office/drawing/2014/main" id="{F214533B-64C6-4043-BF37-813EC1CD80D2}"/>
+              </a:ext>
+            </a:extLst>
+          </p:cNvPr>
+          <p:cNvSpPr>
+            <a:spLocks noGrp="1"/>
+          </p:cNvSpPr>
+          <p:nvPr>
+            <p:ph type="body" sz="half" idx="2"/>
+          </p:nvPr>
+        </p:nvSpPr>
         <p:spPr>
           <a:xfrm>
-            <a:off x="331567" y="2462106"/>
-            <a:ext cx="5455917" cy="3927061"/>
+            <a:off x="4965431" y="2438400"/>
+            <a:ext cx="6586489" cy="3785419"/>
           </a:xfrm>
-          <a:prstGeom prst="rect">
-            <a:avLst/>
-          </a:prstGeom>
         </p:spPr>
-      </p:pic>
-      <p:cxnSp>
-        <p:nvCxnSpPr>
-          <p:cNvPr id="19" name="Straight Connector 18">
-            <a:extLst>
-              <a:ext uri="{FF2B5EF4-FFF2-40B4-BE49-F238E27FC236}">
-                <a16:creationId xmlns:a16="http://schemas.microsoft.com/office/drawing/2014/main" id="{DB146403-F3D6-484B-B2ED-97F9565D0370}"/>
-              </a:ext>
-              <a:ext uri="{C183D7F6-B498-43B3-948B-1728B52AA6E4}">
-                <adec:decorative xmlns:adec="http://schemas.microsoft.com/office/drawing/2017/decorative" val="1"/>
-              </a:ext>
-            </a:extLst>
-          </p:cNvPr>
-          <p:cNvCxnSpPr>
-            <a:cxnSpLocks noGrp="1" noRot="1" noChangeAspect="1" noMove="1" noResize="1" noEditPoints="1" noAdjustHandles="1" noChangeArrowheads="1" noChangeShapeType="1"/>
-          </p:cNvCxnSpPr>
-          <p:nvPr>
-            <p:extLst>
-              <p:ext uri="{386F3935-93C4-4BCD-93E2-E3B085C9AB24}">
-                <p16:designElem xmlns:p16="http://schemas.microsoft.com/office/powerpoint/2015/main" val="1"/>
-              </p:ext>
-            </p:extLst>
-          </p:nvPr>
-        </p:nvCxnSpPr>
-        <p:spPr>
-          <a:xfrm>
-            <a:off x="6116278" y="2596836"/>
-            <a:ext cx="0" cy="3657600"/>
-          </a:xfrm>
-          <a:prstGeom prst="line">
-            <a:avLst/>
-          </a:prstGeom>
-          <a:ln w="101600" cmpd="dbl">
-            <a:solidFill>
-              <a:srgbClr val="595959"/>
-            </a:solidFill>
-          </a:ln>
-        </p:spPr>
-        <p:style>
-          <a:lnRef idx="1">
-            <a:schemeClr val="accent1"/>
-          </a:lnRef>
-          <a:fillRef idx="0">
-            <a:schemeClr val="accent1"/>
-          </a:fillRef>
-          <a:effectRef idx="0">
-            <a:schemeClr val="accent1"/>
-          </a:effectRef>
-          <a:fontRef idx="minor">
-            <a:schemeClr val="tx1"/>
-          </a:fontRef>
-        </p:style>
-      </p:cxnSp>
-      <p:pic>
-        <p:nvPicPr>
-          <p:cNvPr id="7" name="Plassholder for innhold 6">
-            <a:extLst>
-              <a:ext uri="{FF2B5EF4-FFF2-40B4-BE49-F238E27FC236}">
-                <a16:creationId xmlns:a16="http://schemas.microsoft.com/office/drawing/2014/main" id="{E9F0209E-ABDF-435E-AC14-4BD11AFFB9D9}"/>
-              </a:ext>
-            </a:extLst>
-          </p:cNvPr>
-          <p:cNvPicPr>
-            <a:picLocks noGrp="1" noChangeAspect="1"/>
-          </p:cNvPicPr>
-          <p:nvPr>
-            <p:ph sz="half" idx="1"/>
-          </p:nvPr>
-        </p:nvPicPr>
-        <p:blipFill>
-          <a:blip r:embed="rId3"/>
-          <a:stretch>
-            <a:fillRect/>
-          </a:stretch>
-        </p:blipFill>
-        <p:spPr>
-          <a:xfrm>
-            <a:off x="6445073" y="2816141"/>
-            <a:ext cx="5455917" cy="3218991"/>
-          </a:xfrm>
-          <a:prstGeom prst="rect">
-            <a:avLst/>
-          </a:prstGeom>
-        </p:spPr>
-      </p:pic>
+        <p:txBody>
+          <a:bodyPr vert="horz" lIns="91440" tIns="45720" rIns="91440" bIns="45720" rtlCol="0">
+            <a:normAutofit/>
+          </a:bodyPr>
+          <a:lstStyle/>
+          <a:p>
+            <a:pPr indent="-228600">
+              <a:buFont typeface="Arial" panose="020B0604020202020204" pitchFamily="34" charset="0"/>
+              <a:buChar char="•"/>
+            </a:pPr>
+            <a:r>
+              <a:rPr lang="en-US" sz="2000" dirty="0"/>
+              <a:t>Lag </a:t>
+            </a:r>
+            <a:r>
+              <a:rPr lang="en-US" sz="2000" dirty="0" err="1"/>
+              <a:t>variablene</a:t>
+            </a:r>
+            <a:r>
+              <a:rPr lang="en-US" sz="2000" dirty="0"/>
+              <a:t> </a:t>
+            </a:r>
+            <a:r>
+              <a:rPr lang="en-US" sz="2000" i="1" dirty="0">
+                <a:solidFill>
+                  <a:schemeClr val="accent1">
+                    <a:lumMod val="75000"/>
+                  </a:schemeClr>
+                </a:solidFill>
+              </a:rPr>
+              <a:t>var</a:t>
+            </a:r>
+            <a:r>
+              <a:rPr lang="en-US" sz="2000" dirty="0"/>
+              <a:t> a = 3;</a:t>
+            </a:r>
+            <a:r>
+              <a:rPr lang="en-US" sz="2000" i="1" dirty="0">
+                <a:solidFill>
+                  <a:schemeClr val="accent1">
+                    <a:lumMod val="75000"/>
+                  </a:schemeClr>
+                </a:solidFill>
+              </a:rPr>
+              <a:t> var </a:t>
+            </a:r>
+            <a:r>
+              <a:rPr lang="en-US" sz="2000" dirty="0"/>
+              <a:t>b = 7,; </a:t>
+            </a:r>
+            <a:r>
+              <a:rPr lang="en-US" sz="2000" dirty="0" err="1"/>
+              <a:t>og</a:t>
+            </a:r>
+            <a:r>
+              <a:rPr lang="en-US" sz="2000" dirty="0"/>
+              <a:t>  </a:t>
+            </a:r>
+            <a:r>
+              <a:rPr lang="en-US" sz="2000" i="1" dirty="0">
+                <a:solidFill>
+                  <a:schemeClr val="accent1">
+                    <a:lumMod val="75000"/>
+                  </a:schemeClr>
+                </a:solidFill>
+              </a:rPr>
+              <a:t>var</a:t>
+            </a:r>
+            <a:r>
+              <a:rPr lang="en-US" sz="2000" dirty="0"/>
+              <a:t> c = “7”; </a:t>
+            </a:r>
+            <a:r>
+              <a:rPr lang="en-US" sz="2000" dirty="0" err="1"/>
+              <a:t>Hvilket</a:t>
+            </a:r>
+            <a:r>
+              <a:rPr lang="en-US" sz="2000" dirty="0"/>
+              <a:t> </a:t>
+            </a:r>
+            <a:r>
+              <a:rPr lang="en-US" sz="2000" dirty="0" err="1"/>
+              <a:t>utfall</a:t>
+            </a:r>
+            <a:r>
+              <a:rPr lang="en-US" sz="2000" dirty="0"/>
+              <a:t> (true </a:t>
+            </a:r>
+            <a:r>
+              <a:rPr lang="en-US" sz="2000" dirty="0" err="1"/>
+              <a:t>eller</a:t>
+            </a:r>
+            <a:r>
+              <a:rPr lang="en-US" sz="2000" dirty="0"/>
+              <a:t> false) </a:t>
+            </a:r>
+            <a:r>
+              <a:rPr lang="en-US" sz="2000" dirty="0" err="1"/>
+              <a:t>forventer</a:t>
+            </a:r>
+            <a:r>
+              <a:rPr lang="en-US" sz="2000" dirty="0"/>
+              <a:t> du </a:t>
+            </a:r>
+            <a:r>
+              <a:rPr lang="en-US" sz="2000" dirty="0" err="1"/>
+              <a:t>fra</a:t>
+            </a:r>
+            <a:r>
+              <a:rPr lang="en-US" sz="2000" dirty="0"/>
+              <a:t> </a:t>
+            </a:r>
+            <a:r>
+              <a:rPr lang="en-US" sz="2000" dirty="0" err="1"/>
+              <a:t>kodene</a:t>
+            </a:r>
+            <a:r>
+              <a:rPr lang="en-US" sz="2000" dirty="0"/>
+              <a:t> </a:t>
+            </a:r>
+            <a:r>
+              <a:rPr lang="en-US" sz="2000" dirty="0" err="1"/>
+              <a:t>nedenfor</a:t>
+            </a:r>
+            <a:r>
+              <a:rPr lang="en-US" sz="2000" dirty="0"/>
+              <a:t>? </a:t>
+            </a:r>
+            <a:r>
+              <a:rPr lang="en-US" sz="2000" dirty="0" err="1"/>
+              <a:t>Prøv</a:t>
+            </a:r>
+            <a:r>
+              <a:rPr lang="en-US" sz="2000" dirty="0"/>
+              <a:t> </a:t>
+            </a:r>
+            <a:r>
+              <a:rPr lang="en-US" sz="2000" dirty="0" err="1"/>
+              <a:t>kodene</a:t>
+            </a:r>
+            <a:r>
+              <a:rPr lang="en-US" sz="2000" dirty="0"/>
+              <a:t> I </a:t>
+            </a:r>
+            <a:r>
+              <a:rPr lang="en-US" sz="2000" dirty="0" err="1"/>
+              <a:t>konsolen</a:t>
+            </a:r>
+            <a:r>
+              <a:rPr lang="en-US" sz="2000" dirty="0"/>
+              <a:t> (du </a:t>
+            </a:r>
+            <a:r>
+              <a:rPr lang="en-US" sz="2000" dirty="0" err="1"/>
+              <a:t>kan</a:t>
+            </a:r>
+            <a:r>
+              <a:rPr lang="en-US" sz="2000" dirty="0"/>
+              <a:t> </a:t>
+            </a:r>
+            <a:r>
+              <a:rPr lang="en-US" sz="2000" dirty="0" err="1"/>
+              <a:t>skrive</a:t>
+            </a:r>
+            <a:r>
+              <a:rPr lang="en-US" sz="2000" dirty="0"/>
+              <a:t> </a:t>
+            </a:r>
+            <a:r>
+              <a:rPr lang="en-US" sz="2000" dirty="0" err="1"/>
+              <a:t>kodene</a:t>
+            </a:r>
+            <a:r>
+              <a:rPr lang="en-US" sz="2000" dirty="0"/>
+              <a:t> </a:t>
+            </a:r>
+            <a:r>
+              <a:rPr lang="en-US" sz="2000" dirty="0" err="1"/>
+              <a:t>rett</a:t>
+            </a:r>
+            <a:r>
+              <a:rPr lang="en-US" sz="2000" dirty="0"/>
+              <a:t> inn I console.log()):</a:t>
+            </a:r>
+          </a:p>
+          <a:p>
+            <a:pPr marL="228600" indent="-457200">
+              <a:buFont typeface="+mj-lt"/>
+              <a:buAutoNum type="alphaLcParenR"/>
+            </a:pPr>
+            <a:r>
+              <a:rPr lang="en-US" sz="2000" dirty="0"/>
+              <a:t>b ==c	e)  a &gt; b	</a:t>
+            </a:r>
+          </a:p>
+          <a:p>
+            <a:pPr marL="228600" indent="-457200">
+              <a:buFont typeface="+mj-lt"/>
+              <a:buAutoNum type="alphaLcParenR"/>
+            </a:pPr>
+            <a:r>
+              <a:rPr lang="en-US" sz="2000" dirty="0"/>
+              <a:t>b ===c	f)   b != c</a:t>
+            </a:r>
+          </a:p>
+          <a:p>
+            <a:pPr marL="228600" indent="-457200">
+              <a:buFont typeface="+mj-lt"/>
+              <a:buAutoNum type="alphaLcParenR"/>
+            </a:pPr>
+            <a:r>
+              <a:rPr lang="en-US" sz="2000" dirty="0"/>
+              <a:t>a &lt; b	g)  a != b</a:t>
+            </a:r>
+          </a:p>
+          <a:p>
+            <a:pPr marL="228600" indent="-457200">
+              <a:buFont typeface="+mj-lt"/>
+              <a:buAutoNum type="alphaLcParenR"/>
+            </a:pPr>
+            <a:r>
+              <a:rPr lang="en-US" sz="2000" dirty="0"/>
+              <a:t>a &lt;=b	h)  b !== c</a:t>
+            </a:r>
+          </a:p>
+        </p:txBody>
+      </p:sp>
     </p:spTree>
     <p:extLst>
       <p:ext uri="{BB962C8B-B14F-4D97-AF65-F5344CB8AC3E}">
-        <p14:creationId xmlns:p14="http://schemas.microsoft.com/office/powerpoint/2010/main" val="3268254157"/>
+        <p14:creationId xmlns:p14="http://schemas.microsoft.com/office/powerpoint/2010/main" val="2787374013"/>
       </p:ext>
     </p:extLst>
   </p:cSld>
   <p:clrMapOvr>
     <a:masterClrMapping/>
   </p:clrMapOvr>
+  <p:timing>
+    <p:tnLst>
+      <p:par>
+        <p:cTn id="1" dur="indefinite" restart="never" nodeType="tmRoot">
+          <p:childTnLst>
+            <p:seq concurrent="1" nextAc="seek">
+              <p:cTn id="2" dur="indefinite" nodeType="mainSeq">
+                <p:childTnLst>
+                  <p:par>
+                    <p:cTn id="3" fill="hold">
+                      <p:stCondLst>
+                        <p:cond delay="indefinite"/>
+                      </p:stCondLst>
+                      <p:childTnLst>
+                        <p:par>
+                          <p:cTn id="4" fill="hold">
+                            <p:stCondLst>
+                              <p:cond delay="0"/>
+                            </p:stCondLst>
+                            <p:childTnLst>
+                              <p:par>
+                                <p:cTn id="5" presetID="1" presetClass="entr" presetSubtype="0" fill="hold" grpId="0" nodeType="clickEffect">
+                                  <p:stCondLst>
+                                    <p:cond delay="0"/>
+                                  </p:stCondLst>
+                                  <p:childTnLst>
+                                    <p:set>
+                                      <p:cBhvr>
+                                        <p:cTn id="6" dur="1" fill="hold">
+                                          <p:stCondLst>
+                                            <p:cond delay="0"/>
+                                          </p:stCondLst>
+                                        </p:cTn>
+                                        <p:tgtEl>
+                                          <p:spTgt spid="2"/>
+                                        </p:tgtEl>
+                                        <p:attrNameLst>
+                                          <p:attrName>style.visibility</p:attrName>
+                                        </p:attrNameLst>
+                                      </p:cBhvr>
+                                      <p:to>
+                                        <p:strVal val="visible"/>
+                                      </p:to>
+                                    </p:set>
+                                  </p:childTnLst>
+                                </p:cTn>
+                              </p:par>
+                            </p:childTnLst>
+                          </p:cTn>
+                        </p:par>
+                      </p:childTnLst>
+                    </p:cTn>
+                  </p:par>
+                  <p:par>
+                    <p:cTn id="7" fill="hold">
+                      <p:stCondLst>
+                        <p:cond delay="indefinite"/>
+                      </p:stCondLst>
+                      <p:childTnLst>
+                        <p:par>
+                          <p:cTn id="8" fill="hold">
+                            <p:stCondLst>
+                              <p:cond delay="0"/>
+                            </p:stCondLst>
+                            <p:childTnLst>
+                              <p:par>
+                                <p:cTn id="9" presetID="1" presetClass="entr" presetSubtype="0" fill="hold" nodeType="clickEffect">
+                                  <p:stCondLst>
+                                    <p:cond delay="0"/>
+                                  </p:stCondLst>
+                                  <p:childTnLst>
+                                    <p:set>
+                                      <p:cBhvr>
+                                        <p:cTn id="10" dur="1" fill="hold">
+                                          <p:stCondLst>
+                                            <p:cond delay="0"/>
+                                          </p:stCondLst>
+                                        </p:cTn>
+                                        <p:tgtEl>
+                                          <p:spTgt spid="3">
+                                            <p:txEl>
+                                              <p:pRg st="0" end="0"/>
+                                            </p:txEl>
+                                          </p:spTgt>
+                                        </p:tgtEl>
+                                        <p:attrNameLst>
+                                          <p:attrName>style.visibility</p:attrName>
+                                        </p:attrNameLst>
+                                      </p:cBhvr>
+                                      <p:to>
+                                        <p:strVal val="visible"/>
+                                      </p:to>
+                                    </p:set>
+                                  </p:childTnLst>
+                                </p:cTn>
+                              </p:par>
+                              <p:par>
+                                <p:cTn id="11" presetID="1" presetClass="entr" presetSubtype="0" fill="hold" nodeType="withEffect">
+                                  <p:stCondLst>
+                                    <p:cond delay="0"/>
+                                  </p:stCondLst>
+                                  <p:childTnLst>
+                                    <p:set>
+                                      <p:cBhvr>
+                                        <p:cTn id="12" dur="1" fill="hold">
+                                          <p:stCondLst>
+                                            <p:cond delay="0"/>
+                                          </p:stCondLst>
+                                        </p:cTn>
+                                        <p:tgtEl>
+                                          <p:spTgt spid="3">
+                                            <p:txEl>
+                                              <p:pRg st="1" end="1"/>
+                                            </p:txEl>
+                                          </p:spTgt>
+                                        </p:tgtEl>
+                                        <p:attrNameLst>
+                                          <p:attrName>style.visibility</p:attrName>
+                                        </p:attrNameLst>
+                                      </p:cBhvr>
+                                      <p:to>
+                                        <p:strVal val="visible"/>
+                                      </p:to>
+                                    </p:set>
+                                  </p:childTnLst>
+                                </p:cTn>
+                              </p:par>
+                              <p:par>
+                                <p:cTn id="13" presetID="1" presetClass="entr" presetSubtype="0" fill="hold" nodeType="withEffect">
+                                  <p:stCondLst>
+                                    <p:cond delay="0"/>
+                                  </p:stCondLst>
+                                  <p:childTnLst>
+                                    <p:set>
+                                      <p:cBhvr>
+                                        <p:cTn id="14" dur="1" fill="hold">
+                                          <p:stCondLst>
+                                            <p:cond delay="0"/>
+                                          </p:stCondLst>
+                                        </p:cTn>
+                                        <p:tgtEl>
+                                          <p:spTgt spid="3">
+                                            <p:txEl>
+                                              <p:pRg st="2" end="2"/>
+                                            </p:txEl>
+                                          </p:spTgt>
+                                        </p:tgtEl>
+                                        <p:attrNameLst>
+                                          <p:attrName>style.visibility</p:attrName>
+                                        </p:attrNameLst>
+                                      </p:cBhvr>
+                                      <p:to>
+                                        <p:strVal val="visible"/>
+                                      </p:to>
+                                    </p:set>
+                                  </p:childTnLst>
+                                </p:cTn>
+                              </p:par>
+                              <p:par>
+                                <p:cTn id="15" presetID="1" presetClass="entr" presetSubtype="0" fill="hold" nodeType="withEffect">
+                                  <p:stCondLst>
+                                    <p:cond delay="0"/>
+                                  </p:stCondLst>
+                                  <p:childTnLst>
+                                    <p:set>
+                                      <p:cBhvr>
+                                        <p:cTn id="16" dur="1" fill="hold">
+                                          <p:stCondLst>
+                                            <p:cond delay="0"/>
+                                          </p:stCondLst>
+                                        </p:cTn>
+                                        <p:tgtEl>
+                                          <p:spTgt spid="3">
+                                            <p:txEl>
+                                              <p:pRg st="3" end="3"/>
+                                            </p:txEl>
+                                          </p:spTgt>
+                                        </p:tgtEl>
+                                        <p:attrNameLst>
+                                          <p:attrName>style.visibility</p:attrName>
+                                        </p:attrNameLst>
+                                      </p:cBhvr>
+                                      <p:to>
+                                        <p:strVal val="visible"/>
+                                      </p:to>
+                                    </p:set>
+                                  </p:childTnLst>
+                                </p:cTn>
+                              </p:par>
+                              <p:par>
+                                <p:cTn id="17" presetID="1" presetClass="entr" presetSubtype="0" fill="hold" nodeType="withEffect">
+                                  <p:stCondLst>
+                                    <p:cond delay="0"/>
+                                  </p:stCondLst>
+                                  <p:childTnLst>
+                                    <p:set>
+                                      <p:cBhvr>
+                                        <p:cTn id="18" dur="1" fill="hold">
+                                          <p:stCondLst>
+                                            <p:cond delay="0"/>
+                                          </p:stCondLst>
+                                        </p:cTn>
+                                        <p:tgtEl>
+                                          <p:spTgt spid="3">
+                                            <p:txEl>
+                                              <p:pRg st="4" end="4"/>
+                                            </p:txEl>
+                                          </p:spTgt>
+                                        </p:tgtEl>
+                                        <p:attrNameLst>
+                                          <p:attrName>style.visibility</p:attrName>
+                                        </p:attrNameLst>
+                                      </p:cBhvr>
+                                      <p:to>
+                                        <p:strVal val="visible"/>
+                                      </p:to>
+                                    </p:set>
+                                  </p:childTnLst>
+                                </p:cTn>
+                              </p:par>
+                            </p:childTnLst>
+                          </p:cTn>
+                        </p:par>
+                      </p:childTnLst>
+                    </p:cTn>
+                  </p:par>
+                </p:childTnLst>
+              </p:cTn>
+              <p:prevCondLst>
+                <p:cond evt="onPrev" delay="0">
+                  <p:tgtEl>
+                    <p:sldTgt/>
+                  </p:tgtEl>
+                </p:cond>
+              </p:prevCondLst>
+              <p:nextCondLst>
+                <p:cond evt="onNext" delay="0">
+                  <p:tgtEl>
+                    <p:sldTgt/>
+                  </p:tgtEl>
+                </p:cond>
+              </p:nextCondLst>
+            </p:seq>
+          </p:childTnLst>
+        </p:cTn>
+      </p:par>
+    </p:tnLst>
+    <p:bldLst>
+      <p:bldP spid="2" grpId="0"/>
+    </p:bldLst>
+  </p:timing>
 </p:sld>
 </file>
 
@@ -6111,7 +10020,7 @@
           <p:cNvPr id="5" name="Tittel 4">
             <a:extLst>
               <a:ext uri="{FF2B5EF4-FFF2-40B4-BE49-F238E27FC236}">
-                <a16:creationId xmlns:a16="http://schemas.microsoft.com/office/drawing/2014/main" id="{2C87160E-E0AC-4B5B-B4DF-3D7D87F3356D}"/>
+                <a16:creationId xmlns:a16="http://schemas.microsoft.com/office/drawing/2014/main" id="{5F47B98C-DAD6-42CE-B724-1E32BC6C3762}"/>
               </a:ext>
             </a:extLst>
           </p:cNvPr>
@@ -6127,7 +10036,7 @@
           <a:bodyPr/>
           <a:lstStyle/>
           <a:p>
-            <a:endParaRPr lang="nb-NO" dirty="0"/>
+            <a:endParaRPr lang="nb-NO"/>
           </a:p>
         </p:txBody>
       </p:sp>
@@ -6136,7 +10045,7 @@
           <p:cNvPr id="7" name="Plassholder for innhold 6">
             <a:extLst>
               <a:ext uri="{FF2B5EF4-FFF2-40B4-BE49-F238E27FC236}">
-                <a16:creationId xmlns:a16="http://schemas.microsoft.com/office/drawing/2014/main" id="{9CDFEF26-1886-462A-AEE6-3844A99202FE}"/>
+                <a16:creationId xmlns:a16="http://schemas.microsoft.com/office/drawing/2014/main" id="{A5CD06E1-7454-4D44-9B9F-BB65E31A45E1}"/>
               </a:ext>
             </a:extLst>
           </p:cNvPr>
@@ -6155,8 +10064,8 @@
         </p:blipFill>
         <p:spPr>
           <a:xfrm>
-            <a:off x="4164442" y="118230"/>
-            <a:ext cx="3863116" cy="6621539"/>
+            <a:off x="1574482" y="340332"/>
+            <a:ext cx="9191249" cy="5929839"/>
           </a:xfrm>
           <a:prstGeom prst="rect">
             <a:avLst/>
@@ -6166,7 +10075,7 @@
     </p:spTree>
     <p:extLst>
       <p:ext uri="{BB962C8B-B14F-4D97-AF65-F5344CB8AC3E}">
-        <p14:creationId xmlns:p14="http://schemas.microsoft.com/office/powerpoint/2010/main" val="2787374013"/>
+        <p14:creationId xmlns:p14="http://schemas.microsoft.com/office/powerpoint/2010/main" val="1465750772"/>
       </p:ext>
     </p:extLst>
   </p:cSld>
@@ -6177,6 +10086,941 @@
 </file>
 
 <file path=ppt/slides/slide6.xml><?xml version="1.0" encoding="utf-8"?>
+<p:sld xmlns:a="http://schemas.openxmlformats.org/drawingml/2006/main" xmlns:r="http://schemas.openxmlformats.org/officeDocument/2006/relationships" xmlns:p="http://schemas.openxmlformats.org/presentationml/2006/main">
+  <p:cSld>
+    <p:bg>
+      <p:bgPr>
+        <a:solidFill>
+          <a:schemeClr val="bg2"/>
+        </a:solidFill>
+        <a:effectLst/>
+      </p:bgPr>
+    </p:bg>
+    <p:spTree>
+      <p:nvGrpSpPr>
+        <p:cNvPr id="1" name=""/>
+        <p:cNvGrpSpPr/>
+        <p:nvPr/>
+      </p:nvGrpSpPr>
+      <p:grpSpPr>
+        <a:xfrm>
+          <a:off x="0" y="0"/>
+          <a:ext cx="0" cy="0"/>
+          <a:chOff x="0" y="0"/>
+          <a:chExt cx="0" cy="0"/>
+        </a:xfrm>
+      </p:grpSpPr>
+      <p:sp>
+        <p:nvSpPr>
+          <p:cNvPr id="9" name="Rectangle 8">
+            <a:extLst>
+              <a:ext uri="{FF2B5EF4-FFF2-40B4-BE49-F238E27FC236}">
+                <a16:creationId xmlns:a16="http://schemas.microsoft.com/office/drawing/2014/main" id="{D35D61A1-8484-4749-8AD0-A3455E0753C5}"/>
+              </a:ext>
+              <a:ext uri="{C183D7F6-B498-43B3-948B-1728B52AA6E4}">
+                <adec:decorative xmlns:adec="http://schemas.microsoft.com/office/drawing/2017/decorative" val="1"/>
+              </a:ext>
+            </a:extLst>
+          </p:cNvPr>
+          <p:cNvSpPr>
+            <a:spLocks noGrp="1" noRot="1" noChangeAspect="1" noMove="1" noResize="1" noEditPoints="1" noAdjustHandles="1" noChangeArrowheads="1" noChangeShapeType="1" noTextEdit="1"/>
+          </p:cNvSpPr>
+          <p:nvPr>
+            <p:extLst>
+              <p:ext uri="{386F3935-93C4-4BCD-93E2-E3B085C9AB24}">
+                <p16:designElem xmlns:p16="http://schemas.microsoft.com/office/powerpoint/2015/main" val="1"/>
+              </p:ext>
+            </p:extLst>
+          </p:nvPr>
+        </p:nvSpPr>
+        <p:spPr>
+          <a:xfrm>
+            <a:off x="0" y="0"/>
+            <a:ext cx="12192000" cy="6858000"/>
+          </a:xfrm>
+          <a:prstGeom prst="rect">
+            <a:avLst/>
+          </a:prstGeom>
+          <a:solidFill>
+            <a:schemeClr val="bg1">
+              <a:lumMod val="85000"/>
+            </a:schemeClr>
+          </a:solidFill>
+          <a:ln>
+            <a:noFill/>
+          </a:ln>
+        </p:spPr>
+        <p:style>
+          <a:lnRef idx="2">
+            <a:schemeClr val="accent1">
+              <a:shade val="50000"/>
+            </a:schemeClr>
+          </a:lnRef>
+          <a:fillRef idx="1">
+            <a:schemeClr val="accent1"/>
+          </a:fillRef>
+          <a:effectRef idx="0">
+            <a:schemeClr val="accent1"/>
+          </a:effectRef>
+          <a:fontRef idx="minor">
+            <a:schemeClr val="lt1"/>
+          </a:fontRef>
+        </p:style>
+        <p:txBody>
+          <a:bodyPr rtlCol="0" anchor="ctr"/>
+          <a:lstStyle/>
+          <a:p>
+            <a:pPr algn="ctr"/>
+            <a:endParaRPr lang="en-US"/>
+          </a:p>
+        </p:txBody>
+      </p:sp>
+      <p:sp>
+        <p:nvSpPr>
+          <p:cNvPr id="2" name="Tittel 1">
+            <a:extLst>
+              <a:ext uri="{FF2B5EF4-FFF2-40B4-BE49-F238E27FC236}">
+                <a16:creationId xmlns:a16="http://schemas.microsoft.com/office/drawing/2014/main" id="{24AD472A-49FE-4475-AF8C-9C42D11E5846}"/>
+              </a:ext>
+            </a:extLst>
+          </p:cNvPr>
+          <p:cNvSpPr>
+            <a:spLocks noGrp="1"/>
+          </p:cNvSpPr>
+          <p:nvPr>
+            <p:ph type="title"/>
+          </p:nvPr>
+        </p:nvSpPr>
+        <p:spPr>
+          <a:xfrm>
+            <a:off x="838200" y="365125"/>
+            <a:ext cx="10515600" cy="1325563"/>
+          </a:xfrm>
+        </p:spPr>
+        <p:txBody>
+          <a:bodyPr vert="horz" lIns="91440" tIns="45720" rIns="91440" bIns="45720" rtlCol="0" anchor="ctr">
+            <a:normAutofit/>
+          </a:bodyPr>
+          <a:lstStyle/>
+          <a:p>
+            <a:r>
+              <a:rPr lang="en-US" b="1"/>
+              <a:t>Eksempel</a:t>
+            </a:r>
+            <a:r>
+              <a:rPr lang="en-US"/>
+              <a:t> En enkel gjettekode</a:t>
+            </a:r>
+          </a:p>
+        </p:txBody>
+      </p:sp>
+      <p:sp>
+        <p:nvSpPr>
+          <p:cNvPr id="11" name="Rounded Rectangle 5">
+            <a:extLst>
+              <a:ext uri="{FF2B5EF4-FFF2-40B4-BE49-F238E27FC236}">
+                <a16:creationId xmlns:a16="http://schemas.microsoft.com/office/drawing/2014/main" id="{1447903E-2B66-479D-959B-F2EBB2CC901F}"/>
+              </a:ext>
+              <a:ext uri="{C183D7F6-B498-43B3-948B-1728B52AA6E4}">
+                <adec:decorative xmlns:adec="http://schemas.microsoft.com/office/drawing/2017/decorative" val="1"/>
+              </a:ext>
+            </a:extLst>
+          </p:cNvPr>
+          <p:cNvSpPr>
+            <a:spLocks noGrp="1" noRot="1" noChangeAspect="1" noMove="1" noResize="1" noEditPoints="1" noAdjustHandles="1" noChangeArrowheads="1" noChangeShapeType="1" noTextEdit="1"/>
+          </p:cNvSpPr>
+          <p:nvPr>
+            <p:extLst>
+              <p:ext uri="{386F3935-93C4-4BCD-93E2-E3B085C9AB24}">
+                <p16:designElem xmlns:p16="http://schemas.microsoft.com/office/powerpoint/2015/main" val="1"/>
+              </p:ext>
+            </p:extLst>
+          </p:nvPr>
+        </p:nvSpPr>
+        <p:spPr>
+          <a:xfrm>
+            <a:off x="838200" y="1828801"/>
+            <a:ext cx="10515600" cy="4362450"/>
+          </a:xfrm>
+          <a:prstGeom prst="roundRect">
+            <a:avLst>
+              <a:gd name="adj" fmla="val 0"/>
+            </a:avLst>
+          </a:prstGeom>
+          <a:solidFill>
+            <a:srgbClr val="FFFFFF"/>
+          </a:solidFill>
+          <a:ln w="9525">
+            <a:solidFill>
+              <a:srgbClr val="C8CACA"/>
+            </a:solidFill>
+          </a:ln>
+          <a:effectLst>
+            <a:outerShdw blurRad="57150" dist="19050" dir="5400000" algn="t" rotWithShape="0">
+              <a:prstClr val="black">
+                <a:alpha val="63000"/>
+              </a:prstClr>
+            </a:outerShdw>
+          </a:effectLst>
+        </p:spPr>
+        <p:style>
+          <a:lnRef idx="2">
+            <a:schemeClr val="accent1">
+              <a:shade val="50000"/>
+            </a:schemeClr>
+          </a:lnRef>
+          <a:fillRef idx="1">
+            <a:schemeClr val="accent1"/>
+          </a:fillRef>
+          <a:effectRef idx="0">
+            <a:schemeClr val="accent1"/>
+          </a:effectRef>
+          <a:fontRef idx="minor">
+            <a:schemeClr val="lt1"/>
+          </a:fontRef>
+        </p:style>
+        <p:txBody>
+          <a:bodyPr rtlCol="0" anchor="ctr"/>
+          <a:lstStyle/>
+          <a:p>
+            <a:pPr algn="ctr"/>
+            <a:endParaRPr lang="en-US"/>
+          </a:p>
+        </p:txBody>
+      </p:sp>
+      <p:pic>
+        <p:nvPicPr>
+          <p:cNvPr id="4" name="Plassholder for innhold 3">
+            <a:extLst>
+              <a:ext uri="{FF2B5EF4-FFF2-40B4-BE49-F238E27FC236}">
+                <a16:creationId xmlns:a16="http://schemas.microsoft.com/office/drawing/2014/main" id="{5B6CEF39-C27A-4E28-8F50-2B2E18EF7E3C}"/>
+              </a:ext>
+            </a:extLst>
+          </p:cNvPr>
+          <p:cNvPicPr>
+            <a:picLocks noGrp="1" noChangeAspect="1"/>
+          </p:cNvPicPr>
+          <p:nvPr>
+            <p:ph idx="1"/>
+          </p:nvPr>
+        </p:nvPicPr>
+        <p:blipFill rotWithShape="1">
+          <a:blip r:embed="rId2"/>
+          <a:srcRect l="3" r="176" b="-1"/>
+          <a:stretch/>
+        </p:blipFill>
+        <p:spPr>
+          <a:xfrm>
+            <a:off x="1158240" y="2149222"/>
+            <a:ext cx="9875520" cy="3721608"/>
+          </a:xfrm>
+          <a:prstGeom prst="rect">
+            <a:avLst/>
+          </a:prstGeom>
+          <a:effectLst/>
+        </p:spPr>
+      </p:pic>
+    </p:spTree>
+    <p:extLst>
+      <p:ext uri="{BB962C8B-B14F-4D97-AF65-F5344CB8AC3E}">
+        <p14:creationId xmlns:p14="http://schemas.microsoft.com/office/powerpoint/2010/main" val="3581917072"/>
+      </p:ext>
+    </p:extLst>
+  </p:cSld>
+  <p:clrMapOvr>
+    <a:masterClrMapping/>
+  </p:clrMapOvr>
+</p:sld>
+</file>
+
+<file path=ppt/slides/slide7.xml><?xml version="1.0" encoding="utf-8"?>
+<p:sld xmlns:a="http://schemas.openxmlformats.org/drawingml/2006/main" xmlns:r="http://schemas.openxmlformats.org/officeDocument/2006/relationships" xmlns:p="http://schemas.openxmlformats.org/presentationml/2006/main">
+  <p:cSld>
+    <p:bg>
+      <p:bgPr>
+        <a:solidFill>
+          <a:schemeClr val="bg1"/>
+        </a:solidFill>
+        <a:effectLst/>
+      </p:bgPr>
+    </p:bg>
+    <p:spTree>
+      <p:nvGrpSpPr>
+        <p:cNvPr id="1" name=""/>
+        <p:cNvGrpSpPr/>
+        <p:nvPr/>
+      </p:nvGrpSpPr>
+      <p:grpSpPr>
+        <a:xfrm>
+          <a:off x="0" y="0"/>
+          <a:ext cx="0" cy="0"/>
+          <a:chOff x="0" y="0"/>
+          <a:chExt cx="0" cy="0"/>
+        </a:xfrm>
+      </p:grpSpPr>
+      <p:sp>
+        <p:nvSpPr>
+          <p:cNvPr id="9" name="Rectangle 8">
+            <a:extLst>
+              <a:ext uri="{FF2B5EF4-FFF2-40B4-BE49-F238E27FC236}">
+                <a16:creationId xmlns:a16="http://schemas.microsoft.com/office/drawing/2014/main" id="{E8D41CF8-5232-42BC-8D05-AFEDE215398E}"/>
+              </a:ext>
+              <a:ext uri="{C183D7F6-B498-43B3-948B-1728B52AA6E4}">
+                <adec:decorative xmlns:adec="http://schemas.microsoft.com/office/drawing/2017/decorative" val="1"/>
+              </a:ext>
+            </a:extLst>
+          </p:cNvPr>
+          <p:cNvSpPr>
+            <a:spLocks noGrp="1" noRot="1" noChangeAspect="1" noMove="1" noResize="1" noEditPoints="1" noAdjustHandles="1" noChangeArrowheads="1" noChangeShapeType="1" noTextEdit="1"/>
+          </p:cNvSpPr>
+          <p:nvPr>
+            <p:extLst>
+              <p:ext uri="{386F3935-93C4-4BCD-93E2-E3B085C9AB24}">
+                <p16:designElem xmlns:p16="http://schemas.microsoft.com/office/powerpoint/2015/main" val="1"/>
+              </p:ext>
+            </p:extLst>
+          </p:nvPr>
+        </p:nvSpPr>
+        <p:spPr>
+          <a:xfrm>
+            <a:off x="0" y="-11256"/>
+            <a:ext cx="12192000" cy="6869256"/>
+          </a:xfrm>
+          <a:prstGeom prst="rect">
+            <a:avLst/>
+          </a:prstGeom>
+          <a:solidFill>
+            <a:schemeClr val="bg1">
+              <a:lumMod val="85000"/>
+              <a:alpha val="70000"/>
+            </a:schemeClr>
+          </a:solidFill>
+          <a:ln>
+            <a:noFill/>
+          </a:ln>
+        </p:spPr>
+        <p:style>
+          <a:lnRef idx="2">
+            <a:schemeClr val="accent1">
+              <a:shade val="50000"/>
+            </a:schemeClr>
+          </a:lnRef>
+          <a:fillRef idx="1">
+            <a:schemeClr val="accent1"/>
+          </a:fillRef>
+          <a:effectRef idx="0">
+            <a:schemeClr val="accent1"/>
+          </a:effectRef>
+          <a:fontRef idx="minor">
+            <a:schemeClr val="lt1"/>
+          </a:fontRef>
+        </p:style>
+        <p:txBody>
+          <a:bodyPr rtlCol="0" anchor="ctr"/>
+          <a:lstStyle/>
+          <a:p>
+            <a:pPr algn="ctr"/>
+            <a:endParaRPr lang="en-US" dirty="0"/>
+          </a:p>
+        </p:txBody>
+      </p:sp>
+      <p:sp>
+        <p:nvSpPr>
+          <p:cNvPr id="2" name="Tittel 1">
+            <a:extLst>
+              <a:ext uri="{FF2B5EF4-FFF2-40B4-BE49-F238E27FC236}">
+                <a16:creationId xmlns:a16="http://schemas.microsoft.com/office/drawing/2014/main" id="{450B6412-A985-430D-BDEA-37D185400ED1}"/>
+              </a:ext>
+            </a:extLst>
+          </p:cNvPr>
+          <p:cNvSpPr>
+            <a:spLocks noGrp="1"/>
+          </p:cNvSpPr>
+          <p:nvPr>
+            <p:ph type="title"/>
+          </p:nvPr>
+        </p:nvSpPr>
+        <p:spPr>
+          <a:xfrm>
+            <a:off x="838200" y="365125"/>
+            <a:ext cx="10515600" cy="1325563"/>
+          </a:xfrm>
+        </p:spPr>
+        <p:txBody>
+          <a:bodyPr vert="horz" lIns="91440" tIns="45720" rIns="91440" bIns="45720" rtlCol="0" anchor="ctr">
+            <a:normAutofit/>
+          </a:bodyPr>
+          <a:lstStyle/>
+          <a:p>
+            <a:r>
+              <a:rPr lang="en-US" kern="1200">
+                <a:solidFill>
+                  <a:schemeClr val="tx1"/>
+                </a:solidFill>
+                <a:latin typeface="+mj-lt"/>
+                <a:ea typeface="+mj-ea"/>
+                <a:cs typeface="+mj-cs"/>
+              </a:rPr>
+              <a:t>Utvider koden med flere betingelser</a:t>
+            </a:r>
+          </a:p>
+        </p:txBody>
+      </p:sp>
+      <p:sp>
+        <p:nvSpPr>
+          <p:cNvPr id="11" name="Rounded Rectangle 5">
+            <a:extLst>
+              <a:ext uri="{FF2B5EF4-FFF2-40B4-BE49-F238E27FC236}">
+                <a16:creationId xmlns:a16="http://schemas.microsoft.com/office/drawing/2014/main" id="{49237091-E62C-4878-AA4C-0B9995ADB28F}"/>
+              </a:ext>
+              <a:ext uri="{C183D7F6-B498-43B3-948B-1728B52AA6E4}">
+                <adec:decorative xmlns:adec="http://schemas.microsoft.com/office/drawing/2017/decorative" val="1"/>
+              </a:ext>
+            </a:extLst>
+          </p:cNvPr>
+          <p:cNvSpPr>
+            <a:spLocks noGrp="1" noRot="1" noChangeAspect="1" noMove="1" noResize="1" noEditPoints="1" noAdjustHandles="1" noChangeArrowheads="1" noChangeShapeType="1" noTextEdit="1"/>
+          </p:cNvSpPr>
+          <p:nvPr>
+            <p:extLst>
+              <p:ext uri="{386F3935-93C4-4BCD-93E2-E3B085C9AB24}">
+                <p16:designElem xmlns:p16="http://schemas.microsoft.com/office/powerpoint/2015/main" val="1"/>
+              </p:ext>
+            </p:extLst>
+          </p:nvPr>
+        </p:nvSpPr>
+        <p:spPr>
+          <a:xfrm>
+            <a:off x="838200" y="1828801"/>
+            <a:ext cx="10515600" cy="4362450"/>
+          </a:xfrm>
+          <a:prstGeom prst="roundRect">
+            <a:avLst>
+              <a:gd name="adj" fmla="val 0"/>
+            </a:avLst>
+          </a:prstGeom>
+          <a:solidFill>
+            <a:srgbClr val="FFFFFF"/>
+          </a:solidFill>
+          <a:ln w="9525">
+            <a:solidFill>
+              <a:srgbClr val="C8CACA"/>
+            </a:solidFill>
+          </a:ln>
+          <a:effectLst>
+            <a:outerShdw blurRad="57150" dist="19050" dir="5400000" algn="t" rotWithShape="0">
+              <a:prstClr val="black">
+                <a:alpha val="63000"/>
+              </a:prstClr>
+            </a:outerShdw>
+          </a:effectLst>
+        </p:spPr>
+        <p:style>
+          <a:lnRef idx="2">
+            <a:schemeClr val="accent1">
+              <a:shade val="50000"/>
+            </a:schemeClr>
+          </a:lnRef>
+          <a:fillRef idx="1">
+            <a:schemeClr val="accent1"/>
+          </a:fillRef>
+          <a:effectRef idx="0">
+            <a:schemeClr val="accent1"/>
+          </a:effectRef>
+          <a:fontRef idx="minor">
+            <a:schemeClr val="lt1"/>
+          </a:fontRef>
+        </p:style>
+        <p:txBody>
+          <a:bodyPr rtlCol="0" anchor="ctr"/>
+          <a:lstStyle/>
+          <a:p>
+            <a:pPr algn="ctr"/>
+            <a:endParaRPr lang="en-US"/>
+          </a:p>
+        </p:txBody>
+      </p:sp>
+      <p:pic>
+        <p:nvPicPr>
+          <p:cNvPr id="4" name="Plassholder for innhold 3">
+            <a:extLst>
+              <a:ext uri="{FF2B5EF4-FFF2-40B4-BE49-F238E27FC236}">
+                <a16:creationId xmlns:a16="http://schemas.microsoft.com/office/drawing/2014/main" id="{7ECDAAAB-8762-4851-855C-3F9EE7744EC2}"/>
+              </a:ext>
+            </a:extLst>
+          </p:cNvPr>
+          <p:cNvPicPr>
+            <a:picLocks noGrp="1" noChangeAspect="1"/>
+          </p:cNvPicPr>
+          <p:nvPr>
+            <p:ph idx="1"/>
+          </p:nvPr>
+        </p:nvPicPr>
+        <p:blipFill>
+          <a:blip r:embed="rId2"/>
+          <a:stretch>
+            <a:fillRect/>
+          </a:stretch>
+        </p:blipFill>
+        <p:spPr>
+          <a:xfrm>
+            <a:off x="2247519" y="2149222"/>
+            <a:ext cx="7696962" cy="3721608"/>
+          </a:xfrm>
+          <a:prstGeom prst="rect">
+            <a:avLst/>
+          </a:prstGeom>
+          <a:effectLst/>
+        </p:spPr>
+      </p:pic>
+    </p:spTree>
+    <p:extLst>
+      <p:ext uri="{BB962C8B-B14F-4D97-AF65-F5344CB8AC3E}">
+        <p14:creationId xmlns:p14="http://schemas.microsoft.com/office/powerpoint/2010/main" val="496905167"/>
+      </p:ext>
+    </p:extLst>
+  </p:cSld>
+  <p:clrMapOvr>
+    <a:masterClrMapping/>
+  </p:clrMapOvr>
+</p:sld>
+</file>
+
+<file path=ppt/slides/slide8.xml><?xml version="1.0" encoding="utf-8"?>
+<p:sld xmlns:a="http://schemas.openxmlformats.org/drawingml/2006/main" xmlns:r="http://schemas.openxmlformats.org/officeDocument/2006/relationships" xmlns:p="http://schemas.openxmlformats.org/presentationml/2006/main">
+  <p:cSld>
+    <p:bg>
+      <p:bgPr>
+        <a:solidFill>
+          <a:schemeClr val="bg1"/>
+        </a:solidFill>
+        <a:effectLst/>
+      </p:bgPr>
+    </p:bg>
+    <p:spTree>
+      <p:nvGrpSpPr>
+        <p:cNvPr id="1" name=""/>
+        <p:cNvGrpSpPr/>
+        <p:nvPr/>
+      </p:nvGrpSpPr>
+      <p:grpSpPr>
+        <a:xfrm>
+          <a:off x="0" y="0"/>
+          <a:ext cx="0" cy="0"/>
+          <a:chOff x="0" y="0"/>
+          <a:chExt cx="0" cy="0"/>
+        </a:xfrm>
+      </p:grpSpPr>
+      <p:sp>
+        <p:nvSpPr>
+          <p:cNvPr id="4" name="Tittel 3">
+            <a:extLst>
+              <a:ext uri="{FF2B5EF4-FFF2-40B4-BE49-F238E27FC236}">
+                <a16:creationId xmlns:a16="http://schemas.microsoft.com/office/drawing/2014/main" id="{99B6CAB7-0232-475F-9C0F-0987AF715EE8}"/>
+              </a:ext>
+            </a:extLst>
+          </p:cNvPr>
+          <p:cNvSpPr>
+            <a:spLocks noGrp="1"/>
+          </p:cNvSpPr>
+          <p:nvPr>
+            <p:ph type="title"/>
+          </p:nvPr>
+        </p:nvSpPr>
+        <p:spPr>
+          <a:xfrm>
+            <a:off x="838200" y="365125"/>
+            <a:ext cx="10515600" cy="1325563"/>
+          </a:xfrm>
+        </p:spPr>
+        <p:txBody>
+          <a:bodyPr vert="horz" lIns="91440" tIns="45720" rIns="91440" bIns="45720" rtlCol="0" anchor="ctr">
+            <a:normAutofit/>
+          </a:bodyPr>
+          <a:lstStyle/>
+          <a:p>
+            <a:r>
+              <a:rPr lang="en-US" sz="4400" dirty="0" err="1"/>
+              <a:t>Betingelser</a:t>
+            </a:r>
+            <a:endParaRPr lang="en-US" sz="4400" dirty="0"/>
+          </a:p>
+        </p:txBody>
+      </p:sp>
+      <p:sp>
+        <p:nvSpPr>
+          <p:cNvPr id="5" name="Plassholder for tekst 4">
+            <a:extLst>
+              <a:ext uri="{FF2B5EF4-FFF2-40B4-BE49-F238E27FC236}">
+                <a16:creationId xmlns:a16="http://schemas.microsoft.com/office/drawing/2014/main" id="{2D4DD916-BD8D-4CC8-A44F-FE3FEB0AC997}"/>
+              </a:ext>
+            </a:extLst>
+          </p:cNvPr>
+          <p:cNvSpPr>
+            <a:spLocks noGrp="1"/>
+          </p:cNvSpPr>
+          <p:nvPr>
+            <p:ph type="body" sz="half" idx="2"/>
+          </p:nvPr>
+        </p:nvSpPr>
+        <p:spPr>
+          <a:xfrm>
+            <a:off x="838200" y="1825625"/>
+            <a:ext cx="3797807" cy="4351338"/>
+          </a:xfrm>
+        </p:spPr>
+        <p:txBody>
+          <a:bodyPr vert="horz" lIns="91440" tIns="45720" rIns="91440" bIns="45720" rtlCol="0">
+            <a:normAutofit/>
+          </a:bodyPr>
+          <a:lstStyle/>
+          <a:p>
+            <a:pPr indent="-228600">
+              <a:buFont typeface="Arial" panose="020B0604020202020204" pitchFamily="34" charset="0"/>
+              <a:buChar char="•"/>
+            </a:pPr>
+            <a:r>
+              <a:rPr lang="en-US" sz="2000" dirty="0" err="1"/>
+              <a:t>Logiske</a:t>
+            </a:r>
+            <a:r>
+              <a:rPr lang="en-US" sz="2000" dirty="0"/>
+              <a:t> </a:t>
+            </a:r>
+            <a:r>
+              <a:rPr lang="en-US" sz="2000" dirty="0" err="1"/>
+              <a:t>operatorer</a:t>
+            </a:r>
+            <a:r>
+              <a:rPr lang="en-US" sz="2000" dirty="0"/>
+              <a:t> lar </a:t>
+            </a:r>
+            <a:r>
+              <a:rPr lang="en-US" sz="2000" dirty="0" err="1"/>
+              <a:t>oss</a:t>
+            </a:r>
+            <a:r>
+              <a:rPr lang="en-US" sz="2000" dirty="0"/>
+              <a:t> </a:t>
+            </a:r>
+            <a:r>
+              <a:rPr lang="en-US" sz="2000" dirty="0" err="1"/>
+              <a:t>sjekke</a:t>
+            </a:r>
+            <a:r>
+              <a:rPr lang="en-US" sz="2000" dirty="0"/>
+              <a:t> </a:t>
+            </a:r>
+            <a:r>
+              <a:rPr lang="en-US" sz="2000" dirty="0" err="1"/>
+              <a:t>flere</a:t>
+            </a:r>
+            <a:r>
+              <a:rPr lang="en-US" sz="2000" dirty="0"/>
+              <a:t> </a:t>
+            </a:r>
+            <a:r>
+              <a:rPr lang="en-US" sz="2000" dirty="0" err="1"/>
+              <a:t>betingelser</a:t>
+            </a:r>
+            <a:r>
+              <a:rPr lang="en-US" sz="2000" dirty="0"/>
+              <a:t> </a:t>
+            </a:r>
+            <a:r>
+              <a:rPr lang="en-US" sz="2000" dirty="0" err="1"/>
+              <a:t>samtidig</a:t>
+            </a:r>
+            <a:endParaRPr lang="en-US" sz="2000" dirty="0"/>
+          </a:p>
+          <a:p>
+            <a:endParaRPr lang="en-US" sz="2000" dirty="0"/>
+          </a:p>
+          <a:p>
+            <a:r>
+              <a:rPr lang="en-US" sz="2000" b="1" dirty="0" err="1"/>
+              <a:t>Eksempel</a:t>
+            </a:r>
+            <a:r>
+              <a:rPr lang="en-US" sz="2000" b="1" dirty="0"/>
+              <a:t> </a:t>
+            </a:r>
+          </a:p>
+          <a:p>
+            <a:endParaRPr lang="en-US" sz="2000" dirty="0"/>
+          </a:p>
+        </p:txBody>
+      </p:sp>
+      <p:pic>
+        <p:nvPicPr>
+          <p:cNvPr id="10" name="Plassholder for innhold 9">
+            <a:extLst>
+              <a:ext uri="{FF2B5EF4-FFF2-40B4-BE49-F238E27FC236}">
+                <a16:creationId xmlns:a16="http://schemas.microsoft.com/office/drawing/2014/main" id="{DFF1A743-F91E-477D-9B99-F7038AFE5EE4}"/>
+              </a:ext>
+            </a:extLst>
+          </p:cNvPr>
+          <p:cNvPicPr>
+            <a:picLocks noGrp="1" noChangeAspect="1"/>
+          </p:cNvPicPr>
+          <p:nvPr>
+            <p:ph idx="1"/>
+          </p:nvPr>
+        </p:nvPicPr>
+        <p:blipFill rotWithShape="1">
+          <a:blip r:embed="rId2"/>
+          <a:srcRect b="4766"/>
+          <a:stretch/>
+        </p:blipFill>
+        <p:spPr>
+          <a:xfrm>
+            <a:off x="5120640" y="1221093"/>
+            <a:ext cx="6233160" cy="4272681"/>
+          </a:xfrm>
+          <a:prstGeom prst="rect">
+            <a:avLst/>
+          </a:prstGeom>
+        </p:spPr>
+      </p:pic>
+      <p:pic>
+        <p:nvPicPr>
+          <p:cNvPr id="6" name="Bilde 5">
+            <a:extLst>
+              <a:ext uri="{FF2B5EF4-FFF2-40B4-BE49-F238E27FC236}">
+                <a16:creationId xmlns:a16="http://schemas.microsoft.com/office/drawing/2014/main" id="{36FE66BD-0295-429F-BCF7-DA57D9325DBA}"/>
+              </a:ext>
+            </a:extLst>
+          </p:cNvPr>
+          <p:cNvPicPr>
+            <a:picLocks noChangeAspect="1"/>
+          </p:cNvPicPr>
+          <p:nvPr/>
+        </p:nvPicPr>
+        <p:blipFill>
+          <a:blip r:embed="rId3"/>
+          <a:stretch>
+            <a:fillRect/>
+          </a:stretch>
+        </p:blipFill>
+        <p:spPr>
+          <a:xfrm>
+            <a:off x="518344" y="3240520"/>
+            <a:ext cx="4451972" cy="1021764"/>
+          </a:xfrm>
+          <a:prstGeom prst="rect">
+            <a:avLst/>
+          </a:prstGeom>
+        </p:spPr>
+      </p:pic>
+      <p:pic>
+        <p:nvPicPr>
+          <p:cNvPr id="8" name="Bilde 7">
+            <a:extLst>
+              <a:ext uri="{FF2B5EF4-FFF2-40B4-BE49-F238E27FC236}">
+                <a16:creationId xmlns:a16="http://schemas.microsoft.com/office/drawing/2014/main" id="{F08A7477-4468-410E-B991-DB249E0DD1B1}"/>
+              </a:ext>
+            </a:extLst>
+          </p:cNvPr>
+          <p:cNvPicPr>
+            <a:picLocks noChangeAspect="1"/>
+          </p:cNvPicPr>
+          <p:nvPr/>
+        </p:nvPicPr>
+        <p:blipFill>
+          <a:blip r:embed="rId4"/>
+          <a:stretch>
+            <a:fillRect/>
+          </a:stretch>
+        </p:blipFill>
+        <p:spPr>
+          <a:xfrm>
+            <a:off x="518344" y="5046099"/>
+            <a:ext cx="3895725" cy="895350"/>
+          </a:xfrm>
+          <a:prstGeom prst="rect">
+            <a:avLst/>
+          </a:prstGeom>
+        </p:spPr>
+      </p:pic>
+    </p:spTree>
+    <p:extLst>
+      <p:ext uri="{BB962C8B-B14F-4D97-AF65-F5344CB8AC3E}">
+        <p14:creationId xmlns:p14="http://schemas.microsoft.com/office/powerpoint/2010/main" val="1479970915"/>
+      </p:ext>
+    </p:extLst>
+  </p:cSld>
+  <p:clrMapOvr>
+    <a:masterClrMapping/>
+  </p:clrMapOvr>
+  <p:timing>
+    <p:tnLst>
+      <p:par>
+        <p:cTn id="1" dur="indefinite" restart="never" nodeType="tmRoot">
+          <p:childTnLst>
+            <p:seq concurrent="1" nextAc="seek">
+              <p:cTn id="2" dur="indefinite" nodeType="mainSeq">
+                <p:childTnLst>
+                  <p:par>
+                    <p:cTn id="3" fill="hold">
+                      <p:stCondLst>
+                        <p:cond delay="indefinite"/>
+                      </p:stCondLst>
+                      <p:childTnLst>
+                        <p:par>
+                          <p:cTn id="4" fill="hold">
+                            <p:stCondLst>
+                              <p:cond delay="0"/>
+                            </p:stCondLst>
+                            <p:childTnLst>
+                              <p:par>
+                                <p:cTn id="5" presetID="1" presetClass="entr" presetSubtype="0" fill="hold" nodeType="clickEffect">
+                                  <p:stCondLst>
+                                    <p:cond delay="0"/>
+                                  </p:stCondLst>
+                                  <p:childTnLst>
+                                    <p:set>
+                                      <p:cBhvr>
+                                        <p:cTn id="6" dur="1" fill="hold">
+                                          <p:stCondLst>
+                                            <p:cond delay="0"/>
+                                          </p:stCondLst>
+                                        </p:cTn>
+                                        <p:tgtEl>
+                                          <p:spTgt spid="10"/>
+                                        </p:tgtEl>
+                                        <p:attrNameLst>
+                                          <p:attrName>style.visibility</p:attrName>
+                                        </p:attrNameLst>
+                                      </p:cBhvr>
+                                      <p:to>
+                                        <p:strVal val="visible"/>
+                                      </p:to>
+                                    </p:set>
+                                  </p:childTnLst>
+                                </p:cTn>
+                              </p:par>
+                            </p:childTnLst>
+                          </p:cTn>
+                        </p:par>
+                      </p:childTnLst>
+                    </p:cTn>
+                  </p:par>
+                  <p:par>
+                    <p:cTn id="7" fill="hold">
+                      <p:stCondLst>
+                        <p:cond delay="indefinite"/>
+                      </p:stCondLst>
+                      <p:childTnLst>
+                        <p:par>
+                          <p:cTn id="8" fill="hold">
+                            <p:stCondLst>
+                              <p:cond delay="0"/>
+                            </p:stCondLst>
+                            <p:childTnLst>
+                              <p:par>
+                                <p:cTn id="9" presetID="1" presetClass="entr" presetSubtype="0" fill="hold" nodeType="clickEffect">
+                                  <p:stCondLst>
+                                    <p:cond delay="0"/>
+                                  </p:stCondLst>
+                                  <p:childTnLst>
+                                    <p:set>
+                                      <p:cBhvr>
+                                        <p:cTn id="10" dur="1" fill="hold">
+                                          <p:stCondLst>
+                                            <p:cond delay="0"/>
+                                          </p:stCondLst>
+                                        </p:cTn>
+                                        <p:tgtEl>
+                                          <p:spTgt spid="6"/>
+                                        </p:tgtEl>
+                                        <p:attrNameLst>
+                                          <p:attrName>style.visibility</p:attrName>
+                                        </p:attrNameLst>
+                                      </p:cBhvr>
+                                      <p:to>
+                                        <p:strVal val="visible"/>
+                                      </p:to>
+                                    </p:set>
+                                  </p:childTnLst>
+                                </p:cTn>
+                              </p:par>
+                            </p:childTnLst>
+                          </p:cTn>
+                        </p:par>
+                      </p:childTnLst>
+                    </p:cTn>
+                  </p:par>
+                  <p:par>
+                    <p:cTn id="11" fill="hold">
+                      <p:stCondLst>
+                        <p:cond delay="indefinite"/>
+                      </p:stCondLst>
+                      <p:childTnLst>
+                        <p:par>
+                          <p:cTn id="12" fill="hold">
+                            <p:stCondLst>
+                              <p:cond delay="0"/>
+                            </p:stCondLst>
+                            <p:childTnLst>
+                              <p:par>
+                                <p:cTn id="13" presetID="1" presetClass="entr" presetSubtype="0" fill="hold" nodeType="clickEffect">
+                                  <p:stCondLst>
+                                    <p:cond delay="0"/>
+                                  </p:stCondLst>
+                                  <p:childTnLst>
+                                    <p:set>
+                                      <p:cBhvr>
+                                        <p:cTn id="14" dur="1" fill="hold">
+                                          <p:stCondLst>
+                                            <p:cond delay="0"/>
+                                          </p:stCondLst>
+                                        </p:cTn>
+                                        <p:tgtEl>
+                                          <p:spTgt spid="8"/>
+                                        </p:tgtEl>
+                                        <p:attrNameLst>
+                                          <p:attrName>style.visibility</p:attrName>
+                                        </p:attrNameLst>
+                                      </p:cBhvr>
+                                      <p:to>
+                                        <p:strVal val="visible"/>
+                                      </p:to>
+                                    </p:set>
+                                  </p:childTnLst>
+                                </p:cTn>
+                              </p:par>
+                            </p:childTnLst>
+                          </p:cTn>
+                        </p:par>
+                      </p:childTnLst>
+                    </p:cTn>
+                  </p:par>
+                </p:childTnLst>
+              </p:cTn>
+              <p:prevCondLst>
+                <p:cond evt="onPrev" delay="0">
+                  <p:tgtEl>
+                    <p:sldTgt/>
+                  </p:tgtEl>
+                </p:cond>
+              </p:prevCondLst>
+              <p:nextCondLst>
+                <p:cond evt="onNext" delay="0">
+                  <p:tgtEl>
+                    <p:sldTgt/>
+                  </p:tgtEl>
+                </p:cond>
+              </p:nextCondLst>
+            </p:seq>
+          </p:childTnLst>
+        </p:cTn>
+      </p:par>
+    </p:tnLst>
+  </p:timing>
+</p:sld>
+</file>
+
+<file path=ppt/slides/slide9.xml><?xml version="1.0" encoding="utf-8"?>
 <p:sld xmlns:a="http://schemas.openxmlformats.org/drawingml/2006/main" xmlns:r="http://schemas.openxmlformats.org/officeDocument/2006/relationships" xmlns:p="http://schemas.openxmlformats.org/presentationml/2006/main">
   <p:cSld>
     <p:bg>
@@ -6448,569 +11292,6 @@
     <p:extLst>
       <p:ext uri="{BB962C8B-B14F-4D97-AF65-F5344CB8AC3E}">
         <p14:creationId xmlns:p14="http://schemas.microsoft.com/office/powerpoint/2010/main" val="1726899102"/>
-      </p:ext>
-    </p:extLst>
-  </p:cSld>
-  <p:clrMapOvr>
-    <a:masterClrMapping/>
-  </p:clrMapOvr>
-</p:sld>
-</file>
-
-<file path=ppt/slides/slide7.xml><?xml version="1.0" encoding="utf-8"?>
-<p:sld xmlns:a="http://schemas.openxmlformats.org/drawingml/2006/main" xmlns:r="http://schemas.openxmlformats.org/officeDocument/2006/relationships" xmlns:p="http://schemas.openxmlformats.org/presentationml/2006/main">
-  <p:cSld>
-    <p:bg>
-      <p:bgPr>
-        <a:solidFill>
-          <a:schemeClr val="bg1"/>
-        </a:solidFill>
-        <a:effectLst/>
-      </p:bgPr>
-    </p:bg>
-    <p:spTree>
-      <p:nvGrpSpPr>
-        <p:cNvPr id="1" name=""/>
-        <p:cNvGrpSpPr/>
-        <p:nvPr/>
-      </p:nvGrpSpPr>
-      <p:grpSpPr>
-        <a:xfrm>
-          <a:off x="0" y="0"/>
-          <a:ext cx="0" cy="0"/>
-          <a:chOff x="0" y="0"/>
-          <a:chExt cx="0" cy="0"/>
-        </a:xfrm>
-      </p:grpSpPr>
-      <p:sp>
-        <p:nvSpPr>
-          <p:cNvPr id="2" name="Tittel 1">
-            <a:extLst>
-              <a:ext uri="{FF2B5EF4-FFF2-40B4-BE49-F238E27FC236}">
-                <a16:creationId xmlns:a16="http://schemas.microsoft.com/office/drawing/2014/main" id="{1B2B7BE1-1D35-4F7A-9305-35BE2681C716}"/>
-              </a:ext>
-            </a:extLst>
-          </p:cNvPr>
-          <p:cNvSpPr>
-            <a:spLocks noGrp="1"/>
-          </p:cNvSpPr>
-          <p:nvPr>
-            <p:ph type="title"/>
-          </p:nvPr>
-        </p:nvSpPr>
-        <p:spPr>
-          <a:xfrm>
-            <a:off x="8540496" y="640080"/>
-            <a:ext cx="2799907" cy="2306320"/>
-          </a:xfrm>
-        </p:spPr>
-        <p:txBody>
-          <a:bodyPr anchor="b">
-            <a:normAutofit/>
-          </a:bodyPr>
-          <a:lstStyle/>
-          <a:p>
-            <a:r>
-              <a:rPr lang="nb-NO" sz="4000"/>
-              <a:t>Sjekk av en tekst</a:t>
-            </a:r>
-          </a:p>
-        </p:txBody>
-      </p:sp>
-      <p:pic>
-        <p:nvPicPr>
-          <p:cNvPr id="4" name="Plassholder for innhold 3">
-            <a:extLst>
-              <a:ext uri="{FF2B5EF4-FFF2-40B4-BE49-F238E27FC236}">
-                <a16:creationId xmlns:a16="http://schemas.microsoft.com/office/drawing/2014/main" id="{4A64744F-CB98-4A96-B48D-F0CC722949F8}"/>
-              </a:ext>
-            </a:extLst>
-          </p:cNvPr>
-          <p:cNvPicPr>
-            <a:picLocks noChangeAspect="1"/>
-          </p:cNvPicPr>
-          <p:nvPr/>
-        </p:nvPicPr>
-        <p:blipFill>
-          <a:blip r:embed="rId2"/>
-          <a:stretch>
-            <a:fillRect/>
-          </a:stretch>
-        </p:blipFill>
-        <p:spPr>
-          <a:xfrm>
-            <a:off x="642109" y="1783088"/>
-            <a:ext cx="7254920" cy="3291823"/>
-          </a:xfrm>
-          <a:prstGeom prst="rect">
-            <a:avLst/>
-          </a:prstGeom>
-        </p:spPr>
-      </p:pic>
-      <p:sp>
-        <p:nvSpPr>
-          <p:cNvPr id="18" name="Content Placeholder 7">
-            <a:extLst>
-              <a:ext uri="{FF2B5EF4-FFF2-40B4-BE49-F238E27FC236}">
-                <a16:creationId xmlns:a16="http://schemas.microsoft.com/office/drawing/2014/main" id="{2C2073D1-B384-4A5D-AFC1-3C3234129BB0}"/>
-              </a:ext>
-            </a:extLst>
-          </p:cNvPr>
-          <p:cNvSpPr>
-            <a:spLocks noGrp="1"/>
-          </p:cNvSpPr>
-          <p:nvPr>
-            <p:ph idx="1"/>
-          </p:nvPr>
-        </p:nvSpPr>
-        <p:spPr>
-          <a:xfrm>
-            <a:off x="8566150" y="3136900"/>
-            <a:ext cx="2774253" cy="3077633"/>
-          </a:xfrm>
-        </p:spPr>
-        <p:txBody>
-          <a:bodyPr>
-            <a:normAutofit/>
-          </a:bodyPr>
-          <a:lstStyle/>
-          <a:p>
-            <a:endParaRPr lang="en-US" sz="1800"/>
-          </a:p>
-        </p:txBody>
-      </p:sp>
-    </p:spTree>
-    <p:extLst>
-      <p:ext uri="{BB962C8B-B14F-4D97-AF65-F5344CB8AC3E}">
-        <p14:creationId xmlns:p14="http://schemas.microsoft.com/office/powerpoint/2010/main" val="938720025"/>
-      </p:ext>
-    </p:extLst>
-  </p:cSld>
-  <p:clrMapOvr>
-    <a:masterClrMapping/>
-  </p:clrMapOvr>
-</p:sld>
-</file>
-
-<file path=ppt/slides/slide8.xml><?xml version="1.0" encoding="utf-8"?>
-<p:sld xmlns:a="http://schemas.openxmlformats.org/drawingml/2006/main" xmlns:r="http://schemas.openxmlformats.org/officeDocument/2006/relationships" xmlns:p="http://schemas.openxmlformats.org/presentationml/2006/main">
-  <p:cSld>
-    <p:bg>
-      <p:bgPr>
-        <a:solidFill>
-          <a:schemeClr val="bg1"/>
-        </a:solidFill>
-        <a:effectLst/>
-      </p:bgPr>
-    </p:bg>
-    <p:spTree>
-      <p:nvGrpSpPr>
-        <p:cNvPr id="1" name=""/>
-        <p:cNvGrpSpPr/>
-        <p:nvPr/>
-      </p:nvGrpSpPr>
-      <p:grpSpPr>
-        <a:xfrm>
-          <a:off x="0" y="0"/>
-          <a:ext cx="0" cy="0"/>
-          <a:chOff x="0" y="0"/>
-          <a:chExt cx="0" cy="0"/>
-        </a:xfrm>
-      </p:grpSpPr>
-      <p:sp>
-        <p:nvSpPr>
-          <p:cNvPr id="2" name="Tittel 1">
-            <a:extLst>
-              <a:ext uri="{FF2B5EF4-FFF2-40B4-BE49-F238E27FC236}">
-                <a16:creationId xmlns:a16="http://schemas.microsoft.com/office/drawing/2014/main" id="{F5FACBDC-D219-4664-82A4-7B6CEFDA425A}"/>
-              </a:ext>
-            </a:extLst>
-          </p:cNvPr>
-          <p:cNvSpPr>
-            <a:spLocks noGrp="1"/>
-          </p:cNvSpPr>
-          <p:nvPr>
-            <p:ph type="title"/>
-          </p:nvPr>
-        </p:nvSpPr>
-        <p:spPr>
-          <a:xfrm>
-            <a:off x="7854694" y="640081"/>
-            <a:ext cx="3731174" cy="5574451"/>
-          </a:xfrm>
-        </p:spPr>
-        <p:txBody>
-          <a:bodyPr vert="horz" lIns="91440" tIns="45720" rIns="91440" bIns="45720" rtlCol="0" anchor="ctr">
-            <a:normAutofit/>
-          </a:bodyPr>
-          <a:lstStyle/>
-          <a:p>
-            <a:r>
-              <a:rPr lang="en-US" kern="1200">
-                <a:solidFill>
-                  <a:schemeClr val="tx1"/>
-                </a:solidFill>
-                <a:latin typeface="+mj-lt"/>
-                <a:ea typeface="+mj-ea"/>
-                <a:cs typeface="+mj-cs"/>
-              </a:rPr>
-              <a:t>Sjekk av et tall</a:t>
-            </a:r>
-          </a:p>
-        </p:txBody>
-      </p:sp>
-      <p:pic>
-        <p:nvPicPr>
-          <p:cNvPr id="4" name="Plassholder for innhold 3">
-            <a:extLst>
-              <a:ext uri="{FF2B5EF4-FFF2-40B4-BE49-F238E27FC236}">
-                <a16:creationId xmlns:a16="http://schemas.microsoft.com/office/drawing/2014/main" id="{186AC1C6-755A-4A23-9CFB-4B2725BB5733}"/>
-              </a:ext>
-            </a:extLst>
-          </p:cNvPr>
-          <p:cNvPicPr>
-            <a:picLocks noGrp="1" noChangeAspect="1"/>
-          </p:cNvPicPr>
-          <p:nvPr>
-            <p:ph idx="1"/>
-          </p:nvPr>
-        </p:nvPicPr>
-        <p:blipFill>
-          <a:blip r:embed="rId2"/>
-          <a:stretch>
-            <a:fillRect/>
-          </a:stretch>
-        </p:blipFill>
-        <p:spPr>
-          <a:xfrm>
-            <a:off x="643466" y="1516717"/>
-            <a:ext cx="6891189" cy="3821180"/>
-          </a:xfrm>
-          <a:prstGeom prst="rect">
-            <a:avLst/>
-          </a:prstGeom>
-        </p:spPr>
-      </p:pic>
-    </p:spTree>
-    <p:extLst>
-      <p:ext uri="{BB962C8B-B14F-4D97-AF65-F5344CB8AC3E}">
-        <p14:creationId xmlns:p14="http://schemas.microsoft.com/office/powerpoint/2010/main" val="2500729025"/>
-      </p:ext>
-    </p:extLst>
-  </p:cSld>
-  <p:clrMapOvr>
-    <a:masterClrMapping/>
-  </p:clrMapOvr>
-</p:sld>
-</file>
-
-<file path=ppt/slides/slide9.xml><?xml version="1.0" encoding="utf-8"?>
-<p:sld xmlns:a="http://schemas.openxmlformats.org/drawingml/2006/main" xmlns:r="http://schemas.openxmlformats.org/officeDocument/2006/relationships" xmlns:p="http://schemas.openxmlformats.org/presentationml/2006/main">
-  <p:cSld>
-    <p:bg>
-      <p:bgPr>
-        <a:solidFill>
-          <a:schemeClr val="bg1"/>
-        </a:solidFill>
-        <a:effectLst/>
-      </p:bgPr>
-    </p:bg>
-    <p:spTree>
-      <p:nvGrpSpPr>
-        <p:cNvPr id="1" name=""/>
-        <p:cNvGrpSpPr/>
-        <p:nvPr/>
-      </p:nvGrpSpPr>
-      <p:grpSpPr>
-        <a:xfrm>
-          <a:off x="0" y="0"/>
-          <a:ext cx="0" cy="0"/>
-          <a:chOff x="0" y="0"/>
-          <a:chExt cx="0" cy="0"/>
-        </a:xfrm>
-      </p:grpSpPr>
-      <p:sp>
-        <p:nvSpPr>
-          <p:cNvPr id="14" name="Rectangle 11">
-            <a:extLst>
-              <a:ext uri="{FF2B5EF4-FFF2-40B4-BE49-F238E27FC236}">
-                <a16:creationId xmlns:a16="http://schemas.microsoft.com/office/drawing/2014/main" id="{CEB41C5C-0F34-4DDA-9D7C-5E717F35F60C}"/>
-              </a:ext>
-              <a:ext uri="{C183D7F6-B498-43B3-948B-1728B52AA6E4}">
-                <adec:decorative xmlns:adec="http://schemas.microsoft.com/office/drawing/2017/decorative" val="1"/>
-              </a:ext>
-            </a:extLst>
-          </p:cNvPr>
-          <p:cNvSpPr>
-            <a:spLocks noGrp="1" noRot="1" noChangeAspect="1" noMove="1" noResize="1" noEditPoints="1" noAdjustHandles="1" noChangeArrowheads="1" noChangeShapeType="1" noTextEdit="1"/>
-          </p:cNvSpPr>
-          <p:nvPr>
-            <p:extLst>
-              <p:ext uri="{386F3935-93C4-4BCD-93E2-E3B085C9AB24}">
-                <p16:designElem xmlns:p16="http://schemas.microsoft.com/office/powerpoint/2015/main" val="1"/>
-              </p:ext>
-            </p:extLst>
-          </p:nvPr>
-        </p:nvSpPr>
-        <p:spPr bwMode="ltGray">
-          <a:xfrm>
-            <a:off x="6134677" y="303591"/>
-            <a:ext cx="5735590" cy="5896743"/>
-          </a:xfrm>
-          <a:prstGeom prst="rect">
-            <a:avLst/>
-          </a:prstGeom>
-          <a:solidFill>
-            <a:schemeClr val="tx1">
-              <a:alpha val="15000"/>
-            </a:schemeClr>
-          </a:solidFill>
-          <a:ln w="127000" cap="sq" cmpd="thinThick">
-            <a:solidFill>
-              <a:schemeClr val="tx1">
-                <a:alpha val="10000"/>
-              </a:schemeClr>
-            </a:solidFill>
-          </a:ln>
-        </p:spPr>
-        <p:style>
-          <a:lnRef idx="2">
-            <a:schemeClr val="accent1">
-              <a:shade val="50000"/>
-            </a:schemeClr>
-          </a:lnRef>
-          <a:fillRef idx="1">
-            <a:schemeClr val="accent1"/>
-          </a:fillRef>
-          <a:effectRef idx="0">
-            <a:schemeClr val="accent1"/>
-          </a:effectRef>
-          <a:fontRef idx="minor">
-            <a:schemeClr val="lt1"/>
-          </a:fontRef>
-        </p:style>
-        <p:txBody>
-          <a:bodyPr rtlCol="0" anchor="ctr"/>
-          <a:lstStyle/>
-          <a:p>
-            <a:pPr algn="ctr"/>
-            <a:endParaRPr lang="en-US"/>
-          </a:p>
-        </p:txBody>
-      </p:sp>
-      <p:sp>
-        <p:nvSpPr>
-          <p:cNvPr id="4" name="Tittel 3">
-            <a:extLst>
-              <a:ext uri="{FF2B5EF4-FFF2-40B4-BE49-F238E27FC236}">
-                <a16:creationId xmlns:a16="http://schemas.microsoft.com/office/drawing/2014/main" id="{2F36FA0E-FF81-424E-983F-B7410767BA7E}"/>
-              </a:ext>
-            </a:extLst>
-          </p:cNvPr>
-          <p:cNvSpPr>
-            <a:spLocks noGrp="1"/>
-          </p:cNvSpPr>
-          <p:nvPr>
-            <p:ph type="title"/>
-          </p:nvPr>
-        </p:nvSpPr>
-        <p:spPr>
-          <a:xfrm>
-            <a:off x="6392598" y="640263"/>
-            <a:ext cx="5221266" cy="1344975"/>
-          </a:xfrm>
-        </p:spPr>
-        <p:txBody>
-          <a:bodyPr vert="horz" lIns="91440" tIns="45720" rIns="91440" bIns="45720" rtlCol="0" anchor="ctr">
-            <a:normAutofit/>
-          </a:bodyPr>
-          <a:lstStyle/>
-          <a:p>
-            <a:pPr algn="ctr"/>
-            <a:r>
-              <a:rPr lang="en-US" sz="4000" kern="1200">
-                <a:solidFill>
-                  <a:schemeClr val="tx1"/>
-                </a:solidFill>
-                <a:latin typeface="+mj-lt"/>
-                <a:ea typeface="+mj-ea"/>
-                <a:cs typeface="+mj-cs"/>
-              </a:rPr>
-              <a:t>Flere if-setninger</a:t>
-            </a:r>
-          </a:p>
-        </p:txBody>
-      </p:sp>
-      <p:pic>
-        <p:nvPicPr>
-          <p:cNvPr id="7" name="Plassholder for innhold 3">
-            <a:extLst>
-              <a:ext uri="{FF2B5EF4-FFF2-40B4-BE49-F238E27FC236}">
-                <a16:creationId xmlns:a16="http://schemas.microsoft.com/office/drawing/2014/main" id="{E8720D8C-DB80-4879-B5BA-894719E19A4E}"/>
-              </a:ext>
-            </a:extLst>
-          </p:cNvPr>
-          <p:cNvPicPr>
-            <a:picLocks noGrp="1" noChangeAspect="1"/>
-          </p:cNvPicPr>
-          <p:nvPr>
-            <p:ph idx="1"/>
-          </p:nvPr>
-        </p:nvPicPr>
-        <p:blipFill>
-          <a:blip r:embed="rId2"/>
-          <a:stretch>
-            <a:fillRect/>
-          </a:stretch>
-        </p:blipFill>
-        <p:spPr>
-          <a:xfrm>
-            <a:off x="1385347" y="484632"/>
-            <a:ext cx="3325305" cy="5733287"/>
-          </a:xfrm>
-          <a:prstGeom prst="rect">
-            <a:avLst/>
-          </a:prstGeom>
-        </p:spPr>
-      </p:pic>
-      <p:sp>
-        <p:nvSpPr>
-          <p:cNvPr id="6" name="Plassholder for tekst 5">
-            <a:extLst>
-              <a:ext uri="{FF2B5EF4-FFF2-40B4-BE49-F238E27FC236}">
-                <a16:creationId xmlns:a16="http://schemas.microsoft.com/office/drawing/2014/main" id="{90074A3A-AFF6-453E-9094-22C4B20824AC}"/>
-              </a:ext>
-            </a:extLst>
-          </p:cNvPr>
-          <p:cNvSpPr>
-            <a:spLocks noGrp="1"/>
-          </p:cNvSpPr>
-          <p:nvPr>
-            <p:ph type="body" sz="half" idx="2"/>
-          </p:nvPr>
-        </p:nvSpPr>
-        <p:spPr>
-          <a:xfrm>
-            <a:off x="6391903" y="2121763"/>
-            <a:ext cx="5235490" cy="3773010"/>
-          </a:xfrm>
-        </p:spPr>
-        <p:txBody>
-          <a:bodyPr vert="horz" lIns="91440" tIns="45720" rIns="91440" bIns="45720" rtlCol="0">
-            <a:normAutofit/>
-          </a:bodyPr>
-          <a:lstStyle/>
-          <a:p>
-            <a:pPr indent="-228600">
-              <a:buFont typeface="Arial" panose="020B0604020202020204" pitchFamily="34" charset="0"/>
-              <a:buChar char="•"/>
-            </a:pPr>
-            <a:r>
-              <a:rPr lang="en-US" sz="2000" dirty="0" err="1"/>
-              <a:t>Flere</a:t>
-            </a:r>
-            <a:r>
-              <a:rPr lang="en-US" sz="2000" dirty="0"/>
-              <a:t> </a:t>
-            </a:r>
-            <a:r>
-              <a:rPr lang="en-US" sz="2000" dirty="0" err="1"/>
-              <a:t>betingelser</a:t>
-            </a:r>
-            <a:r>
-              <a:rPr lang="en-US" sz="2000" dirty="0"/>
-              <a:t> </a:t>
-            </a:r>
-            <a:r>
-              <a:rPr lang="en-US" sz="2000" dirty="0" err="1"/>
-              <a:t>som</a:t>
-            </a:r>
-            <a:r>
-              <a:rPr lang="en-US" sz="2000" dirty="0"/>
-              <a:t> </a:t>
-            </a:r>
-            <a:r>
-              <a:rPr lang="en-US" sz="2000" dirty="0" err="1"/>
-              <a:t>ikke</a:t>
-            </a:r>
-            <a:r>
-              <a:rPr lang="en-US" sz="2000" dirty="0"/>
-              <a:t> </a:t>
-            </a:r>
-            <a:r>
-              <a:rPr lang="en-US" sz="2000" dirty="0" err="1"/>
-              <a:t>skal</a:t>
-            </a:r>
-            <a:r>
-              <a:rPr lang="en-US" sz="2000" dirty="0"/>
-              <a:t> </a:t>
-            </a:r>
-            <a:r>
-              <a:rPr lang="en-US" sz="2000" dirty="0" err="1"/>
-              <a:t>utelukke</a:t>
-            </a:r>
-            <a:endParaRPr lang="en-US" sz="2000" dirty="0"/>
-          </a:p>
-          <a:p>
-            <a:r>
-              <a:rPr lang="en-US" sz="2000" dirty="0"/>
-              <a:t> </a:t>
-            </a:r>
-            <a:r>
-              <a:rPr lang="en-US" sz="2000" dirty="0" err="1"/>
-              <a:t>hverandre</a:t>
-            </a:r>
-            <a:endParaRPr lang="en-US" sz="2000" dirty="0"/>
-          </a:p>
-          <a:p>
-            <a:pPr indent="-228600">
-              <a:buFont typeface="Arial" panose="020B0604020202020204" pitchFamily="34" charset="0"/>
-              <a:buChar char="•"/>
-            </a:pPr>
-            <a:endParaRPr lang="en-US" sz="2000" dirty="0"/>
-          </a:p>
-          <a:p>
-            <a:pPr indent="-228600">
-              <a:buFont typeface="Arial" panose="020B0604020202020204" pitchFamily="34" charset="0"/>
-              <a:buChar char="•"/>
-            </a:pPr>
-            <a:endParaRPr lang="en-US" sz="2000" dirty="0"/>
-          </a:p>
-          <a:p>
-            <a:pPr indent="-228600">
-              <a:buFont typeface="Arial" panose="020B0604020202020204" pitchFamily="34" charset="0"/>
-              <a:buChar char="•"/>
-            </a:pPr>
-            <a:r>
-              <a:rPr lang="en-US" sz="2000"/>
-              <a:t>EKSEMPEL</a:t>
-            </a:r>
-            <a:r>
-              <a:rPr lang="en-US" sz="2000" dirty="0"/>
-              <a:t> </a:t>
-            </a:r>
-            <a:r>
-              <a:rPr lang="en-US" sz="2000"/>
-              <a:t>Side </a:t>
-            </a:r>
-            <a:r>
-              <a:rPr lang="en-US" sz="2000" dirty="0"/>
-              <a:t>82</a:t>
-            </a:r>
-          </a:p>
-          <a:p>
-            <a:pPr indent="-228600">
-              <a:buFont typeface="Arial" panose="020B0604020202020204" pitchFamily="34" charset="0"/>
-              <a:buChar char="•"/>
-            </a:pPr>
-            <a:endParaRPr lang="en-US" sz="2000" dirty="0"/>
-          </a:p>
-        </p:txBody>
-      </p:sp>
-    </p:spTree>
-    <p:extLst>
-      <p:ext uri="{BB962C8B-B14F-4D97-AF65-F5344CB8AC3E}">
-        <p14:creationId xmlns:p14="http://schemas.microsoft.com/office/powerpoint/2010/main" val="4244248154"/>
       </p:ext>
     </p:extLst>
   </p:cSld>
@@ -7322,6 +11603,15 @@
 </file>
 
 <file path=customXml/item2.xml><?xml version="1.0" encoding="utf-8"?>
+<?mso-contentType ?>
+<FormTemplates xmlns="http://schemas.microsoft.com/sharepoint/v3/contenttype/forms">
+  <Display>DocumentLibraryForm</Display>
+  <Edit>DocumentLibraryForm</Edit>
+  <New>DocumentLibraryForm</New>
+</FormTemplates>
+</file>
+
+<file path=customXml/item3.xml><?xml version="1.0" encoding="utf-8"?>
 <ct:contentTypeSchema xmlns:ct="http://schemas.microsoft.com/office/2006/metadata/contentType" xmlns:ma="http://schemas.microsoft.com/office/2006/metadata/properties/metaAttributes" ct:_="" ma:_="" ma:contentTypeName="Dokument" ma:contentTypeID="0x01010045865D2A2404A340A9116C967D5A8A18" ma:contentTypeVersion="8" ma:contentTypeDescription="Opprett et nytt dokument." ma:contentTypeScope="" ma:versionID="c1170821e5ddd0badc770b112e96b910">
   <xsd:schema xmlns:xsd="http://www.w3.org/2001/XMLSchema" xmlns:xs="http://www.w3.org/2001/XMLSchema" xmlns:p="http://schemas.microsoft.com/office/2006/metadata/properties" xmlns:ns3="7ee59893-5bfb-4ba5-ba61-3f9ac5a63a3a" targetNamespace="http://schemas.microsoft.com/office/2006/metadata/properties" ma:root="true" ma:fieldsID="105b5d8b40729520ebc3a32ed622274c" ns3:_="">
     <xsd:import namespace="7ee59893-5bfb-4ba5-ba61-3f9ac5a63a3a"/>
@@ -7491,25 +11781,16 @@
 </ct:contentTypeSchema>
 </file>
 
-<file path=customXml/item3.xml><?xml version="1.0" encoding="utf-8"?>
-<?mso-contentType ?>
-<FormTemplates xmlns="http://schemas.microsoft.com/sharepoint/v3/contenttype/forms">
-  <Display>DocumentLibraryForm</Display>
-  <Edit>DocumentLibraryForm</Edit>
-  <New>DocumentLibraryForm</New>
-</FormTemplates>
-</file>
-
 <file path=customXml/itemProps1.xml><?xml version="1.0" encoding="utf-8"?>
 <ds:datastoreItem xmlns:ds="http://schemas.openxmlformats.org/officeDocument/2006/customXml" ds:itemID="{03188BD2-6331-4AC0-ACBD-59B36333B9BE}">
   <ds:schemaRefs>
+    <ds:schemaRef ds:uri="7ee59893-5bfb-4ba5-ba61-3f9ac5a63a3a"/>
     <ds:schemaRef ds:uri="http://purl.org/dc/terms/"/>
     <ds:schemaRef ds:uri="http://schemas.openxmlformats.org/package/2006/metadata/core-properties"/>
     <ds:schemaRef ds:uri="http://schemas.microsoft.com/office/2006/documentManagement/types"/>
     <ds:schemaRef ds:uri="http://schemas.microsoft.com/office/infopath/2007/PartnerControls"/>
     <ds:schemaRef ds:uri="http://purl.org/dc/elements/1.1/"/>
     <ds:schemaRef ds:uri="http://schemas.microsoft.com/office/2006/metadata/properties"/>
-    <ds:schemaRef ds:uri="7ee59893-5bfb-4ba5-ba61-3f9ac5a63a3a"/>
     <ds:schemaRef ds:uri="http://www.w3.org/XML/1998/namespace"/>
     <ds:schemaRef ds:uri="http://purl.org/dc/dcmitype/"/>
   </ds:schemaRefs>
@@ -7517,6 +11798,14 @@
 </file>
 
 <file path=customXml/itemProps2.xml><?xml version="1.0" encoding="utf-8"?>
+<ds:datastoreItem xmlns:ds="http://schemas.openxmlformats.org/officeDocument/2006/customXml" ds:itemID="{40A7389C-67ED-4A67-8CE0-430CDB24FF13}">
+  <ds:schemaRefs>
+    <ds:schemaRef ds:uri="http://schemas.microsoft.com/sharepoint/v3/contenttype/forms"/>
+  </ds:schemaRefs>
+</ds:datastoreItem>
+</file>
+
+<file path=customXml/itemProps3.xml><?xml version="1.0" encoding="utf-8"?>
 <ds:datastoreItem xmlns:ds="http://schemas.openxmlformats.org/officeDocument/2006/customXml" ds:itemID="{979D7B94-57B9-4318-AF20-98A83CA85917}">
   <ds:schemaRefs>
     <ds:schemaRef ds:uri="http://schemas.microsoft.com/office/2006/metadata/contentType"/>
@@ -7532,12 +11821,4 @@
     <ds:schemaRef ds:uri="http://schemas.microsoft.com/internal/obd"/>
   </ds:schemaRefs>
 </ds:datastoreItem>
-</file>
-
-<file path=customXml/itemProps3.xml><?xml version="1.0" encoding="utf-8"?>
-<ds:datastoreItem xmlns:ds="http://schemas.openxmlformats.org/officeDocument/2006/customXml" ds:itemID="{40A7389C-67ED-4A67-8CE0-430CDB24FF13}">
-  <ds:schemaRefs>
-    <ds:schemaRef ds:uri="http://schemas.microsoft.com/sharepoint/v3/contenttype/forms"/>
-  </ds:schemaRefs>
-</ds:datastoreItem>
 </file>
--- a/Uke 36/Uke 36.pptx
+++ b/Uke 36/Uke 36.pptx
@@ -132,7 +132,7 @@
 <file path=ppt/revisionInfo.xml><?xml version="1.0" encoding="utf-8"?>
 <p1510:revInfo xmlns:a="http://schemas.openxmlformats.org/drawingml/2006/main" xmlns:r="http://schemas.openxmlformats.org/officeDocument/2006/relationships" xmlns:p1510="http://schemas.microsoft.com/office/powerpoint/2015/10/main">
   <p1510:revLst>
-    <p1510:client id="{4FF3CF91-C155-4B3F-A995-746046771754}" v="121" dt="2019-09-04T12:59:10.595"/>
+    <p1510:client id="{4FF3CF91-C155-4B3F-A995-746046771754}" v="171" dt="2019-09-05T06:37:35.036"/>
   </p1510:revLst>
 </p1510:revInfo>
 </file>
@@ -142,7 +142,7 @@
   <pc:docChgLst>
     <pc:chgData name="Aizan Magomadova" userId="b3d38ecc-02a7-4810-ad44-0e9f513517c5" providerId="ADAL" clId="{4FF3CF91-C155-4B3F-A995-746046771754}"/>
     <pc:docChg chg="undo custSel mod addSld modSld sldOrd">
-      <pc:chgData name="Aizan Magomadova" userId="b3d38ecc-02a7-4810-ad44-0e9f513517c5" providerId="ADAL" clId="{4FF3CF91-C155-4B3F-A995-746046771754}" dt="2019-09-04T12:59:10.595" v="1990"/>
+      <pc:chgData name="Aizan Magomadova" userId="b3d38ecc-02a7-4810-ad44-0e9f513517c5" providerId="ADAL" clId="{4FF3CF91-C155-4B3F-A995-746046771754}" dt="2019-09-05T06:37:35.036" v="2042" actId="20577"/>
       <pc:docMkLst>
         <pc:docMk/>
       </pc:docMkLst>
@@ -689,7 +689,7 @@
         </pc:spChg>
       </pc:sldChg>
       <pc:sldChg chg="modSp add modAnim">
-        <pc:chgData name="Aizan Magomadova" userId="b3d38ecc-02a7-4810-ad44-0e9f513517c5" providerId="ADAL" clId="{4FF3CF91-C155-4B3F-A995-746046771754}" dt="2019-09-04T12:59:10.595" v="1990"/>
+        <pc:chgData name="Aizan Magomadova" userId="b3d38ecc-02a7-4810-ad44-0e9f513517c5" providerId="ADAL" clId="{4FF3CF91-C155-4B3F-A995-746046771754}" dt="2019-09-05T06:37:35.036" v="2042" actId="20577"/>
         <pc:sldMkLst>
           <pc:docMk/>
           <pc:sldMk cId="1469847800" sldId="269"/>
@@ -703,7 +703,7 @@
           </ac:spMkLst>
         </pc:spChg>
         <pc:spChg chg="mod">
-          <ac:chgData name="Aizan Magomadova" userId="b3d38ecc-02a7-4810-ad44-0e9f513517c5" providerId="ADAL" clId="{4FF3CF91-C155-4B3F-A995-746046771754}" dt="2019-09-03T12:22:18.929" v="1052" actId="27636"/>
+          <ac:chgData name="Aizan Magomadova" userId="b3d38ecc-02a7-4810-ad44-0e9f513517c5" providerId="ADAL" clId="{4FF3CF91-C155-4B3F-A995-746046771754}" dt="2019-09-05T06:37:35.036" v="2042" actId="20577"/>
           <ac:spMkLst>
             <pc:docMk/>
             <pc:sldMk cId="1469847800" sldId="269"/>
@@ -1147,7 +1147,7 @@
           <a:p>
             <a:fld id="{EDA6FA72-DEC0-445B-A452-5C18B06E03FC}" type="datetimeFigureOut">
               <a:rPr lang="nb-NO" smtClean="0"/>
-              <a:t>03.09.2019</a:t>
+              <a:t>05.09.2019</a:t>
             </a:fld>
             <a:endParaRPr lang="nb-NO"/>
           </a:p>
@@ -1345,7 +1345,7 @@
           <a:p>
             <a:fld id="{EDA6FA72-DEC0-445B-A452-5C18B06E03FC}" type="datetimeFigureOut">
               <a:rPr lang="nb-NO" smtClean="0"/>
-              <a:t>03.09.2019</a:t>
+              <a:t>05.09.2019</a:t>
             </a:fld>
             <a:endParaRPr lang="nb-NO"/>
           </a:p>
@@ -1553,7 +1553,7 @@
           <a:p>
             <a:fld id="{EDA6FA72-DEC0-445B-A452-5C18B06E03FC}" type="datetimeFigureOut">
               <a:rPr lang="nb-NO" smtClean="0"/>
-              <a:t>03.09.2019</a:t>
+              <a:t>05.09.2019</a:t>
             </a:fld>
             <a:endParaRPr lang="nb-NO"/>
           </a:p>
@@ -1751,7 +1751,7 @@
           <a:p>
             <a:fld id="{EDA6FA72-DEC0-445B-A452-5C18B06E03FC}" type="datetimeFigureOut">
               <a:rPr lang="nb-NO" smtClean="0"/>
-              <a:t>03.09.2019</a:t>
+              <a:t>05.09.2019</a:t>
             </a:fld>
             <a:endParaRPr lang="nb-NO"/>
           </a:p>
@@ -2026,7 +2026,7 @@
           <a:p>
             <a:fld id="{EDA6FA72-DEC0-445B-A452-5C18B06E03FC}" type="datetimeFigureOut">
               <a:rPr lang="nb-NO" smtClean="0"/>
-              <a:t>03.09.2019</a:t>
+              <a:t>05.09.2019</a:t>
             </a:fld>
             <a:endParaRPr lang="nb-NO"/>
           </a:p>
@@ -2291,7 +2291,7 @@
           <a:p>
             <a:fld id="{EDA6FA72-DEC0-445B-A452-5C18B06E03FC}" type="datetimeFigureOut">
               <a:rPr lang="nb-NO" smtClean="0"/>
-              <a:t>03.09.2019</a:t>
+              <a:t>05.09.2019</a:t>
             </a:fld>
             <a:endParaRPr lang="nb-NO"/>
           </a:p>
@@ -2703,7 +2703,7 @@
           <a:p>
             <a:fld id="{EDA6FA72-DEC0-445B-A452-5C18B06E03FC}" type="datetimeFigureOut">
               <a:rPr lang="nb-NO" smtClean="0"/>
-              <a:t>03.09.2019</a:t>
+              <a:t>05.09.2019</a:t>
             </a:fld>
             <a:endParaRPr lang="nb-NO"/>
           </a:p>
@@ -2844,7 +2844,7 @@
           <a:p>
             <a:fld id="{EDA6FA72-DEC0-445B-A452-5C18B06E03FC}" type="datetimeFigureOut">
               <a:rPr lang="nb-NO" smtClean="0"/>
-              <a:t>03.09.2019</a:t>
+              <a:t>05.09.2019</a:t>
             </a:fld>
             <a:endParaRPr lang="nb-NO"/>
           </a:p>
@@ -2957,7 +2957,7 @@
           <a:p>
             <a:fld id="{EDA6FA72-DEC0-445B-A452-5C18B06E03FC}" type="datetimeFigureOut">
               <a:rPr lang="nb-NO" smtClean="0"/>
-              <a:t>03.09.2019</a:t>
+              <a:t>05.09.2019</a:t>
             </a:fld>
             <a:endParaRPr lang="nb-NO"/>
           </a:p>
@@ -3268,7 +3268,7 @@
           <a:p>
             <a:fld id="{EDA6FA72-DEC0-445B-A452-5C18B06E03FC}" type="datetimeFigureOut">
               <a:rPr lang="nb-NO" smtClean="0"/>
-              <a:t>03.09.2019</a:t>
+              <a:t>05.09.2019</a:t>
             </a:fld>
             <a:endParaRPr lang="nb-NO"/>
           </a:p>
@@ -3556,7 +3556,7 @@
           <a:p>
             <a:fld id="{EDA6FA72-DEC0-445B-A452-5C18B06E03FC}" type="datetimeFigureOut">
               <a:rPr lang="nb-NO" smtClean="0"/>
-              <a:t>03.09.2019</a:t>
+              <a:t>05.09.2019</a:t>
             </a:fld>
             <a:endParaRPr lang="nb-NO"/>
           </a:p>
@@ -3797,7 +3797,7 @@
           <a:p>
             <a:fld id="{EDA6FA72-DEC0-445B-A452-5C18B06E03FC}" type="datetimeFigureOut">
               <a:rPr lang="nb-NO" smtClean="0"/>
-              <a:t>03.09.2019</a:t>
+              <a:t>05.09.2019</a:t>
             </a:fld>
             <a:endParaRPr lang="nb-NO"/>
           </a:p>
@@ -7476,7 +7476,7 @@
         <p:spPr/>
         <p:txBody>
           <a:bodyPr>
-            <a:normAutofit lnSpcReduction="10000"/>
+            <a:normAutofit fontScale="92500" lnSpcReduction="20000"/>
           </a:bodyPr>
           <a:lstStyle/>
           <a:p>
@@ -7484,12 +7484,12 @@
               <a:buNone/>
             </a:pPr>
             <a:r>
-              <a:rPr lang="nb-NO" dirty="0">
+              <a:rPr lang="nb-NO" sz="2200" b="1" dirty="0">
                 <a:latin typeface="Arial Narrow" panose="020B0606020202030204" pitchFamily="34" charset="0"/>
               </a:rPr>
               <a:t>Eksempler fra timen:</a:t>
             </a:r>
-            <a:endParaRPr lang="nb-NO" dirty="0">
+            <a:endParaRPr lang="nb-NO" sz="2200" b="1" dirty="0">
               <a:latin typeface="Arial Narrow" panose="020B0606020202030204" pitchFamily="34" charset="0"/>
               <a:hlinkClick r:id="rId2"/>
             </a:endParaRPr>
@@ -7508,9 +7508,19 @@
               <a:buNone/>
             </a:pPr>
             <a:r>
-              <a:rPr lang="nb-NO" dirty="0"/>
-              <a:t>Undervisningsvideoer (Code! Programming med p5js):</a:t>
-            </a:r>
+              <a:rPr lang="nb-NO" sz="2200" b="1" dirty="0"/>
+              <a:t>Undervisningsvideoer (Code! Programming med </a:t>
+            </a:r>
+            <a:r>
+              <a:rPr lang="nb-NO" sz="2200" b="1"/>
+              <a:t>p5js):</a:t>
+            </a:r>
+          </a:p>
+          <a:p>
+            <a:pPr marL="0" indent="0">
+              <a:buNone/>
+            </a:pPr>
+            <a:endParaRPr lang="nb-NO" sz="2200" b="1" dirty="0"/>
           </a:p>
           <a:p>
             <a:r>
@@ -7559,6 +7569,29 @@
               <a:rPr lang="nb-NO" sz="2000" dirty="0"/>
               <a:t>   (ressursside om p5Js)</a:t>
             </a:r>
+          </a:p>
+          <a:p>
+            <a:r>
+              <a:rPr lang="nb-NO" sz="2000" dirty="0">
+                <a:hlinkClick r:id="rId8"/>
+              </a:rPr>
+              <a:t>https://www.lokus.no/open/informasjonsteknologi_2/Toppmeny/YouTube-kanal</a:t>
+            </a:r>
+            <a:r>
+              <a:rPr lang="nb-NO" sz="2000" dirty="0"/>
+              <a:t> </a:t>
+            </a:r>
+            <a:r>
+              <a:rPr lang="nb-NO" sz="2000" b="1" dirty="0">
+                <a:solidFill>
+                  <a:srgbClr val="FF0000"/>
+                </a:solidFill>
+              </a:rPr>
+              <a:t>Undervisningsvideoer ANBEFALES!!!</a:t>
+            </a:r>
+          </a:p>
+          <a:p>
+            <a:endParaRPr lang="nb-NO" sz="2000" dirty="0"/>
           </a:p>
         </p:txBody>
       </p:sp>
@@ -7737,7 +7770,7 @@
                                         <p:tgtEl>
                                           <p:spTgt spid="3">
                                             <p:txEl>
-                                              <p:pRg st="3" end="3"/>
+                                              <p:pRg st="4" end="4"/>
                                             </p:txEl>
                                           </p:spTgt>
                                         </p:tgtEl>
@@ -7755,7 +7788,7 @@
                                         <p:tgtEl>
                                           <p:spTgt spid="3">
                                             <p:txEl>
-                                              <p:pRg st="3" end="3"/>
+                                              <p:pRg st="4" end="4"/>
                                             </p:txEl>
                                           </p:spTgt>
                                         </p:tgtEl>
@@ -7782,7 +7815,7 @@
                                         <p:tgtEl>
                                           <p:spTgt spid="3">
                                             <p:txEl>
-                                              <p:pRg st="3" end="3"/>
+                                              <p:pRg st="4" end="4"/>
                                             </p:txEl>
                                           </p:spTgt>
                                         </p:tgtEl>
@@ -7822,7 +7855,7 @@
                                         <p:tgtEl>
                                           <p:spTgt spid="3">
                                             <p:txEl>
-                                              <p:pRg st="4" end="4"/>
+                                              <p:pRg st="5" end="5"/>
                                             </p:txEl>
                                           </p:spTgt>
                                         </p:tgtEl>
@@ -7840,7 +7873,7 @@
                                         <p:tgtEl>
                                           <p:spTgt spid="3">
                                             <p:txEl>
-                                              <p:pRg st="4" end="4"/>
+                                              <p:pRg st="5" end="5"/>
                                             </p:txEl>
                                           </p:spTgt>
                                         </p:tgtEl>
@@ -7867,7 +7900,7 @@
                                         <p:tgtEl>
                                           <p:spTgt spid="3">
                                             <p:txEl>
-                                              <p:pRg st="4" end="4"/>
+                                              <p:pRg st="5" end="5"/>
                                             </p:txEl>
                                           </p:spTgt>
                                         </p:tgtEl>
@@ -7907,7 +7940,7 @@
                                         <p:tgtEl>
                                           <p:spTgt spid="3">
                                             <p:txEl>
-                                              <p:pRg st="5" end="5"/>
+                                              <p:pRg st="6" end="6"/>
                                             </p:txEl>
                                           </p:spTgt>
                                         </p:tgtEl>
@@ -7925,7 +7958,7 @@
                                         <p:tgtEl>
                                           <p:spTgt spid="3">
                                             <p:txEl>
-                                              <p:pRg st="5" end="5"/>
+                                              <p:pRg st="6" end="6"/>
                                             </p:txEl>
                                           </p:spTgt>
                                         </p:tgtEl>
@@ -7952,7 +7985,7 @@
                                         <p:tgtEl>
                                           <p:spTgt spid="3">
                                             <p:txEl>
-                                              <p:pRg st="5" end="5"/>
+                                              <p:pRg st="6" end="6"/>
                                             </p:txEl>
                                           </p:spTgt>
                                         </p:tgtEl>
@@ -7992,7 +8025,7 @@
                                         <p:tgtEl>
                                           <p:spTgt spid="3">
                                             <p:txEl>
-                                              <p:pRg st="6" end="6"/>
+                                              <p:pRg st="7" end="7"/>
                                             </p:txEl>
                                           </p:spTgt>
                                         </p:tgtEl>
@@ -8010,7 +8043,7 @@
                                         <p:tgtEl>
                                           <p:spTgt spid="3">
                                             <p:txEl>
-                                              <p:pRg st="6" end="6"/>
+                                              <p:pRg st="7" end="7"/>
                                             </p:txEl>
                                           </p:spTgt>
                                         </p:tgtEl>
@@ -8037,7 +8070,7 @@
                                         <p:tgtEl>
                                           <p:spTgt spid="3">
                                             <p:txEl>
-                                              <p:pRg st="6" end="6"/>
+                                              <p:pRg st="7" end="7"/>
                                             </p:txEl>
                                           </p:spTgt>
                                         </p:tgtEl>
@@ -8095,7 +8128,7 @@
                                         <p:tgtEl>
                                           <p:spTgt spid="3">
                                             <p:txEl>
-                                              <p:pRg st="7" end="7"/>
+                                              <p:pRg st="8" end="8"/>
                                             </p:txEl>
                                           </p:spTgt>
                                         </p:tgtEl>
@@ -8113,7 +8146,7 @@
                                         <p:tgtEl>
                                           <p:spTgt spid="3">
                                             <p:txEl>
-                                              <p:pRg st="7" end="7"/>
+                                              <p:pRg st="8" end="8"/>
                                             </p:txEl>
                                           </p:spTgt>
                                         </p:tgtEl>
@@ -8140,7 +8173,110 @@
                                         <p:tgtEl>
                                           <p:spTgt spid="3">
                                             <p:txEl>
-                                              <p:pRg st="7" end="7"/>
+                                              <p:pRg st="8" end="8"/>
+                                            </p:txEl>
+                                          </p:spTgt>
+                                        </p:tgtEl>
+                                        <p:attrNameLst>
+                                          <p:attrName>ppt_y</p:attrName>
+                                        </p:attrNameLst>
+                                      </p:cBhvr>
+                                      <p:tavLst>
+                                        <p:tav tm="0">
+                                          <p:val>
+                                            <p:strVal val="1+#ppt_h/2"/>
+                                          </p:val>
+                                        </p:tav>
+                                        <p:tav tm="100000">
+                                          <p:val>
+                                            <p:strVal val="#ppt_y"/>
+                                          </p:val>
+                                        </p:tav>
+                                      </p:tavLst>
+                                    </p:anim>
+                                  </p:childTnLst>
+                                </p:cTn>
+                              </p:par>
+                            </p:childTnLst>
+                          </p:cTn>
+                        </p:par>
+                      </p:childTnLst>
+                    </p:cTn>
+                  </p:par>
+                  <p:par>
+                    <p:cTn id="37" fill="hold">
+                      <p:stCondLst>
+                        <p:cond delay="indefinite"/>
+                      </p:stCondLst>
+                      <p:childTnLst>
+                        <p:par>
+                          <p:cTn id="38" fill="hold">
+                            <p:stCondLst>
+                              <p:cond delay="0"/>
+                            </p:stCondLst>
+                            <p:childTnLst>
+                              <p:par>
+                                <p:cTn id="39" presetID="2" presetClass="entr" presetSubtype="4" fill="hold" nodeType="clickEffect">
+                                  <p:stCondLst>
+                                    <p:cond delay="0"/>
+                                  </p:stCondLst>
+                                  <p:childTnLst>
+                                    <p:set>
+                                      <p:cBhvr>
+                                        <p:cTn id="40" dur="1" fill="hold">
+                                          <p:stCondLst>
+                                            <p:cond delay="0"/>
+                                          </p:stCondLst>
+                                        </p:cTn>
+                                        <p:tgtEl>
+                                          <p:spTgt spid="3">
+                                            <p:txEl>
+                                              <p:pRg st="9" end="9"/>
+                                            </p:txEl>
+                                          </p:spTgt>
+                                        </p:tgtEl>
+                                        <p:attrNameLst>
+                                          <p:attrName>style.visibility</p:attrName>
+                                        </p:attrNameLst>
+                                      </p:cBhvr>
+                                      <p:to>
+                                        <p:strVal val="visible"/>
+                                      </p:to>
+                                    </p:set>
+                                    <p:anim calcmode="lin" valueType="num">
+                                      <p:cBhvr additive="base">
+                                        <p:cTn id="41" dur="500" fill="hold"/>
+                                        <p:tgtEl>
+                                          <p:spTgt spid="3">
+                                            <p:txEl>
+                                              <p:pRg st="9" end="9"/>
+                                            </p:txEl>
+                                          </p:spTgt>
+                                        </p:tgtEl>
+                                        <p:attrNameLst>
+                                          <p:attrName>ppt_x</p:attrName>
+                                        </p:attrNameLst>
+                                      </p:cBhvr>
+                                      <p:tavLst>
+                                        <p:tav tm="0">
+                                          <p:val>
+                                            <p:strVal val="#ppt_x"/>
+                                          </p:val>
+                                        </p:tav>
+                                        <p:tav tm="100000">
+                                          <p:val>
+                                            <p:strVal val="#ppt_x"/>
+                                          </p:val>
+                                        </p:tav>
+                                      </p:tavLst>
+                                    </p:anim>
+                                    <p:anim calcmode="lin" valueType="num">
+                                      <p:cBhvr additive="base">
+                                        <p:cTn id="42" dur="500" fill="hold"/>
+                                        <p:tgtEl>
+                                          <p:spTgt spid="3">
+                                            <p:txEl>
+                                              <p:pRg st="9" end="9"/>
                                             </p:txEl>
                                           </p:spTgt>
                                         </p:tgtEl>
@@ -11603,15 +11739,6 @@
 </file>
 
 <file path=customXml/item2.xml><?xml version="1.0" encoding="utf-8"?>
-<?mso-contentType ?>
-<FormTemplates xmlns="http://schemas.microsoft.com/sharepoint/v3/contenttype/forms">
-  <Display>DocumentLibraryForm</Display>
-  <Edit>DocumentLibraryForm</Edit>
-  <New>DocumentLibraryForm</New>
-</FormTemplates>
-</file>
-
-<file path=customXml/item3.xml><?xml version="1.0" encoding="utf-8"?>
 <ct:contentTypeSchema xmlns:ct="http://schemas.microsoft.com/office/2006/metadata/contentType" xmlns:ma="http://schemas.microsoft.com/office/2006/metadata/properties/metaAttributes" ct:_="" ma:_="" ma:contentTypeName="Dokument" ma:contentTypeID="0x01010045865D2A2404A340A9116C967D5A8A18" ma:contentTypeVersion="8" ma:contentTypeDescription="Opprett et nytt dokument." ma:contentTypeScope="" ma:versionID="c1170821e5ddd0badc770b112e96b910">
   <xsd:schema xmlns:xsd="http://www.w3.org/2001/XMLSchema" xmlns:xs="http://www.w3.org/2001/XMLSchema" xmlns:p="http://schemas.microsoft.com/office/2006/metadata/properties" xmlns:ns3="7ee59893-5bfb-4ba5-ba61-3f9ac5a63a3a" targetNamespace="http://schemas.microsoft.com/office/2006/metadata/properties" ma:root="true" ma:fieldsID="105b5d8b40729520ebc3a32ed622274c" ns3:_="">
     <xsd:import namespace="7ee59893-5bfb-4ba5-ba61-3f9ac5a63a3a"/>
@@ -11781,16 +11908,25 @@
 </ct:contentTypeSchema>
 </file>
 
+<file path=customXml/item3.xml><?xml version="1.0" encoding="utf-8"?>
+<?mso-contentType ?>
+<FormTemplates xmlns="http://schemas.microsoft.com/sharepoint/v3/contenttype/forms">
+  <Display>DocumentLibraryForm</Display>
+  <Edit>DocumentLibraryForm</Edit>
+  <New>DocumentLibraryForm</New>
+</FormTemplates>
+</file>
+
 <file path=customXml/itemProps1.xml><?xml version="1.0" encoding="utf-8"?>
 <ds:datastoreItem xmlns:ds="http://schemas.openxmlformats.org/officeDocument/2006/customXml" ds:itemID="{03188BD2-6331-4AC0-ACBD-59B36333B9BE}">
   <ds:schemaRefs>
+    <ds:schemaRef ds:uri="http://schemas.microsoft.com/office/2006/metadata/properties"/>
     <ds:schemaRef ds:uri="7ee59893-5bfb-4ba5-ba61-3f9ac5a63a3a"/>
     <ds:schemaRef ds:uri="http://purl.org/dc/terms/"/>
     <ds:schemaRef ds:uri="http://schemas.openxmlformats.org/package/2006/metadata/core-properties"/>
     <ds:schemaRef ds:uri="http://schemas.microsoft.com/office/2006/documentManagement/types"/>
     <ds:schemaRef ds:uri="http://schemas.microsoft.com/office/infopath/2007/PartnerControls"/>
     <ds:schemaRef ds:uri="http://purl.org/dc/elements/1.1/"/>
-    <ds:schemaRef ds:uri="http://schemas.microsoft.com/office/2006/metadata/properties"/>
     <ds:schemaRef ds:uri="http://www.w3.org/XML/1998/namespace"/>
     <ds:schemaRef ds:uri="http://purl.org/dc/dcmitype/"/>
   </ds:schemaRefs>
@@ -11798,14 +11934,6 @@
 </file>
 
 <file path=customXml/itemProps2.xml><?xml version="1.0" encoding="utf-8"?>
-<ds:datastoreItem xmlns:ds="http://schemas.openxmlformats.org/officeDocument/2006/customXml" ds:itemID="{40A7389C-67ED-4A67-8CE0-430CDB24FF13}">
-  <ds:schemaRefs>
-    <ds:schemaRef ds:uri="http://schemas.microsoft.com/sharepoint/v3/contenttype/forms"/>
-  </ds:schemaRefs>
-</ds:datastoreItem>
-</file>
-
-<file path=customXml/itemProps3.xml><?xml version="1.0" encoding="utf-8"?>
 <ds:datastoreItem xmlns:ds="http://schemas.openxmlformats.org/officeDocument/2006/customXml" ds:itemID="{979D7B94-57B9-4318-AF20-98A83CA85917}">
   <ds:schemaRefs>
     <ds:schemaRef ds:uri="http://schemas.microsoft.com/office/2006/metadata/contentType"/>
@@ -11821,4 +11949,12 @@
     <ds:schemaRef ds:uri="http://schemas.microsoft.com/internal/obd"/>
   </ds:schemaRefs>
 </ds:datastoreItem>
+</file>
+
+<file path=customXml/itemProps3.xml><?xml version="1.0" encoding="utf-8"?>
+<ds:datastoreItem xmlns:ds="http://schemas.openxmlformats.org/officeDocument/2006/customXml" ds:itemID="{40A7389C-67ED-4A67-8CE0-430CDB24FF13}">
+  <ds:schemaRefs>
+    <ds:schemaRef ds:uri="http://schemas.microsoft.com/sharepoint/v3/contenttype/forms"/>
+  </ds:schemaRefs>
+</ds:datastoreItem>
 </file>